--- a/slides/Tag-2_3-GitLab-Runner_Light.pptx
+++ b/slides/Tag-2_3-GitLab-Runner_Light.pptx
@@ -12,9 +12,9 @@
     <p:handoutMasterId r:id="rId105"/>
   </p:handoutMasterIdLst>
   <p:sldIdLst>
-    <p:sldId id="288" r:id="rId3"/>
-    <p:sldId id="289" r:id="rId4"/>
-    <p:sldId id="291" r:id="rId5"/>
+    <p:sldId id="726" r:id="rId3"/>
+    <p:sldId id="727" r:id="rId4"/>
+    <p:sldId id="728" r:id="rId5"/>
     <p:sldId id="596" r:id="rId6"/>
     <p:sldId id="599" r:id="rId7"/>
     <p:sldId id="600" r:id="rId8"/>
@@ -10975,7 +10975,7 @@
                 </a:solidFill>
                 <a:latin typeface="Arial" charset="0"/>
               </a:rPr>
-              <a:t>&lt;Autor&gt;</a:t>
+              <a:t>Daniel Krämer &amp; Malte Fischer</a:t>
             </a:r>
           </a:p>
         </p:txBody>
@@ -10997,7 +10997,7 @@
         <p:spPr bwMode="auto">
           <a:xfrm>
             <a:off x="4252913" y="6424613"/>
-            <a:ext cx="1891865" cy="246221"/>
+            <a:ext cx="2161169" cy="246221"/>
           </a:xfrm>
           <a:prstGeom prst="rect">
             <a:avLst/>
@@ -11027,7 +11027,7 @@
                 </a:solidFill>
                 <a:latin typeface="Arial" charset="0"/>
               </a:rPr>
-              <a:t>Tag-3_2_1-GitLab-Runner.ppt</a:t>
+              <a:t>Tag-2_3-GitLab-Runner_Light.pptx</a:t>
             </a:r>
             <a:endParaRPr lang="de-DE" dirty="0">
               <a:solidFill>
@@ -12581,7 +12581,7 @@
         <p:spPr bwMode="auto">
           <a:xfrm>
             <a:off x="468313" y="2562225"/>
-            <a:ext cx="4967287" cy="938213"/>
+            <a:ext cx="5471839" cy="938213"/>
           </a:xfrm>
           <a:prstGeom prst="rect">
             <a:avLst/>
@@ -12614,7 +12614,15 @@
             <a:pPr algn="l" eaLnBrk="1" hangingPunct="1"/>
             <a:r>
               <a:rPr lang="de-DE" altLang="de-DE" sz="3200" dirty="0"/>
-              <a:t>Tag 3: Docker, </a:t>
+              <a:t>Tag 2: Vertiefung </a:t>
+            </a:r>
+            <a:r>
+              <a:rPr lang="de-DE" altLang="de-DE" sz="3200" dirty="0" err="1"/>
+              <a:t>Git</a:t>
+            </a:r>
+            <a:r>
+              <a:rPr lang="de-DE" altLang="de-DE" sz="3200" dirty="0"/>
+              <a:t>-Workflow, CI/CD &amp; </a:t>
             </a:r>
             <a:r>
               <a:rPr lang="de-DE" altLang="de-DE" sz="3200" dirty="0" err="1"/>
@@ -12622,15 +12630,7 @@
             </a:r>
             <a:r>
               <a:rPr lang="de-DE" altLang="de-DE" sz="3200" dirty="0"/>
-              <a:t> CI &amp; </a:t>
-            </a:r>
-            <a:r>
-              <a:rPr lang="de-DE" altLang="de-DE" sz="3200" dirty="0" err="1"/>
-              <a:t>Deployment</a:t>
-            </a:r>
-            <a:r>
-              <a:rPr lang="de-DE" altLang="de-DE" sz="3200" dirty="0"/>
-              <a:t>-Strategien</a:t>
+              <a:t> CI </a:t>
             </a:r>
           </a:p>
         </p:txBody>
@@ -12653,8 +12653,8 @@
         </p:nvSpPr>
         <p:spPr bwMode="auto">
           <a:xfrm>
-            <a:off x="468313" y="4462463"/>
-            <a:ext cx="2159000" cy="622300"/>
+            <a:off x="468312" y="4462463"/>
+            <a:ext cx="4190603" cy="622300"/>
           </a:xfrm>
           <a:prstGeom prst="rect">
             <a:avLst/>
@@ -12689,8 +12689,8 @@
               <a:buNone/>
             </a:pPr>
             <a:r>
-              <a:rPr lang="de-DE" altLang="de-DE" sz="1600"/>
-              <a:t>&lt;Datum, Autor&gt;</a:t>
+              <a:rPr lang="de-DE" altLang="de-DE" sz="1600" dirty="0"/>
+              <a:t>18.06.2024, Daniel Krämer &amp; Malte Fischer</a:t>
             </a:r>
           </a:p>
         </p:txBody>
@@ -12843,18 +12843,54 @@
           </a:lstStyle>
           <a:p>
             <a:pPr eaLnBrk="1" hangingPunct="1"/>
-            <a:r>
-              <a:rPr lang="de-DE" altLang="de-DE" sz="4400">
-                <a:solidFill>
-                  <a:schemeClr val="tx2"/>
-                </a:solidFill>
-                <a:latin typeface="Arial" panose="020B0604020202020204" pitchFamily="34" charset="0"/>
-              </a:rPr>
-              <a:t>&lt;Kundenlogo&gt;</a:t>
-            </a:r>
+            <a:endParaRPr lang="de-DE" altLang="de-DE" sz="4400" dirty="0">
+              <a:solidFill>
+                <a:schemeClr val="tx2"/>
+              </a:solidFill>
+              <a:latin typeface="Arial" panose="020B0604020202020204" pitchFamily="34" charset="0"/>
+            </a:endParaRPr>
           </a:p>
         </p:txBody>
       </p:sp>
+      <p:pic>
+        <p:nvPicPr>
+          <p:cNvPr id="3" name="Grafik 2">
+            <a:extLst>
+              <a:ext uri="{FF2B5EF4-FFF2-40B4-BE49-F238E27FC236}">
+                <a16:creationId xmlns:a16="http://schemas.microsoft.com/office/drawing/2014/main" id="{F795EC6A-86ED-78D6-3916-EC81E8315965}"/>
+              </a:ext>
+            </a:extLst>
+          </p:cNvPr>
+          <p:cNvPicPr>
+            <a:picLocks noChangeAspect="1"/>
+          </p:cNvPicPr>
+          <p:nvPr/>
+        </p:nvPicPr>
+        <p:blipFill>
+          <a:blip r:embed="rId2">
+            <a:extLst>
+              <a:ext uri="{28A0092B-C50C-407E-A947-70E740481C1C}">
+                <a14:useLocalDpi xmlns:a14="http://schemas.microsoft.com/office/drawing/2010/main" val="0"/>
+              </a:ext>
+              <a:ext uri="{96DAC541-7B7A-43D3-8B79-37D633B846F1}">
+                <asvg:svgBlip xmlns:asvg="http://schemas.microsoft.com/office/drawing/2016/SVG/main" r:embed="rId3"/>
+              </a:ext>
+            </a:extLst>
+          </a:blip>
+          <a:stretch>
+            <a:fillRect/>
+          </a:stretch>
+        </p:blipFill>
+        <p:spPr>
+          <a:xfrm>
+            <a:off x="309959" y="263970"/>
+            <a:ext cx="4348957" cy="1508822"/>
+          </a:xfrm>
+          <a:prstGeom prst="rect">
+            <a:avLst/>
+          </a:prstGeom>
+        </p:spPr>
+      </p:pic>
     </p:spTree>
   </p:cSld>
   <p:clrMapOvr>
@@ -15197,13 +15233,6 @@
               <a:buFont typeface="Arial" panose="020B0604020202020204" pitchFamily="34" charset="0"/>
               <a:buChar char="•"/>
             </a:pPr>
-            <a:endParaRPr lang="de-DE" altLang="de-DE" sz="1800" b="1" dirty="0"/>
-          </a:p>
-          <a:p>
-            <a:pPr>
-              <a:buFont typeface="Arial" panose="020B0604020202020204" pitchFamily="34" charset="0"/>
-              <a:buChar char="•"/>
-            </a:pPr>
             <a:r>
               <a:rPr lang="de-DE" altLang="de-DE" sz="1800" b="1" dirty="0"/>
               <a:t>Tag 1 – Einführung in </a:t>
@@ -15256,15 +15285,37 @@
               <a:rPr lang="de-DE" altLang="de-DE" sz="1400" dirty="0" err="1"/>
               <a:t>Git</a:t>
             </a:r>
+            <a:endParaRPr lang="de-DE" altLang="de-DE" sz="1400" dirty="0"/>
+          </a:p>
+          <a:p>
+            <a:pPr lvl="1">
+              <a:buFont typeface="Arial" panose="020B0604020202020204" pitchFamily="34" charset="0"/>
+              <a:buChar char="•"/>
+            </a:pPr>
+            <a:r>
+              <a:rPr lang="de-DE" altLang="de-DE" sz="1400" dirty="0" err="1"/>
+              <a:t>Git</a:t>
+            </a:r>
+            <a:r>
+              <a:rPr lang="de-DE" altLang="de-DE" sz="1400" dirty="0"/>
+              <a:t> </a:t>
+            </a:r>
+            <a:r>
+              <a:rPr lang="de-DE" altLang="de-DE" sz="1400" dirty="0" err="1"/>
+              <a:t>Rebase</a:t>
+            </a:r>
             <a:r>
               <a:rPr lang="de-DE" altLang="de-DE" sz="1400" dirty="0"/>
               <a:t> und </a:t>
             </a:r>
             <a:r>
               <a:rPr lang="de-DE" altLang="de-DE" sz="1400" dirty="0" err="1"/>
-              <a:t>GitLab</a:t>
-            </a:r>
-            <a:endParaRPr lang="de-DE" altLang="de-DE" sz="1400" dirty="0"/>
+              <a:t>Merge</a:t>
+            </a:r>
+            <a:r>
+              <a:rPr lang="de-DE" altLang="de-DE" sz="1400" dirty="0"/>
+              <a:t>-Strategien</a:t>
+            </a:r>
           </a:p>
           <a:p>
             <a:pPr lvl="1">
@@ -15277,24 +15328,23 @@
             </a:r>
             <a:r>
               <a:rPr lang="de-DE" altLang="de-DE" sz="1400" dirty="0"/>
-              <a:t> </a:t>
+              <a:t> Remote</a:t>
+            </a:r>
+          </a:p>
+          <a:p>
+            <a:pPr lvl="1">
+              <a:buFont typeface="Arial" panose="020B0604020202020204" pitchFamily="34" charset="0"/>
+              <a:buChar char="•"/>
+            </a:pPr>
+            <a:r>
+              <a:rPr lang="de-DE" altLang="de-DE" sz="1400" dirty="0"/>
+              <a:t>Grundlagen von </a:t>
             </a:r>
             <a:r>
               <a:rPr lang="de-DE" altLang="de-DE" sz="1400" dirty="0" err="1"/>
-              <a:t>Rebase</a:t>
-            </a:r>
-            <a:r>
-              <a:rPr lang="de-DE" altLang="de-DE" sz="1400" dirty="0"/>
-              <a:t> &amp; </a:t>
-            </a:r>
-            <a:r>
-              <a:rPr lang="de-DE" altLang="de-DE" sz="1400" dirty="0" err="1"/>
-              <a:t>Merge</a:t>
-            </a:r>
-            <a:r>
-              <a:rPr lang="de-DE" altLang="de-DE" sz="1400" dirty="0"/>
-              <a:t>-Strategien</a:t>
-            </a:r>
+              <a:t>GitLab</a:t>
+            </a:r>
+            <a:endParaRPr lang="de-DE" altLang="de-DE" sz="1400" dirty="0"/>
           </a:p>
           <a:p>
             <a:pPr lvl="1">
@@ -15311,13 +15361,6 @@
             </a:r>
           </a:p>
           <a:p>
-            <a:pPr lvl="1">
-              <a:buFont typeface="Arial" panose="020B0604020202020204" pitchFamily="34" charset="0"/>
-              <a:buChar char="•"/>
-            </a:pPr>
-            <a:endParaRPr lang="de-DE" altLang="de-DE" sz="1400" dirty="0"/>
-          </a:p>
-          <a:p>
             <a:pPr>
               <a:buFont typeface="Arial" panose="020B0604020202020204" pitchFamily="34" charset="0"/>
               <a:buChar char="•"/>
@@ -15336,9 +15379,12 @@
             </a:r>
             <a:r>
               <a:rPr lang="de-DE" altLang="de-DE" sz="1800" b="1" dirty="0" err="1"/>
-              <a:t>GitOps</a:t>
-            </a:r>
-            <a:endParaRPr lang="de-DE" altLang="de-DE" sz="1800" b="1" dirty="0"/>
+              <a:t>GitLab</a:t>
+            </a:r>
+            <a:r>
+              <a:rPr lang="de-DE" altLang="de-DE" sz="1800" b="1" dirty="0"/>
+              <a:t> CI </a:t>
+            </a:r>
           </a:p>
           <a:p>
             <a:pPr lvl="1">
@@ -15370,6 +15416,20 @@
               <a:buChar char="•"/>
             </a:pPr>
             <a:r>
+              <a:rPr lang="de-DE" altLang="de-DE" sz="1400" dirty="0" err="1"/>
+              <a:t>GitLab</a:t>
+            </a:r>
+            <a:r>
+              <a:rPr lang="de-DE" altLang="de-DE" sz="1400" dirty="0"/>
+              <a:t>-Runner</a:t>
+            </a:r>
+          </a:p>
+          <a:p>
+            <a:pPr lvl="1">
+              <a:buFont typeface="Arial" panose="020B0604020202020204" pitchFamily="34" charset="0"/>
+              <a:buChar char="•"/>
+            </a:pPr>
+            <a:r>
               <a:rPr lang="de-DE" altLang="de-DE" sz="1400" dirty="0"/>
               <a:t>Einführung in </a:t>
             </a:r>
@@ -15388,51 +15448,43 @@
             <a:endParaRPr lang="de-DE" altLang="de-DE" sz="1400" dirty="0"/>
           </a:p>
           <a:p>
+            <a:pPr>
+              <a:buFont typeface="Arial" panose="020B0604020202020204" pitchFamily="34" charset="0"/>
+              <a:buChar char="•"/>
+            </a:pPr>
+            <a:r>
+              <a:rPr lang="de-DE" altLang="de-DE" sz="1800" b="1" dirty="0"/>
+              <a:t>Tag 3 – </a:t>
+            </a:r>
+            <a:r>
+              <a:rPr lang="de-DE" altLang="de-DE" sz="1800" b="1" dirty="0" err="1"/>
+              <a:t>GitOps</a:t>
+            </a:r>
+            <a:r>
+              <a:rPr lang="de-DE" altLang="de-DE" sz="1800" b="1" dirty="0"/>
+              <a:t>, Docker in der Entwicklung und </a:t>
+            </a:r>
+            <a:r>
+              <a:rPr lang="de-DE" altLang="de-DE" sz="1800" b="1" dirty="0" err="1"/>
+              <a:t>Deployment</a:t>
+            </a:r>
+            <a:r>
+              <a:rPr lang="de-DE" altLang="de-DE" sz="1800" b="1" dirty="0"/>
+              <a:t>-Strategien</a:t>
+            </a:r>
+          </a:p>
+          <a:p>
             <a:pPr lvl="1">
               <a:buFont typeface="Arial" panose="020B0604020202020204" pitchFamily="34" charset="0"/>
               <a:buChar char="•"/>
             </a:pPr>
-            <a:r>
-              <a:rPr lang="de-DE" altLang="de-DE" sz="1400" dirty="0"/>
-              <a:t>Grundlagen von </a:t>
-            </a:r>
             <a:r>
               <a:rPr lang="de-DE" altLang="de-DE" sz="1400" dirty="0" err="1"/>
               <a:t>GitOps</a:t>
             </a:r>
-            <a:endParaRPr lang="de-DE" altLang="de-DE" sz="1400" dirty="0"/>
-          </a:p>
-          <a:p>
-            <a:pPr lvl="1">
-              <a:buFont typeface="Arial" panose="020B0604020202020204" pitchFamily="34" charset="0"/>
-              <a:buChar char="•"/>
-            </a:pPr>
-            <a:endParaRPr lang="de-DE" altLang="de-DE" sz="1400" dirty="0"/>
-          </a:p>
-          <a:p>
-            <a:pPr>
-              <a:buFont typeface="Arial" panose="020B0604020202020204" pitchFamily="34" charset="0"/>
-              <a:buChar char="•"/>
-            </a:pPr>
-            <a:r>
-              <a:rPr lang="de-DE" altLang="de-DE" sz="1800" b="1" dirty="0"/>
-              <a:t>Tag 3 – Docker in der Entwicklung, </a:t>
-            </a:r>
-            <a:r>
-              <a:rPr lang="de-DE" altLang="de-DE" sz="1800" b="1" dirty="0" err="1"/>
-              <a:t>GitLab</a:t>
-            </a:r>
-            <a:r>
-              <a:rPr lang="de-DE" altLang="de-DE" sz="1800" b="1" dirty="0"/>
-              <a:t> CI und </a:t>
-            </a:r>
-            <a:r>
-              <a:rPr lang="de-DE" altLang="de-DE" sz="1800" b="1" dirty="0" err="1"/>
-              <a:t>Deployment</a:t>
-            </a:r>
-            <a:r>
-              <a:rPr lang="de-DE" altLang="de-DE" sz="1800" b="1" dirty="0"/>
-              <a:t>-Strategien</a:t>
+            <a:r>
+              <a:rPr lang="de-DE" altLang="de-DE" sz="1400" dirty="0"/>
+              <a:t> Grundlagen</a:t>
             </a:r>
           </a:p>
           <a:p>
@@ -15451,12 +15503,8 @@
               <a:buChar char="•"/>
             </a:pPr>
             <a:r>
-              <a:rPr lang="de-DE" altLang="de-DE" sz="1400" dirty="0" err="1"/>
-              <a:t>GitLab</a:t>
-            </a:r>
-            <a:r>
               <a:rPr lang="de-DE" altLang="de-DE" sz="1400" dirty="0"/>
-              <a:t>-Runner &amp; Docker-Registry</a:t>
+              <a:t>Container/Docker-Registry</a:t>
             </a:r>
           </a:p>
           <a:p>
@@ -15493,6 +15541,16 @@
             <a:r>
               <a:rPr lang="de-DE" altLang="de-DE" sz="1400" dirty="0"/>
               <a:t> &amp; Verwaltung von Konfiguration</a:t>
+            </a:r>
+          </a:p>
+          <a:p>
+            <a:pPr lvl="1">
+              <a:buFont typeface="Arial" panose="020B0604020202020204" pitchFamily="34" charset="0"/>
+              <a:buChar char="•"/>
+            </a:pPr>
+            <a:r>
+              <a:rPr lang="de-DE" altLang="de-DE" sz="1400" dirty="0"/>
+              <a:t>Abschlussübung &amp; Diskussion</a:t>
             </a:r>
           </a:p>
           <a:p>
@@ -18222,13 +18280,6 @@
               <a:buFont typeface="Arial" panose="020B0604020202020204" pitchFamily="34" charset="0"/>
               <a:buChar char="•"/>
             </a:pPr>
-            <a:endParaRPr lang="de-DE" altLang="de-DE" sz="1800" b="1" dirty="0"/>
-          </a:p>
-          <a:p>
-            <a:pPr>
-              <a:buFont typeface="Arial" panose="020B0604020202020204" pitchFamily="34" charset="0"/>
-              <a:buChar char="•"/>
-            </a:pPr>
             <a:r>
               <a:rPr lang="de-DE" altLang="de-DE" sz="1800" b="1" dirty="0"/>
               <a:t>Tag 1 – Einführung in </a:t>
@@ -18281,15 +18332,37 @@
               <a:rPr lang="de-DE" altLang="de-DE" sz="1400" dirty="0" err="1"/>
               <a:t>Git</a:t>
             </a:r>
+            <a:endParaRPr lang="de-DE" altLang="de-DE" sz="1400" dirty="0"/>
+          </a:p>
+          <a:p>
+            <a:pPr lvl="1">
+              <a:buFont typeface="Arial" panose="020B0604020202020204" pitchFamily="34" charset="0"/>
+              <a:buChar char="•"/>
+            </a:pPr>
+            <a:r>
+              <a:rPr lang="de-DE" altLang="de-DE" sz="1400" dirty="0" err="1"/>
+              <a:t>Git</a:t>
+            </a:r>
+            <a:r>
+              <a:rPr lang="de-DE" altLang="de-DE" sz="1400" dirty="0"/>
+              <a:t> </a:t>
+            </a:r>
+            <a:r>
+              <a:rPr lang="de-DE" altLang="de-DE" sz="1400" dirty="0" err="1"/>
+              <a:t>Rebase</a:t>
+            </a:r>
             <a:r>
               <a:rPr lang="de-DE" altLang="de-DE" sz="1400" dirty="0"/>
               <a:t> und </a:t>
             </a:r>
             <a:r>
               <a:rPr lang="de-DE" altLang="de-DE" sz="1400" dirty="0" err="1"/>
-              <a:t>GitLab</a:t>
-            </a:r>
-            <a:endParaRPr lang="de-DE" altLang="de-DE" sz="1400" dirty="0"/>
+              <a:t>Merge</a:t>
+            </a:r>
+            <a:r>
+              <a:rPr lang="de-DE" altLang="de-DE" sz="1400" dirty="0"/>
+              <a:t>-Strategien</a:t>
+            </a:r>
           </a:p>
           <a:p>
             <a:pPr lvl="1">
@@ -18302,24 +18375,23 @@
             </a:r>
             <a:r>
               <a:rPr lang="de-DE" altLang="de-DE" sz="1400" dirty="0"/>
-              <a:t> </a:t>
+              <a:t> Remote</a:t>
+            </a:r>
+          </a:p>
+          <a:p>
+            <a:pPr lvl="1">
+              <a:buFont typeface="Arial" panose="020B0604020202020204" pitchFamily="34" charset="0"/>
+              <a:buChar char="•"/>
+            </a:pPr>
+            <a:r>
+              <a:rPr lang="de-DE" altLang="de-DE" sz="1400" dirty="0"/>
+              <a:t>Grundlagen von </a:t>
             </a:r>
             <a:r>
               <a:rPr lang="de-DE" altLang="de-DE" sz="1400" dirty="0" err="1"/>
-              <a:t>Rebase</a:t>
-            </a:r>
-            <a:r>
-              <a:rPr lang="de-DE" altLang="de-DE" sz="1400" dirty="0"/>
-              <a:t> &amp; </a:t>
-            </a:r>
-            <a:r>
-              <a:rPr lang="de-DE" altLang="de-DE" sz="1400" dirty="0" err="1"/>
-              <a:t>Merge</a:t>
-            </a:r>
-            <a:r>
-              <a:rPr lang="de-DE" altLang="de-DE" sz="1400" dirty="0"/>
-              <a:t>-Strategien</a:t>
-            </a:r>
+              <a:t>GitLab</a:t>
+            </a:r>
+            <a:endParaRPr lang="de-DE" altLang="de-DE" sz="1400" dirty="0"/>
           </a:p>
           <a:p>
             <a:pPr lvl="1">
@@ -18336,13 +18408,6 @@
             </a:r>
           </a:p>
           <a:p>
-            <a:pPr lvl="1">
-              <a:buFont typeface="Arial" panose="020B0604020202020204" pitchFamily="34" charset="0"/>
-              <a:buChar char="•"/>
-            </a:pPr>
-            <a:endParaRPr lang="de-DE" altLang="de-DE" sz="1400" dirty="0"/>
-          </a:p>
-          <a:p>
             <a:pPr>
               <a:buFont typeface="Arial" panose="020B0604020202020204" pitchFamily="34" charset="0"/>
               <a:buChar char="•"/>
@@ -18361,9 +18426,12 @@
             </a:r>
             <a:r>
               <a:rPr lang="de-DE" altLang="de-DE" sz="1800" b="1" dirty="0" err="1"/>
-              <a:t>GitOps</a:t>
-            </a:r>
-            <a:endParaRPr lang="de-DE" altLang="de-DE" sz="1800" b="1" dirty="0"/>
+              <a:t>GitLab</a:t>
+            </a:r>
+            <a:r>
+              <a:rPr lang="de-DE" altLang="de-DE" sz="1800" b="1" dirty="0"/>
+              <a:t> CI </a:t>
+            </a:r>
           </a:p>
           <a:p>
             <a:pPr lvl="1">
@@ -18395,6 +18463,20 @@
               <a:buChar char="•"/>
             </a:pPr>
             <a:r>
+              <a:rPr lang="de-DE" altLang="de-DE" sz="1400" u="sng" dirty="0" err="1"/>
+              <a:t>GitLab</a:t>
+            </a:r>
+            <a:r>
+              <a:rPr lang="de-DE" altLang="de-DE" sz="1400" u="sng" dirty="0"/>
+              <a:t>-Runner</a:t>
+            </a:r>
+          </a:p>
+          <a:p>
+            <a:pPr lvl="1">
+              <a:buFont typeface="Arial" panose="020B0604020202020204" pitchFamily="34" charset="0"/>
+              <a:buChar char="•"/>
+            </a:pPr>
+            <a:r>
               <a:rPr lang="de-DE" altLang="de-DE" sz="1400" dirty="0"/>
               <a:t>Einführung in </a:t>
             </a:r>
@@ -18413,51 +18495,43 @@
             <a:endParaRPr lang="de-DE" altLang="de-DE" sz="1400" dirty="0"/>
           </a:p>
           <a:p>
+            <a:pPr>
+              <a:buFont typeface="Arial" panose="020B0604020202020204" pitchFamily="34" charset="0"/>
+              <a:buChar char="•"/>
+            </a:pPr>
+            <a:r>
+              <a:rPr lang="de-DE" altLang="de-DE" sz="1800" b="1" dirty="0"/>
+              <a:t>Tag 3 – </a:t>
+            </a:r>
+            <a:r>
+              <a:rPr lang="de-DE" altLang="de-DE" sz="1800" b="1" dirty="0" err="1"/>
+              <a:t>GitOps</a:t>
+            </a:r>
+            <a:r>
+              <a:rPr lang="de-DE" altLang="de-DE" sz="1800" b="1" dirty="0"/>
+              <a:t>, Docker in der Entwicklung und </a:t>
+            </a:r>
+            <a:r>
+              <a:rPr lang="de-DE" altLang="de-DE" sz="1800" b="1" dirty="0" err="1"/>
+              <a:t>Deployment</a:t>
+            </a:r>
+            <a:r>
+              <a:rPr lang="de-DE" altLang="de-DE" sz="1800" b="1" dirty="0"/>
+              <a:t>-Strategien</a:t>
+            </a:r>
+          </a:p>
+          <a:p>
             <a:pPr lvl="1">
               <a:buFont typeface="Arial" panose="020B0604020202020204" pitchFamily="34" charset="0"/>
               <a:buChar char="•"/>
             </a:pPr>
-            <a:r>
-              <a:rPr lang="de-DE" altLang="de-DE" sz="1400" dirty="0"/>
-              <a:t>Grundlagen von </a:t>
-            </a:r>
             <a:r>
               <a:rPr lang="de-DE" altLang="de-DE" sz="1400" dirty="0" err="1"/>
               <a:t>GitOps</a:t>
             </a:r>
-            <a:endParaRPr lang="de-DE" altLang="de-DE" sz="1400" dirty="0"/>
-          </a:p>
-          <a:p>
-            <a:pPr lvl="1">
-              <a:buFont typeface="Arial" panose="020B0604020202020204" pitchFamily="34" charset="0"/>
-              <a:buChar char="•"/>
-            </a:pPr>
-            <a:endParaRPr lang="de-DE" altLang="de-DE" sz="1400" dirty="0"/>
-          </a:p>
-          <a:p>
-            <a:pPr>
-              <a:buFont typeface="Arial" panose="020B0604020202020204" pitchFamily="34" charset="0"/>
-              <a:buChar char="•"/>
-            </a:pPr>
-            <a:r>
-              <a:rPr lang="de-DE" altLang="de-DE" sz="1800" b="1" dirty="0"/>
-              <a:t>Tag 3 – Docker in der Entwicklung, </a:t>
-            </a:r>
-            <a:r>
-              <a:rPr lang="de-DE" altLang="de-DE" sz="1800" b="1" dirty="0" err="1"/>
-              <a:t>GitLab</a:t>
-            </a:r>
-            <a:r>
-              <a:rPr lang="de-DE" altLang="de-DE" sz="1800" b="1" dirty="0"/>
-              <a:t> CI und </a:t>
-            </a:r>
-            <a:r>
-              <a:rPr lang="de-DE" altLang="de-DE" sz="1800" b="1" dirty="0" err="1"/>
-              <a:t>Deployment</a:t>
-            </a:r>
-            <a:r>
-              <a:rPr lang="de-DE" altLang="de-DE" sz="1800" b="1" dirty="0"/>
-              <a:t>-Strategien</a:t>
+            <a:r>
+              <a:rPr lang="de-DE" altLang="de-DE" sz="1400" dirty="0"/>
+              <a:t> Grundlagen</a:t>
             </a:r>
           </a:p>
           <a:p>
@@ -18476,12 +18550,8 @@
               <a:buChar char="•"/>
             </a:pPr>
             <a:r>
-              <a:rPr lang="de-DE" altLang="de-DE" sz="1400" u="sng" dirty="0" err="1"/>
-              <a:t>GitLab</a:t>
-            </a:r>
-            <a:r>
-              <a:rPr lang="de-DE" altLang="de-DE" sz="1400" u="sng" dirty="0"/>
-              <a:t>-Runner &amp; Docker-Registry</a:t>
+              <a:rPr lang="de-DE" altLang="de-DE" sz="1400" dirty="0"/>
+              <a:t>Container/Docker-Registry</a:t>
             </a:r>
           </a:p>
           <a:p>
@@ -18498,7 +18568,7 @@
               <a:t>Tagged</a:t>
             </a:r>
             <a:r>
-              <a:rPr lang="de-DE" altLang="de-DE" sz="1400"/>
+              <a:rPr lang="de-DE" altLang="de-DE" sz="1400" dirty="0"/>
               <a:t>-Images</a:t>
             </a:r>
           </a:p>
@@ -18508,12 +18578,8 @@
               <a:buChar char="•"/>
             </a:pPr>
             <a:r>
-              <a:rPr lang="de-DE" altLang="de-DE" sz="1400"/>
-              <a:t>Möglichkeiten </a:t>
-            </a:r>
-            <a:r>
               <a:rPr lang="de-DE" altLang="de-DE" sz="1400" dirty="0"/>
-              <a:t>des </a:t>
+              <a:t>Möglichkeiten des </a:t>
             </a:r>
             <a:r>
               <a:rPr lang="de-DE" altLang="de-DE" sz="1400" dirty="0" err="1"/>
@@ -18522,6 +18588,16 @@
             <a:r>
               <a:rPr lang="de-DE" altLang="de-DE" sz="1400" dirty="0"/>
               <a:t> &amp; Verwaltung von Konfiguration</a:t>
+            </a:r>
+          </a:p>
+          <a:p>
+            <a:pPr lvl="1">
+              <a:buFont typeface="Arial" panose="020B0604020202020204" pitchFamily="34" charset="0"/>
+              <a:buChar char="•"/>
+            </a:pPr>
+            <a:r>
+              <a:rPr lang="de-DE" altLang="de-DE" sz="1400" dirty="0"/>
+              <a:t>Abschlussübung &amp; Diskussion</a:t>
             </a:r>
           </a:p>
           <a:p>
@@ -18569,7 +18645,7 @@
     </p:spTree>
     <p:extLst>
       <p:ext uri="{BB962C8B-B14F-4D97-AF65-F5344CB8AC3E}">
-        <p14:creationId xmlns:p14="http://schemas.microsoft.com/office/powerpoint/2010/main" val="3071277897"/>
+        <p14:creationId xmlns:p14="http://schemas.microsoft.com/office/powerpoint/2010/main" val="3585178961"/>
       </p:ext>
     </p:extLst>
   </p:cSld>

--- a/slides/Tag-2_3-GitLab-Runner_Light.pptx
+++ b/slides/Tag-2_3-GitLab-Runner_Light.pptx
@@ -16703,40 +16703,32 @@
             </a:pPr>
             <a:r>
               <a:rPr lang="de-DE" sz="2000" dirty="0"/>
-              <a:t>Linux: </a:t>
+              <a:t>Auf </a:t>
             </a:r>
             <a:r>
               <a:rPr lang="de-DE" sz="2000" dirty="0" err="1"/>
-              <a:t>sudo</a:t>
+              <a:t>GitLab</a:t>
             </a:r>
             <a:r>
               <a:rPr lang="de-DE" sz="2000" dirty="0"/>
-              <a:t> </a:t>
-            </a:r>
-            <a:r>
-              <a:rPr lang="de-DE" sz="2000" dirty="0" err="1"/>
-              <a:t>gitlab-runner</a:t>
-            </a:r>
-            <a:r>
-              <a:rPr lang="de-DE" sz="2000" dirty="0"/>
-              <a:t> </a:t>
-            </a:r>
-            <a:r>
-              <a:rPr lang="de-DE" sz="2000" dirty="0" err="1"/>
-              <a:t>register</a:t>
-            </a:r>
-            <a:br>
-              <a:rPr lang="de-DE" sz="2000" dirty="0"/>
-            </a:br>
-            <a:r>
-              <a:rPr lang="de-DE" sz="2000" dirty="0"/>
-              <a:t>Windows: ./gitlab-runner.exe </a:t>
-            </a:r>
-            <a:r>
-              <a:rPr lang="de-DE" sz="2000" dirty="0" err="1"/>
-              <a:t>register</a:t>
-            </a:r>
-            <a:endParaRPr lang="de-DE" sz="2000" dirty="0"/>
+              <a:t> zu CI/CD Runner Einstellungen wechseln</a:t>
+            </a:r>
+          </a:p>
+          <a:p>
+            <a:pPr marL="857250" lvl="1" indent="-457200">
+              <a:buFont typeface="+mj-lt"/>
+              <a:buAutoNum type="arabicPeriod"/>
+            </a:pPr>
+            <a:r>
+              <a:rPr lang="de-DE" sz="1800" dirty="0"/>
+              <a:t>Projekt </a:t>
+            </a:r>
+            <a:r>
+              <a:rPr lang="de-DE" sz="1800" dirty="0">
+                <a:sym typeface="Wingdings" panose="05000000000000000000" pitchFamily="2" charset="2"/>
+              </a:rPr>
+              <a:t> Einstellungen  CI/CD  Runners</a:t>
+            </a:r>
           </a:p>
           <a:p>
             <a:pPr marL="457200" indent="-457200">
@@ -16744,16 +16736,34 @@
               <a:buAutoNum type="arabicPeriod"/>
             </a:pPr>
             <a:r>
-              <a:rPr lang="de-DE" sz="2000" dirty="0"/>
-              <a:t>URL zur </a:t>
-            </a:r>
-            <a:r>
-              <a:rPr lang="de-DE" sz="2000" dirty="0" err="1"/>
-              <a:t>GitLab</a:t>
-            </a:r>
-            <a:r>
-              <a:rPr lang="de-DE" sz="2000" dirty="0"/>
-              <a:t> Instanz eingeben</a:t>
+              <a:rPr lang="de-DE" sz="2000" dirty="0">
+                <a:sym typeface="Wingdings" panose="05000000000000000000" pitchFamily="2" charset="2"/>
+              </a:rPr>
+              <a:t>Unter Project Runners auf „New </a:t>
+            </a:r>
+            <a:r>
+              <a:rPr lang="de-DE" sz="2000" dirty="0" err="1">
+                <a:sym typeface="Wingdings" panose="05000000000000000000" pitchFamily="2" charset="2"/>
+              </a:rPr>
+              <a:t>project</a:t>
+            </a:r>
+            <a:r>
+              <a:rPr lang="de-DE" sz="2000" dirty="0">
+                <a:sym typeface="Wingdings" panose="05000000000000000000" pitchFamily="2" charset="2"/>
+              </a:rPr>
+              <a:t> </a:t>
+            </a:r>
+            <a:r>
+              <a:rPr lang="de-DE" sz="2000" dirty="0" err="1">
+                <a:sym typeface="Wingdings" panose="05000000000000000000" pitchFamily="2" charset="2"/>
+              </a:rPr>
+              <a:t>runner</a:t>
+            </a:r>
+            <a:r>
+              <a:rPr lang="de-DE" sz="2000" dirty="0">
+                <a:sym typeface="Wingdings" panose="05000000000000000000" pitchFamily="2" charset="2"/>
+              </a:rPr>
+              <a:t>“ Button klicken</a:t>
             </a:r>
           </a:p>
           <a:p>
@@ -16762,24 +16772,10 @@
               <a:buAutoNum type="arabicPeriod"/>
             </a:pPr>
             <a:r>
-              <a:rPr lang="de-DE" sz="2000" dirty="0"/>
-              <a:t>Authenticator-Token für den Runner eingeben</a:t>
-            </a:r>
-          </a:p>
-          <a:p>
-            <a:pPr marL="857250" lvl="1" indent="-457200">
-              <a:buFont typeface="+mj-lt"/>
-              <a:buAutoNum type="arabicPeriod"/>
-            </a:pPr>
-            <a:r>
-              <a:rPr lang="de-DE" sz="1800" dirty="0"/>
-              <a:t>Projekt </a:t>
-            </a:r>
-            <a:r>
-              <a:rPr lang="de-DE" sz="1800" dirty="0">
+              <a:rPr lang="de-DE" sz="2000" dirty="0">
                 <a:sym typeface="Wingdings" panose="05000000000000000000" pitchFamily="2" charset="2"/>
               </a:rPr>
-              <a:t> Einstellungen  CI/CD  Runners</a:t>
+              <a:t>Tags und Konfiguration für den Runner eingeben (später über die GUI änderbar)</a:t>
             </a:r>
           </a:p>
           <a:p>
@@ -16788,10 +16784,16 @@
               <a:buAutoNum type="arabicPeriod"/>
             </a:pPr>
             <a:r>
-              <a:rPr lang="de-DE" sz="2000" dirty="0">
-                <a:sym typeface="Wingdings" panose="05000000000000000000" pitchFamily="2" charset="2"/>
-              </a:rPr>
-              <a:t>Beschreibung für den Runner eingeben (später über die GUI änderbar)</a:t>
+              <a:rPr lang="de-DE" sz="2000" dirty="0"/>
+              <a:t>Runner über „Create </a:t>
+            </a:r>
+            <a:r>
+              <a:rPr lang="de-DE" sz="2000" dirty="0" err="1"/>
+              <a:t>runner</a:t>
+            </a:r>
+            <a:r>
+              <a:rPr lang="de-DE" sz="2000" dirty="0"/>
+              <a:t>“ erstellen </a:t>
             </a:r>
           </a:p>
           <a:p>
@@ -16801,15 +16803,7 @@
             </a:pPr>
             <a:r>
               <a:rPr lang="de-DE" sz="2000" dirty="0"/>
-              <a:t>Die entsprechenden Tags für den </a:t>
-            </a:r>
-            <a:r>
-              <a:rPr lang="de-DE" sz="2000" dirty="0" err="1"/>
-              <a:t>GitLab</a:t>
-            </a:r>
-            <a:r>
-              <a:rPr lang="de-DE" sz="2000" dirty="0"/>
-              <a:t> Runner</a:t>
+              <a:t>Plattform für Runner auswählen und gegeben Command im Terminal ausführen</a:t>
             </a:r>
           </a:p>
           <a:p>
@@ -16818,12 +16812,16 @@
               <a:buAutoNum type="arabicPeriod"/>
             </a:pPr>
             <a:r>
+              <a:rPr lang="de-DE" sz="2000" dirty="0"/>
+              <a:t>In Konsole Konfiguration und </a:t>
+            </a:r>
+            <a:r>
               <a:rPr lang="de-DE" sz="2000" dirty="0" err="1"/>
               <a:t>Executor</a:t>
             </a:r>
             <a:r>
               <a:rPr lang="de-DE" sz="2000" dirty="0"/>
-              <a:t> (Shell, Docker, …) für den Runner angeben</a:t>
+              <a:t> auswählen (Shell, Docker, …)</a:t>
             </a:r>
           </a:p>
           <a:p>
@@ -16859,7 +16857,32 @@
               <a:buFont typeface="+mj-lt"/>
               <a:buAutoNum type="arabicPeriod"/>
             </a:pPr>
-            <a:endParaRPr lang="de-DE" sz="1600" dirty="0"/>
+            <a:r>
+              <a:rPr lang="de-DE" sz="2000" dirty="0"/>
+              <a:t>Optional: Runner mittels </a:t>
+            </a:r>
+            <a:r>
+              <a:rPr lang="de-DE" sz="2000" dirty="0" err="1">
+                <a:latin typeface="Consolas" panose="020B0609020204030204" pitchFamily="49" charset="0"/>
+              </a:rPr>
+              <a:t>gitlab-runner</a:t>
+            </a:r>
+            <a:r>
+              <a:rPr lang="de-DE" sz="2000" dirty="0">
+                <a:latin typeface="Consolas" panose="020B0609020204030204" pitchFamily="49" charset="0"/>
+              </a:rPr>
+              <a:t> </a:t>
+            </a:r>
+            <a:r>
+              <a:rPr lang="de-DE" sz="2000" dirty="0" err="1">
+                <a:latin typeface="Consolas" panose="020B0609020204030204" pitchFamily="49" charset="0"/>
+              </a:rPr>
+              <a:t>run</a:t>
+            </a:r>
+            <a:r>
+              <a:rPr lang="de-DE" sz="2000" dirty="0"/>
+              <a:t> verifizieren </a:t>
+            </a:r>
           </a:p>
           <a:p>
             <a:pPr marL="457200" indent="-457200">

--- a/slides/Tag-2_3-GitLab-Runner_Light.pptx
+++ b/slides/Tag-2_3-GitLab-Runner_Light.pptx
@@ -16724,10 +16724,16 @@
               <a:t>Projekt </a:t>
             </a:r>
             <a:r>
+              <a:rPr lang="de-DE" sz="1800">
+                <a:sym typeface="Wingdings" panose="05000000000000000000" pitchFamily="2" charset="2"/>
+              </a:rPr>
+              <a:t> Settings </a:t>
+            </a:r>
+            <a:r>
               <a:rPr lang="de-DE" sz="1800" dirty="0">
                 <a:sym typeface="Wingdings" panose="05000000000000000000" pitchFamily="2" charset="2"/>
               </a:rPr>
-              <a:t> Einstellungen  CI/CD  Runners</a:t>
+              <a:t> CI/CD  Runners</a:t>
             </a:r>
           </a:p>
           <a:p>

--- a/slides/Tag-2_3-GitLab-Runner_Light.pptx
+++ b/slides/Tag-2_3-GitLab-Runner_Light.pptx
@@ -5402,6 +5402,75 @@
             <a:endParaRPr lang="de-DE" dirty="0"/>
           </a:p>
           <a:p>
+            <a:endParaRPr lang="de-DE" dirty="0"/>
+          </a:p>
+          <a:p>
+            <a:pPr marL="457200" indent="-457200">
+              <a:buFont typeface="+mj-lt"/>
+              <a:buAutoNum type="arabicPeriod"/>
+            </a:pPr>
+            <a:r>
+              <a:rPr lang="de-DE" sz="1200" dirty="0"/>
+              <a:t>Job 1, da niedrigste Job-Nummer von Projekten ohne laufenden Job</a:t>
+            </a:r>
+          </a:p>
+          <a:p>
+            <a:pPr marL="457200" indent="-457200">
+              <a:buFont typeface="+mj-lt"/>
+              <a:buAutoNum type="arabicPeriod"/>
+            </a:pPr>
+            <a:r>
+              <a:rPr lang="de-DE" sz="1200" dirty="0"/>
+              <a:t>Job 4, da niedrigste Job-Nummer von Projekten ohne laufenden Job (Project 1 hat einen laufenden Job)</a:t>
+            </a:r>
+          </a:p>
+          <a:p>
+            <a:pPr marL="457200" indent="-457200">
+              <a:buFont typeface="+mj-lt"/>
+              <a:buAutoNum type="arabicPeriod"/>
+            </a:pPr>
+            <a:r>
+              <a:rPr lang="de-DE" sz="1200" dirty="0"/>
+              <a:t>Job 6, da niedrigste Job-Nummer von Projekten ohne laufenden Job (Project 1 &amp; 2 haben einen laufenden Job)</a:t>
+            </a:r>
+          </a:p>
+          <a:p>
+            <a:pPr marL="457200" indent="-457200">
+              <a:buFont typeface="+mj-lt"/>
+              <a:buAutoNum type="arabicPeriod"/>
+            </a:pPr>
+            <a:r>
+              <a:rPr lang="de-DE" sz="1200" dirty="0"/>
+              <a:t>Job 2, von allen Projects mit der niedrigsten Job-Anzahl, Job 2 die niedrigste Job-Nummer hat</a:t>
+            </a:r>
+          </a:p>
+          <a:p>
+            <a:pPr marL="457200" indent="-457200">
+              <a:buFont typeface="+mj-lt"/>
+              <a:buAutoNum type="arabicPeriod"/>
+            </a:pPr>
+            <a:r>
+              <a:rPr lang="de-DE" sz="1200" dirty="0"/>
+              <a:t>Job 5, Project 1 hat nun zwei Jobs und Job 5 die niedrigste verbleibende Job-Nummer zwischen Project 2 und 3</a:t>
+            </a:r>
+          </a:p>
+          <a:p>
+            <a:pPr marL="457200" indent="-457200">
+              <a:buFont typeface="+mj-lt"/>
+              <a:buAutoNum type="arabicPeriod"/>
+            </a:pPr>
+            <a:r>
+              <a:rPr lang="de-DE" sz="1200" dirty="0"/>
+              <a:t>Job 3, da ist der letzte Job ist.</a:t>
+            </a:r>
+          </a:p>
+          <a:p>
+            <a:endParaRPr lang="de-DE" dirty="0"/>
+          </a:p>
+          <a:p>
+            <a:endParaRPr lang="de-DE" dirty="0"/>
+          </a:p>
+          <a:p>
             <a:pPr algn="l"/>
             <a:r>
               <a:rPr lang="en-US" b="0" i="0" dirty="0">
@@ -5600,6 +5669,108 @@
               <a:rPr lang="de-DE" dirty="0"/>
               <a:t>https://docs.gitlab.com/ee/ci/runners/runners_scope.html#instance-runners</a:t>
             </a:r>
+          </a:p>
+          <a:p>
+            <a:endParaRPr lang="de-DE" dirty="0"/>
+          </a:p>
+          <a:p>
+            <a:endParaRPr lang="de-DE" dirty="0"/>
+          </a:p>
+          <a:p>
+            <a:pPr marL="457200" indent="-457200">
+              <a:buFont typeface="+mj-lt"/>
+              <a:buAutoNum type="arabicPeriod"/>
+            </a:pPr>
+            <a:r>
+              <a:rPr lang="de-DE" sz="1200" dirty="0"/>
+              <a:t>Job 1, da niedrigste Job-Nummer von Projekten</a:t>
+            </a:r>
+            <a:br>
+              <a:rPr lang="de-DE" sz="1200" dirty="0"/>
+            </a:br>
+            <a:r>
+              <a:rPr lang="de-DE" sz="1200" dirty="0"/>
+              <a:t>ohne laufende Jobs.</a:t>
+            </a:r>
+          </a:p>
+          <a:p>
+            <a:pPr marL="457200" indent="-457200">
+              <a:buFont typeface="+mj-lt"/>
+              <a:buAutoNum type="arabicPeriod"/>
+            </a:pPr>
+            <a:r>
+              <a:rPr lang="de-DE" sz="1200" dirty="0"/>
+              <a:t>Job 1 beendet.</a:t>
+            </a:r>
+          </a:p>
+          <a:p>
+            <a:pPr marL="457200" indent="-457200">
+              <a:buFont typeface="+mj-lt"/>
+              <a:buAutoNum type="arabicPeriod"/>
+            </a:pPr>
+            <a:r>
+              <a:rPr lang="de-DE" sz="1200" dirty="0"/>
+              <a:t>Job 2, da Job 1 beendet und alle Projekte haben keine Jobs laufen und 2 ist die niedrigste verfügbare Job-Nummer.</a:t>
+            </a:r>
+          </a:p>
+          <a:p>
+            <a:pPr marL="457200" indent="-457200">
+              <a:buFont typeface="+mj-lt"/>
+              <a:buAutoNum type="arabicPeriod"/>
+            </a:pPr>
+            <a:r>
+              <a:rPr lang="de-DE" sz="1200" dirty="0"/>
+              <a:t>Job 4, da für Project 1 bereits ein Job läuft und da die 2 die niedrigste Projektnummer ist von den Projekten, bei denen kein Job läuft</a:t>
+            </a:r>
+          </a:p>
+          <a:p>
+            <a:pPr marL="457200" indent="-457200">
+              <a:buFont typeface="+mj-lt"/>
+              <a:buAutoNum type="arabicPeriod"/>
+            </a:pPr>
+            <a:r>
+              <a:rPr lang="de-DE" sz="1200" dirty="0"/>
+              <a:t>Job 4 beendet.</a:t>
+            </a:r>
+          </a:p>
+          <a:p>
+            <a:pPr marL="457200" indent="-457200">
+              <a:buFont typeface="+mj-lt"/>
+              <a:buAutoNum type="arabicPeriod"/>
+            </a:pPr>
+            <a:r>
+              <a:rPr lang="de-DE" sz="1200" dirty="0"/>
+              <a:t>Job 5, da Job 4 beendet und Projekt 2 keine laufenden Jobs hat.</a:t>
+            </a:r>
+          </a:p>
+          <a:p>
+            <a:pPr marL="457200" indent="-457200">
+              <a:buFont typeface="+mj-lt"/>
+              <a:buAutoNum type="arabicPeriod"/>
+            </a:pPr>
+            <a:r>
+              <a:rPr lang="de-DE" sz="1200" dirty="0"/>
+              <a:t>Job 6, da Projekt 3 das einzige Projekt ist, das noch keine laufenden Jobs hat.</a:t>
+            </a:r>
+          </a:p>
+          <a:p>
+            <a:pPr marL="457200" indent="-457200">
+              <a:buFont typeface="+mj-lt"/>
+              <a:buAutoNum type="arabicPeriod"/>
+            </a:pPr>
+            <a:r>
+              <a:rPr lang="de-DE" sz="1200" dirty="0"/>
+              <a:t>Job 3, da ist der letzte Job ist.</a:t>
+            </a:r>
+          </a:p>
+          <a:p>
+            <a:endParaRPr lang="de-DE" dirty="0"/>
+          </a:p>
+          <a:p>
+            <a:endParaRPr lang="de-DE" dirty="0"/>
+          </a:p>
+          <a:p>
+            <a:endParaRPr lang="de-DE" dirty="0"/>
           </a:p>
           <a:p>
             <a:endParaRPr lang="de-DE" dirty="0"/>
@@ -24665,73 +24836,6 @@
               <a:buFont typeface="+mj-lt"/>
               <a:buAutoNum type="arabicPeriod"/>
             </a:pPr>
-            <a:r>
-              <a:rPr lang="de-DE" sz="2000" dirty="0"/>
-              <a:t>Job 1, da niedrigste Job-Nummer von</a:t>
-            </a:r>
-            <a:br>
-              <a:rPr lang="de-DE" sz="2000" dirty="0"/>
-            </a:br>
-            <a:r>
-              <a:rPr lang="de-DE" sz="2000" dirty="0"/>
-              <a:t>Projekten ohne laufenden Job</a:t>
-            </a:r>
-          </a:p>
-          <a:p>
-            <a:pPr marL="457200" indent="-457200">
-              <a:buFont typeface="+mj-lt"/>
-              <a:buAutoNum type="arabicPeriod"/>
-            </a:pPr>
-            <a:r>
-              <a:rPr lang="de-DE" sz="2000" dirty="0"/>
-              <a:t>Job 4, da niedrigste Job-Nummer von Projekten ohne laufenden Job (Project 1 hat einen laufenden Job)</a:t>
-            </a:r>
-          </a:p>
-          <a:p>
-            <a:pPr marL="457200" indent="-457200">
-              <a:buFont typeface="+mj-lt"/>
-              <a:buAutoNum type="arabicPeriod"/>
-            </a:pPr>
-            <a:r>
-              <a:rPr lang="de-DE" sz="2000" dirty="0"/>
-              <a:t>Job 6, da niedrigste Job-Nummer von Projekten ohne laufenden Job (Project 1 &amp; 2 haben einen laufenden Job)</a:t>
-            </a:r>
-          </a:p>
-          <a:p>
-            <a:pPr marL="457200" indent="-457200">
-              <a:buFont typeface="+mj-lt"/>
-              <a:buAutoNum type="arabicPeriod"/>
-            </a:pPr>
-            <a:r>
-              <a:rPr lang="de-DE" sz="2000" dirty="0"/>
-              <a:t>Job 2, von allen Projects mit der niedrigsten Job-Anzahl, Job 2 die niedrigste Job-Nummer hat</a:t>
-            </a:r>
-          </a:p>
-          <a:p>
-            <a:pPr marL="457200" indent="-457200">
-              <a:buFont typeface="+mj-lt"/>
-              <a:buAutoNum type="arabicPeriod"/>
-            </a:pPr>
-            <a:r>
-              <a:rPr lang="de-DE" sz="2000" dirty="0"/>
-              <a:t>Job 5, Project 1 hat nun zwei Jobs und Job 5 die niedrigste verbleibende Job-Nummer zwischen Project 2 und 3</a:t>
-            </a:r>
-          </a:p>
-          <a:p>
-            <a:pPr marL="457200" indent="-457200">
-              <a:buFont typeface="+mj-lt"/>
-              <a:buAutoNum type="arabicPeriod"/>
-            </a:pPr>
-            <a:r>
-              <a:rPr lang="de-DE" sz="2000" dirty="0"/>
-              <a:t>Job 3, da ist der letzte Job ist.</a:t>
-            </a:r>
-          </a:p>
-          <a:p>
-            <a:pPr marL="457200" indent="-457200">
-              <a:buFont typeface="+mj-lt"/>
-              <a:buAutoNum type="arabicPeriod"/>
-            </a:pPr>
             <a:endParaRPr lang="de-DE" dirty="0"/>
           </a:p>
           <a:p>
@@ -24764,8 +24868,8 @@
         </p:nvSpPr>
         <p:spPr bwMode="auto">
           <a:xfrm>
-            <a:off x="6744909" y="1052736"/>
-            <a:ext cx="2385589" cy="1815882"/>
+            <a:off x="302233" y="1988840"/>
+            <a:ext cx="7128470" cy="2677656"/>
           </a:xfrm>
           <a:prstGeom prst="rect">
             <a:avLst/>
@@ -24779,7 +24883,7 @@
           </a:ln>
         </p:spPr>
         <p:txBody>
-          <a:bodyPr wrap="none" rtlCol="0" anchor="ctr">
+          <a:bodyPr wrap="square" rtlCol="0" anchor="ctr">
             <a:spAutoFit/>
           </a:bodyPr>
           <a:lstStyle/>
@@ -24789,7 +24893,7 @@
               <a:buChar char="•"/>
             </a:pPr>
             <a:r>
-              <a:rPr lang="de-DE" sz="1600" dirty="0">
+              <a:rPr lang="de-DE" dirty="0">
                 <a:latin typeface="+mj-lt"/>
               </a:rPr>
               <a:t>Beispiel-Queue</a:t>
@@ -24801,7 +24905,7 @@
               <a:buChar char="•"/>
             </a:pPr>
             <a:r>
-              <a:rPr lang="de-DE" sz="1600" dirty="0">
+              <a:rPr lang="de-DE" dirty="0">
                 <a:latin typeface="+mj-lt"/>
               </a:rPr>
               <a:t>Job 1 für Project 1</a:t>
@@ -24813,7 +24917,7 @@
               <a:buChar char="•"/>
             </a:pPr>
             <a:r>
-              <a:rPr lang="de-DE" sz="1600" dirty="0">
+              <a:rPr lang="de-DE" dirty="0">
                 <a:latin typeface="+mj-lt"/>
               </a:rPr>
               <a:t>Job 2 für Project 1</a:t>
@@ -24825,7 +24929,7 @@
               <a:buChar char="•"/>
             </a:pPr>
             <a:r>
-              <a:rPr lang="de-DE" sz="1600" dirty="0">
+              <a:rPr lang="de-DE" dirty="0">
                 <a:latin typeface="+mj-lt"/>
               </a:rPr>
               <a:t>Job 3 für Project 1</a:t>
@@ -24837,7 +24941,7 @@
               <a:buChar char="•"/>
             </a:pPr>
             <a:r>
-              <a:rPr lang="de-DE" sz="1600" dirty="0">
+              <a:rPr lang="de-DE" dirty="0">
                 <a:latin typeface="+mj-lt"/>
               </a:rPr>
               <a:t>Job 4 für Project 2</a:t>
@@ -24849,7 +24953,7 @@
               <a:buChar char="•"/>
             </a:pPr>
             <a:r>
-              <a:rPr lang="de-DE" sz="1600" dirty="0">
+              <a:rPr lang="de-DE" dirty="0">
                 <a:latin typeface="+mj-lt"/>
               </a:rPr>
               <a:t>Job 5 für Project 2</a:t>
@@ -24861,7 +24965,7 @@
               <a:buChar char="•"/>
             </a:pPr>
             <a:r>
-              <a:rPr lang="de-DE" sz="1600" dirty="0">
+              <a:rPr lang="de-DE" dirty="0">
                 <a:latin typeface="+mj-lt"/>
               </a:rPr>
               <a:t>Job 6 für Project 3</a:t>
@@ -25708,93 +25812,6 @@
               <a:buFont typeface="+mj-lt"/>
               <a:buAutoNum type="arabicPeriod"/>
             </a:pPr>
-            <a:r>
-              <a:rPr lang="de-DE" sz="2000" dirty="0"/>
-              <a:t>Job 1, da niedrigste Job-Nummer von Projekten</a:t>
-            </a:r>
-            <a:br>
-              <a:rPr lang="de-DE" sz="2000" dirty="0"/>
-            </a:br>
-            <a:r>
-              <a:rPr lang="de-DE" sz="2000" dirty="0"/>
-              <a:t>ohne laufende Jobs.</a:t>
-            </a:r>
-          </a:p>
-          <a:p>
-            <a:pPr marL="457200" indent="-457200">
-              <a:buFont typeface="+mj-lt"/>
-              <a:buAutoNum type="arabicPeriod"/>
-            </a:pPr>
-            <a:r>
-              <a:rPr lang="de-DE" sz="2000" dirty="0"/>
-              <a:t>Job 1 beendet.</a:t>
-            </a:r>
-          </a:p>
-          <a:p>
-            <a:pPr marL="457200" indent="-457200">
-              <a:buFont typeface="+mj-lt"/>
-              <a:buAutoNum type="arabicPeriod"/>
-            </a:pPr>
-            <a:r>
-              <a:rPr lang="de-DE" sz="2000" dirty="0"/>
-              <a:t>Job 2, da Job 1 beendet und alle Projekte haben keine Jobs laufen und 2 ist die niedrigste verfügbare Job-Nummer.</a:t>
-            </a:r>
-          </a:p>
-          <a:p>
-            <a:pPr marL="457200" indent="-457200">
-              <a:buFont typeface="+mj-lt"/>
-              <a:buAutoNum type="arabicPeriod"/>
-            </a:pPr>
-            <a:r>
-              <a:rPr lang="de-DE" sz="2000" dirty="0"/>
-              <a:t>Job 4, da für Project 1 bereits ein Job läuft und da die 2 die niedrigste Projektnummer ist von den Projekten, bei denen kein Job läuft</a:t>
-            </a:r>
-          </a:p>
-          <a:p>
-            <a:pPr marL="457200" indent="-457200">
-              <a:buFont typeface="+mj-lt"/>
-              <a:buAutoNum type="arabicPeriod"/>
-            </a:pPr>
-            <a:r>
-              <a:rPr lang="de-DE" sz="2000" dirty="0"/>
-              <a:t>Job 4 beendet.</a:t>
-            </a:r>
-          </a:p>
-          <a:p>
-            <a:pPr marL="457200" indent="-457200">
-              <a:buFont typeface="+mj-lt"/>
-              <a:buAutoNum type="arabicPeriod"/>
-            </a:pPr>
-            <a:r>
-              <a:rPr lang="de-DE" sz="2000" dirty="0"/>
-              <a:t>Job 5, da Job 4 beendet und Projekt 2 keine laufenden Jobs hat.</a:t>
-            </a:r>
-          </a:p>
-          <a:p>
-            <a:pPr marL="457200" indent="-457200">
-              <a:buFont typeface="+mj-lt"/>
-              <a:buAutoNum type="arabicPeriod"/>
-            </a:pPr>
-            <a:r>
-              <a:rPr lang="de-DE" sz="2000" dirty="0"/>
-              <a:t>Job 6, da Projekt 3 das einzige Projekt ist, das noch keine laufenden Jobs hat.</a:t>
-            </a:r>
-          </a:p>
-          <a:p>
-            <a:pPr marL="457200" indent="-457200">
-              <a:buFont typeface="+mj-lt"/>
-              <a:buAutoNum type="arabicPeriod"/>
-            </a:pPr>
-            <a:r>
-              <a:rPr lang="de-DE" sz="2000" dirty="0"/>
-              <a:t>Job 3, da ist der letzte Job ist.</a:t>
-            </a:r>
-          </a:p>
-          <a:p>
-            <a:pPr marL="457200" indent="-457200">
-              <a:buFont typeface="+mj-lt"/>
-              <a:buAutoNum type="arabicPeriod"/>
-            </a:pPr>
             <a:endParaRPr lang="de-DE" sz="2000" dirty="0"/>
           </a:p>
           <a:p>
@@ -25834,8 +25851,8 @@
         </p:nvSpPr>
         <p:spPr bwMode="auto">
           <a:xfrm>
-            <a:off x="6744909" y="1052736"/>
-            <a:ext cx="2385589" cy="1815882"/>
+            <a:off x="285720" y="1916832"/>
+            <a:ext cx="3251211" cy="2677656"/>
           </a:xfrm>
           <a:prstGeom prst="rect">
             <a:avLst/>
@@ -25859,7 +25876,7 @@
               <a:buChar char="•"/>
             </a:pPr>
             <a:r>
-              <a:rPr lang="de-DE" sz="1600" dirty="0">
+              <a:rPr lang="de-DE" dirty="0">
                 <a:latin typeface="+mj-lt"/>
               </a:rPr>
               <a:t>Beispiel-Queue</a:t>
@@ -25871,7 +25888,7 @@
               <a:buChar char="•"/>
             </a:pPr>
             <a:r>
-              <a:rPr lang="de-DE" sz="1600" dirty="0">
+              <a:rPr lang="de-DE" dirty="0">
                 <a:latin typeface="+mj-lt"/>
               </a:rPr>
               <a:t>Job 1 für Project 1</a:t>
@@ -25883,7 +25900,7 @@
               <a:buChar char="•"/>
             </a:pPr>
             <a:r>
-              <a:rPr lang="de-DE" sz="1600" dirty="0">
+              <a:rPr lang="de-DE" dirty="0">
                 <a:latin typeface="+mj-lt"/>
               </a:rPr>
               <a:t>Job 2 für Project 1</a:t>
@@ -25895,7 +25912,7 @@
               <a:buChar char="•"/>
             </a:pPr>
             <a:r>
-              <a:rPr lang="de-DE" sz="1600" dirty="0">
+              <a:rPr lang="de-DE" dirty="0">
                 <a:latin typeface="+mj-lt"/>
               </a:rPr>
               <a:t>Job 3 für Project 1</a:t>
@@ -25907,7 +25924,7 @@
               <a:buChar char="•"/>
             </a:pPr>
             <a:r>
-              <a:rPr lang="de-DE" sz="1600" dirty="0">
+              <a:rPr lang="de-DE" dirty="0">
                 <a:latin typeface="+mj-lt"/>
               </a:rPr>
               <a:t>Job 4 für Project 2</a:t>
@@ -25919,7 +25936,7 @@
               <a:buChar char="•"/>
             </a:pPr>
             <a:r>
-              <a:rPr lang="de-DE" sz="1600" dirty="0">
+              <a:rPr lang="de-DE" dirty="0">
                 <a:latin typeface="+mj-lt"/>
               </a:rPr>
               <a:t>Job 5 für Project 2</a:t>
@@ -25931,7 +25948,7 @@
               <a:buChar char="•"/>
             </a:pPr>
             <a:r>
-              <a:rPr lang="de-DE" sz="1600" dirty="0">
+              <a:rPr lang="de-DE" dirty="0">
                 <a:latin typeface="+mj-lt"/>
               </a:rPr>
               <a:t>Job 6 für Project 3</a:t>

--- a/slides/Tag-2_3-GitLab-Runner_Light.pptx
+++ b/slides/Tag-2_3-GitLab-Runner_Light.pptx
@@ -3336,6 +3336,32 @@
               <a:rPr lang="de-DE" dirty="0"/>
               <a:t>https://docs.gitlab.com/ee/ci/runners/runners_scope.html</a:t>
             </a:r>
+          </a:p>
+          <a:p>
+            <a:endParaRPr lang="de-DE" dirty="0"/>
+          </a:p>
+          <a:p>
+            <a:pPr>
+              <a:buFont typeface="Arial" panose="020B0604020202020204" pitchFamily="34" charset="0"/>
+              <a:buChar char="•"/>
+            </a:pPr>
+            <a:r>
+              <a:rPr lang="de-DE" sz="2000" dirty="0"/>
+              <a:t>Wann ist welcher Runner sinnvoll?</a:t>
+            </a:r>
+          </a:p>
+          <a:p>
+            <a:pPr lvl="1">
+              <a:buFont typeface="Arial" panose="020B0604020202020204" pitchFamily="34" charset="0"/>
+              <a:buChar char="•"/>
+            </a:pPr>
+            <a:r>
+              <a:rPr lang="de-DE" sz="1800" dirty="0"/>
+              <a:t>Hängt davon ab, wer Zugriff haben soll!</a:t>
+            </a:r>
+          </a:p>
+          <a:p>
+            <a:endParaRPr lang="de-DE" dirty="0"/>
           </a:p>
         </p:txBody>
       </p:sp>
@@ -13104,6 +13130,12 @@
               <a:rPr lang="de-DE" dirty="0"/>
               <a:t>: </a:t>
             </a:r>
+          </a:p>
+          <a:p>
+            <a:pPr lvl="1">
+              <a:buFont typeface="Arial" panose="020B0604020202020204" pitchFamily="34" charset="0"/>
+              <a:buChar char="•"/>
+            </a:pPr>
             <a:r>
               <a:rPr lang="de-DE" dirty="0" err="1"/>
               <a:t>GitLab</a:t>
@@ -13614,6 +13646,42 @@
           </a:p>
         </p:txBody>
       </p:sp>
+      <p:pic>
+        <p:nvPicPr>
+          <p:cNvPr id="4" name="Grafik 3">
+            <a:extLst>
+              <a:ext uri="{FF2B5EF4-FFF2-40B4-BE49-F238E27FC236}">
+                <a16:creationId xmlns:a16="http://schemas.microsoft.com/office/drawing/2014/main" id="{F81D3966-AB06-C5CE-A994-FB06993BD5E6}"/>
+              </a:ext>
+            </a:extLst>
+          </p:cNvPr>
+          <p:cNvPicPr>
+            <a:picLocks noChangeAspect="1"/>
+          </p:cNvPicPr>
+          <p:nvPr/>
+        </p:nvPicPr>
+        <p:blipFill>
+          <a:blip r:embed="rId3">
+            <a:extLst>
+              <a:ext uri="{28A0092B-C50C-407E-A947-70E740481C1C}">
+                <a14:useLocalDpi xmlns:a14="http://schemas.microsoft.com/office/drawing/2010/main" val="0"/>
+              </a:ext>
+            </a:extLst>
+          </a:blip>
+          <a:stretch>
+            <a:fillRect/>
+          </a:stretch>
+        </p:blipFill>
+        <p:spPr>
+          <a:xfrm rot="20304935">
+            <a:off x="7184622" y="5554276"/>
+            <a:ext cx="2227108" cy="926566"/>
+          </a:xfrm>
+          <a:prstGeom prst="rect">
+            <a:avLst/>
+          </a:prstGeom>
+        </p:spPr>
+      </p:pic>
     </p:spTree>
     <p:extLst>
       <p:ext uri="{BB962C8B-B14F-4D97-AF65-F5344CB8AC3E}">
@@ -13929,6 +13997,42 @@
           </a:p>
         </p:txBody>
       </p:sp>
+      <p:pic>
+        <p:nvPicPr>
+          <p:cNvPr id="4" name="Grafik 3">
+            <a:extLst>
+              <a:ext uri="{FF2B5EF4-FFF2-40B4-BE49-F238E27FC236}">
+                <a16:creationId xmlns:a16="http://schemas.microsoft.com/office/drawing/2014/main" id="{132F9E92-65D1-F66E-F0D5-6645FE581652}"/>
+              </a:ext>
+            </a:extLst>
+          </p:cNvPr>
+          <p:cNvPicPr>
+            <a:picLocks noChangeAspect="1"/>
+          </p:cNvPicPr>
+          <p:nvPr/>
+        </p:nvPicPr>
+        <p:blipFill>
+          <a:blip r:embed="rId3">
+            <a:extLst>
+              <a:ext uri="{28A0092B-C50C-407E-A947-70E740481C1C}">
+                <a14:useLocalDpi xmlns:a14="http://schemas.microsoft.com/office/drawing/2010/main" val="0"/>
+              </a:ext>
+            </a:extLst>
+          </a:blip>
+          <a:stretch>
+            <a:fillRect/>
+          </a:stretch>
+        </p:blipFill>
+        <p:spPr>
+          <a:xfrm rot="20304935">
+            <a:off x="7184622" y="5554276"/>
+            <a:ext cx="2227108" cy="926566"/>
+          </a:xfrm>
+          <a:prstGeom prst="rect">
+            <a:avLst/>
+          </a:prstGeom>
+        </p:spPr>
+      </p:pic>
     </p:spTree>
     <p:extLst>
       <p:ext uri="{BB962C8B-B14F-4D97-AF65-F5344CB8AC3E}">
@@ -14137,6 +14241,42 @@
           </a:p>
         </p:txBody>
       </p:sp>
+      <p:pic>
+        <p:nvPicPr>
+          <p:cNvPr id="4" name="Grafik 3">
+            <a:extLst>
+              <a:ext uri="{FF2B5EF4-FFF2-40B4-BE49-F238E27FC236}">
+                <a16:creationId xmlns:a16="http://schemas.microsoft.com/office/drawing/2014/main" id="{0273839E-BB1D-6059-3BDE-860D2E4E10EE}"/>
+              </a:ext>
+            </a:extLst>
+          </p:cNvPr>
+          <p:cNvPicPr>
+            <a:picLocks noChangeAspect="1"/>
+          </p:cNvPicPr>
+          <p:nvPr/>
+        </p:nvPicPr>
+        <p:blipFill>
+          <a:blip r:embed="rId3">
+            <a:extLst>
+              <a:ext uri="{28A0092B-C50C-407E-A947-70E740481C1C}">
+                <a14:useLocalDpi xmlns:a14="http://schemas.microsoft.com/office/drawing/2010/main" val="0"/>
+              </a:ext>
+            </a:extLst>
+          </a:blip>
+          <a:stretch>
+            <a:fillRect/>
+          </a:stretch>
+        </p:blipFill>
+        <p:spPr>
+          <a:xfrm rot="20304935">
+            <a:off x="7184622" y="5554276"/>
+            <a:ext cx="2227108" cy="926566"/>
+          </a:xfrm>
+          <a:prstGeom prst="rect">
+            <a:avLst/>
+          </a:prstGeom>
+        </p:spPr>
+      </p:pic>
     </p:spTree>
     <p:extLst>
       <p:ext uri="{BB962C8B-B14F-4D97-AF65-F5344CB8AC3E}">
@@ -14353,6 +14493,42 @@
           </a:p>
         </p:txBody>
       </p:sp>
+      <p:pic>
+        <p:nvPicPr>
+          <p:cNvPr id="4" name="Grafik 3">
+            <a:extLst>
+              <a:ext uri="{FF2B5EF4-FFF2-40B4-BE49-F238E27FC236}">
+                <a16:creationId xmlns:a16="http://schemas.microsoft.com/office/drawing/2014/main" id="{3C34A74B-B8C2-7D0B-C7FD-E4F9337F167B}"/>
+              </a:ext>
+            </a:extLst>
+          </p:cNvPr>
+          <p:cNvPicPr>
+            <a:picLocks noChangeAspect="1"/>
+          </p:cNvPicPr>
+          <p:nvPr/>
+        </p:nvPicPr>
+        <p:blipFill>
+          <a:blip r:embed="rId3">
+            <a:extLst>
+              <a:ext uri="{28A0092B-C50C-407E-A947-70E740481C1C}">
+                <a14:useLocalDpi xmlns:a14="http://schemas.microsoft.com/office/drawing/2010/main" val="0"/>
+              </a:ext>
+            </a:extLst>
+          </a:blip>
+          <a:stretch>
+            <a:fillRect/>
+          </a:stretch>
+        </p:blipFill>
+        <p:spPr>
+          <a:xfrm rot="20304935">
+            <a:off x="7184622" y="5554276"/>
+            <a:ext cx="2227108" cy="926566"/>
+          </a:xfrm>
+          <a:prstGeom prst="rect">
+            <a:avLst/>
+          </a:prstGeom>
+        </p:spPr>
+      </p:pic>
     </p:spTree>
     <p:extLst>
       <p:ext uri="{BB962C8B-B14F-4D97-AF65-F5344CB8AC3E}">
@@ -14604,6 +14780,42 @@
           </a:p>
         </p:txBody>
       </p:sp>
+      <p:pic>
+        <p:nvPicPr>
+          <p:cNvPr id="4" name="Grafik 3">
+            <a:extLst>
+              <a:ext uri="{FF2B5EF4-FFF2-40B4-BE49-F238E27FC236}">
+                <a16:creationId xmlns:a16="http://schemas.microsoft.com/office/drawing/2014/main" id="{180D4C16-EF7D-7204-8C27-7F05D34EF2BC}"/>
+              </a:ext>
+            </a:extLst>
+          </p:cNvPr>
+          <p:cNvPicPr>
+            <a:picLocks noChangeAspect="1"/>
+          </p:cNvPicPr>
+          <p:nvPr/>
+        </p:nvPicPr>
+        <p:blipFill>
+          <a:blip r:embed="rId3">
+            <a:extLst>
+              <a:ext uri="{28A0092B-C50C-407E-A947-70E740481C1C}">
+                <a14:useLocalDpi xmlns:a14="http://schemas.microsoft.com/office/drawing/2010/main" val="0"/>
+              </a:ext>
+            </a:extLst>
+          </a:blip>
+          <a:stretch>
+            <a:fillRect/>
+          </a:stretch>
+        </p:blipFill>
+        <p:spPr>
+          <a:xfrm rot="20304935">
+            <a:off x="7184622" y="5554276"/>
+            <a:ext cx="2227108" cy="926566"/>
+          </a:xfrm>
+          <a:prstGeom prst="rect">
+            <a:avLst/>
+          </a:prstGeom>
+        </p:spPr>
+      </p:pic>
     </p:spTree>
     <p:extLst>
       <p:ext uri="{BB962C8B-B14F-4D97-AF65-F5344CB8AC3E}">
@@ -14999,6 +15211,42 @@
           </a:p>
         </p:txBody>
       </p:sp>
+      <p:pic>
+        <p:nvPicPr>
+          <p:cNvPr id="4" name="Grafik 3">
+            <a:extLst>
+              <a:ext uri="{FF2B5EF4-FFF2-40B4-BE49-F238E27FC236}">
+                <a16:creationId xmlns:a16="http://schemas.microsoft.com/office/drawing/2014/main" id="{00431924-3620-D8EE-909E-9675F4097E5A}"/>
+              </a:ext>
+            </a:extLst>
+          </p:cNvPr>
+          <p:cNvPicPr>
+            <a:picLocks noChangeAspect="1"/>
+          </p:cNvPicPr>
+          <p:nvPr/>
+        </p:nvPicPr>
+        <p:blipFill>
+          <a:blip r:embed="rId3">
+            <a:extLst>
+              <a:ext uri="{28A0092B-C50C-407E-A947-70E740481C1C}">
+                <a14:useLocalDpi xmlns:a14="http://schemas.microsoft.com/office/drawing/2010/main" val="0"/>
+              </a:ext>
+            </a:extLst>
+          </a:blip>
+          <a:stretch>
+            <a:fillRect/>
+          </a:stretch>
+        </p:blipFill>
+        <p:spPr>
+          <a:xfrm rot="20304935">
+            <a:off x="7184622" y="5554276"/>
+            <a:ext cx="2227108" cy="926566"/>
+          </a:xfrm>
+          <a:prstGeom prst="rect">
+            <a:avLst/>
+          </a:prstGeom>
+        </p:spPr>
+      </p:pic>
     </p:spTree>
     <p:extLst>
       <p:ext uri="{BB962C8B-B14F-4D97-AF65-F5344CB8AC3E}">
@@ -15679,6 +15927,42 @@
           </a:p>
         </p:txBody>
       </p:sp>
+      <p:pic>
+        <p:nvPicPr>
+          <p:cNvPr id="4" name="Grafik 3">
+            <a:extLst>
+              <a:ext uri="{FF2B5EF4-FFF2-40B4-BE49-F238E27FC236}">
+                <a16:creationId xmlns:a16="http://schemas.microsoft.com/office/drawing/2014/main" id="{0ACA2B55-33E5-574F-103B-33A0839725C7}"/>
+              </a:ext>
+            </a:extLst>
+          </p:cNvPr>
+          <p:cNvPicPr>
+            <a:picLocks noChangeAspect="1"/>
+          </p:cNvPicPr>
+          <p:nvPr/>
+        </p:nvPicPr>
+        <p:blipFill>
+          <a:blip r:embed="rId3">
+            <a:extLst>
+              <a:ext uri="{28A0092B-C50C-407E-A947-70E740481C1C}">
+                <a14:useLocalDpi xmlns:a14="http://schemas.microsoft.com/office/drawing/2010/main" val="0"/>
+              </a:ext>
+            </a:extLst>
+          </a:blip>
+          <a:stretch>
+            <a:fillRect/>
+          </a:stretch>
+        </p:blipFill>
+        <p:spPr>
+          <a:xfrm rot="20304935">
+            <a:off x="7184622" y="5554276"/>
+            <a:ext cx="2227108" cy="926566"/>
+          </a:xfrm>
+          <a:prstGeom prst="rect">
+            <a:avLst/>
+          </a:prstGeom>
+        </p:spPr>
+      </p:pic>
     </p:spTree>
     <p:extLst>
       <p:ext uri="{BB962C8B-B14F-4D97-AF65-F5344CB8AC3E}">
@@ -16027,6 +16311,42 @@
           </a:p>
         </p:txBody>
       </p:sp>
+      <p:pic>
+        <p:nvPicPr>
+          <p:cNvPr id="4" name="Grafik 3">
+            <a:extLst>
+              <a:ext uri="{FF2B5EF4-FFF2-40B4-BE49-F238E27FC236}">
+                <a16:creationId xmlns:a16="http://schemas.microsoft.com/office/drawing/2014/main" id="{0BFD6FB0-FED7-16DD-BAC8-3532D9F74A31}"/>
+              </a:ext>
+            </a:extLst>
+          </p:cNvPr>
+          <p:cNvPicPr>
+            <a:picLocks noChangeAspect="1"/>
+          </p:cNvPicPr>
+          <p:nvPr/>
+        </p:nvPicPr>
+        <p:blipFill>
+          <a:blip r:embed="rId3">
+            <a:extLst>
+              <a:ext uri="{28A0092B-C50C-407E-A947-70E740481C1C}">
+                <a14:useLocalDpi xmlns:a14="http://schemas.microsoft.com/office/drawing/2010/main" val="0"/>
+              </a:ext>
+            </a:extLst>
+          </a:blip>
+          <a:stretch>
+            <a:fillRect/>
+          </a:stretch>
+        </p:blipFill>
+        <p:spPr>
+          <a:xfrm rot="20304935">
+            <a:off x="7184622" y="5554276"/>
+            <a:ext cx="2227108" cy="926566"/>
+          </a:xfrm>
+          <a:prstGeom prst="rect">
+            <a:avLst/>
+          </a:prstGeom>
+        </p:spPr>
+      </p:pic>
     </p:spTree>
     <p:extLst>
       <p:ext uri="{BB962C8B-B14F-4D97-AF65-F5344CB8AC3E}">
@@ -16343,6 +16663,42 @@
           </a:p>
         </p:txBody>
       </p:sp>
+      <p:pic>
+        <p:nvPicPr>
+          <p:cNvPr id="4" name="Grafik 3">
+            <a:extLst>
+              <a:ext uri="{FF2B5EF4-FFF2-40B4-BE49-F238E27FC236}">
+                <a16:creationId xmlns:a16="http://schemas.microsoft.com/office/drawing/2014/main" id="{2C02F5EC-9973-5837-D2A8-DA84C6369554}"/>
+              </a:ext>
+            </a:extLst>
+          </p:cNvPr>
+          <p:cNvPicPr>
+            <a:picLocks noChangeAspect="1"/>
+          </p:cNvPicPr>
+          <p:nvPr/>
+        </p:nvPicPr>
+        <p:blipFill>
+          <a:blip r:embed="rId3">
+            <a:extLst>
+              <a:ext uri="{28A0092B-C50C-407E-A947-70E740481C1C}">
+                <a14:useLocalDpi xmlns:a14="http://schemas.microsoft.com/office/drawing/2010/main" val="0"/>
+              </a:ext>
+            </a:extLst>
+          </a:blip>
+          <a:stretch>
+            <a:fillRect/>
+          </a:stretch>
+        </p:blipFill>
+        <p:spPr>
+          <a:xfrm rot="20304935">
+            <a:off x="7184622" y="5554276"/>
+            <a:ext cx="2227108" cy="926566"/>
+          </a:xfrm>
+          <a:prstGeom prst="rect">
+            <a:avLst/>
+          </a:prstGeom>
+        </p:spPr>
+      </p:pic>
     </p:spTree>
     <p:extLst>
       <p:ext uri="{BB962C8B-B14F-4D97-AF65-F5344CB8AC3E}">
@@ -16600,6 +16956,42 @@
           </a:p>
         </p:txBody>
       </p:sp>
+      <p:pic>
+        <p:nvPicPr>
+          <p:cNvPr id="4" name="Grafik 3">
+            <a:extLst>
+              <a:ext uri="{FF2B5EF4-FFF2-40B4-BE49-F238E27FC236}">
+                <a16:creationId xmlns:a16="http://schemas.microsoft.com/office/drawing/2014/main" id="{C8AC64F8-CDB6-59C1-E5B4-31560E6F07DA}"/>
+              </a:ext>
+            </a:extLst>
+          </p:cNvPr>
+          <p:cNvPicPr>
+            <a:picLocks noChangeAspect="1"/>
+          </p:cNvPicPr>
+          <p:nvPr/>
+        </p:nvPicPr>
+        <p:blipFill>
+          <a:blip r:embed="rId3">
+            <a:extLst>
+              <a:ext uri="{28A0092B-C50C-407E-A947-70E740481C1C}">
+                <a14:useLocalDpi xmlns:a14="http://schemas.microsoft.com/office/drawing/2010/main" val="0"/>
+              </a:ext>
+            </a:extLst>
+          </a:blip>
+          <a:stretch>
+            <a:fillRect/>
+          </a:stretch>
+        </p:blipFill>
+        <p:spPr>
+          <a:xfrm rot="20304935">
+            <a:off x="7184622" y="5554276"/>
+            <a:ext cx="2227108" cy="926566"/>
+          </a:xfrm>
+          <a:prstGeom prst="rect">
+            <a:avLst/>
+          </a:prstGeom>
+        </p:spPr>
+      </p:pic>
     </p:spTree>
     <p:extLst>
       <p:ext uri="{BB962C8B-B14F-4D97-AF65-F5344CB8AC3E}">
@@ -16858,35 +17250,38 @@
               </a:rPr>
             </a:br>
             <a:r>
-              <a:rPr lang="de-DE" dirty="0">
+              <a:rPr lang="de-DE" sz="2000" dirty="0">
                 <a:sym typeface="Wingdings" panose="05000000000000000000" pitchFamily="2" charset="2"/>
               </a:rPr>
               <a:t>Weitere Runner </a:t>
             </a:r>
             <a:r>
-              <a:rPr lang="de-DE" dirty="0" err="1">
+              <a:rPr lang="de-DE" sz="2000" dirty="0" err="1">
                 <a:sym typeface="Wingdings" panose="05000000000000000000" pitchFamily="2" charset="2"/>
               </a:rPr>
               <a:t>sindunter</a:t>
             </a:r>
             <a:r>
-              <a:rPr lang="de-DE" dirty="0">
+              <a:rPr lang="de-DE" sz="2000" dirty="0">
                 <a:sym typeface="Wingdings" panose="05000000000000000000" pitchFamily="2" charset="2"/>
               </a:rPr>
               <a:t> ./</a:t>
             </a:r>
             <a:r>
-              <a:rPr lang="de-DE" dirty="0" err="1">
+              <a:rPr lang="de-DE" sz="2000" dirty="0" err="1">
                 <a:sym typeface="Wingdings" panose="05000000000000000000" pitchFamily="2" charset="2"/>
               </a:rPr>
               <a:t>config.toml</a:t>
             </a:r>
             <a:r>
-              <a:rPr lang="de-DE" dirty="0">
+              <a:rPr lang="de-DE" sz="2000" dirty="0">
                 <a:sym typeface="Wingdings" panose="05000000000000000000" pitchFamily="2" charset="2"/>
               </a:rPr>
               <a:t> konfigurierbar</a:t>
             </a:r>
+            <a:endParaRPr lang="de-DE" dirty="0">
+              <a:sym typeface="Wingdings" panose="05000000000000000000" pitchFamily="2" charset="2"/>
+            </a:endParaRPr>
           </a:p>
           <a:p>
             <a:pPr marL="0" indent="0">
@@ -16905,6 +17300,42 @@
           </a:p>
         </p:txBody>
       </p:sp>
+      <p:pic>
+        <p:nvPicPr>
+          <p:cNvPr id="4" name="Grafik 3">
+            <a:extLst>
+              <a:ext uri="{FF2B5EF4-FFF2-40B4-BE49-F238E27FC236}">
+                <a16:creationId xmlns:a16="http://schemas.microsoft.com/office/drawing/2014/main" id="{62D7B4E3-9DA6-F777-AB78-D6C39B2B5CEF}"/>
+              </a:ext>
+            </a:extLst>
+          </p:cNvPr>
+          <p:cNvPicPr>
+            <a:picLocks noChangeAspect="1"/>
+          </p:cNvPicPr>
+          <p:nvPr/>
+        </p:nvPicPr>
+        <p:blipFill>
+          <a:blip r:embed="rId3">
+            <a:extLst>
+              <a:ext uri="{28A0092B-C50C-407E-A947-70E740481C1C}">
+                <a14:useLocalDpi xmlns:a14="http://schemas.microsoft.com/office/drawing/2010/main" val="0"/>
+              </a:ext>
+            </a:extLst>
+          </a:blip>
+          <a:stretch>
+            <a:fillRect/>
+          </a:stretch>
+        </p:blipFill>
+        <p:spPr>
+          <a:xfrm rot="20304935">
+            <a:off x="7184622" y="5554276"/>
+            <a:ext cx="2227108" cy="926566"/>
+          </a:xfrm>
+          <a:prstGeom prst="rect">
+            <a:avLst/>
+          </a:prstGeom>
+        </p:spPr>
+      </p:pic>
     </p:spTree>
     <p:extLst>
       <p:ext uri="{BB962C8B-B14F-4D97-AF65-F5344CB8AC3E}">
@@ -17058,6 +17489,42 @@
           </a:p>
         </p:txBody>
       </p:sp>
+      <p:pic>
+        <p:nvPicPr>
+          <p:cNvPr id="4" name="Grafik 3">
+            <a:extLst>
+              <a:ext uri="{FF2B5EF4-FFF2-40B4-BE49-F238E27FC236}">
+                <a16:creationId xmlns:a16="http://schemas.microsoft.com/office/drawing/2014/main" id="{DBB8BFB6-24E5-EA85-EE65-6B25298F80C2}"/>
+              </a:ext>
+            </a:extLst>
+          </p:cNvPr>
+          <p:cNvPicPr>
+            <a:picLocks noChangeAspect="1"/>
+          </p:cNvPicPr>
+          <p:nvPr/>
+        </p:nvPicPr>
+        <p:blipFill>
+          <a:blip r:embed="rId3">
+            <a:extLst>
+              <a:ext uri="{28A0092B-C50C-407E-A947-70E740481C1C}">
+                <a14:useLocalDpi xmlns:a14="http://schemas.microsoft.com/office/drawing/2010/main" val="0"/>
+              </a:ext>
+            </a:extLst>
+          </a:blip>
+          <a:stretch>
+            <a:fillRect/>
+          </a:stretch>
+        </p:blipFill>
+        <p:spPr>
+          <a:xfrm rot="20304935">
+            <a:off x="7184622" y="5554276"/>
+            <a:ext cx="2227108" cy="926566"/>
+          </a:xfrm>
+          <a:prstGeom prst="rect">
+            <a:avLst/>
+          </a:prstGeom>
+        </p:spPr>
+      </p:pic>
     </p:spTree>
     <p:extLst>
       <p:ext uri="{BB962C8B-B14F-4D97-AF65-F5344CB8AC3E}">
@@ -17338,6 +17805,42 @@
           </a:p>
         </p:txBody>
       </p:sp>
+      <p:pic>
+        <p:nvPicPr>
+          <p:cNvPr id="4" name="Grafik 3">
+            <a:extLst>
+              <a:ext uri="{FF2B5EF4-FFF2-40B4-BE49-F238E27FC236}">
+                <a16:creationId xmlns:a16="http://schemas.microsoft.com/office/drawing/2014/main" id="{F9882121-6DBE-767E-364A-840922297BD6}"/>
+              </a:ext>
+            </a:extLst>
+          </p:cNvPr>
+          <p:cNvPicPr>
+            <a:picLocks noChangeAspect="1"/>
+          </p:cNvPicPr>
+          <p:nvPr/>
+        </p:nvPicPr>
+        <p:blipFill>
+          <a:blip r:embed="rId2">
+            <a:extLst>
+              <a:ext uri="{28A0092B-C50C-407E-A947-70E740481C1C}">
+                <a14:useLocalDpi xmlns:a14="http://schemas.microsoft.com/office/drawing/2010/main" val="0"/>
+              </a:ext>
+            </a:extLst>
+          </a:blip>
+          <a:stretch>
+            <a:fillRect/>
+          </a:stretch>
+        </p:blipFill>
+        <p:spPr>
+          <a:xfrm rot="20304935">
+            <a:off x="7184622" y="5554276"/>
+            <a:ext cx="2227108" cy="926566"/>
+          </a:xfrm>
+          <a:prstGeom prst="rect">
+            <a:avLst/>
+          </a:prstGeom>
+        </p:spPr>
+      </p:pic>
     </p:spTree>
     <p:extLst>
       <p:ext uri="{BB962C8B-B14F-4D97-AF65-F5344CB8AC3E}">
@@ -17491,6 +17994,42 @@
           </a:p>
         </p:txBody>
       </p:sp>
+      <p:pic>
+        <p:nvPicPr>
+          <p:cNvPr id="4" name="Grafik 3">
+            <a:extLst>
+              <a:ext uri="{FF2B5EF4-FFF2-40B4-BE49-F238E27FC236}">
+                <a16:creationId xmlns:a16="http://schemas.microsoft.com/office/drawing/2014/main" id="{CC0F471D-A659-1A33-BD7B-51FD3565F858}"/>
+              </a:ext>
+            </a:extLst>
+          </p:cNvPr>
+          <p:cNvPicPr>
+            <a:picLocks noChangeAspect="1"/>
+          </p:cNvPicPr>
+          <p:nvPr/>
+        </p:nvPicPr>
+        <p:blipFill>
+          <a:blip r:embed="rId3">
+            <a:extLst>
+              <a:ext uri="{28A0092B-C50C-407E-A947-70E740481C1C}">
+                <a14:useLocalDpi xmlns:a14="http://schemas.microsoft.com/office/drawing/2010/main" val="0"/>
+              </a:ext>
+            </a:extLst>
+          </a:blip>
+          <a:stretch>
+            <a:fillRect/>
+          </a:stretch>
+        </p:blipFill>
+        <p:spPr>
+          <a:xfrm rot="20304935">
+            <a:off x="7184622" y="5554276"/>
+            <a:ext cx="2227108" cy="926566"/>
+          </a:xfrm>
+          <a:prstGeom prst="rect">
+            <a:avLst/>
+          </a:prstGeom>
+        </p:spPr>
+      </p:pic>
     </p:spTree>
     <p:extLst>
       <p:ext uri="{BB962C8B-B14F-4D97-AF65-F5344CB8AC3E}">
@@ -17680,6 +18219,42 @@
           </a:p>
         </p:txBody>
       </p:sp>
+      <p:pic>
+        <p:nvPicPr>
+          <p:cNvPr id="4" name="Grafik 3">
+            <a:extLst>
+              <a:ext uri="{FF2B5EF4-FFF2-40B4-BE49-F238E27FC236}">
+                <a16:creationId xmlns:a16="http://schemas.microsoft.com/office/drawing/2014/main" id="{32119995-9A01-8DDF-8444-1EEA9D13097D}"/>
+              </a:ext>
+            </a:extLst>
+          </p:cNvPr>
+          <p:cNvPicPr>
+            <a:picLocks noChangeAspect="1"/>
+          </p:cNvPicPr>
+          <p:nvPr/>
+        </p:nvPicPr>
+        <p:blipFill>
+          <a:blip r:embed="rId3">
+            <a:extLst>
+              <a:ext uri="{28A0092B-C50C-407E-A947-70E740481C1C}">
+                <a14:useLocalDpi xmlns:a14="http://schemas.microsoft.com/office/drawing/2010/main" val="0"/>
+              </a:ext>
+            </a:extLst>
+          </a:blip>
+          <a:stretch>
+            <a:fillRect/>
+          </a:stretch>
+        </p:blipFill>
+        <p:spPr>
+          <a:xfrm rot="20304935">
+            <a:off x="7184622" y="5554276"/>
+            <a:ext cx="2227108" cy="926566"/>
+          </a:xfrm>
+          <a:prstGeom prst="rect">
+            <a:avLst/>
+          </a:prstGeom>
+        </p:spPr>
+      </p:pic>
     </p:spTree>
     <p:extLst>
       <p:ext uri="{BB962C8B-B14F-4D97-AF65-F5344CB8AC3E}">
@@ -18442,6 +19017,42 @@
           </a:p>
         </p:txBody>
       </p:sp>
+      <p:pic>
+        <p:nvPicPr>
+          <p:cNvPr id="5" name="Grafik 4">
+            <a:extLst>
+              <a:ext uri="{FF2B5EF4-FFF2-40B4-BE49-F238E27FC236}">
+                <a16:creationId xmlns:a16="http://schemas.microsoft.com/office/drawing/2014/main" id="{ACF8051B-A05C-2B79-14DE-A224C2DC2B58}"/>
+              </a:ext>
+            </a:extLst>
+          </p:cNvPr>
+          <p:cNvPicPr>
+            <a:picLocks noChangeAspect="1"/>
+          </p:cNvPicPr>
+          <p:nvPr/>
+        </p:nvPicPr>
+        <p:blipFill>
+          <a:blip r:embed="rId3">
+            <a:extLst>
+              <a:ext uri="{28A0092B-C50C-407E-A947-70E740481C1C}">
+                <a14:useLocalDpi xmlns:a14="http://schemas.microsoft.com/office/drawing/2010/main" val="0"/>
+              </a:ext>
+            </a:extLst>
+          </a:blip>
+          <a:stretch>
+            <a:fillRect/>
+          </a:stretch>
+        </p:blipFill>
+        <p:spPr>
+          <a:xfrm rot="20304935">
+            <a:off x="7184622" y="5554276"/>
+            <a:ext cx="2227108" cy="926566"/>
+          </a:xfrm>
+          <a:prstGeom prst="rect">
+            <a:avLst/>
+          </a:prstGeom>
+        </p:spPr>
+      </p:pic>
     </p:spTree>
     <p:extLst>
       <p:ext uri="{BB962C8B-B14F-4D97-AF65-F5344CB8AC3E}">
@@ -19012,6 +19623,42 @@
           </a:p>
         </p:txBody>
       </p:sp>
+      <p:pic>
+        <p:nvPicPr>
+          <p:cNvPr id="4" name="Grafik 3">
+            <a:extLst>
+              <a:ext uri="{FF2B5EF4-FFF2-40B4-BE49-F238E27FC236}">
+                <a16:creationId xmlns:a16="http://schemas.microsoft.com/office/drawing/2014/main" id="{F3A5EE6A-64D8-9AE6-52E5-FED1FEAAE8DC}"/>
+              </a:ext>
+            </a:extLst>
+          </p:cNvPr>
+          <p:cNvPicPr>
+            <a:picLocks noChangeAspect="1"/>
+          </p:cNvPicPr>
+          <p:nvPr/>
+        </p:nvPicPr>
+        <p:blipFill>
+          <a:blip r:embed="rId3">
+            <a:extLst>
+              <a:ext uri="{28A0092B-C50C-407E-A947-70E740481C1C}">
+                <a14:useLocalDpi xmlns:a14="http://schemas.microsoft.com/office/drawing/2010/main" val="0"/>
+              </a:ext>
+            </a:extLst>
+          </a:blip>
+          <a:stretch>
+            <a:fillRect/>
+          </a:stretch>
+        </p:blipFill>
+        <p:spPr>
+          <a:xfrm rot="20304935">
+            <a:off x="7184622" y="5554276"/>
+            <a:ext cx="2227108" cy="926566"/>
+          </a:xfrm>
+          <a:prstGeom prst="rect">
+            <a:avLst/>
+          </a:prstGeom>
+        </p:spPr>
+      </p:pic>
     </p:spTree>
     <p:extLst>
       <p:ext uri="{BB962C8B-B14F-4D97-AF65-F5344CB8AC3E}">
@@ -19411,6 +20058,42 @@
           </a:p>
         </p:txBody>
       </p:sp>
+      <p:pic>
+        <p:nvPicPr>
+          <p:cNvPr id="4" name="Grafik 3">
+            <a:extLst>
+              <a:ext uri="{FF2B5EF4-FFF2-40B4-BE49-F238E27FC236}">
+                <a16:creationId xmlns:a16="http://schemas.microsoft.com/office/drawing/2014/main" id="{C5AC19E6-C922-435E-5457-3ADB549A296D}"/>
+              </a:ext>
+            </a:extLst>
+          </p:cNvPr>
+          <p:cNvPicPr>
+            <a:picLocks noChangeAspect="1"/>
+          </p:cNvPicPr>
+          <p:nvPr/>
+        </p:nvPicPr>
+        <p:blipFill>
+          <a:blip r:embed="rId3">
+            <a:extLst>
+              <a:ext uri="{28A0092B-C50C-407E-A947-70E740481C1C}">
+                <a14:useLocalDpi xmlns:a14="http://schemas.microsoft.com/office/drawing/2010/main" val="0"/>
+              </a:ext>
+            </a:extLst>
+          </a:blip>
+          <a:stretch>
+            <a:fillRect/>
+          </a:stretch>
+        </p:blipFill>
+        <p:spPr>
+          <a:xfrm rot="20304935">
+            <a:off x="7184622" y="5554276"/>
+            <a:ext cx="2227108" cy="926566"/>
+          </a:xfrm>
+          <a:prstGeom prst="rect">
+            <a:avLst/>
+          </a:prstGeom>
+        </p:spPr>
+      </p:pic>
     </p:spTree>
     <p:extLst>
       <p:ext uri="{BB962C8B-B14F-4D97-AF65-F5344CB8AC3E}">
@@ -19564,6 +20247,42 @@
           </a:p>
         </p:txBody>
       </p:sp>
+      <p:pic>
+        <p:nvPicPr>
+          <p:cNvPr id="4" name="Grafik 3">
+            <a:extLst>
+              <a:ext uri="{FF2B5EF4-FFF2-40B4-BE49-F238E27FC236}">
+                <a16:creationId xmlns:a16="http://schemas.microsoft.com/office/drawing/2014/main" id="{C7155D84-BAF4-96D8-1845-AFA6C4B0FE46}"/>
+              </a:ext>
+            </a:extLst>
+          </p:cNvPr>
+          <p:cNvPicPr>
+            <a:picLocks noChangeAspect="1"/>
+          </p:cNvPicPr>
+          <p:nvPr/>
+        </p:nvPicPr>
+        <p:blipFill>
+          <a:blip r:embed="rId3">
+            <a:extLst>
+              <a:ext uri="{28A0092B-C50C-407E-A947-70E740481C1C}">
+                <a14:useLocalDpi xmlns:a14="http://schemas.microsoft.com/office/drawing/2010/main" val="0"/>
+              </a:ext>
+            </a:extLst>
+          </a:blip>
+          <a:stretch>
+            <a:fillRect/>
+          </a:stretch>
+        </p:blipFill>
+        <p:spPr>
+          <a:xfrm rot="20304935">
+            <a:off x="7184622" y="5554276"/>
+            <a:ext cx="2227108" cy="926566"/>
+          </a:xfrm>
+          <a:prstGeom prst="rect">
+            <a:avLst/>
+          </a:prstGeom>
+        </p:spPr>
+      </p:pic>
     </p:spTree>
     <p:extLst>
       <p:ext uri="{BB962C8B-B14F-4D97-AF65-F5344CB8AC3E}">
@@ -19732,6 +20451,42 @@
           </a:p>
         </p:txBody>
       </p:sp>
+      <p:pic>
+        <p:nvPicPr>
+          <p:cNvPr id="4" name="Grafik 3">
+            <a:extLst>
+              <a:ext uri="{FF2B5EF4-FFF2-40B4-BE49-F238E27FC236}">
+                <a16:creationId xmlns:a16="http://schemas.microsoft.com/office/drawing/2014/main" id="{09CE72CC-F287-C22F-0828-C00DAA42A423}"/>
+              </a:ext>
+            </a:extLst>
+          </p:cNvPr>
+          <p:cNvPicPr>
+            <a:picLocks noChangeAspect="1"/>
+          </p:cNvPicPr>
+          <p:nvPr/>
+        </p:nvPicPr>
+        <p:blipFill>
+          <a:blip r:embed="rId3">
+            <a:extLst>
+              <a:ext uri="{28A0092B-C50C-407E-A947-70E740481C1C}">
+                <a14:useLocalDpi xmlns:a14="http://schemas.microsoft.com/office/drawing/2010/main" val="0"/>
+              </a:ext>
+            </a:extLst>
+          </a:blip>
+          <a:stretch>
+            <a:fillRect/>
+          </a:stretch>
+        </p:blipFill>
+        <p:spPr>
+          <a:xfrm rot="20304935">
+            <a:off x="7184622" y="5554276"/>
+            <a:ext cx="2227108" cy="926566"/>
+          </a:xfrm>
+          <a:prstGeom prst="rect">
+            <a:avLst/>
+          </a:prstGeom>
+        </p:spPr>
+      </p:pic>
     </p:spTree>
     <p:extLst>
       <p:ext uri="{BB962C8B-B14F-4D97-AF65-F5344CB8AC3E}">
@@ -20095,7 +20850,7 @@
             </a:pPr>
             <a:r>
               <a:rPr lang="de-DE" sz="2000" dirty="0"/>
-              <a:t>Wann ist welcher Runner sinnvoll?</a:t>
+              <a:t>Instance Runners</a:t>
             </a:r>
           </a:p>
           <a:p>
@@ -20104,54 +20859,18 @@
               <a:buChar char="•"/>
             </a:pPr>
             <a:r>
+              <a:rPr lang="de-DE" sz="1600" dirty="0"/>
+              <a:t>Für alle</a:t>
+            </a:r>
+          </a:p>
+          <a:p>
+            <a:pPr lvl="1">
+              <a:buFont typeface="Arial" panose="020B0604020202020204" pitchFamily="34" charset="0"/>
+              <a:buChar char="•"/>
+            </a:pPr>
+            <a:r>
               <a:rPr lang="de-DE" sz="1800" dirty="0"/>
-              <a:t>Hängt davon ab, wer Zugriff haben soll!</a:t>
-            </a:r>
-          </a:p>
-          <a:p>
-            <a:pPr>
-              <a:buFont typeface="Arial" panose="020B0604020202020204" pitchFamily="34" charset="0"/>
-              <a:buChar char="•"/>
-            </a:pPr>
-            <a:r>
-              <a:rPr lang="de-DE" sz="2000" dirty="0"/>
-              <a:t>Instance Runners</a:t>
-            </a:r>
-          </a:p>
-          <a:p>
-            <a:pPr lvl="1">
-              <a:buFont typeface="Arial" panose="020B0604020202020204" pitchFamily="34" charset="0"/>
-              <a:buChar char="•"/>
-            </a:pPr>
-            <a:r>
-              <a:rPr lang="de-DE" sz="1800" dirty="0"/>
-              <a:t>Verfügbar für alle Gruppen und Projekte einer </a:t>
-            </a:r>
-            <a:r>
-              <a:rPr lang="de-DE" sz="1800" dirty="0" err="1"/>
-              <a:t>GitLab</a:t>
-            </a:r>
-            <a:r>
-              <a:rPr lang="de-DE" sz="1800" dirty="0"/>
-              <a:t>-Instanz</a:t>
-            </a:r>
-          </a:p>
-          <a:p>
-            <a:pPr lvl="1">
-              <a:buFont typeface="Arial" panose="020B0604020202020204" pitchFamily="34" charset="0"/>
-              <a:buChar char="•"/>
-            </a:pPr>
-            <a:r>
-              <a:rPr lang="de-DE" sz="1800" dirty="0"/>
-              <a:t>Adminrechte in </a:t>
-            </a:r>
-            <a:r>
-              <a:rPr lang="de-DE" sz="1800" dirty="0" err="1"/>
-              <a:t>GitLab</a:t>
-            </a:r>
-            <a:r>
-              <a:rPr lang="de-DE" sz="1800" dirty="0"/>
-              <a:t> unbedingt notwendig!</a:t>
+              <a:t>Adminrechte benötigt</a:t>
             </a:r>
           </a:p>
           <a:p>
@@ -20171,7 +20890,7 @@
             </a:pPr>
             <a:r>
               <a:rPr lang="de-DE" sz="1800" dirty="0"/>
-              <a:t>Verfügbar für alle Projekte und Untergruppen einer Gruppe</a:t>
+              <a:t>Projekte und Untergruppen einer Gruppe</a:t>
             </a:r>
           </a:p>
           <a:p>
@@ -20185,7 +20904,7 @@
             </a:r>
             <a:r>
               <a:rPr lang="de-DE" sz="1800" dirty="0"/>
-              <a:t>-Rolle für die Gruppe benötigt</a:t>
+              <a:t>-Rolle benötigt</a:t>
             </a:r>
           </a:p>
           <a:p>
@@ -20205,27 +20924,7 @@
             </a:pPr>
             <a:r>
               <a:rPr lang="de-DE" sz="1800" dirty="0"/>
-              <a:t>Können mit verschiedenen Projekten verknüpft sein</a:t>
-            </a:r>
-          </a:p>
-          <a:p>
-            <a:pPr lvl="1">
-              <a:buFont typeface="Arial" panose="020B0604020202020204" pitchFamily="34" charset="0"/>
-              <a:buChar char="•"/>
-            </a:pPr>
-            <a:r>
-              <a:rPr lang="de-DE" sz="1800" dirty="0"/>
-              <a:t>Normalerweise nur von einem Projekt genutzt</a:t>
-            </a:r>
-          </a:p>
-          <a:p>
-            <a:pPr lvl="1">
-              <a:buFont typeface="Arial" panose="020B0604020202020204" pitchFamily="34" charset="0"/>
-              <a:buChar char="•"/>
-            </a:pPr>
-            <a:r>
-              <a:rPr lang="de-DE" sz="1800" dirty="0"/>
-              <a:t>Verfügbar für das verknüpfte Projekt</a:t>
+              <a:t>Mit Projekt(en) verknüpft</a:t>
             </a:r>
           </a:p>
           <a:p>
@@ -20239,7 +20938,7 @@
             </a:r>
             <a:r>
               <a:rPr lang="de-DE" sz="1800" dirty="0"/>
-              <a:t>-Rolle für das Projekt benötigt</a:t>
+              <a:t>-Rolle benötigt</a:t>
             </a:r>
           </a:p>
           <a:p>
@@ -20472,6 +21171,42 @@
           </a:p>
         </p:txBody>
       </p:sp>
+      <p:pic>
+        <p:nvPicPr>
+          <p:cNvPr id="4" name="Grafik 3">
+            <a:extLst>
+              <a:ext uri="{FF2B5EF4-FFF2-40B4-BE49-F238E27FC236}">
+                <a16:creationId xmlns:a16="http://schemas.microsoft.com/office/drawing/2014/main" id="{1EC8C5ED-B3CE-984E-892D-7611FF435BA4}"/>
+              </a:ext>
+            </a:extLst>
+          </p:cNvPr>
+          <p:cNvPicPr>
+            <a:picLocks noChangeAspect="1"/>
+          </p:cNvPicPr>
+          <p:nvPr/>
+        </p:nvPicPr>
+        <p:blipFill>
+          <a:blip r:embed="rId3">
+            <a:extLst>
+              <a:ext uri="{28A0092B-C50C-407E-A947-70E740481C1C}">
+                <a14:useLocalDpi xmlns:a14="http://schemas.microsoft.com/office/drawing/2010/main" val="0"/>
+              </a:ext>
+            </a:extLst>
+          </a:blip>
+          <a:stretch>
+            <a:fillRect/>
+          </a:stretch>
+        </p:blipFill>
+        <p:spPr>
+          <a:xfrm rot="20304935">
+            <a:off x="7184622" y="5554276"/>
+            <a:ext cx="2227108" cy="926566"/>
+          </a:xfrm>
+          <a:prstGeom prst="rect">
+            <a:avLst/>
+          </a:prstGeom>
+        </p:spPr>
+      </p:pic>
     </p:spTree>
     <p:extLst>
       <p:ext uri="{BB962C8B-B14F-4D97-AF65-F5344CB8AC3E}">
@@ -20814,6 +21549,42 @@
           </a:p>
         </p:txBody>
       </p:sp>
+      <p:pic>
+        <p:nvPicPr>
+          <p:cNvPr id="5" name="Grafik 4">
+            <a:extLst>
+              <a:ext uri="{FF2B5EF4-FFF2-40B4-BE49-F238E27FC236}">
+                <a16:creationId xmlns:a16="http://schemas.microsoft.com/office/drawing/2014/main" id="{0B1F60C4-5DB4-362C-CED2-1B8F068E7896}"/>
+              </a:ext>
+            </a:extLst>
+          </p:cNvPr>
+          <p:cNvPicPr>
+            <a:picLocks noChangeAspect="1"/>
+          </p:cNvPicPr>
+          <p:nvPr/>
+        </p:nvPicPr>
+        <p:blipFill>
+          <a:blip r:embed="rId3">
+            <a:extLst>
+              <a:ext uri="{28A0092B-C50C-407E-A947-70E740481C1C}">
+                <a14:useLocalDpi xmlns:a14="http://schemas.microsoft.com/office/drawing/2010/main" val="0"/>
+              </a:ext>
+            </a:extLst>
+          </a:blip>
+          <a:stretch>
+            <a:fillRect/>
+          </a:stretch>
+        </p:blipFill>
+        <p:spPr>
+          <a:xfrm rot="20304935">
+            <a:off x="7184622" y="5554276"/>
+            <a:ext cx="2227108" cy="926566"/>
+          </a:xfrm>
+          <a:prstGeom prst="rect">
+            <a:avLst/>
+          </a:prstGeom>
+        </p:spPr>
+      </p:pic>
     </p:spTree>
     <p:extLst>
       <p:ext uri="{BB962C8B-B14F-4D97-AF65-F5344CB8AC3E}">
@@ -21153,6 +21924,42 @@
           </a:p>
         </p:txBody>
       </p:sp>
+      <p:pic>
+        <p:nvPicPr>
+          <p:cNvPr id="4" name="Grafik 3">
+            <a:extLst>
+              <a:ext uri="{FF2B5EF4-FFF2-40B4-BE49-F238E27FC236}">
+                <a16:creationId xmlns:a16="http://schemas.microsoft.com/office/drawing/2014/main" id="{0B9F73D6-6270-ABB2-B727-E9D1CCE14F34}"/>
+              </a:ext>
+            </a:extLst>
+          </p:cNvPr>
+          <p:cNvPicPr>
+            <a:picLocks noChangeAspect="1"/>
+          </p:cNvPicPr>
+          <p:nvPr/>
+        </p:nvPicPr>
+        <p:blipFill>
+          <a:blip r:embed="rId3">
+            <a:extLst>
+              <a:ext uri="{28A0092B-C50C-407E-A947-70E740481C1C}">
+                <a14:useLocalDpi xmlns:a14="http://schemas.microsoft.com/office/drawing/2010/main" val="0"/>
+              </a:ext>
+            </a:extLst>
+          </a:blip>
+          <a:stretch>
+            <a:fillRect/>
+          </a:stretch>
+        </p:blipFill>
+        <p:spPr>
+          <a:xfrm rot="20304935">
+            <a:off x="7184622" y="5554276"/>
+            <a:ext cx="2227108" cy="926566"/>
+          </a:xfrm>
+          <a:prstGeom prst="rect">
+            <a:avLst/>
+          </a:prstGeom>
+        </p:spPr>
+      </p:pic>
     </p:spTree>
     <p:extLst>
       <p:ext uri="{BB962C8B-B14F-4D97-AF65-F5344CB8AC3E}">
@@ -21333,6 +22140,42 @@
           </a:p>
         </p:txBody>
       </p:sp>
+      <p:pic>
+        <p:nvPicPr>
+          <p:cNvPr id="4" name="Grafik 3">
+            <a:extLst>
+              <a:ext uri="{FF2B5EF4-FFF2-40B4-BE49-F238E27FC236}">
+                <a16:creationId xmlns:a16="http://schemas.microsoft.com/office/drawing/2014/main" id="{272390E7-700E-0F1D-B952-2DC464C6C5C8}"/>
+              </a:ext>
+            </a:extLst>
+          </p:cNvPr>
+          <p:cNvPicPr>
+            <a:picLocks noChangeAspect="1"/>
+          </p:cNvPicPr>
+          <p:nvPr/>
+        </p:nvPicPr>
+        <p:blipFill>
+          <a:blip r:embed="rId3">
+            <a:extLst>
+              <a:ext uri="{28A0092B-C50C-407E-A947-70E740481C1C}">
+                <a14:useLocalDpi xmlns:a14="http://schemas.microsoft.com/office/drawing/2010/main" val="0"/>
+              </a:ext>
+            </a:extLst>
+          </a:blip>
+          <a:stretch>
+            <a:fillRect/>
+          </a:stretch>
+        </p:blipFill>
+        <p:spPr>
+          <a:xfrm rot="20304935">
+            <a:off x="7184622" y="5554276"/>
+            <a:ext cx="2227108" cy="926566"/>
+          </a:xfrm>
+          <a:prstGeom prst="rect">
+            <a:avLst/>
+          </a:prstGeom>
+        </p:spPr>
+      </p:pic>
     </p:spTree>
     <p:extLst>
       <p:ext uri="{BB962C8B-B14F-4D97-AF65-F5344CB8AC3E}">
@@ -21568,6 +22411,42 @@
           </a:p>
         </p:txBody>
       </p:sp>
+      <p:pic>
+        <p:nvPicPr>
+          <p:cNvPr id="4" name="Grafik 3">
+            <a:extLst>
+              <a:ext uri="{FF2B5EF4-FFF2-40B4-BE49-F238E27FC236}">
+                <a16:creationId xmlns:a16="http://schemas.microsoft.com/office/drawing/2014/main" id="{E18AEE04-FD2B-C575-13F6-DAB8DB19F881}"/>
+              </a:ext>
+            </a:extLst>
+          </p:cNvPr>
+          <p:cNvPicPr>
+            <a:picLocks noChangeAspect="1"/>
+          </p:cNvPicPr>
+          <p:nvPr/>
+        </p:nvPicPr>
+        <p:blipFill>
+          <a:blip r:embed="rId3">
+            <a:extLst>
+              <a:ext uri="{28A0092B-C50C-407E-A947-70E740481C1C}">
+                <a14:useLocalDpi xmlns:a14="http://schemas.microsoft.com/office/drawing/2010/main" val="0"/>
+              </a:ext>
+            </a:extLst>
+          </a:blip>
+          <a:stretch>
+            <a:fillRect/>
+          </a:stretch>
+        </p:blipFill>
+        <p:spPr>
+          <a:xfrm rot="20304935">
+            <a:off x="7184622" y="5554276"/>
+            <a:ext cx="2227108" cy="926566"/>
+          </a:xfrm>
+          <a:prstGeom prst="rect">
+            <a:avLst/>
+          </a:prstGeom>
+        </p:spPr>
+      </p:pic>
     </p:spTree>
     <p:extLst>
       <p:ext uri="{BB962C8B-B14F-4D97-AF65-F5344CB8AC3E}">
@@ -21748,6 +22627,42 @@
           </a:p>
         </p:txBody>
       </p:sp>
+      <p:pic>
+        <p:nvPicPr>
+          <p:cNvPr id="4" name="Grafik 3">
+            <a:extLst>
+              <a:ext uri="{FF2B5EF4-FFF2-40B4-BE49-F238E27FC236}">
+                <a16:creationId xmlns:a16="http://schemas.microsoft.com/office/drawing/2014/main" id="{DBE121A9-CE40-055C-AA24-B0F850EE00F9}"/>
+              </a:ext>
+            </a:extLst>
+          </p:cNvPr>
+          <p:cNvPicPr>
+            <a:picLocks noChangeAspect="1"/>
+          </p:cNvPicPr>
+          <p:nvPr/>
+        </p:nvPicPr>
+        <p:blipFill>
+          <a:blip r:embed="rId3">
+            <a:extLst>
+              <a:ext uri="{28A0092B-C50C-407E-A947-70E740481C1C}">
+                <a14:useLocalDpi xmlns:a14="http://schemas.microsoft.com/office/drawing/2010/main" val="0"/>
+              </a:ext>
+            </a:extLst>
+          </a:blip>
+          <a:stretch>
+            <a:fillRect/>
+          </a:stretch>
+        </p:blipFill>
+        <p:spPr>
+          <a:xfrm rot="20304935">
+            <a:off x="7184622" y="5554276"/>
+            <a:ext cx="2227108" cy="926566"/>
+          </a:xfrm>
+          <a:prstGeom prst="rect">
+            <a:avLst/>
+          </a:prstGeom>
+        </p:spPr>
+      </p:pic>
     </p:spTree>
     <p:extLst>
       <p:ext uri="{BB962C8B-B14F-4D97-AF65-F5344CB8AC3E}">
@@ -22330,6 +23245,42 @@
           </a:p>
         </p:txBody>
       </p:sp>
+      <p:pic>
+        <p:nvPicPr>
+          <p:cNvPr id="4" name="Grafik 3">
+            <a:extLst>
+              <a:ext uri="{FF2B5EF4-FFF2-40B4-BE49-F238E27FC236}">
+                <a16:creationId xmlns:a16="http://schemas.microsoft.com/office/drawing/2014/main" id="{ACD74E50-5426-3BD9-FB7B-F439959BA1E5}"/>
+              </a:ext>
+            </a:extLst>
+          </p:cNvPr>
+          <p:cNvPicPr>
+            <a:picLocks noChangeAspect="1"/>
+          </p:cNvPicPr>
+          <p:nvPr/>
+        </p:nvPicPr>
+        <p:blipFill>
+          <a:blip r:embed="rId3">
+            <a:extLst>
+              <a:ext uri="{28A0092B-C50C-407E-A947-70E740481C1C}">
+                <a14:useLocalDpi xmlns:a14="http://schemas.microsoft.com/office/drawing/2010/main" val="0"/>
+              </a:ext>
+            </a:extLst>
+          </a:blip>
+          <a:stretch>
+            <a:fillRect/>
+          </a:stretch>
+        </p:blipFill>
+        <p:spPr>
+          <a:xfrm rot="20304935">
+            <a:off x="7184622" y="5554276"/>
+            <a:ext cx="2227108" cy="926566"/>
+          </a:xfrm>
+          <a:prstGeom prst="rect">
+            <a:avLst/>
+          </a:prstGeom>
+        </p:spPr>
+      </p:pic>
     </p:spTree>
     <p:extLst>
       <p:ext uri="{BB962C8B-B14F-4D97-AF65-F5344CB8AC3E}">
@@ -22510,6 +23461,42 @@
           </a:p>
         </p:txBody>
       </p:sp>
+      <p:pic>
+        <p:nvPicPr>
+          <p:cNvPr id="4" name="Grafik 3">
+            <a:extLst>
+              <a:ext uri="{FF2B5EF4-FFF2-40B4-BE49-F238E27FC236}">
+                <a16:creationId xmlns:a16="http://schemas.microsoft.com/office/drawing/2014/main" id="{BEB4BA3F-634F-B198-05DD-C48D53123275}"/>
+              </a:ext>
+            </a:extLst>
+          </p:cNvPr>
+          <p:cNvPicPr>
+            <a:picLocks noChangeAspect="1"/>
+          </p:cNvPicPr>
+          <p:nvPr/>
+        </p:nvPicPr>
+        <p:blipFill>
+          <a:blip r:embed="rId3">
+            <a:extLst>
+              <a:ext uri="{28A0092B-C50C-407E-A947-70E740481C1C}">
+                <a14:useLocalDpi xmlns:a14="http://schemas.microsoft.com/office/drawing/2010/main" val="0"/>
+              </a:ext>
+            </a:extLst>
+          </a:blip>
+          <a:stretch>
+            <a:fillRect/>
+          </a:stretch>
+        </p:blipFill>
+        <p:spPr>
+          <a:xfrm rot="20304935">
+            <a:off x="7184622" y="5554276"/>
+            <a:ext cx="2227108" cy="926566"/>
+          </a:xfrm>
+          <a:prstGeom prst="rect">
+            <a:avLst/>
+          </a:prstGeom>
+        </p:spPr>
+      </p:pic>
     </p:spTree>
     <p:extLst>
       <p:ext uri="{BB962C8B-B14F-4D97-AF65-F5344CB8AC3E}">
@@ -22886,7 +23873,7 @@
               <a:rPr lang="de-DE" sz="1800" dirty="0">
                 <a:sym typeface="Wingdings" panose="05000000000000000000" pitchFamily="2" charset="2"/>
               </a:rPr>
-              <a:t>In folgenden Fällen sind Instance Runners automatisch deaktiviert:</a:t>
+              <a:t>Instance Runners sind automatisch deaktiviert:</a:t>
             </a:r>
           </a:p>
           <a:p>
@@ -22898,7 +23885,7 @@
               <a:rPr lang="de-DE" sz="1800" dirty="0">
                 <a:sym typeface="Wingdings" panose="05000000000000000000" pitchFamily="2" charset="2"/>
               </a:rPr>
-              <a:t>Wenn Instance Runner für die Parent-Gruppe deaktiviert sind</a:t>
+              <a:t>Wenn: Parent-Gruppe deaktiviert</a:t>
             </a:r>
           </a:p>
           <a:p>
@@ -22910,7 +23897,7 @@
               <a:rPr lang="de-DE" sz="1800" dirty="0">
                 <a:sym typeface="Wingdings" panose="05000000000000000000" pitchFamily="2" charset="2"/>
               </a:rPr>
-              <a:t>Wenn das Überschreiben dieser Einstellung auf Projektebene nicht erlaubt ist</a:t>
+              <a:t>Wenn: Überschreiben auf Projektebene nicht erlaubt ist</a:t>
             </a:r>
           </a:p>
           <a:p>
@@ -22949,6 +23936,42 @@
           </a:p>
         </p:txBody>
       </p:sp>
+      <p:pic>
+        <p:nvPicPr>
+          <p:cNvPr id="4" name="Grafik 3">
+            <a:extLst>
+              <a:ext uri="{FF2B5EF4-FFF2-40B4-BE49-F238E27FC236}">
+                <a16:creationId xmlns:a16="http://schemas.microsoft.com/office/drawing/2014/main" id="{8FA392A3-9B5A-6417-2E59-52280AA0470C}"/>
+              </a:ext>
+            </a:extLst>
+          </p:cNvPr>
+          <p:cNvPicPr>
+            <a:picLocks noChangeAspect="1"/>
+          </p:cNvPicPr>
+          <p:nvPr/>
+        </p:nvPicPr>
+        <p:blipFill>
+          <a:blip r:embed="rId3">
+            <a:extLst>
+              <a:ext uri="{28A0092B-C50C-407E-A947-70E740481C1C}">
+                <a14:useLocalDpi xmlns:a14="http://schemas.microsoft.com/office/drawing/2010/main" val="0"/>
+              </a:ext>
+            </a:extLst>
+          </a:blip>
+          <a:stretch>
+            <a:fillRect/>
+          </a:stretch>
+        </p:blipFill>
+        <p:spPr>
+          <a:xfrm rot="20304935">
+            <a:off x="7184622" y="5554276"/>
+            <a:ext cx="2227108" cy="926566"/>
+          </a:xfrm>
+          <a:prstGeom prst="rect">
+            <a:avLst/>
+          </a:prstGeom>
+        </p:spPr>
+      </p:pic>
     </p:spTree>
     <p:extLst>
       <p:ext uri="{BB962C8B-B14F-4D97-AF65-F5344CB8AC3E}">
@@ -23129,6 +24152,42 @@
           </a:p>
         </p:txBody>
       </p:sp>
+      <p:pic>
+        <p:nvPicPr>
+          <p:cNvPr id="4" name="Grafik 3">
+            <a:extLst>
+              <a:ext uri="{FF2B5EF4-FFF2-40B4-BE49-F238E27FC236}">
+                <a16:creationId xmlns:a16="http://schemas.microsoft.com/office/drawing/2014/main" id="{6078623E-3241-EA84-5C3E-7DF9D8834F05}"/>
+              </a:ext>
+            </a:extLst>
+          </p:cNvPr>
+          <p:cNvPicPr>
+            <a:picLocks noChangeAspect="1"/>
+          </p:cNvPicPr>
+          <p:nvPr/>
+        </p:nvPicPr>
+        <p:blipFill>
+          <a:blip r:embed="rId3">
+            <a:extLst>
+              <a:ext uri="{28A0092B-C50C-407E-A947-70E740481C1C}">
+                <a14:useLocalDpi xmlns:a14="http://schemas.microsoft.com/office/drawing/2010/main" val="0"/>
+              </a:ext>
+            </a:extLst>
+          </a:blip>
+          <a:stretch>
+            <a:fillRect/>
+          </a:stretch>
+        </p:blipFill>
+        <p:spPr>
+          <a:xfrm rot="20304935">
+            <a:off x="7184622" y="5554276"/>
+            <a:ext cx="2227108" cy="926566"/>
+          </a:xfrm>
+          <a:prstGeom prst="rect">
+            <a:avLst/>
+          </a:prstGeom>
+        </p:spPr>
+      </p:pic>
     </p:spTree>
     <p:extLst>
       <p:ext uri="{BB962C8B-B14F-4D97-AF65-F5344CB8AC3E}">
@@ -23419,6 +24478,42 @@
           </a:p>
         </p:txBody>
       </p:sp>
+      <p:pic>
+        <p:nvPicPr>
+          <p:cNvPr id="4" name="Grafik 3">
+            <a:extLst>
+              <a:ext uri="{FF2B5EF4-FFF2-40B4-BE49-F238E27FC236}">
+                <a16:creationId xmlns:a16="http://schemas.microsoft.com/office/drawing/2014/main" id="{B3E807E2-CAD0-91A5-450B-3F51ACF1E505}"/>
+              </a:ext>
+            </a:extLst>
+          </p:cNvPr>
+          <p:cNvPicPr>
+            <a:picLocks noChangeAspect="1"/>
+          </p:cNvPicPr>
+          <p:nvPr/>
+        </p:nvPicPr>
+        <p:blipFill>
+          <a:blip r:embed="rId3">
+            <a:extLst>
+              <a:ext uri="{28A0092B-C50C-407E-A947-70E740481C1C}">
+                <a14:useLocalDpi xmlns:a14="http://schemas.microsoft.com/office/drawing/2010/main" val="0"/>
+              </a:ext>
+            </a:extLst>
+          </a:blip>
+          <a:stretch>
+            <a:fillRect/>
+          </a:stretch>
+        </p:blipFill>
+        <p:spPr>
+          <a:xfrm rot="20304935">
+            <a:off x="7184622" y="5554276"/>
+            <a:ext cx="2227108" cy="926566"/>
+          </a:xfrm>
+          <a:prstGeom prst="rect">
+            <a:avLst/>
+          </a:prstGeom>
+        </p:spPr>
+      </p:pic>
     </p:spTree>
     <p:extLst>
       <p:ext uri="{BB962C8B-B14F-4D97-AF65-F5344CB8AC3E}">
@@ -23841,33 +24936,7 @@
             </a:pPr>
             <a:r>
               <a:rPr lang="de-DE" dirty="0"/>
-              <a:t>Mittels Fair-Queuing (fair </a:t>
-            </a:r>
-            <a:r>
-              <a:rPr lang="de-DE" dirty="0" err="1"/>
-              <a:t>usage</a:t>
-            </a:r>
-            <a:r>
-              <a:rPr lang="de-DE" dirty="0"/>
-              <a:t> </a:t>
-            </a:r>
-            <a:r>
-              <a:rPr lang="de-DE" dirty="0" err="1"/>
-              <a:t>queue</a:t>
-            </a:r>
-            <a:r>
-              <a:rPr lang="de-DE" dirty="0"/>
-              <a:t>)</a:t>
-            </a:r>
-          </a:p>
-          <a:p>
-            <a:pPr lvl="1">
-              <a:buFont typeface="Arial" panose="020B0604020202020204" pitchFamily="34" charset="0"/>
-              <a:buChar char="•"/>
-            </a:pPr>
-            <a:r>
-              <a:rPr lang="de-DE" dirty="0"/>
-              <a:t>Verhindert alle Ressourcen an nur ein Projekt</a:t>
+              <a:t>Fair-Queuing</a:t>
             </a:r>
           </a:p>
           <a:p>
@@ -23895,6 +24964,13 @@
               </a:rPr>
               <a:t> erhält Runner</a:t>
             </a:r>
+            <a:endParaRPr lang="de-DE" dirty="0"/>
+          </a:p>
+          <a:p>
+            <a:pPr>
+              <a:buFont typeface="Arial" panose="020B0604020202020204" pitchFamily="34" charset="0"/>
+              <a:buChar char="•"/>
+            </a:pPr>
             <a:endParaRPr lang="de-DE" dirty="0"/>
           </a:p>
           <a:p>
@@ -26209,6 +27285,42 @@
           </a:p>
         </p:txBody>
       </p:sp>
+      <p:pic>
+        <p:nvPicPr>
+          <p:cNvPr id="4" name="Grafik 3">
+            <a:extLst>
+              <a:ext uri="{FF2B5EF4-FFF2-40B4-BE49-F238E27FC236}">
+                <a16:creationId xmlns:a16="http://schemas.microsoft.com/office/drawing/2014/main" id="{CDB76613-5720-9387-E37B-BFC3BF412822}"/>
+              </a:ext>
+            </a:extLst>
+          </p:cNvPr>
+          <p:cNvPicPr>
+            <a:picLocks noChangeAspect="1"/>
+          </p:cNvPicPr>
+          <p:nvPr/>
+        </p:nvPicPr>
+        <p:blipFill>
+          <a:blip r:embed="rId3">
+            <a:extLst>
+              <a:ext uri="{28A0092B-C50C-407E-A947-70E740481C1C}">
+                <a14:useLocalDpi xmlns:a14="http://schemas.microsoft.com/office/drawing/2010/main" val="0"/>
+              </a:ext>
+            </a:extLst>
+          </a:blip>
+          <a:stretch>
+            <a:fillRect/>
+          </a:stretch>
+        </p:blipFill>
+        <p:spPr>
+          <a:xfrm rot="20304935">
+            <a:off x="7184622" y="5554276"/>
+            <a:ext cx="2227108" cy="926566"/>
+          </a:xfrm>
+          <a:prstGeom prst="rect">
+            <a:avLst/>
+          </a:prstGeom>
+        </p:spPr>
+      </p:pic>
     </p:spTree>
     <p:extLst>
       <p:ext uri="{BB962C8B-B14F-4D97-AF65-F5344CB8AC3E}">
@@ -26551,6 +27663,42 @@
           </a:p>
         </p:txBody>
       </p:sp>
+      <p:pic>
+        <p:nvPicPr>
+          <p:cNvPr id="4" name="Grafik 3">
+            <a:extLst>
+              <a:ext uri="{FF2B5EF4-FFF2-40B4-BE49-F238E27FC236}">
+                <a16:creationId xmlns:a16="http://schemas.microsoft.com/office/drawing/2014/main" id="{0190A76D-2574-D7BA-CF83-D0AF35B87114}"/>
+              </a:ext>
+            </a:extLst>
+          </p:cNvPr>
+          <p:cNvPicPr>
+            <a:picLocks noChangeAspect="1"/>
+          </p:cNvPicPr>
+          <p:nvPr/>
+        </p:nvPicPr>
+        <p:blipFill>
+          <a:blip r:embed="rId3">
+            <a:extLst>
+              <a:ext uri="{28A0092B-C50C-407E-A947-70E740481C1C}">
+                <a14:useLocalDpi xmlns:a14="http://schemas.microsoft.com/office/drawing/2010/main" val="0"/>
+              </a:ext>
+            </a:extLst>
+          </a:blip>
+          <a:stretch>
+            <a:fillRect/>
+          </a:stretch>
+        </p:blipFill>
+        <p:spPr>
+          <a:xfrm rot="20304935">
+            <a:off x="7184622" y="5554276"/>
+            <a:ext cx="2227108" cy="926566"/>
+          </a:xfrm>
+          <a:prstGeom prst="rect">
+            <a:avLst/>
+          </a:prstGeom>
+        </p:spPr>
+      </p:pic>
     </p:spTree>
     <p:extLst>
       <p:ext uri="{BB962C8B-B14F-4D97-AF65-F5344CB8AC3E}">
@@ -27132,6 +28280,42 @@
           </a:p>
         </p:txBody>
       </p:sp>
+      <p:pic>
+        <p:nvPicPr>
+          <p:cNvPr id="4" name="Grafik 3">
+            <a:extLst>
+              <a:ext uri="{FF2B5EF4-FFF2-40B4-BE49-F238E27FC236}">
+                <a16:creationId xmlns:a16="http://schemas.microsoft.com/office/drawing/2014/main" id="{98AA6E6E-5E64-22E6-54BC-AC23777735F7}"/>
+              </a:ext>
+            </a:extLst>
+          </p:cNvPr>
+          <p:cNvPicPr>
+            <a:picLocks noChangeAspect="1"/>
+          </p:cNvPicPr>
+          <p:nvPr/>
+        </p:nvPicPr>
+        <p:blipFill>
+          <a:blip r:embed="rId3">
+            <a:extLst>
+              <a:ext uri="{28A0092B-C50C-407E-A947-70E740481C1C}">
+                <a14:useLocalDpi xmlns:a14="http://schemas.microsoft.com/office/drawing/2010/main" val="0"/>
+              </a:ext>
+            </a:extLst>
+          </a:blip>
+          <a:stretch>
+            <a:fillRect/>
+          </a:stretch>
+        </p:blipFill>
+        <p:spPr>
+          <a:xfrm rot="20304935">
+            <a:off x="7184622" y="5554276"/>
+            <a:ext cx="2227108" cy="926566"/>
+          </a:xfrm>
+          <a:prstGeom prst="rect">
+            <a:avLst/>
+          </a:prstGeom>
+        </p:spPr>
+      </p:pic>
     </p:spTree>
     <p:extLst>
       <p:ext uri="{BB962C8B-B14F-4D97-AF65-F5344CB8AC3E}">
@@ -27312,6 +28496,42 @@
           </a:p>
         </p:txBody>
       </p:sp>
+      <p:pic>
+        <p:nvPicPr>
+          <p:cNvPr id="4" name="Grafik 3">
+            <a:extLst>
+              <a:ext uri="{FF2B5EF4-FFF2-40B4-BE49-F238E27FC236}">
+                <a16:creationId xmlns:a16="http://schemas.microsoft.com/office/drawing/2014/main" id="{AB8E454B-01D8-F281-5B48-FFAA6A154382}"/>
+              </a:ext>
+            </a:extLst>
+          </p:cNvPr>
+          <p:cNvPicPr>
+            <a:picLocks noChangeAspect="1"/>
+          </p:cNvPicPr>
+          <p:nvPr/>
+        </p:nvPicPr>
+        <p:blipFill>
+          <a:blip r:embed="rId3">
+            <a:extLst>
+              <a:ext uri="{28A0092B-C50C-407E-A947-70E740481C1C}">
+                <a14:useLocalDpi xmlns:a14="http://schemas.microsoft.com/office/drawing/2010/main" val="0"/>
+              </a:ext>
+            </a:extLst>
+          </a:blip>
+          <a:stretch>
+            <a:fillRect/>
+          </a:stretch>
+        </p:blipFill>
+        <p:spPr>
+          <a:xfrm rot="20304935">
+            <a:off x="7184622" y="5554276"/>
+            <a:ext cx="2227108" cy="926566"/>
+          </a:xfrm>
+          <a:prstGeom prst="rect">
+            <a:avLst/>
+          </a:prstGeom>
+        </p:spPr>
+      </p:pic>
     </p:spTree>
     <p:extLst>
       <p:ext uri="{BB962C8B-B14F-4D97-AF65-F5344CB8AC3E}">
@@ -27677,6 +28897,42 @@
           </a:p>
         </p:txBody>
       </p:sp>
+      <p:pic>
+        <p:nvPicPr>
+          <p:cNvPr id="4" name="Grafik 3">
+            <a:extLst>
+              <a:ext uri="{FF2B5EF4-FFF2-40B4-BE49-F238E27FC236}">
+                <a16:creationId xmlns:a16="http://schemas.microsoft.com/office/drawing/2014/main" id="{DDA38A5F-E7DA-189D-25F7-AC40673364AF}"/>
+              </a:ext>
+            </a:extLst>
+          </p:cNvPr>
+          <p:cNvPicPr>
+            <a:picLocks noChangeAspect="1"/>
+          </p:cNvPicPr>
+          <p:nvPr/>
+        </p:nvPicPr>
+        <p:blipFill>
+          <a:blip r:embed="rId3">
+            <a:extLst>
+              <a:ext uri="{28A0092B-C50C-407E-A947-70E740481C1C}">
+                <a14:useLocalDpi xmlns:a14="http://schemas.microsoft.com/office/drawing/2010/main" val="0"/>
+              </a:ext>
+            </a:extLst>
+          </a:blip>
+          <a:stretch>
+            <a:fillRect/>
+          </a:stretch>
+        </p:blipFill>
+        <p:spPr>
+          <a:xfrm rot="20304935">
+            <a:off x="7184622" y="5554276"/>
+            <a:ext cx="2227108" cy="926566"/>
+          </a:xfrm>
+          <a:prstGeom prst="rect">
+            <a:avLst/>
+          </a:prstGeom>
+        </p:spPr>
+      </p:pic>
     </p:spTree>
     <p:extLst>
       <p:ext uri="{BB962C8B-B14F-4D97-AF65-F5344CB8AC3E}">
@@ -27774,30 +29030,8 @@
               <a:buChar char="•"/>
             </a:pPr>
             <a:r>
-              <a:rPr lang="de-DE" dirty="0" err="1"/>
-              <a:t>GitLab</a:t>
-            </a:r>
-            <a:r>
-              <a:rPr lang="de-DE" dirty="0"/>
-              <a:t> Runner arbeiten mit </a:t>
-            </a:r>
-            <a:r>
-              <a:rPr lang="de-DE" dirty="0" err="1"/>
-              <a:t>GitLab</a:t>
-            </a:r>
-            <a:r>
-              <a:rPr lang="de-DE" dirty="0"/>
-              <a:t> CI/CD zusammen</a:t>
-            </a:r>
-          </a:p>
-          <a:p>
-            <a:pPr lvl="1">
-              <a:buFont typeface="Arial" panose="020B0604020202020204" pitchFamily="34" charset="0"/>
-              <a:buChar char="•"/>
-            </a:pPr>
-            <a:r>
-              <a:rPr lang="de-DE" dirty="0"/>
-              <a:t>… um Aufträge (engl. </a:t>
+              <a:rPr lang="de-DE" dirty="0"/>
+              <a:t>Arbeiten Aufträge (engl. </a:t>
             </a:r>
             <a:r>
               <a:rPr lang="de-DE" dirty="0" err="1"/>
@@ -27805,7 +29039,7 @@
             </a:r>
             <a:r>
               <a:rPr lang="de-DE" dirty="0"/>
-              <a:t>) in einer Pipeline auszuführen</a:t>
+              <a:t>) in einer Pipeline ab</a:t>
             </a:r>
           </a:p>
           <a:p>
@@ -27887,21 +29121,6 @@
               <a:rPr lang="de-DE" dirty="0"/>
               <a:t> Dedicated“* </a:t>
             </a:r>
-            <a:r>
-              <a:rPr lang="de-DE" dirty="0">
-                <a:sym typeface="Wingdings" panose="05000000000000000000" pitchFamily="2" charset="2"/>
-              </a:rPr>
-              <a:t> verwaltet durch </a:t>
-            </a:r>
-            <a:r>
-              <a:rPr lang="de-DE" dirty="0" err="1">
-                <a:sym typeface="Wingdings" panose="05000000000000000000" pitchFamily="2" charset="2"/>
-              </a:rPr>
-              <a:t>GitLab</a:t>
-            </a:r>
-            <a:endParaRPr lang="de-DE" dirty="0">
-              <a:sym typeface="Wingdings" panose="05000000000000000000" pitchFamily="2" charset="2"/>
-            </a:endParaRPr>
           </a:p>
           <a:p>
             <a:pPr lvl="1">
@@ -27910,15 +29129,7 @@
             </a:pPr>
             <a:r>
               <a:rPr lang="de-DE" dirty="0"/>
-              <a:t>Bei </a:t>
-            </a:r>
-            <a:r>
-              <a:rPr lang="de-DE" dirty="0" err="1"/>
-              <a:t>default</a:t>
-            </a:r>
-            <a:r>
-              <a:rPr lang="de-DE" dirty="0"/>
-              <a:t> für alle Projekte </a:t>
+              <a:t>Default: </a:t>
             </a:r>
             <a:r>
               <a:rPr lang="de-DE" dirty="0" err="1"/>
@@ -27975,6 +29186,22 @@
               <a:rPr lang="de-DE" dirty="0"/>
               <a:t> registrieren</a:t>
             </a:r>
+          </a:p>
+          <a:p>
+            <a:pPr marL="0" indent="0" algn="l">
+              <a:buNone/>
+            </a:pPr>
+            <a:endParaRPr lang="de-DE" sz="1400" dirty="0">
+              <a:latin typeface="+mj-lt"/>
+            </a:endParaRPr>
+          </a:p>
+          <a:p>
+            <a:pPr marL="0" indent="0" algn="l">
+              <a:buNone/>
+            </a:pPr>
+            <a:endParaRPr lang="de-DE" sz="1400" dirty="0">
+              <a:latin typeface="+mj-lt"/>
+            </a:endParaRPr>
           </a:p>
           <a:p>
             <a:pPr marL="0" indent="0" algn="l">
@@ -28221,6 +29448,42 @@
           </a:p>
         </p:txBody>
       </p:sp>
+      <p:pic>
+        <p:nvPicPr>
+          <p:cNvPr id="4" name="Grafik 3">
+            <a:extLst>
+              <a:ext uri="{FF2B5EF4-FFF2-40B4-BE49-F238E27FC236}">
+                <a16:creationId xmlns:a16="http://schemas.microsoft.com/office/drawing/2014/main" id="{2EF1D070-A0FE-273E-693A-DD83D0122FBC}"/>
+              </a:ext>
+            </a:extLst>
+          </p:cNvPr>
+          <p:cNvPicPr>
+            <a:picLocks noChangeAspect="1"/>
+          </p:cNvPicPr>
+          <p:nvPr/>
+        </p:nvPicPr>
+        <p:blipFill>
+          <a:blip r:embed="rId3">
+            <a:extLst>
+              <a:ext uri="{28A0092B-C50C-407E-A947-70E740481C1C}">
+                <a14:useLocalDpi xmlns:a14="http://schemas.microsoft.com/office/drawing/2010/main" val="0"/>
+              </a:ext>
+            </a:extLst>
+          </a:blip>
+          <a:stretch>
+            <a:fillRect/>
+          </a:stretch>
+        </p:blipFill>
+        <p:spPr>
+          <a:xfrm rot="20304935">
+            <a:off x="7184622" y="5554276"/>
+            <a:ext cx="2227108" cy="926566"/>
+          </a:xfrm>
+          <a:prstGeom prst="rect">
+            <a:avLst/>
+          </a:prstGeom>
+        </p:spPr>
+      </p:pic>
     </p:spTree>
     <p:extLst>
       <p:ext uri="{BB962C8B-B14F-4D97-AF65-F5344CB8AC3E}">
@@ -28536,6 +29799,42 @@
           </a:p>
         </p:txBody>
       </p:sp>
+      <p:pic>
+        <p:nvPicPr>
+          <p:cNvPr id="4" name="Grafik 3">
+            <a:extLst>
+              <a:ext uri="{FF2B5EF4-FFF2-40B4-BE49-F238E27FC236}">
+                <a16:creationId xmlns:a16="http://schemas.microsoft.com/office/drawing/2014/main" id="{11D0F028-5834-BE58-6241-2E563E5DE558}"/>
+              </a:ext>
+            </a:extLst>
+          </p:cNvPr>
+          <p:cNvPicPr>
+            <a:picLocks noChangeAspect="1"/>
+          </p:cNvPicPr>
+          <p:nvPr/>
+        </p:nvPicPr>
+        <p:blipFill>
+          <a:blip r:embed="rId3">
+            <a:extLst>
+              <a:ext uri="{28A0092B-C50C-407E-A947-70E740481C1C}">
+                <a14:useLocalDpi xmlns:a14="http://schemas.microsoft.com/office/drawing/2010/main" val="0"/>
+              </a:ext>
+            </a:extLst>
+          </a:blip>
+          <a:stretch>
+            <a:fillRect/>
+          </a:stretch>
+        </p:blipFill>
+        <p:spPr>
+          <a:xfrm rot="20304935">
+            <a:off x="7184622" y="5554276"/>
+            <a:ext cx="2227108" cy="926566"/>
+          </a:xfrm>
+          <a:prstGeom prst="rect">
+            <a:avLst/>
+          </a:prstGeom>
+        </p:spPr>
+      </p:pic>
     </p:spTree>
     <p:extLst>
       <p:ext uri="{BB962C8B-B14F-4D97-AF65-F5344CB8AC3E}">
@@ -28716,6 +30015,42 @@
           </a:p>
         </p:txBody>
       </p:sp>
+      <p:pic>
+        <p:nvPicPr>
+          <p:cNvPr id="4" name="Grafik 3">
+            <a:extLst>
+              <a:ext uri="{FF2B5EF4-FFF2-40B4-BE49-F238E27FC236}">
+                <a16:creationId xmlns:a16="http://schemas.microsoft.com/office/drawing/2014/main" id="{0922162D-8059-B86F-E553-95307CE0C89D}"/>
+              </a:ext>
+            </a:extLst>
+          </p:cNvPr>
+          <p:cNvPicPr>
+            <a:picLocks noChangeAspect="1"/>
+          </p:cNvPicPr>
+          <p:nvPr/>
+        </p:nvPicPr>
+        <p:blipFill>
+          <a:blip r:embed="rId3">
+            <a:extLst>
+              <a:ext uri="{28A0092B-C50C-407E-A947-70E740481C1C}">
+                <a14:useLocalDpi xmlns:a14="http://schemas.microsoft.com/office/drawing/2010/main" val="0"/>
+              </a:ext>
+            </a:extLst>
+          </a:blip>
+          <a:stretch>
+            <a:fillRect/>
+          </a:stretch>
+        </p:blipFill>
+        <p:spPr>
+          <a:xfrm rot="20304935">
+            <a:off x="7184622" y="5554276"/>
+            <a:ext cx="2227108" cy="926566"/>
+          </a:xfrm>
+          <a:prstGeom prst="rect">
+            <a:avLst/>
+          </a:prstGeom>
+        </p:spPr>
+      </p:pic>
     </p:spTree>
     <p:extLst>
       <p:ext uri="{BB962C8B-B14F-4D97-AF65-F5344CB8AC3E}">
@@ -29304,6 +30639,42 @@
           </a:p>
         </p:txBody>
       </p:sp>
+      <p:pic>
+        <p:nvPicPr>
+          <p:cNvPr id="4" name="Grafik 3">
+            <a:extLst>
+              <a:ext uri="{FF2B5EF4-FFF2-40B4-BE49-F238E27FC236}">
+                <a16:creationId xmlns:a16="http://schemas.microsoft.com/office/drawing/2014/main" id="{21E78AE6-5880-1315-360B-6ADC51D6011F}"/>
+              </a:ext>
+            </a:extLst>
+          </p:cNvPr>
+          <p:cNvPicPr>
+            <a:picLocks noChangeAspect="1"/>
+          </p:cNvPicPr>
+          <p:nvPr/>
+        </p:nvPicPr>
+        <p:blipFill>
+          <a:blip r:embed="rId3">
+            <a:extLst>
+              <a:ext uri="{28A0092B-C50C-407E-A947-70E740481C1C}">
+                <a14:useLocalDpi xmlns:a14="http://schemas.microsoft.com/office/drawing/2010/main" val="0"/>
+              </a:ext>
+            </a:extLst>
+          </a:blip>
+          <a:stretch>
+            <a:fillRect/>
+          </a:stretch>
+        </p:blipFill>
+        <p:spPr>
+          <a:xfrm rot="20304935">
+            <a:off x="7184622" y="5554276"/>
+            <a:ext cx="2227108" cy="926566"/>
+          </a:xfrm>
+          <a:prstGeom prst="rect">
+            <a:avLst/>
+          </a:prstGeom>
+        </p:spPr>
+      </p:pic>
     </p:spTree>
     <p:extLst>
       <p:ext uri="{BB962C8B-B14F-4D97-AF65-F5344CB8AC3E}">
@@ -29484,6 +30855,42 @@
           </a:p>
         </p:txBody>
       </p:sp>
+      <p:pic>
+        <p:nvPicPr>
+          <p:cNvPr id="4" name="Grafik 3">
+            <a:extLst>
+              <a:ext uri="{FF2B5EF4-FFF2-40B4-BE49-F238E27FC236}">
+                <a16:creationId xmlns:a16="http://schemas.microsoft.com/office/drawing/2014/main" id="{B8F54097-A588-0009-380C-0E20A9C8068A}"/>
+              </a:ext>
+            </a:extLst>
+          </p:cNvPr>
+          <p:cNvPicPr>
+            <a:picLocks noChangeAspect="1"/>
+          </p:cNvPicPr>
+          <p:nvPr/>
+        </p:nvPicPr>
+        <p:blipFill>
+          <a:blip r:embed="rId3">
+            <a:extLst>
+              <a:ext uri="{28A0092B-C50C-407E-A947-70E740481C1C}">
+                <a14:useLocalDpi xmlns:a14="http://schemas.microsoft.com/office/drawing/2010/main" val="0"/>
+              </a:ext>
+            </a:extLst>
+          </a:blip>
+          <a:stretch>
+            <a:fillRect/>
+          </a:stretch>
+        </p:blipFill>
+        <p:spPr>
+          <a:xfrm rot="20304935">
+            <a:off x="7184622" y="5554276"/>
+            <a:ext cx="2227108" cy="926566"/>
+          </a:xfrm>
+          <a:prstGeom prst="rect">
+            <a:avLst/>
+          </a:prstGeom>
+        </p:spPr>
+      </p:pic>
     </p:spTree>
     <p:extLst>
       <p:ext uri="{BB962C8B-B14F-4D97-AF65-F5344CB8AC3E}">
@@ -29832,6 +31239,42 @@
           </a:p>
         </p:txBody>
       </p:sp>
+      <p:pic>
+        <p:nvPicPr>
+          <p:cNvPr id="4" name="Grafik 3">
+            <a:extLst>
+              <a:ext uri="{FF2B5EF4-FFF2-40B4-BE49-F238E27FC236}">
+                <a16:creationId xmlns:a16="http://schemas.microsoft.com/office/drawing/2014/main" id="{4F006F14-091E-3B8E-DF07-4844A23F550C}"/>
+              </a:ext>
+            </a:extLst>
+          </p:cNvPr>
+          <p:cNvPicPr>
+            <a:picLocks noChangeAspect="1"/>
+          </p:cNvPicPr>
+          <p:nvPr/>
+        </p:nvPicPr>
+        <p:blipFill>
+          <a:blip r:embed="rId3">
+            <a:extLst>
+              <a:ext uri="{28A0092B-C50C-407E-A947-70E740481C1C}">
+                <a14:useLocalDpi xmlns:a14="http://schemas.microsoft.com/office/drawing/2010/main" val="0"/>
+              </a:ext>
+            </a:extLst>
+          </a:blip>
+          <a:stretch>
+            <a:fillRect/>
+          </a:stretch>
+        </p:blipFill>
+        <p:spPr>
+          <a:xfrm rot="20304935">
+            <a:off x="7184622" y="5554276"/>
+            <a:ext cx="2227108" cy="926566"/>
+          </a:xfrm>
+          <a:prstGeom prst="rect">
+            <a:avLst/>
+          </a:prstGeom>
+        </p:spPr>
+      </p:pic>
     </p:spTree>
     <p:extLst>
       <p:ext uri="{BB962C8B-B14F-4D97-AF65-F5344CB8AC3E}">
@@ -30181,6 +31624,42 @@
           </a:p>
         </p:txBody>
       </p:sp>
+      <p:pic>
+        <p:nvPicPr>
+          <p:cNvPr id="4" name="Grafik 3">
+            <a:extLst>
+              <a:ext uri="{FF2B5EF4-FFF2-40B4-BE49-F238E27FC236}">
+                <a16:creationId xmlns:a16="http://schemas.microsoft.com/office/drawing/2014/main" id="{D776E041-78F7-14C7-C2D9-4E1C99603D0A}"/>
+              </a:ext>
+            </a:extLst>
+          </p:cNvPr>
+          <p:cNvPicPr>
+            <a:picLocks noChangeAspect="1"/>
+          </p:cNvPicPr>
+          <p:nvPr/>
+        </p:nvPicPr>
+        <p:blipFill>
+          <a:blip r:embed="rId3">
+            <a:extLst>
+              <a:ext uri="{28A0092B-C50C-407E-A947-70E740481C1C}">
+                <a14:useLocalDpi xmlns:a14="http://schemas.microsoft.com/office/drawing/2010/main" val="0"/>
+              </a:ext>
+            </a:extLst>
+          </a:blip>
+          <a:stretch>
+            <a:fillRect/>
+          </a:stretch>
+        </p:blipFill>
+        <p:spPr>
+          <a:xfrm rot="20304935">
+            <a:off x="7184622" y="5554276"/>
+            <a:ext cx="2227108" cy="926566"/>
+          </a:xfrm>
+          <a:prstGeom prst="rect">
+            <a:avLst/>
+          </a:prstGeom>
+        </p:spPr>
+      </p:pic>
     </p:spTree>
     <p:extLst>
       <p:ext uri="{BB962C8B-B14F-4D97-AF65-F5344CB8AC3E}">
@@ -30523,6 +32002,42 @@
           </a:p>
         </p:txBody>
       </p:sp>
+      <p:pic>
+        <p:nvPicPr>
+          <p:cNvPr id="4" name="Grafik 3">
+            <a:extLst>
+              <a:ext uri="{FF2B5EF4-FFF2-40B4-BE49-F238E27FC236}">
+                <a16:creationId xmlns:a16="http://schemas.microsoft.com/office/drawing/2014/main" id="{745EA62A-F75E-45AC-7ED5-1CA20F0B28D4}"/>
+              </a:ext>
+            </a:extLst>
+          </p:cNvPr>
+          <p:cNvPicPr>
+            <a:picLocks noChangeAspect="1"/>
+          </p:cNvPicPr>
+          <p:nvPr/>
+        </p:nvPicPr>
+        <p:blipFill>
+          <a:blip r:embed="rId3">
+            <a:extLst>
+              <a:ext uri="{28A0092B-C50C-407E-A947-70E740481C1C}">
+                <a14:useLocalDpi xmlns:a14="http://schemas.microsoft.com/office/drawing/2010/main" val="0"/>
+              </a:ext>
+            </a:extLst>
+          </a:blip>
+          <a:stretch>
+            <a:fillRect/>
+          </a:stretch>
+        </p:blipFill>
+        <p:spPr>
+          <a:xfrm rot="20304935">
+            <a:off x="7184622" y="5554276"/>
+            <a:ext cx="2227108" cy="926566"/>
+          </a:xfrm>
+          <a:prstGeom prst="rect">
+            <a:avLst/>
+          </a:prstGeom>
+        </p:spPr>
+      </p:pic>
     </p:spTree>
     <p:extLst>
       <p:ext uri="{BB962C8B-B14F-4D97-AF65-F5344CB8AC3E}">
@@ -32549,6 +34064,42 @@
           </a:p>
         </p:txBody>
       </p:sp>
+      <p:pic>
+        <p:nvPicPr>
+          <p:cNvPr id="4" name="Grafik 3">
+            <a:extLst>
+              <a:ext uri="{FF2B5EF4-FFF2-40B4-BE49-F238E27FC236}">
+                <a16:creationId xmlns:a16="http://schemas.microsoft.com/office/drawing/2014/main" id="{A43245C4-53A0-7A6C-4457-13BC75FDE034}"/>
+              </a:ext>
+            </a:extLst>
+          </p:cNvPr>
+          <p:cNvPicPr>
+            <a:picLocks noChangeAspect="1"/>
+          </p:cNvPicPr>
+          <p:nvPr/>
+        </p:nvPicPr>
+        <p:blipFill>
+          <a:blip r:embed="rId3">
+            <a:extLst>
+              <a:ext uri="{28A0092B-C50C-407E-A947-70E740481C1C}">
+                <a14:useLocalDpi xmlns:a14="http://schemas.microsoft.com/office/drawing/2010/main" val="0"/>
+              </a:ext>
+            </a:extLst>
+          </a:blip>
+          <a:stretch>
+            <a:fillRect/>
+          </a:stretch>
+        </p:blipFill>
+        <p:spPr>
+          <a:xfrm rot="20304935">
+            <a:off x="7184622" y="5554276"/>
+            <a:ext cx="2227108" cy="926566"/>
+          </a:xfrm>
+          <a:prstGeom prst="rect">
+            <a:avLst/>
+          </a:prstGeom>
+        </p:spPr>
+      </p:pic>
     </p:spTree>
     <p:extLst>
       <p:ext uri="{BB962C8B-B14F-4D97-AF65-F5344CB8AC3E}">
@@ -32729,6 +34280,42 @@
           </a:p>
         </p:txBody>
       </p:sp>
+      <p:pic>
+        <p:nvPicPr>
+          <p:cNvPr id="4" name="Grafik 3">
+            <a:extLst>
+              <a:ext uri="{FF2B5EF4-FFF2-40B4-BE49-F238E27FC236}">
+                <a16:creationId xmlns:a16="http://schemas.microsoft.com/office/drawing/2014/main" id="{4F532A04-284E-797A-B6C2-C164797A3D63}"/>
+              </a:ext>
+            </a:extLst>
+          </p:cNvPr>
+          <p:cNvPicPr>
+            <a:picLocks noChangeAspect="1"/>
+          </p:cNvPicPr>
+          <p:nvPr/>
+        </p:nvPicPr>
+        <p:blipFill>
+          <a:blip r:embed="rId3">
+            <a:extLst>
+              <a:ext uri="{28A0092B-C50C-407E-A947-70E740481C1C}">
+                <a14:useLocalDpi xmlns:a14="http://schemas.microsoft.com/office/drawing/2010/main" val="0"/>
+              </a:ext>
+            </a:extLst>
+          </a:blip>
+          <a:stretch>
+            <a:fillRect/>
+          </a:stretch>
+        </p:blipFill>
+        <p:spPr>
+          <a:xfrm rot="20304935">
+            <a:off x="7184622" y="5554276"/>
+            <a:ext cx="2227108" cy="926566"/>
+          </a:xfrm>
+          <a:prstGeom prst="rect">
+            <a:avLst/>
+          </a:prstGeom>
+        </p:spPr>
+      </p:pic>
     </p:spTree>
     <p:extLst>
       <p:ext uri="{BB962C8B-B14F-4D97-AF65-F5344CB8AC3E}">
@@ -33051,6 +34638,42 @@
           </a:p>
         </p:txBody>
       </p:sp>
+      <p:pic>
+        <p:nvPicPr>
+          <p:cNvPr id="4" name="Grafik 3">
+            <a:extLst>
+              <a:ext uri="{FF2B5EF4-FFF2-40B4-BE49-F238E27FC236}">
+                <a16:creationId xmlns:a16="http://schemas.microsoft.com/office/drawing/2014/main" id="{8E5D7A1B-7C88-6482-FECF-F51430672924}"/>
+              </a:ext>
+            </a:extLst>
+          </p:cNvPr>
+          <p:cNvPicPr>
+            <a:picLocks noChangeAspect="1"/>
+          </p:cNvPicPr>
+          <p:nvPr/>
+        </p:nvPicPr>
+        <p:blipFill>
+          <a:blip r:embed="rId3">
+            <a:extLst>
+              <a:ext uri="{28A0092B-C50C-407E-A947-70E740481C1C}">
+                <a14:useLocalDpi xmlns:a14="http://schemas.microsoft.com/office/drawing/2010/main" val="0"/>
+              </a:ext>
+            </a:extLst>
+          </a:blip>
+          <a:stretch>
+            <a:fillRect/>
+          </a:stretch>
+        </p:blipFill>
+        <p:spPr>
+          <a:xfrm rot="20304935">
+            <a:off x="7184622" y="5554276"/>
+            <a:ext cx="2227108" cy="926566"/>
+          </a:xfrm>
+          <a:prstGeom prst="rect">
+            <a:avLst/>
+          </a:prstGeom>
+        </p:spPr>
+      </p:pic>
     </p:spTree>
     <p:extLst>
       <p:ext uri="{BB962C8B-B14F-4D97-AF65-F5344CB8AC3E}">
@@ -33231,6 +34854,42 @@
           </a:p>
         </p:txBody>
       </p:sp>
+      <p:pic>
+        <p:nvPicPr>
+          <p:cNvPr id="4" name="Grafik 3">
+            <a:extLst>
+              <a:ext uri="{FF2B5EF4-FFF2-40B4-BE49-F238E27FC236}">
+                <a16:creationId xmlns:a16="http://schemas.microsoft.com/office/drawing/2014/main" id="{8C1B2CFB-ED00-7437-8232-A75E76D40D13}"/>
+              </a:ext>
+            </a:extLst>
+          </p:cNvPr>
+          <p:cNvPicPr>
+            <a:picLocks noChangeAspect="1"/>
+          </p:cNvPicPr>
+          <p:nvPr/>
+        </p:nvPicPr>
+        <p:blipFill>
+          <a:blip r:embed="rId3">
+            <a:extLst>
+              <a:ext uri="{28A0092B-C50C-407E-A947-70E740481C1C}">
+                <a14:useLocalDpi xmlns:a14="http://schemas.microsoft.com/office/drawing/2010/main" val="0"/>
+              </a:ext>
+            </a:extLst>
+          </a:blip>
+          <a:stretch>
+            <a:fillRect/>
+          </a:stretch>
+        </p:blipFill>
+        <p:spPr>
+          <a:xfrm rot="20304935">
+            <a:off x="7184622" y="5554276"/>
+            <a:ext cx="2227108" cy="926566"/>
+          </a:xfrm>
+          <a:prstGeom prst="rect">
+            <a:avLst/>
+          </a:prstGeom>
+        </p:spPr>
+      </p:pic>
     </p:spTree>
     <p:extLst>
       <p:ext uri="{BB962C8B-B14F-4D97-AF65-F5344CB8AC3E}">
@@ -33605,6 +35264,42 @@
           </a:p>
         </p:txBody>
       </p:sp>
+      <p:pic>
+        <p:nvPicPr>
+          <p:cNvPr id="4" name="Grafik 3">
+            <a:extLst>
+              <a:ext uri="{FF2B5EF4-FFF2-40B4-BE49-F238E27FC236}">
+                <a16:creationId xmlns:a16="http://schemas.microsoft.com/office/drawing/2014/main" id="{FD564D0C-8283-8374-E5DD-17AF602A00FB}"/>
+              </a:ext>
+            </a:extLst>
+          </p:cNvPr>
+          <p:cNvPicPr>
+            <a:picLocks noChangeAspect="1"/>
+          </p:cNvPicPr>
+          <p:nvPr/>
+        </p:nvPicPr>
+        <p:blipFill>
+          <a:blip r:embed="rId3">
+            <a:extLst>
+              <a:ext uri="{28A0092B-C50C-407E-A947-70E740481C1C}">
+                <a14:useLocalDpi xmlns:a14="http://schemas.microsoft.com/office/drawing/2010/main" val="0"/>
+              </a:ext>
+            </a:extLst>
+          </a:blip>
+          <a:stretch>
+            <a:fillRect/>
+          </a:stretch>
+        </p:blipFill>
+        <p:spPr>
+          <a:xfrm rot="20304935">
+            <a:off x="7184622" y="5554276"/>
+            <a:ext cx="2227108" cy="926566"/>
+          </a:xfrm>
+          <a:prstGeom prst="rect">
+            <a:avLst/>
+          </a:prstGeom>
+        </p:spPr>
+      </p:pic>
     </p:spTree>
     <p:extLst>
       <p:ext uri="{BB962C8B-B14F-4D97-AF65-F5344CB8AC3E}">
@@ -33785,6 +35480,42 @@
           </a:p>
         </p:txBody>
       </p:sp>
+      <p:pic>
+        <p:nvPicPr>
+          <p:cNvPr id="4" name="Grafik 3">
+            <a:extLst>
+              <a:ext uri="{FF2B5EF4-FFF2-40B4-BE49-F238E27FC236}">
+                <a16:creationId xmlns:a16="http://schemas.microsoft.com/office/drawing/2014/main" id="{AFD1FFB3-FF76-51B4-9773-AE95326CA122}"/>
+              </a:ext>
+            </a:extLst>
+          </p:cNvPr>
+          <p:cNvPicPr>
+            <a:picLocks noChangeAspect="1"/>
+          </p:cNvPicPr>
+          <p:nvPr/>
+        </p:nvPicPr>
+        <p:blipFill>
+          <a:blip r:embed="rId3">
+            <a:extLst>
+              <a:ext uri="{28A0092B-C50C-407E-A947-70E740481C1C}">
+                <a14:useLocalDpi xmlns:a14="http://schemas.microsoft.com/office/drawing/2010/main" val="0"/>
+              </a:ext>
+            </a:extLst>
+          </a:blip>
+          <a:stretch>
+            <a:fillRect/>
+          </a:stretch>
+        </p:blipFill>
+        <p:spPr>
+          <a:xfrm rot="20304935">
+            <a:off x="7184622" y="5554276"/>
+            <a:ext cx="2227108" cy="926566"/>
+          </a:xfrm>
+          <a:prstGeom prst="rect">
+            <a:avLst/>
+          </a:prstGeom>
+        </p:spPr>
+      </p:pic>
     </p:spTree>
     <p:extLst>
       <p:ext uri="{BB962C8B-B14F-4D97-AF65-F5344CB8AC3E}">
@@ -34446,6 +36177,42 @@
           </a:p>
         </p:txBody>
       </p:sp>
+      <p:pic>
+        <p:nvPicPr>
+          <p:cNvPr id="4" name="Grafik 3">
+            <a:extLst>
+              <a:ext uri="{FF2B5EF4-FFF2-40B4-BE49-F238E27FC236}">
+                <a16:creationId xmlns:a16="http://schemas.microsoft.com/office/drawing/2014/main" id="{4CA9AF26-507D-F004-E88A-7720886E064E}"/>
+              </a:ext>
+            </a:extLst>
+          </p:cNvPr>
+          <p:cNvPicPr>
+            <a:picLocks noChangeAspect="1"/>
+          </p:cNvPicPr>
+          <p:nvPr/>
+        </p:nvPicPr>
+        <p:blipFill>
+          <a:blip r:embed="rId3">
+            <a:extLst>
+              <a:ext uri="{28A0092B-C50C-407E-A947-70E740481C1C}">
+                <a14:useLocalDpi xmlns:a14="http://schemas.microsoft.com/office/drawing/2010/main" val="0"/>
+              </a:ext>
+            </a:extLst>
+          </a:blip>
+          <a:stretch>
+            <a:fillRect/>
+          </a:stretch>
+        </p:blipFill>
+        <p:spPr>
+          <a:xfrm rot="20304935">
+            <a:off x="7184622" y="5554276"/>
+            <a:ext cx="2227108" cy="926566"/>
+          </a:xfrm>
+          <a:prstGeom prst="rect">
+            <a:avLst/>
+          </a:prstGeom>
+        </p:spPr>
+      </p:pic>
     </p:spTree>
     <p:extLst>
       <p:ext uri="{BB962C8B-B14F-4D97-AF65-F5344CB8AC3E}">
@@ -34626,6 +36393,42 @@
           </a:p>
         </p:txBody>
       </p:sp>
+      <p:pic>
+        <p:nvPicPr>
+          <p:cNvPr id="4" name="Grafik 3">
+            <a:extLst>
+              <a:ext uri="{FF2B5EF4-FFF2-40B4-BE49-F238E27FC236}">
+                <a16:creationId xmlns:a16="http://schemas.microsoft.com/office/drawing/2014/main" id="{75BDEE4A-BC04-72B9-2263-CAD217BE9C9A}"/>
+              </a:ext>
+            </a:extLst>
+          </p:cNvPr>
+          <p:cNvPicPr>
+            <a:picLocks noChangeAspect="1"/>
+          </p:cNvPicPr>
+          <p:nvPr/>
+        </p:nvPicPr>
+        <p:blipFill>
+          <a:blip r:embed="rId3">
+            <a:extLst>
+              <a:ext uri="{28A0092B-C50C-407E-A947-70E740481C1C}">
+                <a14:useLocalDpi xmlns:a14="http://schemas.microsoft.com/office/drawing/2010/main" val="0"/>
+              </a:ext>
+            </a:extLst>
+          </a:blip>
+          <a:stretch>
+            <a:fillRect/>
+          </a:stretch>
+        </p:blipFill>
+        <p:spPr>
+          <a:xfrm rot="20304935">
+            <a:off x="7184622" y="5554276"/>
+            <a:ext cx="2227108" cy="926566"/>
+          </a:xfrm>
+          <a:prstGeom prst="rect">
+            <a:avLst/>
+          </a:prstGeom>
+        </p:spPr>
+      </p:pic>
     </p:spTree>
     <p:extLst>
       <p:ext uri="{BB962C8B-B14F-4D97-AF65-F5344CB8AC3E}">
@@ -34867,6 +36670,42 @@
           </a:p>
         </p:txBody>
       </p:sp>
+      <p:pic>
+        <p:nvPicPr>
+          <p:cNvPr id="4" name="Grafik 3">
+            <a:extLst>
+              <a:ext uri="{FF2B5EF4-FFF2-40B4-BE49-F238E27FC236}">
+                <a16:creationId xmlns:a16="http://schemas.microsoft.com/office/drawing/2014/main" id="{5B194767-176A-8065-F9A6-6F4D00A7A4B7}"/>
+              </a:ext>
+            </a:extLst>
+          </p:cNvPr>
+          <p:cNvPicPr>
+            <a:picLocks noChangeAspect="1"/>
+          </p:cNvPicPr>
+          <p:nvPr/>
+        </p:nvPicPr>
+        <p:blipFill>
+          <a:blip r:embed="rId3">
+            <a:extLst>
+              <a:ext uri="{28A0092B-C50C-407E-A947-70E740481C1C}">
+                <a14:useLocalDpi xmlns:a14="http://schemas.microsoft.com/office/drawing/2010/main" val="0"/>
+              </a:ext>
+            </a:extLst>
+          </a:blip>
+          <a:stretch>
+            <a:fillRect/>
+          </a:stretch>
+        </p:blipFill>
+        <p:spPr>
+          <a:xfrm rot="20304935">
+            <a:off x="7184622" y="5554276"/>
+            <a:ext cx="2227108" cy="926566"/>
+          </a:xfrm>
+          <a:prstGeom prst="rect">
+            <a:avLst/>
+          </a:prstGeom>
+        </p:spPr>
+      </p:pic>
     </p:spTree>
     <p:extLst>
       <p:ext uri="{BB962C8B-B14F-4D97-AF65-F5344CB8AC3E}">
@@ -34975,14 +36814,14 @@
           <p:nvPr>
             <p:extLst>
               <p:ext uri="{D42A27DB-BD31-4B8C-83A1-F6EECF244321}">
-                <p14:modId xmlns:p14="http://schemas.microsoft.com/office/powerpoint/2010/main" val="2914567038"/>
+                <p14:modId xmlns:p14="http://schemas.microsoft.com/office/powerpoint/2010/main" val="119491664"/>
               </p:ext>
             </p:extLst>
           </p:nvPr>
         </p:nvGraphicFramePr>
         <p:xfrm>
           <a:off x="285720" y="874712"/>
-          <a:ext cx="8516938" cy="5613400"/>
+          <a:ext cx="8516938" cy="3906520"/>
         </p:xfrm>
         <a:graphic>
           <a:graphicData uri="http://schemas.openxmlformats.org/drawingml/2006/table">
@@ -35068,41 +36907,26 @@
                     <a:p>
                       <a:pPr rtl="0"/>
                       <a:r>
-                        <a:rPr lang="de-DE" sz="1600" b="0" i="0" kern="1200" dirty="0">
-                          <a:solidFill>
-                            <a:schemeClr val="dk1"/>
-                          </a:solidFill>
-                          <a:effectLst/>
-                          <a:latin typeface="+mn-lt"/>
-                          <a:ea typeface="+mn-ea"/>
-                          <a:cs typeface="+mn-cs"/>
-                        </a:rPr>
+                        <a:rPr lang="de-DE" sz="1600" dirty="0"/>
                         <a:t>Der Runner hat sich innerhalb der letzten 2 Stunden mit </a:t>
                       </a:r>
                       <a:r>
-                        <a:rPr lang="de-DE" sz="1600" b="0" i="0" kern="1200" dirty="0" err="1">
-                          <a:solidFill>
-                            <a:schemeClr val="dk1"/>
-                          </a:solidFill>
-                          <a:effectLst/>
-                          <a:latin typeface="+mn-lt"/>
-                          <a:ea typeface="+mn-ea"/>
-                          <a:cs typeface="+mn-cs"/>
-                        </a:rPr>
+                        <a:rPr lang="de-DE" sz="1600" dirty="0" err="1"/>
                         <a:t>GitLab</a:t>
                       </a:r>
                       <a:r>
-                        <a:rPr lang="de-DE" sz="1600" b="0" i="0" kern="1200" dirty="0">
-                          <a:solidFill>
-                            <a:schemeClr val="dk1"/>
-                          </a:solidFill>
-                          <a:effectLst/>
-                          <a:latin typeface="+mn-lt"/>
-                          <a:ea typeface="+mn-ea"/>
-                          <a:cs typeface="+mn-cs"/>
-                        </a:rPr>
-                        <a:t> in Verbindung gesetzt und ist für die Ausführung von Jobs verfügbar.</a:t>
+                        <a:rPr lang="de-DE" sz="1600" dirty="0"/>
+                        <a:t> verbunden und ist bereit für Jobs.</a:t>
                       </a:r>
+                      <a:endParaRPr lang="de-DE" sz="1600" b="0" i="0" kern="1200" dirty="0">
+                        <a:solidFill>
+                          <a:schemeClr val="dk1"/>
+                        </a:solidFill>
+                        <a:effectLst/>
+                        <a:latin typeface="+mn-lt"/>
+                        <a:ea typeface="+mn-ea"/>
+                        <a:cs typeface="+mn-cs"/>
+                      </a:endParaRPr>
                     </a:p>
                   </a:txBody>
                   <a:tcPr/>
@@ -35134,41 +36958,26 @@
                     <a:p>
                       <a:pPr rtl="0"/>
                       <a:r>
-                        <a:rPr lang="de-DE" sz="1600" b="0" i="0" kern="1200" dirty="0">
-                          <a:solidFill>
-                            <a:schemeClr val="dk1"/>
-                          </a:solidFill>
-                          <a:effectLst/>
-                          <a:latin typeface="+mn-lt"/>
-                          <a:ea typeface="+mn-ea"/>
-                          <a:cs typeface="+mn-cs"/>
-                        </a:rPr>
-                        <a:t>Der Runner hat sich seit mehr als 2 Stunden nicht mehr mit </a:t>
+                        <a:rPr lang="de-DE" sz="1600" dirty="0"/>
+                        <a:t>Der Runner hat sich seit über 2 Stunden nicht mit </a:t>
                       </a:r>
                       <a:r>
-                        <a:rPr lang="de-DE" sz="1600" b="0" i="0" kern="1200" dirty="0" err="1">
-                          <a:solidFill>
-                            <a:schemeClr val="dk1"/>
-                          </a:solidFill>
-                          <a:effectLst/>
-                          <a:latin typeface="+mn-lt"/>
-                          <a:ea typeface="+mn-ea"/>
-                          <a:cs typeface="+mn-cs"/>
-                        </a:rPr>
+                        <a:rPr lang="de-DE" sz="1600" dirty="0" err="1"/>
                         <a:t>GitLab</a:t>
                       </a:r>
                       <a:r>
-                        <a:rPr lang="de-DE" sz="1600" b="0" i="0" kern="1200" dirty="0">
-                          <a:solidFill>
-                            <a:schemeClr val="dk1"/>
-                          </a:solidFill>
-                          <a:effectLst/>
-                          <a:latin typeface="+mn-lt"/>
-                          <a:ea typeface="+mn-ea"/>
-                          <a:cs typeface="+mn-cs"/>
-                        </a:rPr>
-                        <a:t> in Verbindung gesetzt und ist nicht verfügbar, um Jobs auszuführen. Überprüfen Sie den Runner, um zu sehen, ob Sie ihn online bringen können.</a:t>
+                        <a:rPr lang="de-DE" sz="1600" dirty="0"/>
+                        <a:t> verbunden und ist nicht verfügbar. Überprüfen Sie den Runner.</a:t>
                       </a:r>
+                      <a:endParaRPr lang="de-DE" sz="1600" b="0" i="0" kern="1200" dirty="0">
+                        <a:solidFill>
+                          <a:schemeClr val="dk1"/>
+                        </a:solidFill>
+                        <a:effectLst/>
+                        <a:latin typeface="+mn-lt"/>
+                        <a:ea typeface="+mn-ea"/>
+                        <a:cs typeface="+mn-cs"/>
+                      </a:endParaRPr>
                     </a:p>
                   </a:txBody>
                   <a:tcPr/>
@@ -35201,41 +37010,26 @@
                     <a:p>
                       <a:pPr rtl="0"/>
                       <a:r>
-                        <a:rPr lang="de-DE" sz="1600" b="0" i="0" kern="1200" dirty="0">
-                          <a:solidFill>
-                            <a:schemeClr val="dk1"/>
-                          </a:solidFill>
-                          <a:effectLst/>
-                          <a:latin typeface="+mn-lt"/>
-                          <a:ea typeface="+mn-ea"/>
-                          <a:cs typeface="+mn-cs"/>
-                        </a:rPr>
-                        <a:t>Der Runner hat seit mehr als 3 Monaten keinen Kontakt zu </a:t>
+                        <a:rPr lang="de-DE" sz="1600" dirty="0"/>
+                        <a:t>Der Runner hat seit über 3 Monaten keinen Kontakt zu </a:t>
                       </a:r>
                       <a:r>
-                        <a:rPr lang="de-DE" sz="1600" b="0" i="0" kern="1200" dirty="0" err="1">
-                          <a:solidFill>
-                            <a:schemeClr val="dk1"/>
-                          </a:solidFill>
-                          <a:effectLst/>
-                          <a:latin typeface="+mn-lt"/>
-                          <a:ea typeface="+mn-ea"/>
-                          <a:cs typeface="+mn-cs"/>
-                        </a:rPr>
+                        <a:rPr lang="de-DE" sz="1600" dirty="0" err="1"/>
                         <a:t>GitLab</a:t>
                       </a:r>
                       <a:r>
-                        <a:rPr lang="de-DE" sz="1600" b="0" i="0" kern="1200" dirty="0">
-                          <a:solidFill>
-                            <a:schemeClr val="dk1"/>
-                          </a:solidFill>
-                          <a:effectLst/>
-                          <a:latin typeface="+mn-lt"/>
-                          <a:ea typeface="+mn-ea"/>
-                          <a:cs typeface="+mn-cs"/>
-                        </a:rPr>
-                        <a:t> aufgenommen. Wenn der Läufer vor mehr als 3 Monaten erstellt wurde, aber nie mit der Instanz in Kontakt getreten ist, wird er ebenfalls als veraltet betrachtet.</a:t>
+                        <a:rPr lang="de-DE" sz="1600" dirty="0"/>
+                        <a:t>. Wenn er vor über 3 Monaten erstellt, aber nie verbunden wurde, gilt er als veraltet.</a:t>
                       </a:r>
+                      <a:endParaRPr lang="de-DE" sz="1600" b="0" i="0" kern="1200" dirty="0">
+                        <a:solidFill>
+                          <a:schemeClr val="dk1"/>
+                        </a:solidFill>
+                        <a:effectLst/>
+                        <a:latin typeface="+mn-lt"/>
+                        <a:ea typeface="+mn-ea"/>
+                        <a:cs typeface="+mn-cs"/>
+                      </a:endParaRPr>
                     </a:p>
                   </a:txBody>
                   <a:tcPr/>
@@ -35268,113 +37062,42 @@
                     <a:p>
                       <a:pPr rtl="0"/>
                       <a:r>
-                        <a:rPr lang="de-DE" sz="1600" b="0" i="0" kern="1200" dirty="0">
-                          <a:solidFill>
-                            <a:schemeClr val="dk1"/>
-                          </a:solidFill>
-                          <a:effectLst/>
-                          <a:latin typeface="+mn-lt"/>
-                          <a:ea typeface="+mn-ea"/>
-                          <a:cs typeface="+mn-cs"/>
-                        </a:rPr>
-                        <a:t>Der Runner hat sich noch nie mit </a:t>
+                        <a:rPr lang="de-DE" sz="1600" dirty="0"/>
+                        <a:t>Der Runner hat sich nie mit </a:t>
                       </a:r>
                       <a:r>
-                        <a:rPr lang="de-DE" sz="1600" b="0" i="0" kern="1200" dirty="0" err="1">
-                          <a:solidFill>
-                            <a:schemeClr val="dk1"/>
-                          </a:solidFill>
-                          <a:effectLst/>
-                          <a:latin typeface="+mn-lt"/>
-                          <a:ea typeface="+mn-ea"/>
-                          <a:cs typeface="+mn-cs"/>
-                        </a:rPr>
+                        <a:rPr lang="de-DE" sz="1600" dirty="0" err="1"/>
                         <a:t>GitLab</a:t>
                       </a:r>
                       <a:r>
-                        <a:rPr lang="de-DE" sz="1600" b="0" i="0" kern="1200" dirty="0">
-                          <a:solidFill>
-                            <a:schemeClr val="dk1"/>
-                          </a:solidFill>
-                          <a:effectLst/>
-                          <a:latin typeface="+mn-lt"/>
-                          <a:ea typeface="+mn-ea"/>
-                          <a:cs typeface="+mn-cs"/>
-                        </a:rPr>
-                        <a:t> in Verbindung gesetzt. Um den Runner mit </a:t>
+                        <a:rPr lang="de-DE" sz="1600" dirty="0"/>
+                        <a:t> verbunden. Führen Sie </a:t>
                       </a:r>
                       <a:r>
-                        <a:rPr lang="de-DE" sz="1600" b="0" i="0" kern="1200" dirty="0" err="1">
-                          <a:solidFill>
-                            <a:schemeClr val="dk1"/>
-                          </a:solidFill>
-                          <a:effectLst/>
-                          <a:latin typeface="+mn-lt"/>
-                          <a:ea typeface="+mn-ea"/>
-                          <a:cs typeface="+mn-cs"/>
-                        </a:rPr>
-                        <a:t>GitLab</a:t>
-                      </a:r>
-                      <a:r>
-                        <a:rPr lang="de-DE" sz="1600" b="0" i="0" kern="1200" dirty="0">
-                          <a:solidFill>
-                            <a:schemeClr val="dk1"/>
-                          </a:solidFill>
-                          <a:effectLst/>
-                          <a:latin typeface="+mn-lt"/>
-                          <a:ea typeface="+mn-ea"/>
-                          <a:cs typeface="+mn-cs"/>
-                        </a:rPr>
-                        <a:t> in Kontakt zu bringen, führen Sie </a:t>
-                      </a:r>
-                      <a:r>
-                        <a:rPr lang="de-DE" sz="1600" b="0" i="0" kern="1200" dirty="0" err="1">
-                          <a:solidFill>
-                            <a:schemeClr val="dk1"/>
-                          </a:solidFill>
-                          <a:effectLst/>
-                          <a:latin typeface="+mn-lt"/>
-                          <a:ea typeface="+mn-ea"/>
-                          <a:cs typeface="+mn-cs"/>
-                        </a:rPr>
+                        <a:rPr lang="de-DE" sz="1600" dirty="0" err="1"/>
                         <a:t>gitlab-runner</a:t>
                       </a:r>
                       <a:r>
-                        <a:rPr lang="de-DE" sz="1600" b="0" i="0" kern="1200" dirty="0">
-                          <a:solidFill>
-                            <a:schemeClr val="dk1"/>
-                          </a:solidFill>
-                          <a:effectLst/>
-                          <a:latin typeface="+mn-lt"/>
-                          <a:ea typeface="+mn-ea"/>
-                          <a:cs typeface="+mn-cs"/>
-                        </a:rPr>
+                        <a:rPr lang="de-DE" sz="1600" dirty="0"/>
                         <a:t> </a:t>
                       </a:r>
                       <a:r>
-                        <a:rPr lang="de-DE" sz="1600" b="0" i="0" kern="1200" dirty="0" err="1">
-                          <a:solidFill>
-                            <a:schemeClr val="dk1"/>
-                          </a:solidFill>
-                          <a:effectLst/>
-                          <a:latin typeface="+mn-lt"/>
-                          <a:ea typeface="+mn-ea"/>
-                          <a:cs typeface="+mn-cs"/>
-                        </a:rPr>
+                        <a:rPr lang="de-DE" sz="1600" dirty="0" err="1"/>
                         <a:t>run</a:t>
                       </a:r>
                       <a:r>
-                        <a:rPr lang="de-DE" sz="1600" b="0" i="0" kern="1200" dirty="0">
-                          <a:solidFill>
-                            <a:schemeClr val="dk1"/>
-                          </a:solidFill>
-                          <a:effectLst/>
-                          <a:latin typeface="+mn-lt"/>
-                          <a:ea typeface="+mn-ea"/>
-                          <a:cs typeface="+mn-cs"/>
-                        </a:rPr>
-                        <a:t> aus.</a:t>
+                        <a:rPr lang="de-DE" sz="1600" dirty="0"/>
+                        <a:t> aus, um ihn zu verbinden.</a:t>
                       </a:r>
+                      <a:endParaRPr lang="de-DE" sz="1600" b="0" i="0" kern="1200" dirty="0">
+                        <a:solidFill>
+                          <a:schemeClr val="dk1"/>
+                        </a:solidFill>
+                        <a:effectLst/>
+                        <a:latin typeface="+mn-lt"/>
+                        <a:ea typeface="+mn-ea"/>
+                        <a:cs typeface="+mn-cs"/>
+                      </a:endParaRPr>
                     </a:p>
                   </a:txBody>
                   <a:tcPr/>
@@ -37722,7 +39445,7 @@
             </a:pPr>
             <a:r>
               <a:rPr lang="de-DE" dirty="0"/>
-              <a:t>Führt die Jobs dort aus, wo der Runner installiert wurde</a:t>
+              <a:t>Runner-Installationsort = Ort der Jobausführung</a:t>
             </a:r>
           </a:p>
           <a:p>
@@ -37732,7 +39455,7 @@
             </a:pPr>
             <a:r>
               <a:rPr lang="de-DE" dirty="0"/>
-              <a:t>Analog zu Jenkins oder anderen CI Servern</a:t>
+              <a:t>Analog Jenkins o.ä.</a:t>
             </a:r>
           </a:p>
           <a:p>
@@ -37740,17 +39463,13 @@
               <a:buFont typeface="Arial" panose="020B0604020202020204" pitchFamily="34" charset="0"/>
               <a:buChar char="•"/>
             </a:pPr>
-            <a:r>
-              <a:rPr lang="de-DE" dirty="0"/>
-              <a:t>Alle benötigten </a:t>
-            </a:r>
             <a:r>
               <a:rPr lang="de-DE" dirty="0" err="1"/>
               <a:t>Dependencies</a:t>
             </a:r>
             <a:r>
               <a:rPr lang="de-DE" dirty="0"/>
-              <a:t> müssen auf dem Server installiert sein</a:t>
+              <a:t> müssen installiert sein</a:t>
             </a:r>
           </a:p>
           <a:p>
@@ -37760,15 +39479,7 @@
             </a:pPr>
             <a:r>
               <a:rPr lang="de-DE" dirty="0"/>
-              <a:t>Aber: Docker Images in der Job-</a:t>
-            </a:r>
-            <a:r>
-              <a:rPr lang="de-DE" dirty="0" err="1"/>
-              <a:t>Config</a:t>
-            </a:r>
-            <a:r>
-              <a:rPr lang="de-DE" dirty="0"/>
-              <a:t> werden ignoriert!</a:t>
+              <a:t>Aber: Docker Images werden ignoriert!</a:t>
             </a:r>
           </a:p>
           <a:p>
@@ -37921,7 +39632,7 @@
               <a:buChar char="•"/>
             </a:pPr>
             <a:r>
-              <a:rPr lang="de-DE" u="sng" dirty="0"/>
+              <a:rPr lang="de-DE" dirty="0"/>
               <a:t>Use Case</a:t>
             </a:r>
           </a:p>
@@ -37932,7 +39643,7 @@
             </a:pPr>
             <a:r>
               <a:rPr lang="de-DE" dirty="0"/>
-              <a:t>Native Umgebung (spezifisches Betriebssystem oder Hardware)</a:t>
+              <a:t>Native Umgebung</a:t>
             </a:r>
           </a:p>
           <a:p>
@@ -37948,7 +39659,7 @@
               <a:buChar char="•"/>
             </a:pPr>
             <a:r>
-              <a:rPr lang="de-DE" u="sng" dirty="0"/>
+              <a:rPr lang="de-DE" dirty="0"/>
               <a:t>Zu beachten</a:t>
             </a:r>
           </a:p>
@@ -37959,7 +39670,7 @@
             </a:pPr>
             <a:r>
               <a:rPr lang="de-DE" dirty="0"/>
-              <a:t>Umgebung kann unzureichend dokumentiert sein</a:t>
+              <a:t>Umgebung</a:t>
             </a:r>
           </a:p>
           <a:p>
@@ -37969,7 +39680,7 @@
             </a:pPr>
             <a:r>
               <a:rPr lang="de-DE" sz="1800" dirty="0"/>
-              <a:t>Welche Versionen werden verwendet?</a:t>
+              <a:t>Versionen?</a:t>
             </a:r>
           </a:p>
           <a:p>
@@ -37979,7 +39690,7 @@
             </a:pPr>
             <a:r>
               <a:rPr lang="de-DE" sz="1800" dirty="0"/>
-              <a:t>Job auf andere Infrastruktur </a:t>
+              <a:t>Andere Infrastruktur </a:t>
             </a:r>
             <a:r>
               <a:rPr lang="de-DE" sz="1800" dirty="0">
@@ -37997,7 +39708,7 @@
               <a:rPr lang="de-DE" sz="1800" dirty="0">
                 <a:sym typeface="Wingdings" panose="05000000000000000000" pitchFamily="2" charset="2"/>
               </a:rPr>
-              <a:t> in welcher Version werden benötigt?</a:t>
+              <a:t>?</a:t>
             </a:r>
           </a:p>
           <a:p>
@@ -38021,19 +39732,19 @@
               <a:rPr lang="de-DE" dirty="0">
                 <a:sym typeface="Wingdings" panose="05000000000000000000" pitchFamily="2" charset="2"/>
               </a:rPr>
-              <a:t>“ aus vorherigen Jobs  keine saubere </a:t>
+              <a:t>“  keine saubere </a:t>
             </a:r>
             <a:r>
               <a:rPr lang="de-DE" dirty="0" err="1">
                 <a:sym typeface="Wingdings" panose="05000000000000000000" pitchFamily="2" charset="2"/>
               </a:rPr>
-              <a:t>build</a:t>
+              <a:t>Build</a:t>
             </a:r>
             <a:r>
               <a:rPr lang="de-DE" dirty="0">
                 <a:sym typeface="Wingdings" panose="05000000000000000000" pitchFamily="2" charset="2"/>
               </a:rPr>
-              <a:t> Umgebung</a:t>
+              <a:t>-Umgebung</a:t>
             </a:r>
           </a:p>
           <a:p>
@@ -38061,7 +39772,7 @@
             </a:pPr>
             <a:r>
               <a:rPr lang="de-DE" sz="1800" dirty="0"/>
-              <a:t>Ein Projekt benötigt Node.js v20 ein Anderes v18</a:t>
+              <a:t>Projekte vs. Versionen</a:t>
             </a:r>
           </a:p>
           <a:p>
@@ -38071,7 +39782,7 @@
             </a:pPr>
             <a:r>
               <a:rPr lang="de-DE" dirty="0"/>
-              <a:t>Muss den anderen Jobs vertrauen</a:t>
+              <a:t>Anderen Jobs vertrauen</a:t>
             </a:r>
           </a:p>
           <a:p>
@@ -38081,7 +39792,7 @@
             </a:pPr>
             <a:r>
               <a:rPr lang="de-DE" sz="1800" dirty="0"/>
-              <a:t>Haben vollen Zugriff auf das Projekt + Secrets</a:t>
+              <a:t>Voller Zugriff auf Projekt + Secrets</a:t>
             </a:r>
           </a:p>
           <a:p>
@@ -38392,7 +40103,7 @@
             </a:pPr>
             <a:r>
               <a:rPr lang="de-DE" dirty="0"/>
-              <a:t>Befehle über SSH an eine Maschine</a:t>
+              <a:t>Befehle über SSH</a:t>
             </a:r>
           </a:p>
           <a:p>
@@ -38402,7 +40113,7 @@
             </a:pPr>
             <a:r>
               <a:rPr lang="de-DE" dirty="0"/>
-              <a:t>Funktionsweise ähnlich zum Shell </a:t>
+              <a:t>Analog Shell </a:t>
             </a:r>
             <a:r>
               <a:rPr lang="de-DE" dirty="0" err="1"/>
@@ -38417,7 +40128,7 @@
             </a:pPr>
             <a:r>
               <a:rPr lang="de-DE" dirty="0"/>
-              <a:t>Funktioniert nur für Bash-Scripts!</a:t>
+              <a:t>Nur für Bash-Scripts!</a:t>
             </a:r>
           </a:p>
           <a:p>
@@ -38439,7 +40150,7 @@
               <a:rPr lang="de-DE" dirty="0">
                 <a:sym typeface="Wingdings" panose="05000000000000000000" pitchFamily="2" charset="2"/>
               </a:rPr>
-              <a:t> Befehle haben nicht Zugriff auf das gesamte Dateisystem</a:t>
+              <a:t> Kein Zugriff auf das gesamte Dateisystem</a:t>
             </a:r>
           </a:p>
           <a:p>
@@ -38451,19 +40162,19 @@
               <a:rPr lang="de-DE" dirty="0">
                 <a:sym typeface="Wingdings" panose="05000000000000000000" pitchFamily="2" charset="2"/>
               </a:rPr>
-              <a:t>Nur zur Vollständigkeit bei </a:t>
-            </a:r>
-            <a:r>
-              <a:rPr lang="de-DE" dirty="0" err="1">
-                <a:sym typeface="Wingdings" panose="05000000000000000000" pitchFamily="2" charset="2"/>
-              </a:rPr>
-              <a:t>GitLab</a:t>
-            </a:r>
+              <a:t>Nur zur Vollständigkeit bei GitLab.com aufgeführt</a:t>
+            </a:r>
+          </a:p>
+          <a:p>
+            <a:pPr lvl="1">
+              <a:buFont typeface="Arial" panose="020B0604020202020204" pitchFamily="34" charset="0"/>
+              <a:buChar char="•"/>
+            </a:pPr>
             <a:r>
               <a:rPr lang="de-DE" dirty="0">
                 <a:sym typeface="Wingdings" panose="05000000000000000000" pitchFamily="2" charset="2"/>
               </a:rPr>
-              <a:t> selbst aufgeführt!</a:t>
+              <a:t>Hat den geringsten Support</a:t>
             </a:r>
           </a:p>
           <a:p>
@@ -38475,31 +40186,7 @@
               <a:rPr lang="de-DE" dirty="0">
                 <a:sym typeface="Wingdings" panose="05000000000000000000" pitchFamily="2" charset="2"/>
               </a:rPr>
-              <a:t>Hat den geringsten Support</a:t>
-            </a:r>
-          </a:p>
-          <a:p>
-            <a:pPr>
-              <a:buFont typeface="Arial" panose="020B0604020202020204" pitchFamily="34" charset="0"/>
-              <a:buChar char="•"/>
-            </a:pPr>
-            <a:r>
-              <a:rPr lang="de-DE" dirty="0">
-                <a:sym typeface="Wingdings" panose="05000000000000000000" pitchFamily="2" charset="2"/>
-              </a:rPr>
-              <a:t>Wird von </a:t>
-            </a:r>
-            <a:r>
-              <a:rPr lang="de-DE" dirty="0" err="1">
-                <a:sym typeface="Wingdings" panose="05000000000000000000" pitchFamily="2" charset="2"/>
-              </a:rPr>
-              <a:t>GitLab</a:t>
-            </a:r>
-            <a:r>
-              <a:rPr lang="de-DE" dirty="0">
-                <a:sym typeface="Wingdings" panose="05000000000000000000" pitchFamily="2" charset="2"/>
-              </a:rPr>
-              <a:t> selbst nicht empfohlen!</a:t>
+              <a:t>Wird nicht empfohlen!</a:t>
             </a:r>
           </a:p>
           <a:p>
@@ -38623,179 +40310,50 @@
               <a:buChar char="•"/>
             </a:pPr>
             <a:r>
+              <a:rPr lang="de-DE" dirty="0"/>
+              <a:t>Nur per SSH erreichbar? Das ist der Weg.</a:t>
+            </a:r>
+          </a:p>
+          <a:p>
+            <a:pPr lvl="1">
+              <a:buFont typeface="Arial" panose="020B0604020202020204" pitchFamily="34" charset="0"/>
+              <a:buChar char="•"/>
+            </a:pPr>
+            <a:r>
+              <a:rPr lang="de-DE" dirty="0"/>
+              <a:t>Nur diese Maschine verwendbar</a:t>
+            </a:r>
+          </a:p>
+          <a:p>
+            <a:pPr>
+              <a:buFont typeface="Arial" panose="020B0604020202020204" pitchFamily="34" charset="0"/>
+              <a:buChar char="•"/>
+            </a:pPr>
+            <a:endParaRPr lang="de-DE" dirty="0"/>
+          </a:p>
+          <a:p>
+            <a:pPr>
+              <a:buFont typeface="Arial" panose="020B0604020202020204" pitchFamily="34" charset="0"/>
+              <a:buChar char="•"/>
+            </a:pPr>
+            <a:r>
+              <a:rPr lang="de-DE" dirty="0"/>
+              <a:t>Zu beachten</a:t>
+            </a:r>
+          </a:p>
+          <a:p>
+            <a:pPr lvl="1">
+              <a:buFont typeface="Arial" panose="020B0604020202020204" pitchFamily="34" charset="0"/>
+              <a:buChar char="•"/>
+            </a:pPr>
+            <a:r>
+              <a:rPr lang="de-DE" dirty="0"/>
+              <a:t>Siehe Shell </a:t>
+            </a:r>
+            <a:r>
               <a:rPr lang="de-DE" dirty="0" err="1"/>
-              <a:t>GitLab</a:t>
-            </a:r>
-            <a:r>
-              <a:rPr lang="de-DE" dirty="0"/>
-              <a:t> Server nur per SSH erreichbar? Das ist der Weg.</a:t>
-            </a:r>
-          </a:p>
-          <a:p>
-            <a:pPr lvl="1">
-              <a:buFont typeface="Arial" panose="020B0604020202020204" pitchFamily="34" charset="0"/>
-              <a:buChar char="•"/>
-            </a:pPr>
-            <a:r>
-              <a:rPr lang="de-DE" dirty="0"/>
-              <a:t>Es kann kein </a:t>
-            </a:r>
-            <a:r>
-              <a:rPr lang="de-DE" dirty="0" err="1"/>
-              <a:t>GitLab</a:t>
-            </a:r>
-            <a:r>
-              <a:rPr lang="de-DE" dirty="0"/>
-              <a:t> Runner auf einer anderen Maschine installiert werden</a:t>
-            </a:r>
-          </a:p>
-          <a:p>
-            <a:pPr>
-              <a:buFont typeface="Arial" panose="020B0604020202020204" pitchFamily="34" charset="0"/>
-              <a:buChar char="•"/>
-            </a:pPr>
-            <a:r>
-              <a:rPr lang="de-DE" dirty="0"/>
-              <a:t>Zu beachten (analog zu Shell)</a:t>
-            </a:r>
-          </a:p>
-          <a:p>
-            <a:pPr lvl="1">
-              <a:buFont typeface="Arial" panose="020B0604020202020204" pitchFamily="34" charset="0"/>
-              <a:buChar char="•"/>
-            </a:pPr>
-            <a:r>
-              <a:rPr lang="de-DE" dirty="0"/>
-              <a:t>Umgebung kann unzureichend dokumentiert sein</a:t>
-            </a:r>
-          </a:p>
-          <a:p>
-            <a:pPr lvl="2">
-              <a:buFont typeface="Arial" panose="020B0604020202020204" pitchFamily="34" charset="0"/>
-              <a:buChar char="•"/>
-            </a:pPr>
-            <a:r>
-              <a:rPr lang="de-DE" sz="1800" dirty="0"/>
-              <a:t>Welche Versionen werden verwendet?</a:t>
-            </a:r>
-          </a:p>
-          <a:p>
-            <a:pPr lvl="2">
-              <a:buFont typeface="Arial" panose="020B0604020202020204" pitchFamily="34" charset="0"/>
-              <a:buChar char="•"/>
-            </a:pPr>
-            <a:r>
-              <a:rPr lang="de-DE" sz="1800" dirty="0"/>
-              <a:t>Job auf andere Infrastruktur </a:t>
-            </a:r>
-            <a:r>
-              <a:rPr lang="de-DE" sz="1800" dirty="0">
-                <a:sym typeface="Wingdings" panose="05000000000000000000" pitchFamily="2" charset="2"/>
-              </a:rPr>
-              <a:t> Welche </a:t>
-            </a:r>
-            <a:r>
-              <a:rPr lang="de-DE" sz="1800" dirty="0" err="1">
-                <a:sym typeface="Wingdings" panose="05000000000000000000" pitchFamily="2" charset="2"/>
-              </a:rPr>
-              <a:t>Dependencies</a:t>
-            </a:r>
-            <a:r>
-              <a:rPr lang="de-DE" sz="1800" dirty="0">
-                <a:sym typeface="Wingdings" panose="05000000000000000000" pitchFamily="2" charset="2"/>
-              </a:rPr>
-              <a:t> in welcher Version werden benötigt?</a:t>
-            </a:r>
-          </a:p>
-          <a:p>
-            <a:pPr lvl="1">
-              <a:buFont typeface="Arial" panose="020B0604020202020204" pitchFamily="34" charset="0"/>
-              <a:buChar char="•"/>
-            </a:pPr>
-            <a:r>
-              <a:rPr lang="de-DE" dirty="0">
-                <a:sym typeface="Wingdings" panose="05000000000000000000" pitchFamily="2" charset="2"/>
-              </a:rPr>
-              <a:t>„</a:t>
-            </a:r>
-            <a:r>
-              <a:rPr lang="de-DE" dirty="0" err="1">
-                <a:sym typeface="Wingdings" panose="05000000000000000000" pitchFamily="2" charset="2"/>
-              </a:rPr>
-              <a:t>Left-overs</a:t>
-            </a:r>
-            <a:r>
-              <a:rPr lang="de-DE" dirty="0">
-                <a:sym typeface="Wingdings" panose="05000000000000000000" pitchFamily="2" charset="2"/>
-              </a:rPr>
-              <a:t>“ aus vorherigen Jobs  keine saubere </a:t>
-            </a:r>
-            <a:r>
-              <a:rPr lang="de-DE" dirty="0" err="1">
-                <a:sym typeface="Wingdings" panose="05000000000000000000" pitchFamily="2" charset="2"/>
-              </a:rPr>
-              <a:t>build</a:t>
-            </a:r>
-            <a:r>
-              <a:rPr lang="de-DE" dirty="0">
-                <a:sym typeface="Wingdings" panose="05000000000000000000" pitchFamily="2" charset="2"/>
-              </a:rPr>
-              <a:t> Umgebung</a:t>
-            </a:r>
-          </a:p>
-          <a:p>
-            <a:pPr lvl="1">
-              <a:buFont typeface="Arial" panose="020B0604020202020204" pitchFamily="34" charset="0"/>
-              <a:buChar char="•"/>
-            </a:pPr>
-            <a:r>
-              <a:rPr lang="de-DE" dirty="0" err="1">
-                <a:sym typeface="Wingdings" panose="05000000000000000000" pitchFamily="2" charset="2"/>
-              </a:rPr>
-              <a:t>Dependency</a:t>
-            </a:r>
-            <a:r>
-              <a:rPr lang="de-DE" dirty="0">
-                <a:sym typeface="Wingdings" panose="05000000000000000000" pitchFamily="2" charset="2"/>
-              </a:rPr>
-              <a:t>-Management</a:t>
-            </a:r>
-          </a:p>
-          <a:p>
-            <a:pPr lvl="2">
-              <a:buFont typeface="Arial" panose="020B0604020202020204" pitchFamily="34" charset="0"/>
-              <a:buChar char="•"/>
-            </a:pPr>
-            <a:r>
-              <a:rPr lang="de-DE" sz="1800" dirty="0"/>
-              <a:t>Ein Projekt benötigt Node.js v20 ein Anderes v18</a:t>
-            </a:r>
-          </a:p>
-          <a:p>
-            <a:pPr lvl="1">
-              <a:buFont typeface="Arial" panose="020B0604020202020204" pitchFamily="34" charset="0"/>
-              <a:buChar char="•"/>
-            </a:pPr>
-            <a:r>
-              <a:rPr lang="de-DE" dirty="0"/>
-              <a:t>Muss den anderen Jobs vertrauen</a:t>
-            </a:r>
-          </a:p>
-          <a:p>
-            <a:pPr lvl="2">
-              <a:buFont typeface="Arial" panose="020B0604020202020204" pitchFamily="34" charset="0"/>
-              <a:buChar char="•"/>
-            </a:pPr>
-            <a:r>
-              <a:rPr lang="de-DE" sz="1800" dirty="0"/>
-              <a:t>Haben vollen Zugriff auf das Projekt + Secrets</a:t>
-            </a:r>
-          </a:p>
-          <a:p>
-            <a:pPr lvl="1">
-              <a:buFont typeface="Arial" panose="020B0604020202020204" pitchFamily="34" charset="0"/>
-              <a:buChar char="•"/>
-            </a:pPr>
+              <a:t>Executor</a:t>
+            </a:r>
             <a:endParaRPr lang="de-DE" dirty="0"/>
           </a:p>
         </p:txBody>
@@ -38914,7 +40472,7 @@
             </a:pPr>
             <a:r>
               <a:rPr lang="de-DE" dirty="0"/>
-              <a:t>Eine bereits bestehende virtuelle Maschine wird genutzt</a:t>
+              <a:t>Bestehende VM</a:t>
             </a:r>
           </a:p>
           <a:p>
@@ -38923,19 +40481,23 @@
               <a:buChar char="•"/>
             </a:pPr>
             <a:r>
-              <a:rPr lang="de-DE" dirty="0"/>
-              <a:t>Wird </a:t>
-            </a:r>
-            <a:r>
               <a:rPr lang="de-DE" dirty="0" err="1"/>
-              <a:t>gecloned</a:t>
-            </a:r>
-            <a:r>
-              <a:rPr lang="de-DE" dirty="0"/>
-              <a:t> und darauf läuft dann der </a:t>
-            </a:r>
-            <a:r>
-              <a:rPr lang="de-DE" dirty="0" err="1"/>
+              <a:t>Gecloned</a:t>
+            </a:r>
+            <a:r>
+              <a:rPr lang="de-DE" dirty="0"/>
+              <a:t> </a:t>
+            </a:r>
+            <a:r>
+              <a:rPr lang="de-DE" dirty="0">
+                <a:sym typeface="Wingdings" panose="05000000000000000000" pitchFamily="2" charset="2"/>
+              </a:rPr>
+              <a:t> darauf der </a:t>
+            </a:r>
+            <a:r>
+              <a:rPr lang="de-DE" dirty="0" err="1">
+                <a:sym typeface="Wingdings" panose="05000000000000000000" pitchFamily="2" charset="2"/>
+              </a:rPr>
               <a:t>Build</a:t>
             </a:r>
             <a:endParaRPr lang="de-DE" dirty="0"/>
@@ -38947,8 +40509,15 @@
             </a:pPr>
             <a:r>
               <a:rPr lang="de-DE" dirty="0"/>
-              <a:t>Jeder Job startet dementsprechend in einer virtuellen Umgebung</a:t>
-            </a:r>
+              <a:t>Jeder Job </a:t>
+            </a:r>
+            <a:r>
+              <a:rPr lang="de-DE" dirty="0">
+                <a:sym typeface="Wingdings" panose="05000000000000000000" pitchFamily="2" charset="2"/>
+              </a:rPr>
+              <a:t> virtuelle Umgebung</a:t>
+            </a:r>
+            <a:endParaRPr lang="de-DE" dirty="0"/>
           </a:p>
           <a:p>
             <a:pPr lvl="1">
@@ -39107,7 +40676,7 @@
             </a:pPr>
             <a:r>
               <a:rPr lang="de-DE" dirty="0"/>
-              <a:t>Verschiedene Umgebungen durch Virtualisierung</a:t>
+              <a:t>Verschiedene Umgebungen</a:t>
             </a:r>
           </a:p>
           <a:p>
@@ -39117,7 +40686,7 @@
             </a:pPr>
             <a:r>
               <a:rPr lang="de-DE" sz="1800" dirty="0"/>
-              <a:t>Testen mit verschiedenen Betriebssystemen</a:t>
+              <a:t>Testen </a:t>
             </a:r>
           </a:p>
           <a:p>
@@ -39127,7 +40696,7 @@
             </a:pPr>
             <a:r>
               <a:rPr lang="de-DE" dirty="0"/>
-              <a:t>Falls Docker nicht angenommen oder verstanden wird</a:t>
+              <a:t>Docker nicht akzeptiert</a:t>
             </a:r>
           </a:p>
           <a:p>
@@ -39137,7 +40706,7 @@
             </a:pPr>
             <a:r>
               <a:rPr lang="de-DE" dirty="0"/>
-              <a:t>Falls VirtualBox/Parallels bereits eingesetzt werden</a:t>
+              <a:t>VirtualBox/Parallels bereits eingesetzt</a:t>
             </a:r>
           </a:p>
           <a:p>
@@ -39347,7 +40916,7 @@
             </a:pPr>
             <a:r>
               <a:rPr lang="de-DE" dirty="0"/>
-              <a:t>Docker Container wird in der Pipeline definiert</a:t>
+              <a:t>Definiert in der Pipeline</a:t>
             </a:r>
           </a:p>
           <a:p>
@@ -39387,7 +40956,7 @@
             </a:pPr>
             <a:r>
               <a:rPr lang="de-DE" dirty="0"/>
-              <a:t>Docker Umgebung für die meisten Projekte sinnvoll</a:t>
+              <a:t>Für die meisten Projekte sinnvoll</a:t>
             </a:r>
           </a:p>
           <a:p>
@@ -39397,7 +40966,7 @@
             </a:pPr>
             <a:r>
               <a:rPr lang="de-DE" dirty="0"/>
-              <a:t>Alle Abhängigkeiten im Docker Image definiert</a:t>
+              <a:t>Alle Abhängigkeiten definiert</a:t>
             </a:r>
           </a:p>
           <a:p>
@@ -39567,8 +41136,8 @@
               <a:buChar char="•"/>
             </a:pPr>
             <a:r>
-              <a:rPr lang="de-DE" sz="1800" dirty="0"/>
-              <a:t>Für jeden Job wird das Docker Image heruntergeladen</a:t>
+              <a:rPr lang="de-DE" sz="2000" dirty="0"/>
+              <a:t>Docker Image Download pro Job</a:t>
             </a:r>
           </a:p>
           <a:p>
@@ -39705,7 +41274,7 @@
             </a:pPr>
             <a:r>
               <a:rPr lang="de-DE" dirty="0"/>
-              <a:t>Mit Support für auto-</a:t>
+              <a:t>Support für auto-</a:t>
             </a:r>
             <a:r>
               <a:rPr lang="de-DE" dirty="0" err="1"/>
@@ -39753,7 +41322,7 @@
             </a:pPr>
             <a:r>
               <a:rPr lang="de-DE" sz="1800" dirty="0"/>
-              <a:t>Werden bei Bedarf von der Docker Maschine erstellt</a:t>
+              <a:t>Bei Bedarf erstellt</a:t>
             </a:r>
           </a:p>
           <a:p>
@@ -39957,7 +41526,7 @@
             </a:r>
             <a:r>
               <a:rPr lang="de-DE" dirty="0"/>
-              <a:t>-Cluster wird verwendet</a:t>
+              <a:t>-Cluster</a:t>
             </a:r>
           </a:p>
           <a:p>
@@ -39967,23 +41536,7 @@
             </a:pPr>
             <a:r>
               <a:rPr lang="de-DE" dirty="0"/>
-              <a:t>Jobs werden auf dem </a:t>
-            </a:r>
-            <a:r>
-              <a:rPr lang="de-DE" dirty="0" err="1"/>
-              <a:t>Kubernetes</a:t>
-            </a:r>
-            <a:r>
-              <a:rPr lang="de-DE" dirty="0"/>
-              <a:t>-</a:t>
-            </a:r>
-            <a:r>
-              <a:rPr lang="de-DE"/>
-              <a:t>Cluster </a:t>
-            </a:r>
-            <a:r>
-              <a:rPr lang="de-DE" dirty="0"/>
-              <a:t>ausgeführt</a:t>
+              <a:t>Jobs auf dem Cluster</a:t>
             </a:r>
           </a:p>
           <a:p>
@@ -39997,8 +41550,29 @@
             </a:r>
             <a:r>
               <a:rPr lang="de-DE" dirty="0"/>
-              <a:t> ruft die API auf und erzeugt neuen Pod</a:t>
-            </a:r>
+              <a:t> </a:t>
+            </a:r>
+            <a:r>
+              <a:rPr lang="de-DE" dirty="0">
+                <a:sym typeface="Wingdings" panose="05000000000000000000" pitchFamily="2" charset="2"/>
+              </a:rPr>
+              <a:t> </a:t>
+            </a:r>
+            <a:r>
+              <a:rPr lang="de-DE" dirty="0"/>
+              <a:t>API </a:t>
+            </a:r>
+            <a:r>
+              <a:rPr lang="de-DE">
+                <a:sym typeface="Wingdings" panose="05000000000000000000" pitchFamily="2" charset="2"/>
+              </a:rPr>
+              <a:t> </a:t>
+            </a:r>
+            <a:r>
+              <a:rPr lang="de-DE"/>
+              <a:t>neuer Pod</a:t>
+            </a:r>
+            <a:endParaRPr lang="de-DE" dirty="0"/>
           </a:p>
           <a:p>
             <a:pPr lvl="1">

--- a/slides/Tag-2_3-GitLab-Runner_Light.pptx
+++ b/slides/Tag-2_3-GitLab-Runner_Light.pptx
@@ -11265,6 +11265,42 @@
           </a:p>
         </p:txBody>
       </p:sp>
+      <p:pic>
+        <p:nvPicPr>
+          <p:cNvPr id="3" name="Grafik 2">
+            <a:extLst>
+              <a:ext uri="{FF2B5EF4-FFF2-40B4-BE49-F238E27FC236}">
+                <a16:creationId xmlns:a16="http://schemas.microsoft.com/office/drawing/2014/main" id="{5BA862CD-E6CE-6D5F-EEFC-6B9250270433}"/>
+              </a:ext>
+            </a:extLst>
+          </p:cNvPr>
+          <p:cNvPicPr>
+            <a:picLocks noChangeAspect="1"/>
+          </p:cNvPicPr>
+          <p:nvPr userDrawn="1"/>
+        </p:nvPicPr>
+        <p:blipFill>
+          <a:blip r:embed="rId7">
+            <a:extLst>
+              <a:ext uri="{28A0092B-C50C-407E-A947-70E740481C1C}">
+                <a14:useLocalDpi xmlns:a14="http://schemas.microsoft.com/office/drawing/2010/main" val="0"/>
+              </a:ext>
+            </a:extLst>
+          </a:blip>
+          <a:stretch>
+            <a:fillRect/>
+          </a:stretch>
+        </p:blipFill>
+        <p:spPr>
+          <a:xfrm>
+            <a:off x="8486775" y="-15729"/>
+            <a:ext cx="636272" cy="636272"/>
+          </a:xfrm>
+          <a:prstGeom prst="rect">
+            <a:avLst/>
+          </a:prstGeom>
+        </p:spPr>
+      </p:pic>
     </p:spTree>
   </p:cSld>
   <p:clrMap bg1="lt1" tx1="dk1" bg2="lt2" tx2="dk2" accent1="accent1" accent2="accent2" accent3="accent3" accent4="accent4" accent5="accent5" accent6="accent6" hlink="hlink" folHlink="folHlink"/>
@@ -11974,6 +12010,42 @@
           </a:p>
         </p:txBody>
       </p:sp>
+      <p:pic>
+        <p:nvPicPr>
+          <p:cNvPr id="2" name="Grafik 1">
+            <a:extLst>
+              <a:ext uri="{FF2B5EF4-FFF2-40B4-BE49-F238E27FC236}">
+                <a16:creationId xmlns:a16="http://schemas.microsoft.com/office/drawing/2014/main" id="{7E1F33A4-03F6-B926-F09E-52B12C5E99C8}"/>
+              </a:ext>
+            </a:extLst>
+          </p:cNvPr>
+          <p:cNvPicPr>
+            <a:picLocks noChangeAspect="1"/>
+          </p:cNvPicPr>
+          <p:nvPr userDrawn="1"/>
+        </p:nvPicPr>
+        <p:blipFill>
+          <a:blip r:embed="rId5">
+            <a:extLst>
+              <a:ext uri="{28A0092B-C50C-407E-A947-70E740481C1C}">
+                <a14:useLocalDpi xmlns:a14="http://schemas.microsoft.com/office/drawing/2010/main" val="0"/>
+              </a:ext>
+            </a:extLst>
+          </a:blip>
+          <a:stretch>
+            <a:fillRect/>
+          </a:stretch>
+        </p:blipFill>
+        <p:spPr>
+          <a:xfrm>
+            <a:off x="3383868" y="4481736"/>
+            <a:ext cx="2376264" cy="2376264"/>
+          </a:xfrm>
+          <a:prstGeom prst="rect">
+            <a:avLst/>
+          </a:prstGeom>
+        </p:spPr>
+      </p:pic>
     </p:spTree>
   </p:cSld>
   <p:clrMap bg1="lt1" tx1="dk1" bg2="lt2" tx2="dk2" accent1="accent1" accent2="accent2" accent3="accent3" accent4="accent4" accent5="accent5" accent6="accent6" hlink="hlink" folHlink="folHlink"/>

--- a/slides/Tag-2_3-GitLab-Runner_Light.pptx
+++ b/slides/Tag-2_3-GitLab-Runner_Light.pptx
@@ -10416,7 +10416,7 @@
               <a:pPr algn="ctr">
                 <a:defRPr/>
               </a:pPr>
-              <a:t>10.06.2024</a:t>
+              <a:t>11.06.2024</a:t>
             </a:fld>
             <a:endParaRPr lang="de-DE" sz="1000">
               <a:solidFill>
@@ -16542,16 +16542,10 @@
               <a:t>Projekt </a:t>
             </a:r>
             <a:r>
-              <a:rPr lang="de-DE" sz="1800">
-                <a:sym typeface="Wingdings" panose="05000000000000000000" pitchFamily="2" charset="2"/>
-              </a:rPr>
-              <a:t> Settings </a:t>
-            </a:r>
-            <a:r>
               <a:rPr lang="de-DE" sz="1800" dirty="0">
                 <a:sym typeface="Wingdings" panose="05000000000000000000" pitchFamily="2" charset="2"/>
               </a:rPr>
-              <a:t> CI/CD  Runners</a:t>
+              <a:t> Settings  CI/CD  Runners</a:t>
             </a:r>
           </a:p>
           <a:p>
@@ -16627,7 +16621,15 @@
             </a:pPr>
             <a:r>
               <a:rPr lang="de-DE" sz="2000" dirty="0"/>
-              <a:t>Plattform für Runner auswählen und gegeben Command im Terminal ausführen</a:t>
+              <a:t>Plattform für Runner auswählen und gegebenen Command (= </a:t>
+            </a:r>
+            <a:r>
+              <a:rPr lang="de-DE" sz="2000" dirty="0" err="1"/>
+              <a:t>Step</a:t>
+            </a:r>
+            <a:r>
+              <a:rPr lang="de-DE" sz="2000" dirty="0"/>
+              <a:t> 1) im Terminal ausführen</a:t>
             </a:r>
           </a:p>
           <a:p>
@@ -16645,7 +16647,15 @@
             </a:r>
             <a:r>
               <a:rPr lang="de-DE" sz="2000" dirty="0"/>
-              <a:t> auswählen (Shell, Docker, …)</a:t>
+              <a:t> auswählen (= </a:t>
+            </a:r>
+            <a:r>
+              <a:rPr lang="de-DE" sz="2000" dirty="0" err="1"/>
+              <a:t>Step</a:t>
+            </a:r>
+            <a:r>
+              <a:rPr lang="de-DE" sz="2000" dirty="0"/>
+              <a:t> 2: Shell, Docker, …)</a:t>
             </a:r>
           </a:p>
           <a:p>
@@ -16705,7 +16715,22 @@
             </a:r>
             <a:r>
               <a:rPr lang="de-DE" sz="2000" dirty="0"/>
-              <a:t> verifizieren </a:t>
+              <a:t> verifizieren</a:t>
+            </a:r>
+            <a:br>
+              <a:rPr lang="de-DE" sz="2000" dirty="0"/>
+            </a:br>
+            <a:r>
+              <a:rPr lang="de-DE" sz="2000" dirty="0"/>
+              <a:t>(= </a:t>
+            </a:r>
+            <a:r>
+              <a:rPr lang="de-DE" sz="2000" dirty="0" err="1"/>
+              <a:t>Step</a:t>
+            </a:r>
+            <a:r>
+              <a:rPr lang="de-DE" sz="2000" dirty="0"/>
+              <a:t> 3) </a:t>
             </a:r>
           </a:p>
           <a:p>
@@ -17325,19 +17350,7 @@
               <a:rPr lang="de-DE" sz="2000" dirty="0">
                 <a:sym typeface="Wingdings" panose="05000000000000000000" pitchFamily="2" charset="2"/>
               </a:rPr>
-              <a:t>Weitere Runner </a:t>
-            </a:r>
-            <a:r>
-              <a:rPr lang="de-DE" sz="2000" dirty="0" err="1">
-                <a:sym typeface="Wingdings" panose="05000000000000000000" pitchFamily="2" charset="2"/>
-              </a:rPr>
-              <a:t>sindunter</a:t>
-            </a:r>
-            <a:r>
-              <a:rPr lang="de-DE" sz="2000" dirty="0">
-                <a:sym typeface="Wingdings" panose="05000000000000000000" pitchFamily="2" charset="2"/>
-              </a:rPr>
-              <a:t> ./</a:t>
+              <a:t>Weitere Runner sind unter ./</a:t>
             </a:r>
             <a:r>
               <a:rPr lang="de-DE" sz="2000" dirty="0" err="1">

--- a/slides/Tag-2_3-GitLab-Runner_Light.pptx
+++ b/slides/Tag-2_3-GitLab-Runner_Light.pptx
@@ -20,10 +20,10 @@
     <p:sldId id="588" r:id="rId8"/>
     <p:sldId id="598" r:id="rId9"/>
     <p:sldId id="601" r:id="rId10"/>
-    <p:sldId id="603" r:id="rId11"/>
-    <p:sldId id="589" r:id="rId12"/>
-    <p:sldId id="725" r:id="rId13"/>
-    <p:sldId id="604" r:id="rId14"/>
+    <p:sldId id="725" r:id="rId11"/>
+    <p:sldId id="604" r:id="rId12"/>
+    <p:sldId id="603" r:id="rId13"/>
+    <p:sldId id="589" r:id="rId14"/>
     <p:sldId id="590" r:id="rId15"/>
     <p:sldId id="724" r:id="rId16"/>
     <p:sldId id="614" r:id="rId17"/>
@@ -64,19 +64,19 @@
     <p:sldId id="637" r:id="rId52"/>
     <p:sldId id="640" r:id="rId53"/>
     <p:sldId id="641" r:id="rId54"/>
-    <p:sldId id="689" r:id="rId55"/>
-    <p:sldId id="642" r:id="rId56"/>
-    <p:sldId id="696" r:id="rId57"/>
-    <p:sldId id="643" r:id="rId58"/>
-    <p:sldId id="648" r:id="rId59"/>
-    <p:sldId id="644" r:id="rId60"/>
-    <p:sldId id="649" r:id="rId61"/>
-    <p:sldId id="645" r:id="rId62"/>
-    <p:sldId id="650" r:id="rId63"/>
-    <p:sldId id="646" r:id="rId64"/>
-    <p:sldId id="651" r:id="rId65"/>
-    <p:sldId id="647" r:id="rId66"/>
-    <p:sldId id="652" r:id="rId67"/>
+    <p:sldId id="642" r:id="rId55"/>
+    <p:sldId id="696" r:id="rId56"/>
+    <p:sldId id="643" r:id="rId57"/>
+    <p:sldId id="648" r:id="rId58"/>
+    <p:sldId id="644" r:id="rId59"/>
+    <p:sldId id="649" r:id="rId60"/>
+    <p:sldId id="645" r:id="rId61"/>
+    <p:sldId id="650" r:id="rId62"/>
+    <p:sldId id="646" r:id="rId63"/>
+    <p:sldId id="651" r:id="rId64"/>
+    <p:sldId id="647" r:id="rId65"/>
+    <p:sldId id="652" r:id="rId66"/>
+    <p:sldId id="689" r:id="rId67"/>
     <p:sldId id="674" r:id="rId68"/>
     <p:sldId id="653" r:id="rId69"/>
     <p:sldId id="695" r:id="rId70"/>
@@ -5779,7 +5779,7 @@
             <a:fld id="{18182567-388C-4D33-8B7B-A651F195F118}" type="slidenum">
               <a:rPr lang="de-DE" altLang="de-DE" smtClean="0"/>
               <a:pPr/>
-              <a:t>54</a:t>
+              <a:t>53</a:t>
             </a:fld>
             <a:endParaRPr lang="de-DE" altLang="de-DE"/>
           </a:p>
@@ -5864,7 +5864,7 @@
             <a:fld id="{18182567-388C-4D33-8B7B-A651F195F118}" type="slidenum">
               <a:rPr lang="de-DE" altLang="de-DE" smtClean="0"/>
               <a:pPr/>
-              <a:t>55</a:t>
+              <a:t>54</a:t>
             </a:fld>
             <a:endParaRPr lang="de-DE" altLang="de-DE"/>
           </a:p>
@@ -5952,7 +5952,7 @@
             <a:fld id="{18182567-388C-4D33-8B7B-A651F195F118}" type="slidenum">
               <a:rPr lang="de-DE" altLang="de-DE" smtClean="0"/>
               <a:pPr/>
-              <a:t>56</a:t>
+              <a:t>55</a:t>
             </a:fld>
             <a:endParaRPr lang="de-DE" altLang="de-DE"/>
           </a:p>
@@ -6040,7 +6040,7 @@
             <a:fld id="{18182567-388C-4D33-8B7B-A651F195F118}" type="slidenum">
               <a:rPr lang="de-DE" altLang="de-DE" smtClean="0"/>
               <a:pPr/>
-              <a:t>57</a:t>
+              <a:t>56</a:t>
             </a:fld>
             <a:endParaRPr lang="de-DE" altLang="de-DE"/>
           </a:p>
@@ -6128,7 +6128,7 @@
             <a:fld id="{18182567-388C-4D33-8B7B-A651F195F118}" type="slidenum">
               <a:rPr lang="de-DE" altLang="de-DE" smtClean="0"/>
               <a:pPr/>
-              <a:t>58</a:t>
+              <a:t>57</a:t>
             </a:fld>
             <a:endParaRPr lang="de-DE" altLang="de-DE"/>
           </a:p>
@@ -6225,7 +6225,7 @@
             <a:fld id="{18182567-388C-4D33-8B7B-A651F195F118}" type="slidenum">
               <a:rPr lang="de-DE" altLang="de-DE" smtClean="0"/>
               <a:pPr/>
-              <a:t>59</a:t>
+              <a:t>58</a:t>
             </a:fld>
             <a:endParaRPr lang="de-DE" altLang="de-DE"/>
           </a:p>
@@ -6401,7 +6401,7 @@
             <a:fld id="{18182567-388C-4D33-8B7B-A651F195F118}" type="slidenum">
               <a:rPr lang="de-DE" altLang="de-DE" smtClean="0"/>
               <a:pPr/>
-              <a:t>60</a:t>
+              <a:t>59</a:t>
             </a:fld>
             <a:endParaRPr lang="de-DE" altLang="de-DE"/>
           </a:p>
@@ -6489,7 +6489,7 @@
             <a:fld id="{18182567-388C-4D33-8B7B-A651F195F118}" type="slidenum">
               <a:rPr lang="de-DE" altLang="de-DE" smtClean="0"/>
               <a:pPr/>
-              <a:t>61</a:t>
+              <a:t>60</a:t>
             </a:fld>
             <a:endParaRPr lang="de-DE" altLang="de-DE"/>
           </a:p>
@@ -6577,7 +6577,7 @@
             <a:fld id="{18182567-388C-4D33-8B7B-A651F195F118}" type="slidenum">
               <a:rPr lang="de-DE" altLang="de-DE" smtClean="0"/>
               <a:pPr/>
-              <a:t>62</a:t>
+              <a:t>61</a:t>
             </a:fld>
             <a:endParaRPr lang="de-DE" altLang="de-DE"/>
           </a:p>
@@ -6665,7 +6665,7 @@
             <a:fld id="{18182567-388C-4D33-8B7B-A651F195F118}" type="slidenum">
               <a:rPr lang="de-DE" altLang="de-DE" smtClean="0"/>
               <a:pPr/>
-              <a:t>63</a:t>
+              <a:t>62</a:t>
             </a:fld>
             <a:endParaRPr lang="de-DE" altLang="de-DE"/>
           </a:p>
@@ -6753,7 +6753,7 @@
             <a:fld id="{18182567-388C-4D33-8B7B-A651F195F118}" type="slidenum">
               <a:rPr lang="de-DE" altLang="de-DE" smtClean="0"/>
               <a:pPr/>
-              <a:t>64</a:t>
+              <a:t>63</a:t>
             </a:fld>
             <a:endParaRPr lang="de-DE" altLang="de-DE"/>
           </a:p>
@@ -6892,7 +6892,7 @@
             <a:fld id="{18182567-388C-4D33-8B7B-A651F195F118}" type="slidenum">
               <a:rPr lang="de-DE" altLang="de-DE" smtClean="0"/>
               <a:pPr/>
-              <a:t>65</a:t>
+              <a:t>64</a:t>
             </a:fld>
             <a:endParaRPr lang="de-DE" altLang="de-DE"/>
           </a:p>
@@ -12776,7 +12776,7 @@
 </file>
 
 <file path=ppt/slides/slide10.xml><?xml version="1.0" encoding="utf-8"?>
-<p:sld xmlns:a="http://schemas.openxmlformats.org/drawingml/2006/main" xmlns:r="http://schemas.openxmlformats.org/officeDocument/2006/relationships" xmlns:p="http://schemas.openxmlformats.org/presentationml/2006/main">
+<p:sld xmlns:a="http://schemas.openxmlformats.org/drawingml/2006/main" xmlns:r="http://schemas.openxmlformats.org/officeDocument/2006/relationships" xmlns:p="http://schemas.openxmlformats.org/presentationml/2006/main" show="0">
   <p:cSld>
     <p:spTree>
       <p:nvGrpSpPr>
@@ -12797,7 +12797,7 @@
           <p:cNvPr id="2" name="Titel 1">
             <a:extLst>
               <a:ext uri="{FF2B5EF4-FFF2-40B4-BE49-F238E27FC236}">
-                <a16:creationId xmlns:a16="http://schemas.microsoft.com/office/drawing/2014/main" id="{2B9F73D1-0616-0915-95E4-06CBA79315C7}"/>
+                <a16:creationId xmlns:a16="http://schemas.microsoft.com/office/drawing/2014/main" id="{05989517-2629-F19D-F287-A21AC9337E86}"/>
               </a:ext>
             </a:extLst>
           </p:cNvPr>
@@ -12829,7 +12829,7 @@
           <p:cNvPr id="3" name="Inhaltsplatzhalter 2">
             <a:extLst>
               <a:ext uri="{FF2B5EF4-FFF2-40B4-BE49-F238E27FC236}">
-                <a16:creationId xmlns:a16="http://schemas.microsoft.com/office/drawing/2014/main" id="{3CE2D11A-801F-CE1E-A418-D35676D404C3}"/>
+                <a16:creationId xmlns:a16="http://schemas.microsoft.com/office/drawing/2014/main" id="{46E1868F-B940-4D2F-9D0C-5C6DA0802DA7}"/>
               </a:ext>
             </a:extLst>
           </p:cNvPr>
@@ -12849,75 +12849,173 @@
               <a:buNone/>
             </a:pPr>
             <a:r>
+              <a:rPr lang="de-DE" b="1" dirty="0" err="1"/>
+              <a:t>GitLab</a:t>
+            </a:r>
+            <a:r>
               <a:rPr lang="de-DE" b="1" dirty="0"/>
-              <a:t>Self-</a:t>
-            </a:r>
-            <a:r>
-              <a:rPr lang="de-DE" b="1" dirty="0" err="1"/>
-              <a:t>managed</a:t>
-            </a:r>
-            <a:r>
-              <a:rPr lang="de-DE" b="1" dirty="0"/>
-              <a:t> Runner</a:t>
-            </a:r>
-          </a:p>
-          <a:p>
-            <a:pPr>
-              <a:buFont typeface="Arial" panose="020B0604020202020204" pitchFamily="34" charset="0"/>
-              <a:buChar char="•"/>
-            </a:pPr>
-            <a:r>
-              <a:rPr lang="de-DE" dirty="0"/>
-              <a:t>Eigenen Project Runner benutzen</a:t>
-            </a:r>
-          </a:p>
-          <a:p>
-            <a:pPr>
-              <a:buFont typeface="Arial" panose="020B0604020202020204" pitchFamily="34" charset="0"/>
-              <a:buChar char="•"/>
-            </a:pPr>
-            <a:r>
-              <a:rPr lang="de-DE" dirty="0"/>
-              <a:t>Verschiedene Runner verwalten</a:t>
-            </a:r>
-          </a:p>
-          <a:p>
-            <a:pPr>
-              <a:buFont typeface="Arial" panose="020B0604020202020204" pitchFamily="34" charset="0"/>
-              <a:buChar char="•"/>
-            </a:pPr>
-            <a:r>
-              <a:rPr lang="de-DE" dirty="0"/>
-              <a:t>Runner registrieren</a:t>
-            </a:r>
-          </a:p>
-          <a:p>
-            <a:pPr>
-              <a:buFont typeface="Arial" panose="020B0604020202020204" pitchFamily="34" charset="0"/>
-              <a:buChar char="•"/>
-            </a:pPr>
-            <a:r>
-              <a:rPr lang="de-DE" dirty="0" err="1"/>
-              <a:t>Executors</a:t>
-            </a:r>
-            <a:endParaRPr lang="de-DE" dirty="0"/>
-          </a:p>
-          <a:p>
-            <a:pPr>
-              <a:buFont typeface="Arial" panose="020B0604020202020204" pitchFamily="34" charset="0"/>
-              <a:buChar char="•"/>
-            </a:pPr>
-            <a:r>
-              <a:rPr lang="de-DE" dirty="0"/>
-              <a:t>Runner konfigurieren</a:t>
-            </a:r>
-          </a:p>
-          <a:p>
-            <a:pPr>
-              <a:buFont typeface="Arial" panose="020B0604020202020204" pitchFamily="34" charset="0"/>
-              <a:buChar char="•"/>
-            </a:pPr>
-            <a:endParaRPr lang="de-DE" dirty="0"/>
+              <a:t> Runner Versionen…</a:t>
+            </a:r>
+          </a:p>
+          <a:p>
+            <a:pPr marL="0" indent="0">
+              <a:buNone/>
+            </a:pPr>
+            <a:r>
+              <a:rPr lang="de-DE" b="1" dirty="0">
+                <a:hlinkClick r:id="rId2"/>
+              </a:rPr>
+              <a:t>https://docs.gitlab.com/runner/</a:t>
+            </a:r>
+            <a:endParaRPr lang="de-DE" b="1" dirty="0"/>
+          </a:p>
+          <a:p>
+            <a:pPr algn="l">
+              <a:buFont typeface="Arial" panose="020B0604020202020204" pitchFamily="34" charset="0"/>
+              <a:buChar char="•"/>
+            </a:pPr>
+            <a:r>
+              <a:rPr lang="en-US" sz="1800" b="0" i="0" dirty="0">
+                <a:solidFill>
+                  <a:srgbClr val="404040"/>
+                </a:solidFill>
+                <a:effectLst/>
+                <a:latin typeface="gitlab sans"/>
+              </a:rPr>
+              <a:t>For compatibility reasons, the GitLab Runner </a:t>
+            </a:r>
+            <a:r>
+              <a:rPr lang="en-US" sz="1800" b="0" i="0" u="none" strike="noStrike" dirty="0" err="1">
+                <a:solidFill>
+                  <a:srgbClr val="5943B6"/>
+                </a:solidFill>
+                <a:effectLst/>
+                <a:latin typeface="gitlab sans"/>
+                <a:hlinkClick r:id="rId3"/>
+              </a:rPr>
+              <a:t>major.minor</a:t>
+            </a:r>
+            <a:r>
+              <a:rPr lang="en-US" sz="1800" b="0" i="0" dirty="0">
+                <a:solidFill>
+                  <a:srgbClr val="404040"/>
+                </a:solidFill>
+                <a:effectLst/>
+                <a:latin typeface="gitlab sans"/>
+              </a:rPr>
+              <a:t> version should stay in sync with the GitLab major and minor version. Older runners may still work with newer GitLab versions, and vice versa. However, features may not be available or work properly if a version difference exists.</a:t>
+            </a:r>
+          </a:p>
+          <a:p>
+            <a:pPr algn="l">
+              <a:buFont typeface="Arial" panose="020B0604020202020204" pitchFamily="34" charset="0"/>
+              <a:buChar char="•"/>
+            </a:pPr>
+            <a:r>
+              <a:rPr lang="en-US" sz="1800" b="0" i="0" dirty="0">
+                <a:solidFill>
+                  <a:srgbClr val="404040"/>
+                </a:solidFill>
+                <a:effectLst/>
+                <a:latin typeface="gitlab sans"/>
+              </a:rPr>
+              <a:t>Backward compatibility is guaranteed between minor version updates. However, sometimes minor version updates of GitLab can introduce new features that require GitLab Runner to be on the same minor version.</a:t>
+            </a:r>
+          </a:p>
+          <a:p>
+            <a:pPr algn="l">
+              <a:buFont typeface="Arial" panose="020B0604020202020204" pitchFamily="34" charset="0"/>
+              <a:buChar char="•"/>
+            </a:pPr>
+            <a:r>
+              <a:rPr lang="en-US" sz="1800" b="0" i="0" dirty="0">
+                <a:solidFill>
+                  <a:srgbClr val="000000"/>
+                </a:solidFill>
+                <a:effectLst/>
+                <a:latin typeface="gitlab sans"/>
+              </a:rPr>
+              <a:t>GitLab Runner 15.0 </a:t>
+            </a:r>
+            <a:r>
+              <a:rPr lang="en-US" sz="1800" b="0" i="0" u="none" strike="noStrike" dirty="0">
+                <a:solidFill>
+                  <a:srgbClr val="5943B6"/>
+                </a:solidFill>
+                <a:effectLst/>
+                <a:latin typeface="gitlab sans"/>
+                <a:hlinkClick r:id="rId4"/>
+              </a:rPr>
+              <a:t>introduced</a:t>
+            </a:r>
+            <a:r>
+              <a:rPr lang="en-US" sz="1800" b="0" i="0" dirty="0">
+                <a:solidFill>
+                  <a:srgbClr val="000000"/>
+                </a:solidFill>
+                <a:effectLst/>
+                <a:latin typeface="gitlab sans"/>
+              </a:rPr>
+              <a:t> a change to the registration API request format. It prevents the GitLab Runner from communicating with GitLab versions lower than 14.8. You must use a Runner version that is appropriate for the GitLab version, or upgrade the GitLab application.</a:t>
+            </a:r>
+          </a:p>
+          <a:p>
+            <a:pPr algn="l">
+              <a:buFont typeface="Arial" panose="020B0604020202020204" pitchFamily="34" charset="0"/>
+              <a:buChar char="•"/>
+            </a:pPr>
+            <a:r>
+              <a:rPr lang="en-US" sz="1800" b="0" i="0" dirty="0">
+                <a:solidFill>
+                  <a:srgbClr val="404040"/>
+                </a:solidFill>
+                <a:effectLst/>
+                <a:latin typeface="gitlab sans"/>
+              </a:rPr>
+              <a:t>If you host your own runners but host your repositories on GitLab.com, keep GitLab Runner </a:t>
+            </a:r>
+            <a:r>
+              <a:rPr lang="en-US" sz="1800" b="0" i="0" u="none" strike="noStrike" dirty="0">
+                <a:solidFill>
+                  <a:srgbClr val="5943B6"/>
+                </a:solidFill>
+                <a:effectLst/>
+                <a:latin typeface="gitlab sans"/>
+                <a:hlinkClick r:id="rId5"/>
+              </a:rPr>
+              <a:t>updated</a:t>
+            </a:r>
+            <a:r>
+              <a:rPr lang="en-US" sz="1800" b="0" i="0" dirty="0">
+                <a:solidFill>
+                  <a:srgbClr val="404040"/>
+                </a:solidFill>
+                <a:effectLst/>
+                <a:latin typeface="gitlab sans"/>
+              </a:rPr>
+              <a:t> to the latest version, as GitLab.com is </a:t>
+            </a:r>
+            <a:r>
+              <a:rPr lang="en-US" sz="1800" b="0" i="0" u="none" strike="noStrike" dirty="0">
+                <a:solidFill>
+                  <a:srgbClr val="5943B6"/>
+                </a:solidFill>
+                <a:effectLst/>
+                <a:latin typeface="gitlab sans"/>
+                <a:hlinkClick r:id="rId6"/>
+              </a:rPr>
+              <a:t>updated continuously</a:t>
+            </a:r>
+            <a:r>
+              <a:rPr lang="en-US" sz="1800" b="0" i="0" dirty="0">
+                <a:solidFill>
+                  <a:srgbClr val="404040"/>
+                </a:solidFill>
+                <a:effectLst/>
+                <a:latin typeface="gitlab sans"/>
+              </a:rPr>
+              <a:t>.</a:t>
+            </a:r>
           </a:p>
           <a:p>
             <a:pPr marL="0" indent="0">
@@ -12930,7 +13028,7 @@
     </p:spTree>
     <p:extLst>
       <p:ext uri="{BB962C8B-B14F-4D97-AF65-F5344CB8AC3E}">
-        <p14:creationId xmlns:p14="http://schemas.microsoft.com/office/powerpoint/2010/main" val="1130319195"/>
+        <p14:creationId xmlns:p14="http://schemas.microsoft.com/office/powerpoint/2010/main" val="1650686857"/>
       </p:ext>
     </p:extLst>
   </p:cSld>
@@ -12980,12 +13078,9 @@
           <a:p>
             <a:r>
               <a:rPr lang="de-DE" dirty="0" err="1"/>
-              <a:t>GitLab</a:t>
-            </a:r>
-            <a:r>
-              <a:rPr lang="de-DE" dirty="0"/>
-              <a:t> Runner</a:t>
-            </a:r>
+              <a:t>Executors</a:t>
+            </a:r>
+            <a:endParaRPr lang="de-DE" dirty="0"/>
           </a:p>
         </p:txBody>
       </p:sp>
@@ -13117,7 +13212,7 @@
           <p:cNvPr id="2" name="Titel 1">
             <a:extLst>
               <a:ext uri="{FF2B5EF4-FFF2-40B4-BE49-F238E27FC236}">
-                <a16:creationId xmlns:a16="http://schemas.microsoft.com/office/drawing/2014/main" id="{162741A2-D52A-10C8-AD02-8D793E3869E9}"/>
+                <a16:creationId xmlns:a16="http://schemas.microsoft.com/office/drawing/2014/main" id="{4634223D-99BD-68A7-4860-F45BC03DFEA7}"/>
               </a:ext>
             </a:extLst>
           </p:cNvPr>
@@ -13149,7 +13244,7 @@
           <p:cNvPr id="3" name="Inhaltsplatzhalter 2">
             <a:extLst>
               <a:ext uri="{FF2B5EF4-FFF2-40B4-BE49-F238E27FC236}">
-                <a16:creationId xmlns:a16="http://schemas.microsoft.com/office/drawing/2014/main" id="{FDCC01D8-9F8B-9854-0B90-FBAF454D60D5}"/>
+                <a16:creationId xmlns:a16="http://schemas.microsoft.com/office/drawing/2014/main" id="{D9F10513-FE0C-0C65-DB15-5D771567744B}"/>
               </a:ext>
             </a:extLst>
           </p:cNvPr>
@@ -13169,143 +13264,119 @@
               <a:buNone/>
             </a:pPr>
             <a:r>
+              <a:rPr lang="de-DE" b="1" dirty="0"/>
+              <a:t>Self-</a:t>
+            </a:r>
+            <a:r>
               <a:rPr lang="de-DE" b="1" dirty="0" err="1"/>
-              <a:t>GitLab</a:t>
+              <a:t>managed</a:t>
             </a:r>
             <a:r>
               <a:rPr lang="de-DE" b="1" dirty="0"/>
-              <a:t> und </a:t>
-            </a:r>
-            <a:r>
-              <a:rPr lang="de-DE" b="1" dirty="0" err="1"/>
-              <a:t>GitLab</a:t>
-            </a:r>
-            <a:r>
-              <a:rPr lang="de-DE" b="1" dirty="0"/>
-              <a:t> Runner Versionen</a:t>
-            </a:r>
-          </a:p>
-          <a:p>
-            <a:pPr>
-              <a:buFont typeface="Arial" panose="020B0604020202020204" pitchFamily="34" charset="0"/>
-              <a:buChar char="•"/>
-            </a:pPr>
-            <a:r>
-              <a:rPr lang="de-DE" dirty="0"/>
-              <a:t>MAJOR.MINOR </a:t>
-            </a:r>
-            <a:r>
-              <a:rPr lang="de-DE" dirty="0" err="1"/>
-              <a:t>sync</a:t>
-            </a:r>
-            <a:r>
-              <a:rPr lang="de-DE" dirty="0"/>
-              <a:t>: </a:t>
-            </a:r>
-          </a:p>
-          <a:p>
-            <a:pPr lvl="1">
-              <a:buFont typeface="Arial" panose="020B0604020202020204" pitchFamily="34" charset="0"/>
-              <a:buChar char="•"/>
-            </a:pPr>
-            <a:r>
-              <a:rPr lang="de-DE" dirty="0" err="1"/>
-              <a:t>GitLab</a:t>
-            </a:r>
-            <a:r>
-              <a:rPr lang="de-DE" dirty="0"/>
-              <a:t> </a:t>
-            </a:r>
-            <a:r>
-              <a:rPr lang="de-DE" dirty="0">
-                <a:sym typeface="Wingdings" panose="05000000000000000000" pitchFamily="2" charset="2"/>
-              </a:rPr>
-              <a:t>&lt;-&gt;</a:t>
-            </a:r>
-            <a:r>
-              <a:rPr lang="de-DE" dirty="0"/>
-              <a:t> </a:t>
-            </a:r>
-            <a:r>
-              <a:rPr lang="de-DE" dirty="0" err="1"/>
-              <a:t>GitLab</a:t>
-            </a:r>
-            <a:r>
-              <a:rPr lang="de-DE" dirty="0"/>
               <a:t> Runner</a:t>
             </a:r>
           </a:p>
-          <a:p>
-            <a:pPr>
-              <a:buFont typeface="Arial" panose="020B0604020202020204" pitchFamily="34" charset="0"/>
-              <a:buChar char="•"/>
-            </a:pPr>
-            <a:r>
-              <a:rPr lang="de-DE" dirty="0"/>
-              <a:t> Rückwärtskompatibilität</a:t>
-            </a:r>
-          </a:p>
-          <a:p>
-            <a:pPr lvl="1">
-              <a:buFont typeface="Arial" panose="020B0604020202020204" pitchFamily="34" charset="0"/>
-              <a:buChar char="•"/>
-            </a:pPr>
-            <a:r>
-              <a:rPr lang="de-DE" dirty="0"/>
-              <a:t>Bei MINOR gegeben</a:t>
-            </a:r>
-          </a:p>
-          <a:p>
-            <a:pPr lvl="1">
-              <a:buFont typeface="Arial" panose="020B0604020202020204" pitchFamily="34" charset="0"/>
-              <a:buChar char="•"/>
-            </a:pPr>
-            <a:r>
-              <a:rPr lang="de-DE" dirty="0"/>
-              <a:t>aber neue </a:t>
-            </a:r>
-            <a:r>
-              <a:rPr lang="de-DE" dirty="0" err="1"/>
-              <a:t>GitLab</a:t>
-            </a:r>
-            <a:r>
-              <a:rPr lang="de-DE" dirty="0"/>
-              <a:t>-Features beachten!</a:t>
-            </a:r>
-          </a:p>
-          <a:p>
-            <a:pPr>
-              <a:buFont typeface="Arial" panose="020B0604020202020204" pitchFamily="34" charset="0"/>
-              <a:buChar char="•"/>
-            </a:pPr>
-            <a:r>
-              <a:rPr lang="de-DE" dirty="0"/>
-              <a:t>Falls GitLab.com genutzt wird</a:t>
-            </a:r>
-          </a:p>
-          <a:p>
-            <a:pPr lvl="1">
-              <a:buFont typeface="Arial" panose="020B0604020202020204" pitchFamily="34" charset="0"/>
-              <a:buChar char="•"/>
-            </a:pPr>
-            <a:r>
-              <a:rPr lang="de-DE" dirty="0"/>
-              <a:t>Runner immer updaten</a:t>
-            </a:r>
-          </a:p>
-          <a:p>
-            <a:pPr lvl="1">
-              <a:buFont typeface="Arial" panose="020B0604020202020204" pitchFamily="34" charset="0"/>
-              <a:buChar char="•"/>
-            </a:pPr>
-            <a:endParaRPr lang="de-DE" dirty="0"/>
-          </a:p>
         </p:txBody>
       </p:sp>
+      <p:pic>
+        <p:nvPicPr>
+          <p:cNvPr id="4" name="Inhaltsplatzhalter 4">
+            <a:extLst>
+              <a:ext uri="{FF2B5EF4-FFF2-40B4-BE49-F238E27FC236}">
+                <a16:creationId xmlns:a16="http://schemas.microsoft.com/office/drawing/2014/main" id="{C41C5879-090D-5E3D-795C-ECCA3D72E403}"/>
+              </a:ext>
+            </a:extLst>
+          </p:cNvPr>
+          <p:cNvPicPr>
+            <a:picLocks noChangeAspect="1"/>
+          </p:cNvPicPr>
+          <p:nvPr/>
+        </p:nvPicPr>
+        <p:blipFill>
+          <a:blip r:embed="rId2">
+            <a:extLst>
+              <a:ext uri="{28A0092B-C50C-407E-A947-70E740481C1C}">
+                <a14:useLocalDpi xmlns:a14="http://schemas.microsoft.com/office/drawing/2010/main" val="0"/>
+              </a:ext>
+            </a:extLst>
+          </a:blip>
+          <a:stretch>
+            <a:fillRect/>
+          </a:stretch>
+        </p:blipFill>
+        <p:spPr bwMode="auto">
+          <a:xfrm>
+            <a:off x="2699792" y="1752600"/>
+            <a:ext cx="3352800" cy="3352800"/>
+          </a:xfrm>
+          <a:prstGeom prst="rect">
+            <a:avLst/>
+          </a:prstGeom>
+          <a:noFill/>
+          <a:ln>
+            <a:noFill/>
+          </a:ln>
+          <a:extLst>
+            <a:ext uri="{909E8E84-426E-40DD-AFC4-6F175D3DCCD1}">
+              <a14:hiddenFill xmlns:a14="http://schemas.microsoft.com/office/drawing/2010/main">
+                <a:solidFill>
+                  <a:srgbClr val="FFFFFF"/>
+                </a:solidFill>
+              </a14:hiddenFill>
+            </a:ext>
+            <a:ext uri="{91240B29-F687-4F45-9708-019B960494DF}">
+              <a14:hiddenLine xmlns:a14="http://schemas.microsoft.com/office/drawing/2010/main" w="9525">
+                <a:solidFill>
+                  <a:srgbClr val="000000"/>
+                </a:solidFill>
+                <a:miter lim="800000"/>
+                <a:headEnd/>
+                <a:tailEnd/>
+              </a14:hiddenLine>
+            </a:ext>
+          </a:extLst>
+        </p:spPr>
+      </p:pic>
+      <p:pic>
+        <p:nvPicPr>
+          <p:cNvPr id="5" name="Grafik 4">
+            <a:extLst>
+              <a:ext uri="{FF2B5EF4-FFF2-40B4-BE49-F238E27FC236}">
+                <a16:creationId xmlns:a16="http://schemas.microsoft.com/office/drawing/2014/main" id="{4BDBDA2D-4F0D-834D-AEA6-80A23C86932C}"/>
+              </a:ext>
+            </a:extLst>
+          </p:cNvPr>
+          <p:cNvPicPr>
+            <a:picLocks noChangeAspect="1"/>
+          </p:cNvPicPr>
+          <p:nvPr/>
+        </p:nvPicPr>
+        <p:blipFill>
+          <a:blip r:embed="rId3">
+            <a:extLst>
+              <a:ext uri="{28A0092B-C50C-407E-A947-70E740481C1C}">
+                <a14:useLocalDpi xmlns:a14="http://schemas.microsoft.com/office/drawing/2010/main" val="0"/>
+              </a:ext>
+            </a:extLst>
+          </a:blip>
+          <a:stretch>
+            <a:fillRect/>
+          </a:stretch>
+        </p:blipFill>
+        <p:spPr>
+          <a:xfrm rot="20636734">
+            <a:off x="4879982" y="4174115"/>
+            <a:ext cx="1729653" cy="1729653"/>
+          </a:xfrm>
+          <a:prstGeom prst="rect">
+            <a:avLst/>
+          </a:prstGeom>
+        </p:spPr>
+      </p:pic>
     </p:spTree>
     <p:extLst>
       <p:ext uri="{BB962C8B-B14F-4D97-AF65-F5344CB8AC3E}">
-        <p14:creationId xmlns:p14="http://schemas.microsoft.com/office/powerpoint/2010/main" val="1101122920"/>
+        <p14:creationId xmlns:p14="http://schemas.microsoft.com/office/powerpoint/2010/main" val="3894032994"/>
       </p:ext>
     </p:extLst>
   </p:cSld>
@@ -13316,7 +13387,7 @@
 </file>
 
 <file path=ppt/slides/slide12.xml><?xml version="1.0" encoding="utf-8"?>
-<p:sld xmlns:a="http://schemas.openxmlformats.org/drawingml/2006/main" xmlns:r="http://schemas.openxmlformats.org/officeDocument/2006/relationships" xmlns:p="http://schemas.openxmlformats.org/presentationml/2006/main" show="0">
+<p:sld xmlns:a="http://schemas.openxmlformats.org/drawingml/2006/main" xmlns:r="http://schemas.openxmlformats.org/officeDocument/2006/relationships" xmlns:p="http://schemas.openxmlformats.org/presentationml/2006/main">
   <p:cSld>
     <p:spTree>
       <p:nvGrpSpPr>
@@ -13337,7 +13408,7 @@
           <p:cNvPr id="2" name="Titel 1">
             <a:extLst>
               <a:ext uri="{FF2B5EF4-FFF2-40B4-BE49-F238E27FC236}">
-                <a16:creationId xmlns:a16="http://schemas.microsoft.com/office/drawing/2014/main" id="{05989517-2629-F19D-F287-A21AC9337E86}"/>
+                <a16:creationId xmlns:a16="http://schemas.microsoft.com/office/drawing/2014/main" id="{2B9F73D1-0616-0915-95E4-06CBA79315C7}"/>
               </a:ext>
             </a:extLst>
           </p:cNvPr>
@@ -13369,7 +13440,7 @@
           <p:cNvPr id="3" name="Inhaltsplatzhalter 2">
             <a:extLst>
               <a:ext uri="{FF2B5EF4-FFF2-40B4-BE49-F238E27FC236}">
-                <a16:creationId xmlns:a16="http://schemas.microsoft.com/office/drawing/2014/main" id="{46E1868F-B940-4D2F-9D0C-5C6DA0802DA7}"/>
+                <a16:creationId xmlns:a16="http://schemas.microsoft.com/office/drawing/2014/main" id="{3CE2D11A-801F-CE1E-A418-D35676D404C3}"/>
               </a:ext>
             </a:extLst>
           </p:cNvPr>
@@ -13389,173 +13460,75 @@
               <a:buNone/>
             </a:pPr>
             <a:r>
+              <a:rPr lang="de-DE" b="1" dirty="0"/>
+              <a:t>Self-</a:t>
+            </a:r>
+            <a:r>
               <a:rPr lang="de-DE" b="1" dirty="0" err="1"/>
-              <a:t>GitLab</a:t>
+              <a:t>managed</a:t>
             </a:r>
             <a:r>
               <a:rPr lang="de-DE" b="1" dirty="0"/>
-              <a:t> Runner Versionen…</a:t>
-            </a:r>
-          </a:p>
-          <a:p>
-            <a:pPr marL="0" indent="0">
-              <a:buNone/>
-            </a:pPr>
-            <a:r>
-              <a:rPr lang="de-DE" b="1" dirty="0">
-                <a:hlinkClick r:id="rId2"/>
-              </a:rPr>
-              <a:t>https://docs.gitlab.com/runner/</a:t>
-            </a:r>
-            <a:endParaRPr lang="de-DE" b="1" dirty="0"/>
-          </a:p>
-          <a:p>
-            <a:pPr algn="l">
-              <a:buFont typeface="Arial" panose="020B0604020202020204" pitchFamily="34" charset="0"/>
-              <a:buChar char="•"/>
-            </a:pPr>
-            <a:r>
-              <a:rPr lang="en-US" sz="1800" b="0" i="0" dirty="0">
-                <a:solidFill>
-                  <a:srgbClr val="404040"/>
-                </a:solidFill>
-                <a:effectLst/>
-                <a:latin typeface="gitlab sans"/>
-              </a:rPr>
-              <a:t>For compatibility reasons, the GitLab Runner </a:t>
-            </a:r>
-            <a:r>
-              <a:rPr lang="en-US" sz="1800" b="0" i="0" u="none" strike="noStrike" dirty="0" err="1">
-                <a:solidFill>
-                  <a:srgbClr val="5943B6"/>
-                </a:solidFill>
-                <a:effectLst/>
-                <a:latin typeface="gitlab sans"/>
-                <a:hlinkClick r:id="rId3"/>
-              </a:rPr>
-              <a:t>major.minor</a:t>
-            </a:r>
-            <a:r>
-              <a:rPr lang="en-US" sz="1800" b="0" i="0" dirty="0">
-                <a:solidFill>
-                  <a:srgbClr val="404040"/>
-                </a:solidFill>
-                <a:effectLst/>
-                <a:latin typeface="gitlab sans"/>
-              </a:rPr>
-              <a:t> version should stay in sync with the GitLab major and minor version. Older runners may still work with newer GitLab versions, and vice versa. However, features may not be available or work properly if a version difference exists.</a:t>
-            </a:r>
-          </a:p>
-          <a:p>
-            <a:pPr algn="l">
-              <a:buFont typeface="Arial" panose="020B0604020202020204" pitchFamily="34" charset="0"/>
-              <a:buChar char="•"/>
-            </a:pPr>
-            <a:r>
-              <a:rPr lang="en-US" sz="1800" b="0" i="0" dirty="0">
-                <a:solidFill>
-                  <a:srgbClr val="404040"/>
-                </a:solidFill>
-                <a:effectLst/>
-                <a:latin typeface="gitlab sans"/>
-              </a:rPr>
-              <a:t>Backward compatibility is guaranteed between minor version updates. However, sometimes minor version updates of GitLab can introduce new features that require GitLab Runner to be on the same minor version.</a:t>
-            </a:r>
-          </a:p>
-          <a:p>
-            <a:pPr algn="l">
-              <a:buFont typeface="Arial" panose="020B0604020202020204" pitchFamily="34" charset="0"/>
-              <a:buChar char="•"/>
-            </a:pPr>
-            <a:r>
-              <a:rPr lang="en-US" sz="1800" b="0" i="0" dirty="0">
-                <a:solidFill>
-                  <a:srgbClr val="000000"/>
-                </a:solidFill>
-                <a:effectLst/>
-                <a:latin typeface="gitlab sans"/>
-              </a:rPr>
-              <a:t>GitLab Runner 15.0 </a:t>
-            </a:r>
-            <a:r>
-              <a:rPr lang="en-US" sz="1800" b="0" i="0" u="none" strike="noStrike" dirty="0">
-                <a:solidFill>
-                  <a:srgbClr val="5943B6"/>
-                </a:solidFill>
-                <a:effectLst/>
-                <a:latin typeface="gitlab sans"/>
-                <a:hlinkClick r:id="rId4"/>
-              </a:rPr>
-              <a:t>introduced</a:t>
-            </a:r>
-            <a:r>
-              <a:rPr lang="en-US" sz="1800" b="0" i="0" dirty="0">
-                <a:solidFill>
-                  <a:srgbClr val="000000"/>
-                </a:solidFill>
-                <a:effectLst/>
-                <a:latin typeface="gitlab sans"/>
-              </a:rPr>
-              <a:t> a change to the registration API request format. It prevents the GitLab Runner from communicating with GitLab versions lower than 14.8. You must use a Runner version that is appropriate for the GitLab version, or upgrade the GitLab application.</a:t>
-            </a:r>
-          </a:p>
-          <a:p>
-            <a:pPr algn="l">
-              <a:buFont typeface="Arial" panose="020B0604020202020204" pitchFamily="34" charset="0"/>
-              <a:buChar char="•"/>
-            </a:pPr>
-            <a:r>
-              <a:rPr lang="en-US" sz="1800" b="0" i="0" dirty="0">
-                <a:solidFill>
-                  <a:srgbClr val="404040"/>
-                </a:solidFill>
-                <a:effectLst/>
-                <a:latin typeface="gitlab sans"/>
-              </a:rPr>
-              <a:t>If you host your own runners but host your repositories on GitLab.com, keep GitLab Runner </a:t>
-            </a:r>
-            <a:r>
-              <a:rPr lang="en-US" sz="1800" b="0" i="0" u="none" strike="noStrike" dirty="0">
-                <a:solidFill>
-                  <a:srgbClr val="5943B6"/>
-                </a:solidFill>
-                <a:effectLst/>
-                <a:latin typeface="gitlab sans"/>
-                <a:hlinkClick r:id="rId5"/>
-              </a:rPr>
-              <a:t>updated</a:t>
-            </a:r>
-            <a:r>
-              <a:rPr lang="en-US" sz="1800" b="0" i="0" dirty="0">
-                <a:solidFill>
-                  <a:srgbClr val="404040"/>
-                </a:solidFill>
-                <a:effectLst/>
-                <a:latin typeface="gitlab sans"/>
-              </a:rPr>
-              <a:t> to the latest version, as GitLab.com is </a:t>
-            </a:r>
-            <a:r>
-              <a:rPr lang="en-US" sz="1800" b="0" i="0" u="none" strike="noStrike" dirty="0">
-                <a:solidFill>
-                  <a:srgbClr val="5943B6"/>
-                </a:solidFill>
-                <a:effectLst/>
-                <a:latin typeface="gitlab sans"/>
-                <a:hlinkClick r:id="rId6"/>
-              </a:rPr>
-              <a:t>updated continuously</a:t>
-            </a:r>
-            <a:r>
-              <a:rPr lang="en-US" sz="1800" b="0" i="0" dirty="0">
-                <a:solidFill>
-                  <a:srgbClr val="404040"/>
-                </a:solidFill>
-                <a:effectLst/>
-                <a:latin typeface="gitlab sans"/>
-              </a:rPr>
-              <a:t>.</a:t>
-            </a:r>
+              <a:t> Runner</a:t>
+            </a:r>
+          </a:p>
+          <a:p>
+            <a:pPr>
+              <a:buFont typeface="Arial" panose="020B0604020202020204" pitchFamily="34" charset="0"/>
+              <a:buChar char="•"/>
+            </a:pPr>
+            <a:r>
+              <a:rPr lang="de-DE" dirty="0"/>
+              <a:t>Eigenen Project Runner benutzen</a:t>
+            </a:r>
+          </a:p>
+          <a:p>
+            <a:pPr>
+              <a:buFont typeface="Arial" panose="020B0604020202020204" pitchFamily="34" charset="0"/>
+              <a:buChar char="•"/>
+            </a:pPr>
+            <a:r>
+              <a:rPr lang="de-DE" dirty="0"/>
+              <a:t>Runner verwalten</a:t>
+            </a:r>
+          </a:p>
+          <a:p>
+            <a:pPr>
+              <a:buFont typeface="Arial" panose="020B0604020202020204" pitchFamily="34" charset="0"/>
+              <a:buChar char="•"/>
+            </a:pPr>
+            <a:r>
+              <a:rPr lang="de-DE" dirty="0"/>
+              <a:t>Runner registrieren</a:t>
+            </a:r>
+          </a:p>
+          <a:p>
+            <a:pPr>
+              <a:buFont typeface="Arial" panose="020B0604020202020204" pitchFamily="34" charset="0"/>
+              <a:buChar char="•"/>
+            </a:pPr>
+            <a:r>
+              <a:rPr lang="de-DE" dirty="0" err="1"/>
+              <a:t>Executors</a:t>
+            </a:r>
+            <a:endParaRPr lang="de-DE" dirty="0"/>
+          </a:p>
+          <a:p>
+            <a:pPr>
+              <a:buFont typeface="Arial" panose="020B0604020202020204" pitchFamily="34" charset="0"/>
+              <a:buChar char="•"/>
+            </a:pPr>
+            <a:r>
+              <a:rPr lang="de-DE" dirty="0"/>
+              <a:t>Runner konfigurieren</a:t>
+            </a:r>
+          </a:p>
+          <a:p>
+            <a:pPr>
+              <a:buFont typeface="Arial" panose="020B0604020202020204" pitchFamily="34" charset="0"/>
+              <a:buChar char="•"/>
+            </a:pPr>
+            <a:endParaRPr lang="de-DE" dirty="0"/>
           </a:p>
           <a:p>
             <a:pPr marL="0" indent="0">
@@ -13568,7 +13541,7 @@
     </p:spTree>
     <p:extLst>
       <p:ext uri="{BB962C8B-B14F-4D97-AF65-F5344CB8AC3E}">
-        <p14:creationId xmlns:p14="http://schemas.microsoft.com/office/powerpoint/2010/main" val="1650686857"/>
+        <p14:creationId xmlns:p14="http://schemas.microsoft.com/office/powerpoint/2010/main" val="1130319195"/>
       </p:ext>
     </p:extLst>
   </p:cSld>
@@ -13653,7 +13626,7 @@
             </a:pPr>
             <a:r>
               <a:rPr lang="de-DE" b="1" dirty="0"/>
-              <a:t>Live-Demo: Eigenen Project Runner benutzen</a:t>
+              <a:t>Live Demo: Eigenen Project Runner benutzen</a:t>
             </a:r>
           </a:p>
           <a:p>
@@ -14215,15 +14188,7 @@
             </a:r>
             <a:r>
               <a:rPr lang="de-DE" dirty="0"/>
-              <a:t> Runner führen unsere CI/CD </a:t>
-            </a:r>
-            <a:r>
-              <a:rPr lang="de-DE" dirty="0" err="1"/>
-              <a:t>jobs</a:t>
-            </a:r>
-            <a:r>
-              <a:rPr lang="de-DE" dirty="0"/>
-              <a:t> aus</a:t>
+              <a:t> Runner führen unsere CI/CD Jobs aus</a:t>
             </a:r>
           </a:p>
           <a:p>
@@ -14253,7 +14218,7 @@
             </a:pPr>
             <a:r>
               <a:rPr lang="de-DE" dirty="0"/>
-              <a:t>In einem Docker-Container</a:t>
+              <a:t>Docker Container</a:t>
             </a:r>
           </a:p>
           <a:p>
@@ -14267,7 +14232,7 @@
             </a:r>
             <a:r>
               <a:rPr lang="de-DE" dirty="0"/>
-              <a:t>-Cluster</a:t>
+              <a:t> Cluster</a:t>
             </a:r>
           </a:p>
           <a:p>
@@ -14994,7 +14959,7 @@
             </a:pPr>
             <a:r>
               <a:rPr lang="de-DE" dirty="0"/>
-              <a:t>Debian-Benutzer sollten APT-</a:t>
+              <a:t>Debian-Benutzer sollten APT </a:t>
             </a:r>
             <a:r>
               <a:rPr lang="de-DE" dirty="0" err="1"/>
@@ -17261,7 +17226,7 @@
               <a:rPr lang="de-DE" dirty="0">
                 <a:sym typeface="Wingdings" panose="05000000000000000000" pitchFamily="2" charset="2"/>
               </a:rPr>
-              <a:t>Den Runner als Service installieren über die </a:t>
+              <a:t>Runner als Service installieren über die </a:t>
             </a:r>
             <a:r>
               <a:rPr lang="de-DE" dirty="0" err="1">
@@ -17339,7 +17304,7 @@
               <a:rPr lang="de-DE" dirty="0">
                 <a:sym typeface="Wingdings" panose="05000000000000000000" pitchFamily="2" charset="2"/>
               </a:rPr>
-              <a:t>Service läuft nun.</a:t>
+              <a:t>Service läuft nun</a:t>
             </a:r>
             <a:br>
               <a:rPr lang="de-DE" dirty="0">
@@ -18231,7 +18196,7 @@
             </a:pPr>
             <a:r>
               <a:rPr lang="de-DE" dirty="0"/>
-              <a:t>= YAML Datei für die CI/CD Pipeline Anweisungen</a:t>
+              <a:t>= Konfiguration der CI/CD Pipeline</a:t>
             </a:r>
           </a:p>
           <a:p>
@@ -18248,7 +18213,7 @@
             </a:pPr>
             <a:r>
               <a:rPr lang="de-DE" dirty="0"/>
-              <a:t>In diese Datei gehört folgendes:</a:t>
+              <a:t>Inhalt:</a:t>
             </a:r>
           </a:p>
           <a:p>
@@ -18258,23 +18223,7 @@
             </a:pPr>
             <a:r>
               <a:rPr lang="de-DE" dirty="0"/>
-              <a:t>Die Struktur und Reihenfolge der </a:t>
-            </a:r>
-            <a:r>
-              <a:rPr lang="de-DE" dirty="0" err="1"/>
-              <a:t>jobs</a:t>
-            </a:r>
-            <a:r>
-              <a:rPr lang="de-DE" dirty="0"/>
-              <a:t>, welche durch den Runner ausgeführt (</a:t>
-            </a:r>
-            <a:r>
-              <a:rPr lang="de-DE" dirty="0" err="1"/>
-              <a:t>execute</a:t>
-            </a:r>
-            <a:r>
-              <a:rPr lang="de-DE" dirty="0"/>
-              <a:t>) werden</a:t>
+              <a:t>Struktur und Reihenfolge der Jobs, welche durch den Runner ausgeführt werden</a:t>
             </a:r>
           </a:p>
           <a:p>
@@ -18284,7 +18233,7 @@
             </a:pPr>
             <a:r>
               <a:rPr lang="de-DE" dirty="0"/>
-              <a:t>Die Entscheidungen, die der Runner bei bestimmten Bedingungen (</a:t>
+              <a:t>Entscheidungen, welche der Runner bei bestimmten Bedingungen (</a:t>
             </a:r>
             <a:r>
               <a:rPr lang="de-DE" dirty="0" err="1"/>
@@ -18931,27 +18880,7 @@
                 <a:effectLst/>
                 <a:latin typeface="GitLab Mono"/>
               </a:rPr>
-              <a:t>echo "</a:t>
-            </a:r>
-            <a:r>
-              <a:rPr lang="en-US" sz="1400" b="0" i="0" dirty="0" err="1">
-                <a:solidFill>
-                  <a:srgbClr val="BA2121"/>
-                </a:solidFill>
-                <a:effectLst/>
-                <a:latin typeface="GitLab Mono"/>
-              </a:rPr>
-              <a:t>Buildin</a:t>
-            </a:r>
-            <a:r>
-              <a:rPr lang="en-US" sz="1400" b="0" i="0" dirty="0">
-                <a:solidFill>
-                  <a:srgbClr val="BA2121"/>
-                </a:solidFill>
-                <a:effectLst/>
-                <a:latin typeface="GitLab Mono"/>
-              </a:rPr>
-              <a:t> the project"</a:t>
+              <a:t>echo "Building the project"</a:t>
             </a:r>
             <a:r>
               <a:rPr lang="en-US" sz="1400" b="0" i="0" dirty="0">
@@ -19915,7 +19844,7 @@
             </a:pPr>
             <a:r>
               <a:rPr lang="de-DE" dirty="0"/>
-              <a:t>Eignes Projekt auswählen</a:t>
+              <a:t>Eigenes Projekt auswählen</a:t>
             </a:r>
           </a:p>
           <a:p>
@@ -20075,7 +20004,7 @@
               <a:rPr lang="de-DE" dirty="0">
                 <a:sym typeface="Wingdings" panose="05000000000000000000" pitchFamily="2" charset="2"/>
               </a:rPr>
-              <a:t>Die on-screen Anweisungen befolgen für das OS, auf dem der Runner läuft (lokaler Rechner)</a:t>
+              <a:t>On-screen Anweisungen befolgen für das OS, auf dem der Runner läuft (lokaler Rechner)</a:t>
             </a:r>
           </a:p>
           <a:p>
@@ -20925,7 +20854,7 @@
             </a:pPr>
             <a:r>
               <a:rPr lang="de-DE" sz="2000" b="1" dirty="0"/>
-              <a:t>Verschiedene Runner verwalten</a:t>
+              <a:t>Runner verwalten</a:t>
             </a:r>
           </a:p>
           <a:p>
@@ -20955,7 +20884,15 @@
             </a:pPr>
             <a:r>
               <a:rPr lang="de-DE" sz="1800" dirty="0"/>
-              <a:t>Adminrechte benötigt</a:t>
+              <a:t>Adminrechte auf </a:t>
+            </a:r>
+            <a:r>
+              <a:rPr lang="de-DE" sz="1800" dirty="0" err="1"/>
+              <a:t>GitLab</a:t>
+            </a:r>
+            <a:r>
+              <a:rPr lang="de-DE" sz="1800" dirty="0"/>
+              <a:t> benötigt</a:t>
             </a:r>
           </a:p>
           <a:p>
@@ -20989,7 +20926,7 @@
             </a:r>
             <a:r>
               <a:rPr lang="de-DE" sz="1800" dirty="0"/>
-              <a:t>-Rolle benötigt</a:t>
+              <a:t>-Rolle für Gruppe benötigt</a:t>
             </a:r>
           </a:p>
           <a:p>
@@ -21023,56 +20960,8 @@
             </a:r>
             <a:r>
               <a:rPr lang="de-DE" sz="1800" dirty="0"/>
-              <a:t>-Rolle benötigt</a:t>
-            </a:r>
-          </a:p>
-          <a:p>
-            <a:pPr>
-              <a:buFont typeface="Arial" panose="020B0604020202020204" pitchFamily="34" charset="0"/>
-              <a:buChar char="•"/>
-            </a:pPr>
-            <a:r>
-              <a:rPr lang="de-DE" sz="2000" dirty="0"/>
-              <a:t>Hier: Runner mit </a:t>
-            </a:r>
-            <a:r>
-              <a:rPr lang="de-DE" sz="2000" dirty="0" err="1"/>
-              <a:t>authentication</a:t>
-            </a:r>
-            <a:r>
-              <a:rPr lang="de-DE" sz="2000" dirty="0"/>
-              <a:t> </a:t>
-            </a:r>
-            <a:r>
-              <a:rPr lang="de-DE" sz="2000" dirty="0" err="1"/>
-              <a:t>token</a:t>
-            </a:r>
-            <a:r>
-              <a:rPr lang="de-DE" sz="2000" dirty="0"/>
-              <a:t>! (nicht </a:t>
-            </a:r>
-            <a:r>
-              <a:rPr lang="de-DE" sz="2000" dirty="0" err="1"/>
-              <a:t>registration</a:t>
-            </a:r>
-            <a:r>
-              <a:rPr lang="de-DE" sz="2000" dirty="0"/>
-              <a:t> </a:t>
-            </a:r>
-            <a:r>
-              <a:rPr lang="de-DE" sz="2000" dirty="0" err="1"/>
-              <a:t>token</a:t>
-            </a:r>
-            <a:r>
-              <a:rPr lang="de-DE" sz="2000" dirty="0"/>
-              <a:t>)</a:t>
-            </a:r>
-          </a:p>
-          <a:p>
-            <a:pPr marL="0" indent="0">
-              <a:buNone/>
-            </a:pPr>
-            <a:endParaRPr lang="de-DE" sz="2000" b="1" dirty="0"/>
+              <a:t>-Rolle für Projekt benötigt</a:t>
+            </a:r>
           </a:p>
         </p:txBody>
       </p:sp>
@@ -21090,7 +20979,7 @@
 </file>
 
 <file path=ppt/slides/slide37.xml><?xml version="1.0" encoding="utf-8"?>
-<p:sld xmlns:a="http://schemas.openxmlformats.org/drawingml/2006/main" xmlns:r="http://schemas.openxmlformats.org/officeDocument/2006/relationships" xmlns:p="http://schemas.openxmlformats.org/presentationml/2006/main">
+<p:sld xmlns:a="http://schemas.openxmlformats.org/drawingml/2006/main" xmlns:r="http://schemas.openxmlformats.org/officeDocument/2006/relationships" xmlns:p="http://schemas.openxmlformats.org/presentationml/2006/main" show="0">
   <p:cSld>
     <p:spTree>
       <p:nvGrpSpPr>
@@ -21164,7 +21053,7 @@
             </a:pPr>
             <a:r>
               <a:rPr lang="de-DE" b="1" dirty="0"/>
-              <a:t>Live-Demo: Instance Runners</a:t>
+              <a:t>Live Demo: Instance Runners</a:t>
             </a:r>
           </a:p>
           <a:p>
@@ -21174,23 +21063,7 @@
             </a:pPr>
             <a:r>
               <a:rPr lang="de-DE" dirty="0"/>
-              <a:t>Einen Instance Runner mit </a:t>
-            </a:r>
-            <a:r>
-              <a:rPr lang="de-DE" dirty="0" err="1"/>
-              <a:t>authentication</a:t>
-            </a:r>
-            <a:r>
-              <a:rPr lang="de-DE" dirty="0"/>
-              <a:t> </a:t>
-            </a:r>
-            <a:r>
-              <a:rPr lang="de-DE" dirty="0" err="1"/>
-              <a:t>token</a:t>
-            </a:r>
-            <a:r>
-              <a:rPr lang="de-DE" dirty="0"/>
-              <a:t> erstellen</a:t>
+              <a:t>Einen Instance Runner mit Authentication Token erstellen</a:t>
             </a:r>
           </a:p>
           <a:p>
@@ -21220,7 +21093,7 @@
             </a:pPr>
             <a:r>
               <a:rPr lang="de-DE" dirty="0"/>
-              <a:t>Instance Runners für ein Projekt aktivieren/deaktivieren</a:t>
+              <a:t>Instance Runner für ein Projekt aktivieren/deaktivieren</a:t>
             </a:r>
           </a:p>
           <a:p>
@@ -21230,7 +21103,7 @@
             </a:pPr>
             <a:r>
               <a:rPr lang="de-DE" dirty="0"/>
-              <a:t>Instance Runners für eine Gruppe aktivieren/deaktivieren</a:t>
+              <a:t>Instance Runner für eine Gruppe aktivieren/deaktivieren</a:t>
             </a:r>
           </a:p>
           <a:p>
@@ -21306,7 +21179,7 @@
 </file>
 
 <file path=ppt/slides/slide38.xml><?xml version="1.0" encoding="utf-8"?>
-<p:sld xmlns:a="http://schemas.openxmlformats.org/drawingml/2006/main" xmlns:r="http://schemas.openxmlformats.org/officeDocument/2006/relationships" xmlns:p="http://schemas.openxmlformats.org/presentationml/2006/main">
+<p:sld xmlns:a="http://schemas.openxmlformats.org/drawingml/2006/main" xmlns:r="http://schemas.openxmlformats.org/officeDocument/2006/relationships" xmlns:p="http://schemas.openxmlformats.org/presentationml/2006/main" show="0">
   <p:cSld>
     <p:spTree>
       <p:nvGrpSpPr>
@@ -21468,7 +21341,7 @@
 </file>
 
 <file path=ppt/slides/slide39.xml><?xml version="1.0" encoding="utf-8"?>
-<p:sld xmlns:a="http://schemas.openxmlformats.org/drawingml/2006/main" xmlns:r="http://schemas.openxmlformats.org/officeDocument/2006/relationships" xmlns:p="http://schemas.openxmlformats.org/presentationml/2006/main">
+<p:sld xmlns:a="http://schemas.openxmlformats.org/drawingml/2006/main" xmlns:r="http://schemas.openxmlformats.org/officeDocument/2006/relationships" xmlns:p="http://schemas.openxmlformats.org/presentationml/2006/main" show="0">
   <p:cSld>
     <p:spTree>
       <p:nvGrpSpPr>
@@ -21552,23 +21425,7 @@
             </a:pPr>
             <a:r>
               <a:rPr lang="de-DE" u="sng" dirty="0"/>
-              <a:t>Einen Instance Runner mit </a:t>
-            </a:r>
-            <a:r>
-              <a:rPr lang="de-DE" u="sng" dirty="0" err="1"/>
-              <a:t>authentication</a:t>
-            </a:r>
-            <a:r>
-              <a:rPr lang="de-DE" u="sng" dirty="0"/>
-              <a:t> </a:t>
-            </a:r>
-            <a:r>
-              <a:rPr lang="de-DE" u="sng" dirty="0" err="1"/>
-              <a:t>token</a:t>
-            </a:r>
-            <a:r>
-              <a:rPr lang="de-DE" u="sng" dirty="0"/>
-              <a:t> erstellen</a:t>
+              <a:t>Einen Instance Runner mit Authentication Token erstellen</a:t>
             </a:r>
           </a:p>
           <a:p>
@@ -21598,7 +21455,7 @@
             </a:pPr>
             <a:r>
               <a:rPr lang="de-DE" dirty="0"/>
-              <a:t>Instance Runners für ein Projekt aktivieren/deaktivieren</a:t>
+              <a:t>Instance Runner für ein Projekt aktivieren/deaktivieren</a:t>
             </a:r>
           </a:p>
           <a:p>
@@ -21608,7 +21465,7 @@
             </a:pPr>
             <a:r>
               <a:rPr lang="de-DE" dirty="0"/>
-              <a:t>Instance Runners für eine Gruppe aktivieren/deaktivieren</a:t>
+              <a:t>Instance Runner für eine Gruppe aktivieren/deaktivieren</a:t>
             </a:r>
           </a:p>
           <a:p>
@@ -21743,7 +21600,7 @@
           <a:p>
             <a:r>
               <a:rPr lang="de-DE" dirty="0"/>
-              <a:t>Grundlagen von</a:t>
+              <a:t>Grundlagen der</a:t>
             </a:r>
           </a:p>
         </p:txBody>
@@ -21762,7 +21619,7 @@
 </file>
 
 <file path=ppt/slides/slide40.xml><?xml version="1.0" encoding="utf-8"?>
-<p:sld xmlns:a="http://schemas.openxmlformats.org/drawingml/2006/main" xmlns:r="http://schemas.openxmlformats.org/officeDocument/2006/relationships" xmlns:p="http://schemas.openxmlformats.org/presentationml/2006/main">
+<p:sld xmlns:a="http://schemas.openxmlformats.org/drawingml/2006/main" xmlns:r="http://schemas.openxmlformats.org/officeDocument/2006/relationships" xmlns:p="http://schemas.openxmlformats.org/presentationml/2006/main" show="0">
   <p:cSld>
     <p:spTree>
       <p:nvGrpSpPr>
@@ -21840,15 +21697,7 @@
             </a:r>
             <a:r>
               <a:rPr lang="de-DE" b="1" dirty="0" err="1"/>
-              <a:t>authentication</a:t>
-            </a:r>
-            <a:r>
-              <a:rPr lang="de-DE" b="1" dirty="0"/>
-              <a:t> </a:t>
-            </a:r>
-            <a:r>
-              <a:rPr lang="de-DE" b="1" dirty="0" err="1"/>
-              <a:t>token</a:t>
+              <a:t>AuthenticationToken</a:t>
             </a:r>
             <a:r>
               <a:rPr lang="de-DE" b="1" dirty="0"/>
@@ -21930,7 +21779,7 @@
             </a:pPr>
             <a:r>
               <a:rPr lang="de-DE" dirty="0"/>
-              <a:t>Tags auswählen bzw. erstellen, falls keine Tags vorhanden, dann „Run </a:t>
+              <a:t>Tags auswählen bzw. erstellen, falls nicht vorhanden, dann „Run </a:t>
             </a:r>
             <a:r>
               <a:rPr lang="de-DE" dirty="0" err="1"/>
@@ -22059,7 +21908,7 @@
 </file>
 
 <file path=ppt/slides/slide41.xml><?xml version="1.0" encoding="utf-8"?>
-<p:sld xmlns:a="http://schemas.openxmlformats.org/drawingml/2006/main" xmlns:r="http://schemas.openxmlformats.org/officeDocument/2006/relationships" xmlns:p="http://schemas.openxmlformats.org/presentationml/2006/main">
+<p:sld xmlns:a="http://schemas.openxmlformats.org/drawingml/2006/main" xmlns:r="http://schemas.openxmlformats.org/officeDocument/2006/relationships" xmlns:p="http://schemas.openxmlformats.org/presentationml/2006/main" show="0">
   <p:cSld>
     <p:spTree>
       <p:nvGrpSpPr>
@@ -22143,23 +21992,7 @@
             </a:pPr>
             <a:r>
               <a:rPr lang="de-DE" dirty="0"/>
-              <a:t>Einen Instance Runner mit </a:t>
-            </a:r>
-            <a:r>
-              <a:rPr lang="de-DE" dirty="0" err="1"/>
-              <a:t>authentication</a:t>
-            </a:r>
-            <a:r>
-              <a:rPr lang="de-DE" dirty="0"/>
-              <a:t> </a:t>
-            </a:r>
-            <a:r>
-              <a:rPr lang="de-DE" dirty="0" err="1"/>
-              <a:t>token</a:t>
-            </a:r>
-            <a:r>
-              <a:rPr lang="de-DE" dirty="0"/>
-              <a:t> erstellen</a:t>
+              <a:t>Einen Instance Runner mit Authentication Token erstellen</a:t>
             </a:r>
           </a:p>
           <a:p>
@@ -22189,7 +22022,7 @@
             </a:pPr>
             <a:r>
               <a:rPr lang="de-DE" dirty="0"/>
-              <a:t>Instance Runners für ein Projekt aktivieren/deaktivieren</a:t>
+              <a:t>Instance Runner für ein Projekt aktivieren/deaktivieren</a:t>
             </a:r>
           </a:p>
           <a:p>
@@ -22199,7 +22032,7 @@
             </a:pPr>
             <a:r>
               <a:rPr lang="de-DE" dirty="0"/>
-              <a:t>Instance Runners für eine Gruppe aktivieren/deaktivieren</a:t>
+              <a:t>Instance Runner für eine Gruppe aktivieren/deaktivieren</a:t>
             </a:r>
           </a:p>
           <a:p>
@@ -22275,7 +22108,7 @@
 </file>
 
 <file path=ppt/slides/slide42.xml><?xml version="1.0" encoding="utf-8"?>
-<p:sld xmlns:a="http://schemas.openxmlformats.org/drawingml/2006/main" xmlns:r="http://schemas.openxmlformats.org/officeDocument/2006/relationships" xmlns:p="http://schemas.openxmlformats.org/presentationml/2006/main">
+<p:sld xmlns:a="http://schemas.openxmlformats.org/drawingml/2006/main" xmlns:r="http://schemas.openxmlformats.org/officeDocument/2006/relationships" xmlns:p="http://schemas.openxmlformats.org/presentationml/2006/main" show="0">
   <p:cSld>
     <p:spTree>
       <p:nvGrpSpPr>
@@ -22373,15 +22206,7 @@
             </a:pPr>
             <a:r>
               <a:rPr lang="de-DE" dirty="0"/>
-              <a:t>Runner können pausiert werden, damit keine weiteren </a:t>
-            </a:r>
-            <a:r>
-              <a:rPr lang="de-DE" dirty="0" err="1"/>
-              <a:t>jobs</a:t>
-            </a:r>
-            <a:r>
-              <a:rPr lang="de-DE" dirty="0"/>
-              <a:t> angenommen werden</a:t>
+              <a:t>Runner können pausiert werden, damit keine weiteren Jobs angenommen werden</a:t>
             </a:r>
           </a:p>
           <a:p>
@@ -22425,7 +22250,7 @@
               <a:rPr lang="de-DE" dirty="0">
                 <a:sym typeface="Wingdings" panose="05000000000000000000" pitchFamily="2" charset="2"/>
               </a:rPr>
-              <a:t>Den entsprechenden Runner suchen</a:t>
+              <a:t>Entsprechenden Runner suchen</a:t>
             </a:r>
           </a:p>
           <a:p>
@@ -22546,7 +22371,7 @@
 </file>
 
 <file path=ppt/slides/slide43.xml><?xml version="1.0" encoding="utf-8"?>
-<p:sld xmlns:a="http://schemas.openxmlformats.org/drawingml/2006/main" xmlns:r="http://schemas.openxmlformats.org/officeDocument/2006/relationships" xmlns:p="http://schemas.openxmlformats.org/presentationml/2006/main">
+<p:sld xmlns:a="http://schemas.openxmlformats.org/drawingml/2006/main" xmlns:r="http://schemas.openxmlformats.org/officeDocument/2006/relationships" xmlns:p="http://schemas.openxmlformats.org/presentationml/2006/main" show="0">
   <p:cSld>
     <p:spTree>
       <p:nvGrpSpPr>
@@ -22630,23 +22455,7 @@
             </a:pPr>
             <a:r>
               <a:rPr lang="de-DE" dirty="0"/>
-              <a:t>Einen Instance Runner mit </a:t>
-            </a:r>
-            <a:r>
-              <a:rPr lang="de-DE" dirty="0" err="1"/>
-              <a:t>authentication</a:t>
-            </a:r>
-            <a:r>
-              <a:rPr lang="de-DE" dirty="0"/>
-              <a:t> </a:t>
-            </a:r>
-            <a:r>
-              <a:rPr lang="de-DE" dirty="0" err="1"/>
-              <a:t>token</a:t>
-            </a:r>
-            <a:r>
-              <a:rPr lang="de-DE" dirty="0"/>
-              <a:t> erstellen</a:t>
+              <a:t>Einen Instance Runner mit Authentication Token erstellen</a:t>
             </a:r>
           </a:p>
           <a:p>
@@ -22676,7 +22485,7 @@
             </a:pPr>
             <a:r>
               <a:rPr lang="de-DE" dirty="0"/>
-              <a:t>Instance Runners für ein Projekt aktivieren/deaktivieren</a:t>
+              <a:t>Instance Runner für ein Projekt aktivieren/deaktivieren</a:t>
             </a:r>
           </a:p>
           <a:p>
@@ -22686,7 +22495,7 @@
             </a:pPr>
             <a:r>
               <a:rPr lang="de-DE" dirty="0"/>
-              <a:t>Instance Runners für eine Gruppe aktivieren/deaktivieren</a:t>
+              <a:t>Instance Runner für eine Gruppe aktivieren/deaktivieren</a:t>
             </a:r>
           </a:p>
           <a:p>
@@ -22762,7 +22571,7 @@
 </file>
 
 <file path=ppt/slides/slide44.xml><?xml version="1.0" encoding="utf-8"?>
-<p:sld xmlns:a="http://schemas.openxmlformats.org/drawingml/2006/main" xmlns:r="http://schemas.openxmlformats.org/officeDocument/2006/relationships" xmlns:p="http://schemas.openxmlformats.org/presentationml/2006/main">
+<p:sld xmlns:a="http://schemas.openxmlformats.org/drawingml/2006/main" xmlns:r="http://schemas.openxmlformats.org/officeDocument/2006/relationships" xmlns:p="http://schemas.openxmlformats.org/presentationml/2006/main" show="0">
   <p:cSld>
     <p:spTree>
       <p:nvGrpSpPr>
@@ -22836,7 +22645,7 @@
             </a:pPr>
             <a:r>
               <a:rPr lang="de-DE" b="1" dirty="0"/>
-              <a:t>Einen Instance Runner löschen</a:t>
+              <a:t>Instance Runner löschen</a:t>
             </a:r>
           </a:p>
           <a:p>
@@ -22987,7 +22796,7 @@
               <a:rPr lang="de-DE" dirty="0">
                 <a:sym typeface="Wingdings" panose="05000000000000000000" pitchFamily="2" charset="2"/>
               </a:rPr>
-              <a:t>Den entsprechenden Runner suchen</a:t>
+              <a:t>Entsprechenden Runner suchen</a:t>
             </a:r>
           </a:p>
           <a:p>
@@ -23049,7 +22858,7 @@
                 <a:ea typeface="+mn-ea"/>
                 <a:cs typeface="+mn-cs"/>
               </a:rPr>
-              <a:t>Um einen einzelnen Runner zu löschen </a:t>
+              <a:t>Einzelnen Runner löschen </a:t>
             </a:r>
             <a:r>
               <a:rPr kumimoji="0" lang="de-DE" b="0" i="0" u="none" strike="noStrike" kern="0" cap="none" spc="0" normalizeH="0" baseline="0" noProof="0" dirty="0">
@@ -23122,7 +22931,7 @@
                 <a:cs typeface="+mn-cs"/>
                 <a:sym typeface="Wingdings" panose="05000000000000000000" pitchFamily="2" charset="2"/>
               </a:rPr>
-              <a:t>Um mehrere Runner zu löschen  Checkbox selektieren neben dem Runner und „Delete </a:t>
+              <a:t>Mehrere Runner löschen  Checkbox selektieren neben dem Runner und „Delete </a:t>
             </a:r>
             <a:r>
               <a:rPr lang="de-DE" dirty="0" err="1">
@@ -23155,6 +22964,36 @@
               <a:buChar char="•"/>
               <a:defRPr/>
             </a:pPr>
+            <a:r>
+              <a:rPr lang="de-DE" dirty="0">
+                <a:solidFill>
+                  <a:srgbClr val="000000"/>
+                </a:solidFill>
+                <a:latin typeface="Arial"/>
+                <a:ea typeface="+mn-ea"/>
+                <a:cs typeface="+mn-cs"/>
+                <a:sym typeface="Wingdings" panose="05000000000000000000" pitchFamily="2" charset="2"/>
+              </a:rPr>
+              <a:t>A</a:t>
+            </a:r>
+            <a:r>
+              <a:rPr kumimoji="0" lang="de-DE" b="0" i="0" u="none" strike="noStrike" kern="0" cap="none" spc="0" normalizeH="0" baseline="0" noProof="0" dirty="0" err="1">
+                <a:ln>
+                  <a:noFill/>
+                </a:ln>
+                <a:solidFill>
+                  <a:srgbClr val="000000"/>
+                </a:solidFill>
+                <a:effectLst/>
+                <a:uLnTx/>
+                <a:uFillTx/>
+                <a:latin typeface="Arial"/>
+                <a:ea typeface="+mn-ea"/>
+                <a:cs typeface="+mn-cs"/>
+                <a:sym typeface="Wingdings" panose="05000000000000000000" pitchFamily="2" charset="2"/>
+              </a:rPr>
+              <a:t>lle</a:t>
+            </a:r>
             <a:r>
               <a:rPr kumimoji="0" lang="de-DE" b="0" i="0" u="none" strike="noStrike" kern="0" cap="none" spc="0" normalizeH="0" baseline="0" noProof="0" dirty="0">
                 <a:ln>
@@ -23171,7 +23010,7 @@
                 <a:cs typeface="+mn-cs"/>
                 <a:sym typeface="Wingdings" panose="05000000000000000000" pitchFamily="2" charset="2"/>
               </a:rPr>
-              <a:t>Um alle Runner zu löschen  Die Checkbox für alle Runner auswählen und „Delete </a:t>
+              <a:t> Runner zu löschen  Die Checkbox für alle Runner auswählen und „Delete </a:t>
             </a:r>
             <a:r>
               <a:rPr kumimoji="0" lang="de-DE" b="0" i="0" u="none" strike="noStrike" kern="0" cap="none" spc="0" normalizeH="0" baseline="0" noProof="0" dirty="0" err="1">
@@ -23380,7 +23219,7 @@
 </file>
 
 <file path=ppt/slides/slide45.xml><?xml version="1.0" encoding="utf-8"?>
-<p:sld xmlns:a="http://schemas.openxmlformats.org/drawingml/2006/main" xmlns:r="http://schemas.openxmlformats.org/officeDocument/2006/relationships" xmlns:p="http://schemas.openxmlformats.org/presentationml/2006/main">
+<p:sld xmlns:a="http://schemas.openxmlformats.org/drawingml/2006/main" xmlns:r="http://schemas.openxmlformats.org/officeDocument/2006/relationships" xmlns:p="http://schemas.openxmlformats.org/presentationml/2006/main" show="0">
   <p:cSld>
     <p:spTree>
       <p:nvGrpSpPr>
@@ -23510,7 +23349,7 @@
             </a:pPr>
             <a:r>
               <a:rPr lang="de-DE" u="sng" dirty="0"/>
-              <a:t>Instance Runners für ein Projekt aktivieren/deaktivieren</a:t>
+              <a:t>Instance Runner für ein Projekt aktivieren/deaktivieren</a:t>
             </a:r>
           </a:p>
           <a:p>
@@ -23520,7 +23359,7 @@
             </a:pPr>
             <a:r>
               <a:rPr lang="de-DE" dirty="0"/>
-              <a:t>Instance Runners für eine Gruppe aktivieren/deaktivieren</a:t>
+              <a:t>Instance Runner für eine Gruppe aktivieren/deaktivieren</a:t>
             </a:r>
           </a:p>
           <a:p>
@@ -23596,7 +23435,7 @@
 </file>
 
 <file path=ppt/slides/slide46.xml><?xml version="1.0" encoding="utf-8"?>
-<p:sld xmlns:a="http://schemas.openxmlformats.org/drawingml/2006/main" xmlns:r="http://schemas.openxmlformats.org/officeDocument/2006/relationships" xmlns:p="http://schemas.openxmlformats.org/presentationml/2006/main">
+<p:sld xmlns:a="http://schemas.openxmlformats.org/drawingml/2006/main" xmlns:r="http://schemas.openxmlformats.org/officeDocument/2006/relationships" xmlns:p="http://schemas.openxmlformats.org/presentationml/2006/main" show="0">
   <p:cSld>
     <p:spTree>
       <p:nvGrpSpPr>
@@ -23716,7 +23555,7 @@
             </a:pPr>
             <a:r>
               <a:rPr lang="de-DE" sz="1800" dirty="0"/>
-              <a:t>Für bestehende Projekte: Ein Admin muss diese installieren und registrieren</a:t>
+              <a:t>Für bestehende Projekte: Admin muss diese installieren und registrieren</a:t>
             </a:r>
           </a:p>
           <a:p>
@@ -23732,7 +23571,7 @@
             </a:pPr>
             <a:r>
               <a:rPr lang="de-DE" sz="1800" dirty="0"/>
-              <a:t>Um Instance Runners zu (de)aktivieren:</a:t>
+              <a:t>Instance Runner (de)aktivieren:</a:t>
             </a:r>
           </a:p>
           <a:p>
@@ -24071,7 +23910,7 @@
 </file>
 
 <file path=ppt/slides/slide47.xml><?xml version="1.0" encoding="utf-8"?>
-<p:sld xmlns:a="http://schemas.openxmlformats.org/drawingml/2006/main" xmlns:r="http://schemas.openxmlformats.org/officeDocument/2006/relationships" xmlns:p="http://schemas.openxmlformats.org/presentationml/2006/main">
+<p:sld xmlns:a="http://schemas.openxmlformats.org/drawingml/2006/main" xmlns:r="http://schemas.openxmlformats.org/officeDocument/2006/relationships" xmlns:p="http://schemas.openxmlformats.org/presentationml/2006/main" show="0">
   <p:cSld>
     <p:spTree>
       <p:nvGrpSpPr>
@@ -24155,23 +23994,7 @@
             </a:pPr>
             <a:r>
               <a:rPr lang="de-DE" dirty="0"/>
-              <a:t>Einen Instance Runner mit </a:t>
-            </a:r>
-            <a:r>
-              <a:rPr lang="de-DE" dirty="0" err="1"/>
-              <a:t>authentication</a:t>
-            </a:r>
-            <a:r>
-              <a:rPr lang="de-DE" dirty="0"/>
-              <a:t> </a:t>
-            </a:r>
-            <a:r>
-              <a:rPr lang="de-DE" dirty="0" err="1"/>
-              <a:t>token</a:t>
-            </a:r>
-            <a:r>
-              <a:rPr lang="de-DE" dirty="0"/>
-              <a:t> erstellen</a:t>
+              <a:t>Einen Instance Runner mit Authentication Token erstellen</a:t>
             </a:r>
           </a:p>
           <a:p>
@@ -24201,7 +24024,7 @@
             </a:pPr>
             <a:r>
               <a:rPr lang="de-DE" dirty="0"/>
-              <a:t>Instance Runners für ein Projekt aktivieren/deaktivieren</a:t>
+              <a:t>Instance Runner für ein Projekt aktivieren/deaktivieren</a:t>
             </a:r>
           </a:p>
           <a:p>
@@ -24211,7 +24034,7 @@
             </a:pPr>
             <a:r>
               <a:rPr lang="de-DE" u="sng" dirty="0"/>
-              <a:t>Instance Runners für eine Gruppe aktivieren/deaktivieren</a:t>
+              <a:t>Instance Runner für eine Gruppe aktivieren/deaktivieren</a:t>
             </a:r>
           </a:p>
           <a:p>
@@ -24287,7 +24110,7 @@
 </file>
 
 <file path=ppt/slides/slide48.xml><?xml version="1.0" encoding="utf-8"?>
-<p:sld xmlns:a="http://schemas.openxmlformats.org/drawingml/2006/main" xmlns:r="http://schemas.openxmlformats.org/officeDocument/2006/relationships" xmlns:p="http://schemas.openxmlformats.org/presentationml/2006/main">
+<p:sld xmlns:a="http://schemas.openxmlformats.org/drawingml/2006/main" xmlns:r="http://schemas.openxmlformats.org/officeDocument/2006/relationships" xmlns:p="http://schemas.openxmlformats.org/presentationml/2006/main" show="0">
   <p:cSld>
     <p:spTree>
       <p:nvGrpSpPr>
@@ -24613,7 +24436,7 @@
 </file>
 
 <file path=ppt/slides/slide49.xml><?xml version="1.0" encoding="utf-8"?>
-<p:sld xmlns:a="http://schemas.openxmlformats.org/drawingml/2006/main" xmlns:r="http://schemas.openxmlformats.org/officeDocument/2006/relationships" xmlns:p="http://schemas.openxmlformats.org/presentationml/2006/main">
+<p:sld xmlns:a="http://schemas.openxmlformats.org/drawingml/2006/main" xmlns:r="http://schemas.openxmlformats.org/officeDocument/2006/relationships" xmlns:p="http://schemas.openxmlformats.org/presentationml/2006/main" show="0">
   <p:cSld>
     <p:spTree>
       <p:nvGrpSpPr>
@@ -25041,7 +24864,7 @@
             </a:pPr>
             <a:r>
               <a:rPr lang="de-DE" dirty="0"/>
-              <a:t>Projekt: geringste Anzahl Runner </a:t>
+              <a:t>Projekt: geringste Anzahl laufender Runner </a:t>
             </a:r>
             <a:r>
               <a:rPr lang="de-DE" dirty="0">
@@ -25234,15 +25057,7 @@
             </a:pPr>
             <a:r>
               <a:rPr lang="de-DE" dirty="0"/>
-              <a:t>CI/CD </a:t>
-            </a:r>
-            <a:r>
-              <a:rPr lang="de-DE" dirty="0" err="1"/>
-              <a:t>jobs</a:t>
-            </a:r>
-            <a:r>
-              <a:rPr lang="de-DE" dirty="0"/>
-              <a:t> parallel, dann folgende Reihenfolge</a:t>
+              <a:t>Reihenfolge bei paralleler Ausführung der Jobs</a:t>
             </a:r>
           </a:p>
           <a:p>
@@ -26217,15 +26032,7 @@
             </a:pPr>
             <a:r>
               <a:rPr lang="de-DE" dirty="0"/>
-              <a:t>Wenn jeweils nur ein </a:t>
-            </a:r>
-            <a:r>
-              <a:rPr lang="de-DE" dirty="0" err="1"/>
-              <a:t>job</a:t>
-            </a:r>
-            <a:r>
-              <a:rPr lang="de-DE" dirty="0"/>
-              <a:t> läuft:</a:t>
+              <a:t>Reihenfolge bei sequenzieller Ausführung der Jobs</a:t>
             </a:r>
           </a:p>
           <a:p>
@@ -27135,96 +26942,6 @@
           <p:cNvPr id="2" name="Titel 1">
             <a:extLst>
               <a:ext uri="{FF2B5EF4-FFF2-40B4-BE49-F238E27FC236}">
-                <a16:creationId xmlns:a16="http://schemas.microsoft.com/office/drawing/2014/main" id="{F4D006D0-D3B4-AB59-DC12-A3B2AF573C38}"/>
-              </a:ext>
-            </a:extLst>
-          </p:cNvPr>
-          <p:cNvSpPr>
-            <a:spLocks noGrp="1"/>
-          </p:cNvSpPr>
-          <p:nvPr>
-            <p:ph type="title"/>
-          </p:nvPr>
-        </p:nvSpPr>
-        <p:spPr/>
-        <p:txBody>
-          <a:bodyPr/>
-          <a:lstStyle/>
-          <a:p>
-            <a:endParaRPr lang="de-DE" dirty="0"/>
-          </a:p>
-        </p:txBody>
-      </p:sp>
-      <p:pic>
-        <p:nvPicPr>
-          <p:cNvPr id="8" name="Inhaltsplatzhalter 7">
-            <a:extLst>
-              <a:ext uri="{FF2B5EF4-FFF2-40B4-BE49-F238E27FC236}">
-                <a16:creationId xmlns:a16="http://schemas.microsoft.com/office/drawing/2014/main" id="{0A46C9A6-2073-612C-9E48-485B3C3A0200}"/>
-              </a:ext>
-            </a:extLst>
-          </p:cNvPr>
-          <p:cNvPicPr>
-            <a:picLocks noGrp="1" noChangeAspect="1"/>
-          </p:cNvPicPr>
-          <p:nvPr>
-            <p:ph idx="1"/>
-          </p:nvPr>
-        </p:nvPicPr>
-        <p:blipFill>
-          <a:blip r:embed="rId2">
-            <a:extLst>
-              <a:ext uri="{28A0092B-C50C-407E-A947-70E740481C1C}">
-                <a14:useLocalDpi xmlns:a14="http://schemas.microsoft.com/office/drawing/2010/main" val="0"/>
-              </a:ext>
-            </a:extLst>
-          </a:blip>
-          <a:stretch>
-            <a:fillRect/>
-          </a:stretch>
-        </p:blipFill>
-        <p:spPr>
-          <a:xfrm>
-            <a:off x="1721411" y="981075"/>
-            <a:ext cx="5680541" cy="5400675"/>
-          </a:xfrm>
-        </p:spPr>
-      </p:pic>
-    </p:spTree>
-    <p:extLst>
-      <p:ext uri="{BB962C8B-B14F-4D97-AF65-F5344CB8AC3E}">
-        <p14:creationId xmlns:p14="http://schemas.microsoft.com/office/powerpoint/2010/main" val="2147286388"/>
-      </p:ext>
-    </p:extLst>
-  </p:cSld>
-  <p:clrMapOvr>
-    <a:masterClrMapping/>
-  </p:clrMapOvr>
-</p:sld>
-</file>
-
-<file path=ppt/slides/slide54.xml><?xml version="1.0" encoding="utf-8"?>
-<p:sld xmlns:a="http://schemas.openxmlformats.org/drawingml/2006/main" xmlns:r="http://schemas.openxmlformats.org/officeDocument/2006/relationships" xmlns:p="http://schemas.openxmlformats.org/presentationml/2006/main">
-  <p:cSld>
-    <p:spTree>
-      <p:nvGrpSpPr>
-        <p:cNvPr id="1" name=""/>
-        <p:cNvGrpSpPr/>
-        <p:nvPr/>
-      </p:nvGrpSpPr>
-      <p:grpSpPr>
-        <a:xfrm>
-          <a:off x="0" y="0"/>
-          <a:ext cx="0" cy="0"/>
-          <a:chOff x="0" y="0"/>
-          <a:chExt cx="0" cy="0"/>
-        </a:xfrm>
-      </p:grpSpPr>
-      <p:sp>
-        <p:nvSpPr>
-          <p:cNvPr id="2" name="Titel 1">
-            <a:extLst>
-              <a:ext uri="{FF2B5EF4-FFF2-40B4-BE49-F238E27FC236}">
                 <a16:creationId xmlns:a16="http://schemas.microsoft.com/office/drawing/2014/main" id="{1ACA4165-BBCB-FD81-D3E6-C48452022255}"/>
               </a:ext>
             </a:extLst>
@@ -27278,7 +26995,7 @@
             </a:pPr>
             <a:r>
               <a:rPr lang="de-DE" b="1" dirty="0"/>
-              <a:t>Live-Demo: Group Runners</a:t>
+              <a:t>Live Demo: Group Runners</a:t>
             </a:r>
           </a:p>
           <a:p>
@@ -27288,23 +27005,7 @@
             </a:pPr>
             <a:r>
               <a:rPr lang="de-DE" dirty="0"/>
-              <a:t>Einen Group Runner mit </a:t>
-            </a:r>
-            <a:r>
-              <a:rPr lang="de-DE" dirty="0" err="1"/>
-              <a:t>authentication</a:t>
-            </a:r>
-            <a:r>
-              <a:rPr lang="de-DE" dirty="0"/>
-              <a:t> </a:t>
-            </a:r>
-            <a:r>
-              <a:rPr lang="de-DE" dirty="0" err="1"/>
-              <a:t>token</a:t>
-            </a:r>
-            <a:r>
-              <a:rPr lang="de-DE" dirty="0"/>
-              <a:t> erstellen</a:t>
+              <a:t>Einen Group Runner mit Authentication Token erstellen</a:t>
             </a:r>
           </a:p>
           <a:p>
@@ -27344,7 +27045,7 @@
             </a:pPr>
             <a:r>
               <a:rPr lang="de-DE" dirty="0"/>
-              <a:t>Alte/“abgestandene“ Group Runners bereinigen</a:t>
+              <a:t>Alte Group Runners bereinigen</a:t>
             </a:r>
           </a:p>
           <a:p>
@@ -27419,7 +27120,7 @@
 </p:sld>
 </file>
 
-<file path=ppt/slides/slide55.xml><?xml version="1.0" encoding="utf-8"?>
+<file path=ppt/slides/slide54.xml><?xml version="1.0" encoding="utf-8"?>
 <p:sld xmlns:a="http://schemas.openxmlformats.org/drawingml/2006/main" xmlns:r="http://schemas.openxmlformats.org/officeDocument/2006/relationships" xmlns:p="http://schemas.openxmlformats.org/presentationml/2006/main">
   <p:cSld>
     <p:spTree>
@@ -27581,7 +27282,7 @@
 </p:sld>
 </file>
 
-<file path=ppt/slides/slide56.xml><?xml version="1.0" encoding="utf-8"?>
+<file path=ppt/slides/slide55.xml><?xml version="1.0" encoding="utf-8"?>
 <p:sld xmlns:a="http://schemas.openxmlformats.org/drawingml/2006/main" xmlns:r="http://schemas.openxmlformats.org/officeDocument/2006/relationships" xmlns:p="http://schemas.openxmlformats.org/presentationml/2006/main">
   <p:cSld>
     <p:spTree>
@@ -27666,23 +27367,7 @@
             </a:pPr>
             <a:r>
               <a:rPr lang="de-DE" u="sng" dirty="0"/>
-              <a:t>Einen Group Runner mit </a:t>
-            </a:r>
-            <a:r>
-              <a:rPr lang="de-DE" u="sng" dirty="0" err="1"/>
-              <a:t>authentication</a:t>
-            </a:r>
-            <a:r>
-              <a:rPr lang="de-DE" u="sng" dirty="0"/>
-              <a:t> </a:t>
-            </a:r>
-            <a:r>
-              <a:rPr lang="de-DE" u="sng" dirty="0" err="1"/>
-              <a:t>token</a:t>
-            </a:r>
-            <a:r>
-              <a:rPr lang="de-DE" u="sng" dirty="0"/>
-              <a:t> erstellen</a:t>
+              <a:t>Einen Group Runner mit Authentication Token erstellen</a:t>
             </a:r>
           </a:p>
           <a:p>
@@ -27722,7 +27407,7 @@
             </a:pPr>
             <a:r>
               <a:rPr lang="de-DE" dirty="0"/>
-              <a:t>Alte/“abgestandene“ Group Runners bereinigen</a:t>
+              <a:t>Alte Group Runners bereinigen</a:t>
             </a:r>
           </a:p>
           <a:p>
@@ -27797,7 +27482,7 @@
 </p:sld>
 </file>
 
-<file path=ppt/slides/slide57.xml><?xml version="1.0" encoding="utf-8"?>
+<file path=ppt/slides/slide56.xml><?xml version="1.0" encoding="utf-8"?>
 <p:sld xmlns:a="http://schemas.openxmlformats.org/drawingml/2006/main" xmlns:r="http://schemas.openxmlformats.org/officeDocument/2006/relationships" xmlns:p="http://schemas.openxmlformats.org/presentationml/2006/main">
   <p:cSld>
     <p:spTree>
@@ -27872,23 +27557,7 @@
             </a:pPr>
             <a:r>
               <a:rPr lang="de-DE" b="1" dirty="0"/>
-              <a:t>Einen Group Runner mit </a:t>
-            </a:r>
-            <a:r>
-              <a:rPr lang="de-DE" b="1" dirty="0" err="1"/>
-              <a:t>authentication</a:t>
-            </a:r>
-            <a:r>
-              <a:rPr lang="de-DE" b="1" dirty="0"/>
-              <a:t> </a:t>
-            </a:r>
-            <a:r>
-              <a:rPr lang="de-DE" b="1" dirty="0" err="1"/>
-              <a:t>token</a:t>
-            </a:r>
-            <a:r>
-              <a:rPr lang="de-DE" b="1" dirty="0"/>
-              <a:t> erstellen</a:t>
+              <a:t>Einen Group Runner mit Authentication Token erstellen</a:t>
             </a:r>
           </a:p>
           <a:p>
@@ -28197,7 +27866,7 @@
             </a:pPr>
             <a:r>
               <a:rPr lang="de-DE" dirty="0"/>
-              <a:t>Tags auswählen bzw. erstellen, falls keine Tags vorhanden, dann „Run </a:t>
+              <a:t>Tags auswählen bzw. erstellen, falls nicht vorhanden, dann „Run </a:t>
             </a:r>
             <a:r>
               <a:rPr lang="de-DE" dirty="0" err="1"/>
@@ -28414,7 +28083,7 @@
 </p:sld>
 </file>
 
-<file path=ppt/slides/slide58.xml><?xml version="1.0" encoding="utf-8"?>
+<file path=ppt/slides/slide57.xml><?xml version="1.0" encoding="utf-8"?>
 <p:sld xmlns:a="http://schemas.openxmlformats.org/drawingml/2006/main" xmlns:r="http://schemas.openxmlformats.org/officeDocument/2006/relationships" xmlns:p="http://schemas.openxmlformats.org/presentationml/2006/main">
   <p:cSld>
     <p:spTree>
@@ -28499,23 +28168,7 @@
             </a:pPr>
             <a:r>
               <a:rPr lang="de-DE" dirty="0"/>
-              <a:t>Einen Group Runner mit </a:t>
-            </a:r>
-            <a:r>
-              <a:rPr lang="de-DE" dirty="0" err="1"/>
-              <a:t>authentication</a:t>
-            </a:r>
-            <a:r>
-              <a:rPr lang="de-DE" dirty="0"/>
-              <a:t> </a:t>
-            </a:r>
-            <a:r>
-              <a:rPr lang="de-DE" dirty="0" err="1"/>
-              <a:t>token</a:t>
-            </a:r>
-            <a:r>
-              <a:rPr lang="de-DE" dirty="0"/>
-              <a:t> erstellen</a:t>
+              <a:t>Einen Group Runner mit Authentication Token erstellen</a:t>
             </a:r>
           </a:p>
           <a:p>
@@ -28555,7 +28208,7 @@
             </a:pPr>
             <a:r>
               <a:rPr lang="de-DE" dirty="0"/>
-              <a:t>Alte/“abgestandene“ Group Runners bereinigen</a:t>
+              <a:t>Alte Group Runners bereinigen</a:t>
             </a:r>
           </a:p>
           <a:p>
@@ -28630,7 +28283,7 @@
 </p:sld>
 </file>
 
-<file path=ppt/slides/slide59.xml><?xml version="1.0" encoding="utf-8"?>
+<file path=ppt/slides/slide58.xml><?xml version="1.0" encoding="utf-8"?>
 <p:sld xmlns:a="http://schemas.openxmlformats.org/drawingml/2006/main" xmlns:r="http://schemas.openxmlformats.org/officeDocument/2006/relationships" xmlns:p="http://schemas.openxmlformats.org/presentationml/2006/main">
   <p:cSld>
     <p:spTree>
@@ -29031,7 +28684,7 @@
 </p:sld>
 </file>
 
-<file path=ppt/slides/slide6.xml><?xml version="1.0" encoding="utf-8"?>
+<file path=ppt/slides/slide59.xml><?xml version="1.0" encoding="utf-8"?>
 <p:sld xmlns:a="http://schemas.openxmlformats.org/drawingml/2006/main" xmlns:r="http://schemas.openxmlformats.org/officeDocument/2006/relationships" xmlns:p="http://schemas.openxmlformats.org/presentationml/2006/main">
   <p:cSld>
     <p:spTree>
@@ -29053,341 +28706,6 @@
           <p:cNvPr id="2" name="Titel 1">
             <a:extLst>
               <a:ext uri="{FF2B5EF4-FFF2-40B4-BE49-F238E27FC236}">
-                <a16:creationId xmlns:a16="http://schemas.microsoft.com/office/drawing/2014/main" id="{2B9F73D1-0616-0915-95E4-06CBA79315C7}"/>
-              </a:ext>
-            </a:extLst>
-          </p:cNvPr>
-          <p:cNvSpPr>
-            <a:spLocks noGrp="1"/>
-          </p:cNvSpPr>
-          <p:nvPr>
-            <p:ph type="title"/>
-          </p:nvPr>
-        </p:nvSpPr>
-        <p:spPr/>
-        <p:txBody>
-          <a:bodyPr/>
-          <a:lstStyle/>
-          <a:p>
-            <a:r>
-              <a:rPr lang="de-DE" dirty="0" err="1"/>
-              <a:t>GitLab</a:t>
-            </a:r>
-            <a:r>
-              <a:rPr lang="de-DE" dirty="0"/>
-              <a:t> Runner</a:t>
-            </a:r>
-          </a:p>
-        </p:txBody>
-      </p:sp>
-      <p:sp>
-        <p:nvSpPr>
-          <p:cNvPr id="3" name="Inhaltsplatzhalter 2">
-            <a:extLst>
-              <a:ext uri="{FF2B5EF4-FFF2-40B4-BE49-F238E27FC236}">
-                <a16:creationId xmlns:a16="http://schemas.microsoft.com/office/drawing/2014/main" id="{3CE2D11A-801F-CE1E-A418-D35676D404C3}"/>
-              </a:ext>
-            </a:extLst>
-          </p:cNvPr>
-          <p:cNvSpPr>
-            <a:spLocks noGrp="1"/>
-          </p:cNvSpPr>
-          <p:nvPr>
-            <p:ph idx="1"/>
-          </p:nvPr>
-        </p:nvSpPr>
-        <p:spPr/>
-        <p:txBody>
-          <a:bodyPr/>
-          <a:lstStyle/>
-          <a:p>
-            <a:pPr marL="0" indent="0">
-              <a:buNone/>
-            </a:pPr>
-            <a:r>
-              <a:rPr lang="de-DE" b="1" dirty="0"/>
-              <a:t>Basics</a:t>
-            </a:r>
-          </a:p>
-          <a:p>
-            <a:pPr>
-              <a:buFont typeface="Arial" panose="020B0604020202020204" pitchFamily="34" charset="0"/>
-              <a:buChar char="•"/>
-            </a:pPr>
-            <a:r>
-              <a:rPr lang="de-DE" dirty="0"/>
-              <a:t>Arbeiten Aufträge (engl. </a:t>
-            </a:r>
-            <a:r>
-              <a:rPr lang="de-DE" dirty="0" err="1"/>
-              <a:t>jobs</a:t>
-            </a:r>
-            <a:r>
-              <a:rPr lang="de-DE" dirty="0"/>
-              <a:t>) in einer Pipeline ab</a:t>
-            </a:r>
-          </a:p>
-          <a:p>
-            <a:pPr>
-              <a:buFont typeface="Arial" panose="020B0604020202020204" pitchFamily="34" charset="0"/>
-              <a:buChar char="•"/>
-            </a:pPr>
-            <a:r>
-              <a:rPr lang="de-DE" dirty="0"/>
-              <a:t>Zwei Varianten</a:t>
-            </a:r>
-          </a:p>
-          <a:p>
-            <a:pPr marL="857250" lvl="1" indent="-457200">
-              <a:buFont typeface="+mj-lt"/>
-              <a:buAutoNum type="arabicPeriod"/>
-            </a:pPr>
-            <a:r>
-              <a:rPr lang="de-DE" dirty="0" err="1"/>
-              <a:t>GitLab-hosted</a:t>
-            </a:r>
-            <a:r>
-              <a:rPr lang="de-DE" dirty="0"/>
-              <a:t> Runners</a:t>
-            </a:r>
-          </a:p>
-          <a:p>
-            <a:pPr marL="857250" lvl="1" indent="-457200">
-              <a:buFont typeface="+mj-lt"/>
-              <a:buAutoNum type="arabicPeriod"/>
-            </a:pPr>
-            <a:r>
-              <a:rPr lang="de-DE" dirty="0"/>
-              <a:t>Self-</a:t>
-            </a:r>
-            <a:r>
-              <a:rPr lang="de-DE" dirty="0" err="1"/>
-              <a:t>managed</a:t>
-            </a:r>
-            <a:r>
-              <a:rPr lang="de-DE" dirty="0"/>
-              <a:t> Runners</a:t>
-            </a:r>
-          </a:p>
-          <a:p>
-            <a:pPr marL="400050" lvl="1" indent="0">
-              <a:buNone/>
-            </a:pPr>
-            <a:endParaRPr lang="de-DE" dirty="0"/>
-          </a:p>
-          <a:p>
-            <a:pPr>
-              <a:buFont typeface="Arial" panose="020B0604020202020204" pitchFamily="34" charset="0"/>
-              <a:buChar char="•"/>
-            </a:pPr>
-            <a:r>
-              <a:rPr lang="de-DE" dirty="0" err="1"/>
-              <a:t>GitLab-hosted</a:t>
-            </a:r>
-            <a:r>
-              <a:rPr lang="de-DE" dirty="0"/>
-              <a:t> Runners</a:t>
-            </a:r>
-          </a:p>
-          <a:p>
-            <a:pPr lvl="1">
-              <a:buFont typeface="Arial" panose="020B0604020202020204" pitchFamily="34" charset="0"/>
-              <a:buChar char="•"/>
-            </a:pPr>
-            <a:r>
-              <a:rPr lang="de-DE" dirty="0"/>
-              <a:t>GitLab.com oder „</a:t>
-            </a:r>
-            <a:r>
-              <a:rPr lang="de-DE" dirty="0" err="1"/>
-              <a:t>GitLab</a:t>
-            </a:r>
-            <a:r>
-              <a:rPr lang="de-DE" dirty="0"/>
-              <a:t> Dedicated“* </a:t>
-            </a:r>
-          </a:p>
-          <a:p>
-            <a:pPr lvl="1">
-              <a:buFont typeface="Arial" panose="020B0604020202020204" pitchFamily="34" charset="0"/>
-              <a:buChar char="•"/>
-            </a:pPr>
-            <a:r>
-              <a:rPr lang="de-DE" dirty="0"/>
-              <a:t>Default: </a:t>
-            </a:r>
-            <a:r>
-              <a:rPr lang="de-DE" dirty="0" err="1"/>
-              <a:t>enabled</a:t>
-            </a:r>
-            <a:endParaRPr lang="de-DE" dirty="0"/>
-          </a:p>
-          <a:p>
-            <a:pPr>
-              <a:buFont typeface="Arial" panose="020B0604020202020204" pitchFamily="34" charset="0"/>
-              <a:buChar char="•"/>
-            </a:pPr>
-            <a:r>
-              <a:rPr lang="de-DE" b="1" dirty="0"/>
-              <a:t>Self-</a:t>
-            </a:r>
-            <a:r>
-              <a:rPr lang="de-DE" b="1" dirty="0" err="1"/>
-              <a:t>managed</a:t>
-            </a:r>
-            <a:r>
-              <a:rPr lang="de-DE" b="1" dirty="0"/>
-              <a:t> Runners</a:t>
-            </a:r>
-          </a:p>
-          <a:p>
-            <a:pPr lvl="1">
-              <a:buFont typeface="Arial" panose="020B0604020202020204" pitchFamily="34" charset="0"/>
-              <a:buChar char="•"/>
-            </a:pPr>
-            <a:r>
-              <a:rPr lang="de-DE" dirty="0" err="1"/>
-              <a:t>GitLab</a:t>
-            </a:r>
-            <a:r>
-              <a:rPr lang="de-DE" dirty="0"/>
-              <a:t> Runner auf Infrastruktur installieren</a:t>
-            </a:r>
-          </a:p>
-          <a:p>
-            <a:pPr lvl="1">
-              <a:buFont typeface="Arial" panose="020B0604020202020204" pitchFamily="34" charset="0"/>
-              <a:buChar char="•"/>
-            </a:pPr>
-            <a:r>
-              <a:rPr lang="de-DE" dirty="0"/>
-              <a:t>Im Anschluss im </a:t>
-            </a:r>
-            <a:r>
-              <a:rPr lang="de-DE" dirty="0" err="1"/>
-              <a:t>GitLab</a:t>
-            </a:r>
-            <a:r>
-              <a:rPr lang="de-DE" dirty="0"/>
-              <a:t> registrieren</a:t>
-            </a:r>
-          </a:p>
-          <a:p>
-            <a:pPr marL="0" indent="0" algn="l">
-              <a:buNone/>
-            </a:pPr>
-            <a:endParaRPr lang="de-DE" sz="1400" dirty="0">
-              <a:latin typeface="+mj-lt"/>
-            </a:endParaRPr>
-          </a:p>
-          <a:p>
-            <a:pPr marL="0" indent="0" algn="l">
-              <a:buNone/>
-            </a:pPr>
-            <a:endParaRPr lang="de-DE" sz="1400" dirty="0">
-              <a:latin typeface="+mj-lt"/>
-            </a:endParaRPr>
-          </a:p>
-          <a:p>
-            <a:pPr marL="0" indent="0" algn="l">
-              <a:buNone/>
-            </a:pPr>
-            <a:r>
-              <a:rPr lang="de-DE" sz="1400" dirty="0">
-                <a:latin typeface="+mj-lt"/>
-              </a:rPr>
-              <a:t>*</a:t>
-            </a:r>
-            <a:r>
-              <a:rPr lang="en-US" sz="1400" b="0" i="0" dirty="0">
-                <a:solidFill>
-                  <a:srgbClr val="171321"/>
-                </a:solidFill>
-                <a:effectLst/>
-                <a:latin typeface="+mj-lt"/>
-              </a:rPr>
-              <a:t>GitLab Enterprise </a:t>
-            </a:r>
-            <a:r>
-              <a:rPr lang="en-US" sz="1400" b="0" i="0" dirty="0" err="1">
-                <a:solidFill>
-                  <a:srgbClr val="171321"/>
-                </a:solidFill>
-                <a:effectLst/>
-                <a:latin typeface="+mj-lt"/>
-              </a:rPr>
-              <a:t>DevSecOps</a:t>
-            </a:r>
-            <a:r>
-              <a:rPr lang="en-US" sz="1400" b="0" i="0" dirty="0">
-                <a:solidFill>
-                  <a:srgbClr val="171321"/>
-                </a:solidFill>
-                <a:effectLst/>
-                <a:latin typeface="+mj-lt"/>
-              </a:rPr>
-              <a:t> Platform as a single-tenant SaaS deployment</a:t>
-            </a:r>
-          </a:p>
-          <a:p>
-            <a:pPr marL="0" indent="0">
-              <a:buNone/>
-            </a:pPr>
-            <a:br>
-              <a:rPr lang="en-US" b="0" i="0" dirty="0">
-                <a:solidFill>
-                  <a:srgbClr val="171321"/>
-                </a:solidFill>
-                <a:effectLst/>
-                <a:latin typeface="Inter"/>
-              </a:rPr>
-            </a:br>
-            <a:endParaRPr lang="de-DE" dirty="0"/>
-          </a:p>
-          <a:p>
-            <a:pPr marL="457200" indent="-457200">
-              <a:buFont typeface="+mj-lt"/>
-              <a:buAutoNum type="arabicPeriod"/>
-            </a:pPr>
-            <a:endParaRPr lang="de-DE" dirty="0"/>
-          </a:p>
-        </p:txBody>
-      </p:sp>
-    </p:spTree>
-    <p:extLst>
-      <p:ext uri="{BB962C8B-B14F-4D97-AF65-F5344CB8AC3E}">
-        <p14:creationId xmlns:p14="http://schemas.microsoft.com/office/powerpoint/2010/main" val="1262124069"/>
-      </p:ext>
-    </p:extLst>
-  </p:cSld>
-  <p:clrMapOvr>
-    <a:masterClrMapping/>
-  </p:clrMapOvr>
-</p:sld>
-</file>
-
-<file path=ppt/slides/slide60.xml><?xml version="1.0" encoding="utf-8"?>
-<p:sld xmlns:a="http://schemas.openxmlformats.org/drawingml/2006/main" xmlns:r="http://schemas.openxmlformats.org/officeDocument/2006/relationships" xmlns:p="http://schemas.openxmlformats.org/presentationml/2006/main">
-  <p:cSld>
-    <p:spTree>
-      <p:nvGrpSpPr>
-        <p:cNvPr id="1" name=""/>
-        <p:cNvGrpSpPr/>
-        <p:nvPr/>
-      </p:nvGrpSpPr>
-      <p:grpSpPr>
-        <a:xfrm>
-          <a:off x="0" y="0"/>
-          <a:ext cx="0" cy="0"/>
-          <a:chOff x="0" y="0"/>
-          <a:chExt cx="0" cy="0"/>
-        </a:xfrm>
-      </p:grpSpPr>
-      <p:sp>
-        <p:nvSpPr>
-          <p:cNvPr id="2" name="Titel 1">
-            <a:extLst>
-              <a:ext uri="{FF2B5EF4-FFF2-40B4-BE49-F238E27FC236}">
                 <a16:creationId xmlns:a16="http://schemas.microsoft.com/office/drawing/2014/main" id="{1ACA4165-BBCB-FD81-D3E6-C48452022255}"/>
               </a:ext>
             </a:extLst>
@@ -29451,23 +28769,7 @@
             </a:pPr>
             <a:r>
               <a:rPr lang="de-DE" dirty="0"/>
-              <a:t>Einen Group Runner mit </a:t>
-            </a:r>
-            <a:r>
-              <a:rPr lang="de-DE" dirty="0" err="1"/>
-              <a:t>authentication</a:t>
-            </a:r>
-            <a:r>
-              <a:rPr lang="de-DE" dirty="0"/>
-              <a:t> </a:t>
-            </a:r>
-            <a:r>
-              <a:rPr lang="de-DE" dirty="0" err="1"/>
-              <a:t>token</a:t>
-            </a:r>
-            <a:r>
-              <a:rPr lang="de-DE" dirty="0"/>
-              <a:t> erstellen</a:t>
+              <a:t>Einen Group Runner mit Authentication Token erstellen</a:t>
             </a:r>
           </a:p>
           <a:p>
@@ -29507,7 +28809,7 @@
             </a:pPr>
             <a:r>
               <a:rPr lang="de-DE" dirty="0"/>
-              <a:t>Alte/“abgestandene“ Group Runners bereinigen</a:t>
+              <a:t>Alte Group Runners bereinigen</a:t>
             </a:r>
           </a:p>
           <a:p>
@@ -29582,7 +28884,341 @@
 </p:sld>
 </file>
 
-<file path=ppt/slides/slide61.xml><?xml version="1.0" encoding="utf-8"?>
+<file path=ppt/slides/slide6.xml><?xml version="1.0" encoding="utf-8"?>
+<p:sld xmlns:a="http://schemas.openxmlformats.org/drawingml/2006/main" xmlns:r="http://schemas.openxmlformats.org/officeDocument/2006/relationships" xmlns:p="http://schemas.openxmlformats.org/presentationml/2006/main">
+  <p:cSld>
+    <p:spTree>
+      <p:nvGrpSpPr>
+        <p:cNvPr id="1" name=""/>
+        <p:cNvGrpSpPr/>
+        <p:nvPr/>
+      </p:nvGrpSpPr>
+      <p:grpSpPr>
+        <a:xfrm>
+          <a:off x="0" y="0"/>
+          <a:ext cx="0" cy="0"/>
+          <a:chOff x="0" y="0"/>
+          <a:chExt cx="0" cy="0"/>
+        </a:xfrm>
+      </p:grpSpPr>
+      <p:sp>
+        <p:nvSpPr>
+          <p:cNvPr id="2" name="Titel 1">
+            <a:extLst>
+              <a:ext uri="{FF2B5EF4-FFF2-40B4-BE49-F238E27FC236}">
+                <a16:creationId xmlns:a16="http://schemas.microsoft.com/office/drawing/2014/main" id="{2B9F73D1-0616-0915-95E4-06CBA79315C7}"/>
+              </a:ext>
+            </a:extLst>
+          </p:cNvPr>
+          <p:cNvSpPr>
+            <a:spLocks noGrp="1"/>
+          </p:cNvSpPr>
+          <p:nvPr>
+            <p:ph type="title"/>
+          </p:nvPr>
+        </p:nvSpPr>
+        <p:spPr/>
+        <p:txBody>
+          <a:bodyPr/>
+          <a:lstStyle/>
+          <a:p>
+            <a:r>
+              <a:rPr lang="de-DE" dirty="0" err="1"/>
+              <a:t>GitLab</a:t>
+            </a:r>
+            <a:r>
+              <a:rPr lang="de-DE" dirty="0"/>
+              <a:t> Runner</a:t>
+            </a:r>
+          </a:p>
+        </p:txBody>
+      </p:sp>
+      <p:sp>
+        <p:nvSpPr>
+          <p:cNvPr id="3" name="Inhaltsplatzhalter 2">
+            <a:extLst>
+              <a:ext uri="{FF2B5EF4-FFF2-40B4-BE49-F238E27FC236}">
+                <a16:creationId xmlns:a16="http://schemas.microsoft.com/office/drawing/2014/main" id="{3CE2D11A-801F-CE1E-A418-D35676D404C3}"/>
+              </a:ext>
+            </a:extLst>
+          </p:cNvPr>
+          <p:cNvSpPr>
+            <a:spLocks noGrp="1"/>
+          </p:cNvSpPr>
+          <p:nvPr>
+            <p:ph idx="1"/>
+          </p:nvPr>
+        </p:nvSpPr>
+        <p:spPr/>
+        <p:txBody>
+          <a:bodyPr/>
+          <a:lstStyle/>
+          <a:p>
+            <a:pPr marL="0" indent="0">
+              <a:buNone/>
+            </a:pPr>
+            <a:r>
+              <a:rPr lang="de-DE" b="1" dirty="0"/>
+              <a:t>Basics</a:t>
+            </a:r>
+          </a:p>
+          <a:p>
+            <a:pPr>
+              <a:buFont typeface="Arial" panose="020B0604020202020204" pitchFamily="34" charset="0"/>
+              <a:buChar char="•"/>
+            </a:pPr>
+            <a:r>
+              <a:rPr lang="de-DE" dirty="0"/>
+              <a:t>Arbeiten Aufträge (Jobs) in einer Pipeline ab</a:t>
+            </a:r>
+          </a:p>
+          <a:p>
+            <a:pPr>
+              <a:buFont typeface="Arial" panose="020B0604020202020204" pitchFamily="34" charset="0"/>
+              <a:buChar char="•"/>
+            </a:pPr>
+            <a:r>
+              <a:rPr lang="de-DE" dirty="0"/>
+              <a:t>Varianten</a:t>
+            </a:r>
+          </a:p>
+          <a:p>
+            <a:pPr marL="857250" lvl="1" indent="-457200">
+              <a:buFont typeface="+mj-lt"/>
+              <a:buAutoNum type="arabicPeriod"/>
+            </a:pPr>
+            <a:r>
+              <a:rPr lang="de-DE" dirty="0" err="1"/>
+              <a:t>GitLab-hosted</a:t>
+            </a:r>
+            <a:r>
+              <a:rPr lang="de-DE" dirty="0"/>
+              <a:t> Runners</a:t>
+            </a:r>
+          </a:p>
+          <a:p>
+            <a:pPr marL="857250" lvl="1" indent="-457200">
+              <a:buFont typeface="+mj-lt"/>
+              <a:buAutoNum type="arabicPeriod"/>
+            </a:pPr>
+            <a:r>
+              <a:rPr lang="de-DE" dirty="0"/>
+              <a:t>Self-</a:t>
+            </a:r>
+            <a:r>
+              <a:rPr lang="de-DE" dirty="0" err="1"/>
+              <a:t>managed</a:t>
+            </a:r>
+            <a:r>
+              <a:rPr lang="de-DE" dirty="0"/>
+              <a:t> Runners</a:t>
+            </a:r>
+          </a:p>
+          <a:p>
+            <a:pPr marL="400050" lvl="1" indent="0">
+              <a:buNone/>
+            </a:pPr>
+            <a:endParaRPr lang="de-DE" dirty="0"/>
+          </a:p>
+          <a:p>
+            <a:pPr>
+              <a:buFont typeface="Arial" panose="020B0604020202020204" pitchFamily="34" charset="0"/>
+              <a:buChar char="•"/>
+            </a:pPr>
+            <a:r>
+              <a:rPr lang="de-DE" dirty="0" err="1"/>
+              <a:t>GitLab-hosted</a:t>
+            </a:r>
+            <a:r>
+              <a:rPr lang="de-DE" dirty="0"/>
+              <a:t> Runners</a:t>
+            </a:r>
+          </a:p>
+          <a:p>
+            <a:pPr lvl="1">
+              <a:buFont typeface="Arial" panose="020B0604020202020204" pitchFamily="34" charset="0"/>
+              <a:buChar char="•"/>
+            </a:pPr>
+            <a:r>
+              <a:rPr lang="de-DE" dirty="0"/>
+              <a:t>GitLab.com oder „</a:t>
+            </a:r>
+            <a:r>
+              <a:rPr lang="de-DE" dirty="0" err="1"/>
+              <a:t>GitLab</a:t>
+            </a:r>
+            <a:r>
+              <a:rPr lang="de-DE" dirty="0"/>
+              <a:t> Dedicated“* </a:t>
+            </a:r>
+          </a:p>
+          <a:p>
+            <a:pPr lvl="1">
+              <a:buFont typeface="Arial" panose="020B0604020202020204" pitchFamily="34" charset="0"/>
+              <a:buChar char="•"/>
+            </a:pPr>
+            <a:r>
+              <a:rPr lang="de-DE" dirty="0"/>
+              <a:t>Default: </a:t>
+            </a:r>
+            <a:r>
+              <a:rPr lang="de-DE" dirty="0" err="1"/>
+              <a:t>enabled</a:t>
+            </a:r>
+            <a:endParaRPr lang="de-DE" dirty="0"/>
+          </a:p>
+          <a:p>
+            <a:pPr lvl="1">
+              <a:buFont typeface="Arial" panose="020B0604020202020204" pitchFamily="34" charset="0"/>
+              <a:buChar char="•"/>
+            </a:pPr>
+            <a:endParaRPr lang="de-DE" dirty="0"/>
+          </a:p>
+          <a:p>
+            <a:pPr>
+              <a:buFont typeface="Arial" panose="020B0604020202020204" pitchFamily="34" charset="0"/>
+              <a:buChar char="•"/>
+            </a:pPr>
+            <a:r>
+              <a:rPr lang="de-DE" b="1" dirty="0"/>
+              <a:t>Self-</a:t>
+            </a:r>
+            <a:r>
+              <a:rPr lang="de-DE" b="1" dirty="0" err="1"/>
+              <a:t>managed</a:t>
+            </a:r>
+            <a:r>
+              <a:rPr lang="de-DE" b="1" dirty="0"/>
+              <a:t> Runners</a:t>
+            </a:r>
+          </a:p>
+          <a:p>
+            <a:pPr lvl="1">
+              <a:buFont typeface="Arial" panose="020B0604020202020204" pitchFamily="34" charset="0"/>
+              <a:buChar char="•"/>
+            </a:pPr>
+            <a:r>
+              <a:rPr lang="de-DE" dirty="0" err="1"/>
+              <a:t>GitLab</a:t>
+            </a:r>
+            <a:r>
+              <a:rPr lang="de-DE" dirty="0"/>
+              <a:t> Runner auf Infrastruktur installieren</a:t>
+            </a:r>
+          </a:p>
+          <a:p>
+            <a:pPr lvl="1">
+              <a:buFont typeface="Arial" panose="020B0604020202020204" pitchFamily="34" charset="0"/>
+              <a:buChar char="•"/>
+            </a:pPr>
+            <a:r>
+              <a:rPr lang="de-DE" dirty="0"/>
+              <a:t>Im Anschluss in </a:t>
+            </a:r>
+            <a:r>
+              <a:rPr lang="de-DE" dirty="0" err="1"/>
+              <a:t>GitLab</a:t>
+            </a:r>
+            <a:r>
+              <a:rPr lang="de-DE" dirty="0"/>
+              <a:t> registrieren</a:t>
+            </a:r>
+          </a:p>
+          <a:p>
+            <a:pPr marL="0" indent="0" algn="l">
+              <a:buNone/>
+            </a:pPr>
+            <a:endParaRPr lang="de-DE" sz="1400" dirty="0">
+              <a:latin typeface="+mj-lt"/>
+            </a:endParaRPr>
+          </a:p>
+          <a:p>
+            <a:pPr marL="0" indent="0" algn="l">
+              <a:buNone/>
+            </a:pPr>
+            <a:endParaRPr lang="de-DE" sz="1400" dirty="0">
+              <a:latin typeface="+mj-lt"/>
+            </a:endParaRPr>
+          </a:p>
+          <a:p>
+            <a:pPr marL="0" indent="0" algn="l">
+              <a:buNone/>
+            </a:pPr>
+            <a:r>
+              <a:rPr lang="de-DE" sz="1400" dirty="0">
+                <a:latin typeface="+mj-lt"/>
+              </a:rPr>
+              <a:t>*</a:t>
+            </a:r>
+            <a:r>
+              <a:rPr lang="en-US" sz="1400" b="0" i="0" dirty="0">
+                <a:solidFill>
+                  <a:srgbClr val="171321"/>
+                </a:solidFill>
+                <a:effectLst/>
+                <a:latin typeface="+mj-lt"/>
+              </a:rPr>
+              <a:t>GitLab Enterprise </a:t>
+            </a:r>
+            <a:r>
+              <a:rPr lang="en-US" sz="1400" b="0" i="0" dirty="0" err="1">
+                <a:solidFill>
+                  <a:srgbClr val="171321"/>
+                </a:solidFill>
+                <a:effectLst/>
+                <a:latin typeface="+mj-lt"/>
+              </a:rPr>
+              <a:t>DevSecOps</a:t>
+            </a:r>
+            <a:r>
+              <a:rPr lang="en-US" sz="1400" b="0" i="0" dirty="0">
+                <a:solidFill>
+                  <a:srgbClr val="171321"/>
+                </a:solidFill>
+                <a:effectLst/>
+                <a:latin typeface="+mj-lt"/>
+              </a:rPr>
+              <a:t> Platform as a single-tenant SaaS deployment</a:t>
+            </a:r>
+          </a:p>
+          <a:p>
+            <a:pPr marL="0" indent="0">
+              <a:buNone/>
+            </a:pPr>
+            <a:br>
+              <a:rPr lang="en-US" b="0" i="0" dirty="0">
+                <a:solidFill>
+                  <a:srgbClr val="171321"/>
+                </a:solidFill>
+                <a:effectLst/>
+                <a:latin typeface="Inter"/>
+              </a:rPr>
+            </a:br>
+            <a:endParaRPr lang="de-DE" dirty="0"/>
+          </a:p>
+          <a:p>
+            <a:pPr marL="457200" indent="-457200">
+              <a:buFont typeface="+mj-lt"/>
+              <a:buAutoNum type="arabicPeriod"/>
+            </a:pPr>
+            <a:endParaRPr lang="de-DE" dirty="0"/>
+          </a:p>
+        </p:txBody>
+      </p:sp>
+    </p:spTree>
+    <p:extLst>
+      <p:ext uri="{BB962C8B-B14F-4D97-AF65-F5344CB8AC3E}">
+        <p14:creationId xmlns:p14="http://schemas.microsoft.com/office/powerpoint/2010/main" val="1262124069"/>
+      </p:ext>
+    </p:extLst>
+  </p:cSld>
+  <p:clrMapOvr>
+    <a:masterClrMapping/>
+  </p:clrMapOvr>
+</p:sld>
+</file>
+
+<file path=ppt/slides/slide60.xml><?xml version="1.0" encoding="utf-8"?>
 <p:sld xmlns:a="http://schemas.openxmlformats.org/drawingml/2006/main" xmlns:r="http://schemas.openxmlformats.org/officeDocument/2006/relationships" xmlns:p="http://schemas.openxmlformats.org/presentationml/2006/main">
   <p:cSld>
     <p:spTree>
@@ -29750,13 +29386,13 @@
             </a:pPr>
             <a:r>
               <a:rPr lang="de-DE" dirty="0"/>
-              <a:t>Bei Benutzung durch mehreren Projekten </a:t>
+              <a:t>Bei Benutzung durch mehrere Projekte </a:t>
             </a:r>
             <a:r>
               <a:rPr lang="de-DE" dirty="0">
                 <a:sym typeface="Wingdings" panose="05000000000000000000" pitchFamily="2" charset="2"/>
               </a:rPr>
-              <a:t> für alle Projekte pausiert</a:t>
+              <a:t> für alle pausiert</a:t>
             </a:r>
           </a:p>
           <a:p>
@@ -29933,7 +29569,7 @@
 </p:sld>
 </file>
 
-<file path=ppt/slides/slide62.xml><?xml version="1.0" encoding="utf-8"?>
+<file path=ppt/slides/slide61.xml><?xml version="1.0" encoding="utf-8"?>
 <p:sld xmlns:a="http://schemas.openxmlformats.org/drawingml/2006/main" xmlns:r="http://schemas.openxmlformats.org/officeDocument/2006/relationships" xmlns:p="http://schemas.openxmlformats.org/presentationml/2006/main">
   <p:cSld>
     <p:spTree>
@@ -30018,23 +29654,7 @@
             </a:pPr>
             <a:r>
               <a:rPr lang="de-DE" dirty="0"/>
-              <a:t>Einen Group Runner mit </a:t>
-            </a:r>
-            <a:r>
-              <a:rPr lang="de-DE" dirty="0" err="1"/>
-              <a:t>authentication</a:t>
-            </a:r>
-            <a:r>
-              <a:rPr lang="de-DE" dirty="0"/>
-              <a:t> </a:t>
-            </a:r>
-            <a:r>
-              <a:rPr lang="de-DE" dirty="0" err="1"/>
-              <a:t>token</a:t>
-            </a:r>
-            <a:r>
-              <a:rPr lang="de-DE" dirty="0"/>
-              <a:t> erstellen</a:t>
+              <a:t>Einen Group Runner mit Authentication Token erstellen</a:t>
             </a:r>
           </a:p>
           <a:p>
@@ -30074,7 +29694,7 @@
             </a:pPr>
             <a:r>
               <a:rPr lang="de-DE" dirty="0"/>
-              <a:t>Alte/“abgestandene“ Group Runners bereinigen</a:t>
+              <a:t>Alte Group Runners bereinigen</a:t>
             </a:r>
           </a:p>
           <a:p>
@@ -30149,7 +29769,7 @@
 </p:sld>
 </file>
 
-<file path=ppt/slides/slide63.xml><?xml version="1.0" encoding="utf-8"?>
+<file path=ppt/slides/slide62.xml><?xml version="1.0" encoding="utf-8"?>
 <p:sld xmlns:a="http://schemas.openxmlformats.org/drawingml/2006/main" xmlns:r="http://schemas.openxmlformats.org/officeDocument/2006/relationships" xmlns:p="http://schemas.openxmlformats.org/presentationml/2006/main">
   <p:cSld>
     <p:spTree>
@@ -30348,7 +29968,7 @@
                 <a:ea typeface="+mn-ea"/>
                 <a:cs typeface="+mn-cs"/>
               </a:rPr>
-              <a:t>Achtung: Der Runner wird permanent gelöscht!</a:t>
+              <a:t>Achtung: Runner wird permanent gelöscht!</a:t>
             </a:r>
           </a:p>
           <a:p>
@@ -30388,7 +30008,7 @@
               <a:rPr lang="de-DE" dirty="0">
                 <a:sym typeface="Wingdings" panose="05000000000000000000" pitchFamily="2" charset="2"/>
               </a:rPr>
-              <a:t>Den entsprechenden Runner suchen</a:t>
+              <a:t>Entsprechenden Runner suchen</a:t>
             </a:r>
           </a:p>
           <a:p>
@@ -30450,7 +30070,7 @@
                 <a:ea typeface="+mn-ea"/>
                 <a:cs typeface="+mn-cs"/>
               </a:rPr>
-              <a:t>Um einen einzelnen Runner zu löschen </a:t>
+              <a:t>Einzelnen Runner zu löschen </a:t>
             </a:r>
             <a:r>
               <a:rPr kumimoji="0" lang="de-DE" b="0" i="0" u="none" strike="noStrike" kern="0" cap="none" spc="0" normalizeH="0" baseline="0" noProof="0" dirty="0">
@@ -30523,7 +30143,7 @@
                 <a:cs typeface="+mn-cs"/>
                 <a:sym typeface="Wingdings" panose="05000000000000000000" pitchFamily="2" charset="2"/>
               </a:rPr>
-              <a:t>Um mehrere Runner zu löschen  Checkbox selektieren neben dem Runner und „Delete </a:t>
+              <a:t>Mehrere Runner zu löschen  Checkbox selektieren neben dem Runner und „Delete </a:t>
             </a:r>
             <a:r>
               <a:rPr lang="de-DE" dirty="0" err="1">
@@ -30556,6 +30176,36 @@
               <a:buChar char="•"/>
               <a:defRPr/>
             </a:pPr>
+            <a:r>
+              <a:rPr lang="de-DE" dirty="0">
+                <a:solidFill>
+                  <a:srgbClr val="000000"/>
+                </a:solidFill>
+                <a:latin typeface="Arial"/>
+                <a:ea typeface="+mn-ea"/>
+                <a:cs typeface="+mn-cs"/>
+                <a:sym typeface="Wingdings" panose="05000000000000000000" pitchFamily="2" charset="2"/>
+              </a:rPr>
+              <a:t>A</a:t>
+            </a:r>
+            <a:r>
+              <a:rPr kumimoji="0" lang="de-DE" b="0" i="0" u="none" strike="noStrike" kern="0" cap="none" spc="0" normalizeH="0" baseline="0" noProof="0" dirty="0" err="1">
+                <a:ln>
+                  <a:noFill/>
+                </a:ln>
+                <a:solidFill>
+                  <a:srgbClr val="000000"/>
+                </a:solidFill>
+                <a:effectLst/>
+                <a:uLnTx/>
+                <a:uFillTx/>
+                <a:latin typeface="Arial"/>
+                <a:ea typeface="+mn-ea"/>
+                <a:cs typeface="+mn-cs"/>
+                <a:sym typeface="Wingdings" panose="05000000000000000000" pitchFamily="2" charset="2"/>
+              </a:rPr>
+              <a:t>lle</a:t>
+            </a:r>
             <a:r>
               <a:rPr kumimoji="0" lang="de-DE" b="0" i="0" u="none" strike="noStrike" kern="0" cap="none" spc="0" normalizeH="0" baseline="0" noProof="0" dirty="0">
                 <a:ln>
@@ -30572,7 +30222,7 @@
                 <a:cs typeface="+mn-cs"/>
                 <a:sym typeface="Wingdings" panose="05000000000000000000" pitchFamily="2" charset="2"/>
               </a:rPr>
-              <a:t>Um alle Runner zu löschen  Die Checkbox für alle Runner auswählen und „Delete </a:t>
+              <a:t> Runner zu löschen  Die Checkbox für alle Runner auswählen und „Delete </a:t>
             </a:r>
             <a:r>
               <a:rPr kumimoji="0" lang="de-DE" b="0" i="0" u="none" strike="noStrike" kern="0" cap="none" spc="0" normalizeH="0" baseline="0" noProof="0" dirty="0" err="1">
@@ -30773,7 +30423,7 @@
 </p:sld>
 </file>
 
-<file path=ppt/slides/slide64.xml><?xml version="1.0" encoding="utf-8"?>
+<file path=ppt/slides/slide63.xml><?xml version="1.0" encoding="utf-8"?>
 <p:sld xmlns:a="http://schemas.openxmlformats.org/drawingml/2006/main" xmlns:r="http://schemas.openxmlformats.org/officeDocument/2006/relationships" xmlns:p="http://schemas.openxmlformats.org/presentationml/2006/main">
   <p:cSld>
     <p:spTree>
@@ -30858,23 +30508,7 @@
             </a:pPr>
             <a:r>
               <a:rPr lang="de-DE" dirty="0"/>
-              <a:t>Einen Group Runner mit </a:t>
-            </a:r>
-            <a:r>
-              <a:rPr lang="de-DE" dirty="0" err="1"/>
-              <a:t>authentication</a:t>
-            </a:r>
-            <a:r>
-              <a:rPr lang="de-DE" dirty="0"/>
-              <a:t> </a:t>
-            </a:r>
-            <a:r>
-              <a:rPr lang="de-DE" dirty="0" err="1"/>
-              <a:t>token</a:t>
-            </a:r>
-            <a:r>
-              <a:rPr lang="de-DE" dirty="0"/>
-              <a:t> erstellen</a:t>
+              <a:t>Einen Group Runner mit Authentication Token erstellen</a:t>
             </a:r>
           </a:p>
           <a:p>
@@ -30914,7 +30548,7 @@
             </a:pPr>
             <a:r>
               <a:rPr lang="de-DE" u="sng" dirty="0"/>
-              <a:t>Alte/“abgestandene“ Group Runners bereinigen</a:t>
+              <a:t>Alte Group Runners bereinigen</a:t>
             </a:r>
           </a:p>
           <a:p>
@@ -30989,7 +30623,7 @@
 </p:sld>
 </file>
 
-<file path=ppt/slides/slide65.xml><?xml version="1.0" encoding="utf-8"?>
+<file path=ppt/slides/slide64.xml><?xml version="1.0" encoding="utf-8"?>
 <p:sld xmlns:a="http://schemas.openxmlformats.org/drawingml/2006/main" xmlns:r="http://schemas.openxmlformats.org/officeDocument/2006/relationships" xmlns:p="http://schemas.openxmlformats.org/presentationml/2006/main">
   <p:cSld>
     <p:spTree>
@@ -31064,7 +30698,7 @@
             </a:pPr>
             <a:r>
               <a:rPr lang="de-DE" b="1" dirty="0"/>
-              <a:t>Alte/“abgestandene“ Group Runners bereinigen</a:t>
+              <a:t>Alte Group Runners bereinigen</a:t>
             </a:r>
           </a:p>
           <a:p>
@@ -31373,6 +31007,96 @@
 </p:sld>
 </file>
 
+<file path=ppt/slides/slide65.xml><?xml version="1.0" encoding="utf-8"?>
+<p:sld xmlns:a="http://schemas.openxmlformats.org/drawingml/2006/main" xmlns:r="http://schemas.openxmlformats.org/officeDocument/2006/relationships" xmlns:p="http://schemas.openxmlformats.org/presentationml/2006/main">
+  <p:cSld>
+    <p:spTree>
+      <p:nvGrpSpPr>
+        <p:cNvPr id="1" name=""/>
+        <p:cNvGrpSpPr/>
+        <p:nvPr/>
+      </p:nvGrpSpPr>
+      <p:grpSpPr>
+        <a:xfrm>
+          <a:off x="0" y="0"/>
+          <a:ext cx="0" cy="0"/>
+          <a:chOff x="0" y="0"/>
+          <a:chExt cx="0" cy="0"/>
+        </a:xfrm>
+      </p:grpSpPr>
+      <p:sp>
+        <p:nvSpPr>
+          <p:cNvPr id="2" name="Titel 1">
+            <a:extLst>
+              <a:ext uri="{FF2B5EF4-FFF2-40B4-BE49-F238E27FC236}">
+                <a16:creationId xmlns:a16="http://schemas.microsoft.com/office/drawing/2014/main" id="{F4D006D0-D3B4-AB59-DC12-A3B2AF573C38}"/>
+              </a:ext>
+            </a:extLst>
+          </p:cNvPr>
+          <p:cNvSpPr>
+            <a:spLocks noGrp="1"/>
+          </p:cNvSpPr>
+          <p:nvPr>
+            <p:ph type="title"/>
+          </p:nvPr>
+        </p:nvSpPr>
+        <p:spPr/>
+        <p:txBody>
+          <a:bodyPr/>
+          <a:lstStyle/>
+          <a:p>
+            <a:endParaRPr lang="de-DE" dirty="0"/>
+          </a:p>
+        </p:txBody>
+      </p:sp>
+      <p:pic>
+        <p:nvPicPr>
+          <p:cNvPr id="8" name="Inhaltsplatzhalter 7">
+            <a:extLst>
+              <a:ext uri="{FF2B5EF4-FFF2-40B4-BE49-F238E27FC236}">
+                <a16:creationId xmlns:a16="http://schemas.microsoft.com/office/drawing/2014/main" id="{0A46C9A6-2073-612C-9E48-485B3C3A0200}"/>
+              </a:ext>
+            </a:extLst>
+          </p:cNvPr>
+          <p:cNvPicPr>
+            <a:picLocks noGrp="1" noChangeAspect="1"/>
+          </p:cNvPicPr>
+          <p:nvPr>
+            <p:ph idx="1"/>
+          </p:nvPr>
+        </p:nvPicPr>
+        <p:blipFill>
+          <a:blip r:embed="rId2">
+            <a:extLst>
+              <a:ext uri="{28A0092B-C50C-407E-A947-70E740481C1C}">
+                <a14:useLocalDpi xmlns:a14="http://schemas.microsoft.com/office/drawing/2010/main" val="0"/>
+              </a:ext>
+            </a:extLst>
+          </a:blip>
+          <a:stretch>
+            <a:fillRect/>
+          </a:stretch>
+        </p:blipFill>
+        <p:spPr>
+          <a:xfrm>
+            <a:off x="1721411" y="981075"/>
+            <a:ext cx="5680541" cy="5400675"/>
+          </a:xfrm>
+        </p:spPr>
+      </p:pic>
+    </p:spTree>
+    <p:extLst>
+      <p:ext uri="{BB962C8B-B14F-4D97-AF65-F5344CB8AC3E}">
+        <p14:creationId xmlns:p14="http://schemas.microsoft.com/office/powerpoint/2010/main" val="2147286388"/>
+      </p:ext>
+    </p:extLst>
+  </p:cSld>
+  <p:clrMapOvr>
+    <a:masterClrMapping/>
+  </p:clrMapOvr>
+</p:sld>
+</file>
+
 <file path=ppt/slides/slide66.xml><?xml version="1.0" encoding="utf-8"?>
 <p:sld xmlns:a="http://schemas.openxmlformats.org/drawingml/2006/main" xmlns:r="http://schemas.openxmlformats.org/officeDocument/2006/relationships" xmlns:p="http://schemas.openxmlformats.org/presentationml/2006/main">
   <p:cSld>
@@ -31610,7 +31334,7 @@
             </a:pPr>
             <a:r>
               <a:rPr lang="de-DE" b="1" dirty="0"/>
-              <a:t>Live-Demo: Project Runners</a:t>
+              <a:t>Live Demo: Project Runners</a:t>
             </a:r>
           </a:p>
           <a:p>
@@ -31620,31 +31344,8 @@
             </a:pPr>
             <a:r>
               <a:rPr lang="de-DE" dirty="0"/>
-              <a:t>Einen Project Runner mit </a:t>
-            </a:r>
-            <a:r>
-              <a:rPr lang="de-DE" dirty="0" err="1"/>
-              <a:t>authentication</a:t>
-            </a:r>
-            <a:r>
-              <a:rPr lang="de-DE" dirty="0"/>
-              <a:t> </a:t>
-            </a:r>
-            <a:r>
-              <a:rPr lang="de-DE" dirty="0" err="1"/>
-              <a:t>token</a:t>
-            </a:r>
-            <a:r>
-              <a:rPr lang="de-DE" dirty="0"/>
-              <a:t> erstellen (Zur Erinnerung </a:t>
-            </a:r>
-            <a:r>
-              <a:rPr lang="de-DE" dirty="0">
-                <a:sym typeface="Wingdings" panose="05000000000000000000" pitchFamily="2" charset="2"/>
-              </a:rPr>
-              <a:t>)</a:t>
-            </a:r>
-            <a:endParaRPr lang="de-DE" dirty="0"/>
+              <a:t>Einen Project Runner mit Authentication Token erstellen </a:t>
+            </a:r>
           </a:p>
           <a:p>
             <a:pPr>
@@ -31673,7 +31374,7 @@
             </a:pPr>
             <a:r>
               <a:rPr lang="de-DE" dirty="0"/>
-              <a:t>Project Runners für ein anderes Projekt aktivieren</a:t>
+              <a:t>Project Runner für ein anderes Projekt aktivieren</a:t>
             </a:r>
           </a:p>
           <a:p>
@@ -31683,7 +31384,7 @@
             </a:pPr>
             <a:r>
               <a:rPr lang="de-DE" dirty="0"/>
-              <a:t>Project Runners für andere Projekte sperren</a:t>
+              <a:t>Project Runner für andere Projekte sperren</a:t>
             </a:r>
           </a:p>
           <a:p>
@@ -32005,23 +31706,7 @@
             </a:pPr>
             <a:r>
               <a:rPr lang="de-DE" u="sng" dirty="0"/>
-              <a:t>Einen Project Runner mit </a:t>
-            </a:r>
-            <a:r>
-              <a:rPr lang="de-DE" u="sng" dirty="0" err="1"/>
-              <a:t>authentication</a:t>
-            </a:r>
-            <a:r>
-              <a:rPr lang="de-DE" u="sng" dirty="0"/>
-              <a:t> </a:t>
-            </a:r>
-            <a:r>
-              <a:rPr lang="de-DE" u="sng" dirty="0" err="1"/>
-              <a:t>token</a:t>
-            </a:r>
-            <a:r>
-              <a:rPr lang="de-DE" u="sng" dirty="0"/>
-              <a:t> erstellen</a:t>
+              <a:t>Einen Project Runner mit Authentication Token erstellen</a:t>
             </a:r>
           </a:p>
           <a:p>
@@ -32051,7 +31736,7 @@
             </a:pPr>
             <a:r>
               <a:rPr lang="de-DE" dirty="0"/>
-              <a:t>Project Runners für ein anderes Projekt aktivieren</a:t>
+              <a:t>Project Runner für ein anderes Projekt aktivieren</a:t>
             </a:r>
           </a:p>
           <a:p>
@@ -32061,7 +31746,7 @@
             </a:pPr>
             <a:r>
               <a:rPr lang="de-DE" dirty="0"/>
-              <a:t>Project Runners für andere Projekte sperren</a:t>
+              <a:t>Project Runner für andere Projekte sperren</a:t>
             </a:r>
           </a:p>
           <a:p>
@@ -32236,7 +31921,7 @@
             </a:pPr>
             <a:r>
               <a:rPr lang="de-DE" dirty="0"/>
-              <a:t>Enthält Anwendungscode und Pipeline-Konfiguration</a:t>
+              <a:t>Repos enthalten Anwendungscode und Pipeline-Konfiguration</a:t>
             </a:r>
           </a:p>
           <a:p>
@@ -33813,23 +33498,7 @@
             </a:pPr>
             <a:r>
               <a:rPr lang="de-DE" b="1" dirty="0"/>
-              <a:t>Einen Project Runner mit </a:t>
-            </a:r>
-            <a:r>
-              <a:rPr lang="de-DE" b="1" dirty="0" err="1"/>
-              <a:t>authentication</a:t>
-            </a:r>
-            <a:r>
-              <a:rPr lang="de-DE" b="1" dirty="0"/>
-              <a:t> </a:t>
-            </a:r>
-            <a:r>
-              <a:rPr lang="de-DE" b="1" dirty="0" err="1"/>
-              <a:t>token</a:t>
-            </a:r>
-            <a:r>
-              <a:rPr lang="de-DE" b="1" dirty="0"/>
-              <a:t> erstellen</a:t>
+              <a:t>Project Runner mit Authentication Token erstellen</a:t>
             </a:r>
           </a:p>
           <a:p>
@@ -34283,23 +33952,7 @@
             </a:pPr>
             <a:r>
               <a:rPr lang="de-DE" dirty="0"/>
-              <a:t>Einen Project Runner mit </a:t>
-            </a:r>
-            <a:r>
-              <a:rPr lang="de-DE" dirty="0" err="1"/>
-              <a:t>authentication</a:t>
-            </a:r>
-            <a:r>
-              <a:rPr lang="de-DE" dirty="0"/>
-              <a:t> </a:t>
-            </a:r>
-            <a:r>
-              <a:rPr lang="de-DE" dirty="0" err="1"/>
-              <a:t>token</a:t>
-            </a:r>
-            <a:r>
-              <a:rPr lang="de-DE" dirty="0"/>
-              <a:t> erstellen</a:t>
+              <a:t>Project Runner mit Authentication Token erstellen</a:t>
             </a:r>
           </a:p>
           <a:p>
@@ -34319,7 +33972,7 @@
             </a:pPr>
             <a:r>
               <a:rPr lang="de-DE" dirty="0"/>
-              <a:t>Einen Project Runner löschen</a:t>
+              <a:t>Project Runner löschen</a:t>
             </a:r>
           </a:p>
           <a:p>
@@ -34329,7 +33982,7 @@
             </a:pPr>
             <a:r>
               <a:rPr lang="de-DE" dirty="0"/>
-              <a:t>Project Runners für ein anderes Projekt aktivieren</a:t>
+              <a:t>Project Runner für ein anderes Projekt aktivieren</a:t>
             </a:r>
           </a:p>
           <a:p>
@@ -34339,7 +33992,7 @@
             </a:pPr>
             <a:r>
               <a:rPr lang="de-DE" dirty="0"/>
-              <a:t>Project Runners für andere Projekte sperren</a:t>
+              <a:t>Project Runner für andere Projekte sperren</a:t>
             </a:r>
           </a:p>
           <a:p>
@@ -34857,23 +34510,7 @@
             </a:pPr>
             <a:r>
               <a:rPr lang="de-DE" dirty="0"/>
-              <a:t>Einen Project Runner mit </a:t>
-            </a:r>
-            <a:r>
-              <a:rPr lang="de-DE" dirty="0" err="1"/>
-              <a:t>authentication</a:t>
-            </a:r>
-            <a:r>
-              <a:rPr lang="de-DE" dirty="0"/>
-              <a:t> </a:t>
-            </a:r>
-            <a:r>
-              <a:rPr lang="de-DE" dirty="0" err="1"/>
-              <a:t>token</a:t>
-            </a:r>
-            <a:r>
-              <a:rPr lang="de-DE" dirty="0"/>
-              <a:t> erstellen</a:t>
+              <a:t>Project Runner mit Authentication Token erstellen</a:t>
             </a:r>
           </a:p>
           <a:p>
@@ -34893,7 +34530,7 @@
             </a:pPr>
             <a:r>
               <a:rPr lang="de-DE" u="sng" dirty="0"/>
-              <a:t>Einen Project Runner löschen</a:t>
+              <a:t>Project Runner löschen</a:t>
             </a:r>
           </a:p>
           <a:p>
@@ -34903,7 +34540,7 @@
             </a:pPr>
             <a:r>
               <a:rPr lang="de-DE" dirty="0"/>
-              <a:t>Project Runners für ein anderes Projekt aktivieren</a:t>
+              <a:t>Project Runner für ein anderes Projekt aktivieren</a:t>
             </a:r>
           </a:p>
           <a:p>
@@ -34913,7 +34550,7 @@
             </a:pPr>
             <a:r>
               <a:rPr lang="de-DE" dirty="0"/>
-              <a:t>Project Runners für andere Projekte sperren</a:t>
+              <a:t>Project Runner für andere Projekte sperren</a:t>
             </a:r>
           </a:p>
           <a:p>
@@ -35063,7 +34700,7 @@
             </a:pPr>
             <a:r>
               <a:rPr lang="de-DE" b="1" dirty="0"/>
-              <a:t>Einen Project Runner löschen</a:t>
+              <a:t>Project Runner löschen</a:t>
             </a:r>
           </a:p>
           <a:p>
@@ -35187,7 +34824,7 @@
                 <a:ea typeface="+mn-ea"/>
                 <a:cs typeface="+mn-cs"/>
               </a:rPr>
-              <a:t>Achtung: Der Runner wird permanent gelöscht!</a:t>
+              <a:t>Achtung: Runner wird permanent gelöscht!</a:t>
             </a:r>
           </a:p>
           <a:p>
@@ -35483,23 +35120,7 @@
             </a:pPr>
             <a:r>
               <a:rPr lang="de-DE" dirty="0"/>
-              <a:t>Einen Project Runner mit </a:t>
-            </a:r>
-            <a:r>
-              <a:rPr lang="de-DE" dirty="0" err="1"/>
-              <a:t>authentication</a:t>
-            </a:r>
-            <a:r>
-              <a:rPr lang="de-DE" dirty="0"/>
-              <a:t> </a:t>
-            </a:r>
-            <a:r>
-              <a:rPr lang="de-DE" dirty="0" err="1"/>
-              <a:t>token</a:t>
-            </a:r>
-            <a:r>
-              <a:rPr lang="de-DE" dirty="0"/>
-              <a:t> erstellen</a:t>
+              <a:t>Project Runner mit Authentication Token erstellen</a:t>
             </a:r>
           </a:p>
           <a:p>
@@ -35519,7 +35140,7 @@
             </a:pPr>
             <a:r>
               <a:rPr lang="de-DE" dirty="0"/>
-              <a:t>Einen Project Runner löschen</a:t>
+              <a:t>Project Runner löschen</a:t>
             </a:r>
           </a:p>
           <a:p>
@@ -35529,7 +35150,7 @@
             </a:pPr>
             <a:r>
               <a:rPr lang="de-DE" u="sng" dirty="0"/>
-              <a:t>Project Runners für ein anderes Projekt aktivieren</a:t>
+              <a:t>Project Runner für ein anderes Projekt aktivieren</a:t>
             </a:r>
           </a:p>
           <a:p>
@@ -35539,7 +35160,7 @@
             </a:pPr>
             <a:r>
               <a:rPr lang="de-DE" dirty="0"/>
-              <a:t>Project Runners für andere Projekte sperren</a:t>
+              <a:t>Project Runner für andere Projekte sperren</a:t>
             </a:r>
           </a:p>
           <a:p>
@@ -35689,7 +35310,7 @@
             </a:pPr>
             <a:r>
               <a:rPr lang="de-DE" b="1" dirty="0"/>
-              <a:t>Project Runners für ein anderes Projekt aktivieren</a:t>
+              <a:t>Project Runner für ein anderes Projekt aktivieren</a:t>
             </a:r>
           </a:p>
           <a:p>
@@ -35791,7 +35412,7 @@
                 </a:solidFill>
                 <a:latin typeface="Arial"/>
               </a:rPr>
-              <a:t>Das Projekt, in dem der Runner bereits aktiviert ist</a:t>
+              <a:t>Projekt, in dem der Runner bereits aktiviert ist</a:t>
             </a:r>
           </a:p>
           <a:p>
@@ -35821,7 +35442,7 @@
                 </a:solidFill>
                 <a:latin typeface="Arial"/>
               </a:rPr>
-              <a:t>Das Projekt, in dem der Runner aktiviert werden soll</a:t>
+              <a:t>Projekt, in dem der Runner aktiviert werden soll</a:t>
             </a:r>
           </a:p>
           <a:p>
@@ -35859,7 +35480,7 @@
                 <a:ea typeface="+mn-ea"/>
                 <a:cs typeface="+mn-cs"/>
               </a:rPr>
-              <a:t>Der Project Runner darf nicht gesperrt sein</a:t>
+              <a:t>Project Runner darf nicht gesperrt sein</a:t>
             </a:r>
           </a:p>
           <a:p>
@@ -36396,23 +36017,7 @@
             </a:pPr>
             <a:r>
               <a:rPr lang="de-DE" dirty="0"/>
-              <a:t>Einen Project Runner mit </a:t>
-            </a:r>
-            <a:r>
-              <a:rPr lang="de-DE" dirty="0" err="1"/>
-              <a:t>authentication</a:t>
-            </a:r>
-            <a:r>
-              <a:rPr lang="de-DE" dirty="0"/>
-              <a:t> </a:t>
-            </a:r>
-            <a:r>
-              <a:rPr lang="de-DE" dirty="0" err="1"/>
-              <a:t>token</a:t>
-            </a:r>
-            <a:r>
-              <a:rPr lang="de-DE" dirty="0"/>
-              <a:t> erstellen</a:t>
+              <a:t>Project Runner mit Authentication Token erstellen</a:t>
             </a:r>
           </a:p>
           <a:p>
@@ -36432,7 +36037,7 @@
             </a:pPr>
             <a:r>
               <a:rPr lang="de-DE" dirty="0"/>
-              <a:t>Einen Project Runner löschen</a:t>
+              <a:t>Project Runner löschen</a:t>
             </a:r>
           </a:p>
           <a:p>
@@ -36442,7 +36047,7 @@
             </a:pPr>
             <a:r>
               <a:rPr lang="de-DE" dirty="0"/>
-              <a:t>Project Runners für ein anderes Projekt aktivieren</a:t>
+              <a:t>Project Runner für ein anderes Projekt aktivieren</a:t>
             </a:r>
           </a:p>
           <a:p>
@@ -36452,7 +36057,7 @@
             </a:pPr>
             <a:r>
               <a:rPr lang="de-DE" u="sng" dirty="0"/>
-              <a:t>Project Runners für andere Projekte sperren</a:t>
+              <a:t>Project Runner für andere Projekte sperren</a:t>
             </a:r>
           </a:p>
           <a:p>
@@ -36602,7 +36207,7 @@
             </a:pPr>
             <a:r>
               <a:rPr lang="de-DE" b="1" dirty="0"/>
-              <a:t>Project Runners für andere Projekte sperren</a:t>
+              <a:t>Project Runner für andere Projekte sperren</a:t>
             </a:r>
           </a:p>
           <a:p>
@@ -36662,7 +36267,7 @@
               <a:rPr lang="de-DE" dirty="0">
                 <a:sym typeface="Wingdings" panose="05000000000000000000" pitchFamily="2" charset="2"/>
               </a:rPr>
-              <a:t>Den zu (</a:t>
+              <a:t>Zu (</a:t>
             </a:r>
             <a:r>
               <a:rPr lang="de-DE" dirty="0" err="1">
@@ -36899,13 +36504,13 @@
           <p:nvPr>
             <p:extLst>
               <p:ext uri="{D42A27DB-BD31-4B8C-83A1-F6EECF244321}">
-                <p14:modId xmlns:p14="http://schemas.microsoft.com/office/powerpoint/2010/main" val="119491664"/>
+                <p14:modId xmlns:p14="http://schemas.microsoft.com/office/powerpoint/2010/main" val="2409113008"/>
               </p:ext>
             </p:extLst>
           </p:nvPr>
         </p:nvGraphicFramePr>
         <p:xfrm>
-          <a:off x="285720" y="874712"/>
+          <a:off x="395536" y="1628800"/>
           <a:ext cx="8516938" cy="3906520"/>
         </p:xfrm>
         <a:graphic>
@@ -36993,7 +36598,7 @@
                       <a:pPr rtl="0"/>
                       <a:r>
                         <a:rPr lang="de-DE" sz="1600" dirty="0"/>
-                        <a:t>Der Runner hat sich innerhalb der letzten 2 Stunden mit </a:t>
+                        <a:t>Runner hat sich innerhalb der letzten 2 Stunden mit </a:t>
                       </a:r>
                       <a:r>
                         <a:rPr lang="de-DE" sz="1600" dirty="0" err="1"/>
@@ -37044,7 +36649,7 @@
                       <a:pPr rtl="0"/>
                       <a:r>
                         <a:rPr lang="de-DE" sz="1600" dirty="0"/>
-                        <a:t>Der Runner hat sich seit über 2 Stunden nicht mit </a:t>
+                        <a:t>Runner hat sich seit über 2 Stunden nicht mit </a:t>
                       </a:r>
                       <a:r>
                         <a:rPr lang="de-DE" sz="1600" dirty="0" err="1"/>
@@ -37096,7 +36701,7 @@
                       <a:pPr rtl="0"/>
                       <a:r>
                         <a:rPr lang="de-DE" sz="1600" dirty="0"/>
-                        <a:t>Der Runner hat seit über 3 Monaten keinen Kontakt zu </a:t>
+                        <a:t>Runner hat seit über 3 Monaten keinen Kontakt zu </a:t>
                       </a:r>
                       <a:r>
                         <a:rPr lang="de-DE" sz="1600" dirty="0" err="1"/>
@@ -37148,7 +36753,7 @@
                       <a:pPr rtl="0"/>
                       <a:r>
                         <a:rPr lang="de-DE" sz="1600" dirty="0"/>
-                        <a:t>Der Runner hat sich nie mit </a:t>
+                        <a:t>Runner hat sich nie mit </a:t>
                       </a:r>
                       <a:r>
                         <a:rPr lang="de-DE" sz="1600" dirty="0" err="1"/>
@@ -37317,15 +36922,7 @@
             </a:r>
             <a:r>
               <a:rPr lang="de-DE" dirty="0"/>
-              <a:t> führen CI/CD </a:t>
-            </a:r>
-            <a:r>
-              <a:rPr lang="de-DE" dirty="0" err="1"/>
-              <a:t>jobs</a:t>
-            </a:r>
-            <a:r>
-              <a:rPr lang="de-DE" dirty="0"/>
-              <a:t> aus</a:t>
+              <a:t> führen CI/CD Jobs aus</a:t>
             </a:r>
           </a:p>
           <a:p>
@@ -37335,15 +36932,7 @@
             </a:pPr>
             <a:r>
               <a:rPr lang="de-DE" dirty="0"/>
-              <a:t>Pipeline </a:t>
-            </a:r>
-            <a:r>
-              <a:rPr lang="de-DE" dirty="0" err="1"/>
-              <a:t>jobs</a:t>
-            </a:r>
-            <a:r>
-              <a:rPr lang="de-DE" dirty="0"/>
-              <a:t> an Runner durch </a:t>
+              <a:t>Zuweisung Pipeline Jobs an Runner durch </a:t>
             </a:r>
             <a:r>
               <a:rPr lang="de-DE" dirty="0" err="1"/>
@@ -39088,8 +38677,15 @@
             </a:pPr>
             <a:r>
               <a:rPr lang="de-DE" dirty="0"/>
-              <a:t>1-n auszuführbaren Befehlen</a:t>
-            </a:r>
+              <a:t>1-n auszuführbare Befehle</a:t>
+            </a:r>
+          </a:p>
+          <a:p>
+            <a:pPr lvl="1">
+              <a:buFont typeface="Arial" panose="020B0604020202020204" pitchFamily="34" charset="0"/>
+              <a:buChar char="•"/>
+            </a:pPr>
+            <a:endParaRPr lang="de-DE" dirty="0"/>
           </a:p>
           <a:p>
             <a:pPr>
@@ -39134,6 +38730,12 @@
               </a:rPr>
               <a:t>Job-Ausführung</a:t>
             </a:r>
+          </a:p>
+          <a:p>
+            <a:pPr lvl="1">
+              <a:buFont typeface="Arial" panose="020B0604020202020204" pitchFamily="34" charset="0"/>
+              <a:buChar char="•"/>
+            </a:pPr>
             <a:endParaRPr lang="de-DE" dirty="0"/>
           </a:p>
           <a:p>
@@ -39185,13 +38787,8 @@
             </a:r>
             <a:r>
               <a:rPr lang="de-DE" dirty="0"/>
-              <a:t> </a:t>
-            </a:r>
-            <a:r>
-              <a:rPr lang="de-DE" dirty="0" err="1"/>
-              <a:t>jobs</a:t>
-            </a:r>
-            <a:endParaRPr lang="de-DE" dirty="0"/>
+              <a:t> Jobs</a:t>
+            </a:r>
           </a:p>
         </p:txBody>
       </p:sp>
@@ -39248,12 +38845,9 @@
           <a:p>
             <a:r>
               <a:rPr lang="de-DE" dirty="0" err="1"/>
-              <a:t>GitLab</a:t>
-            </a:r>
-            <a:r>
-              <a:rPr lang="de-DE" dirty="0"/>
-              <a:t> Runner</a:t>
-            </a:r>
+              <a:t>Executors</a:t>
+            </a:r>
+            <a:endParaRPr lang="de-DE" dirty="0"/>
           </a:p>
         </p:txBody>
       </p:sp>
@@ -39294,7 +38888,7 @@
             </a:pPr>
             <a:r>
               <a:rPr lang="de-DE" dirty="0"/>
-              <a:t>Verschiedene </a:t>
+              <a:t>Verfügbare </a:t>
             </a:r>
             <a:r>
               <a:rPr lang="de-DE" dirty="0" err="1"/>
@@ -39302,16 +38896,13 @@
             </a:r>
             <a:r>
               <a:rPr lang="de-DE" dirty="0"/>
-              <a:t> sind in </a:t>
+              <a:t> in </a:t>
             </a:r>
             <a:r>
               <a:rPr lang="de-DE" dirty="0" err="1"/>
               <a:t>GitLab</a:t>
             </a:r>
-            <a:r>
-              <a:rPr lang="de-DE" dirty="0"/>
-              <a:t> verfügbar</a:t>
-            </a:r>
+            <a:endParaRPr lang="de-DE" dirty="0"/>
           </a:p>
           <a:p>
             <a:pPr lvl="1">
@@ -39362,21 +38953,6 @@
               <a:rPr lang="de-DE" dirty="0"/>
               <a:t>Docker</a:t>
             </a:r>
-          </a:p>
-          <a:p>
-            <a:pPr lvl="2">
-              <a:buFont typeface="Arial" panose="020B0604020202020204" pitchFamily="34" charset="0"/>
-              <a:buChar char="•"/>
-            </a:pPr>
-            <a:r>
-              <a:rPr lang="de-DE" sz="1800" dirty="0"/>
-              <a:t>Docker </a:t>
-            </a:r>
-            <a:r>
-              <a:rPr lang="de-DE" sz="1800" dirty="0" err="1"/>
-              <a:t>Machine</a:t>
-            </a:r>
-            <a:endParaRPr lang="de-DE" sz="1800" dirty="0"/>
           </a:p>
           <a:p>
             <a:pPr lvl="1">
@@ -39395,28 +38971,27 @@
               <a:buChar char="•"/>
             </a:pPr>
             <a:r>
+              <a:rPr lang="de-DE" dirty="0"/>
+              <a:t>Abhängig vom Use Case!</a:t>
+            </a:r>
+          </a:p>
+          <a:p>
+            <a:pPr lvl="1">
+              <a:buFont typeface="Arial" panose="020B0604020202020204" pitchFamily="34" charset="0"/>
+              <a:buChar char="•"/>
+            </a:pPr>
+            <a:r>
+              <a:rPr lang="de-DE" dirty="0"/>
+              <a:t>Es gibt nicht den „besten“ </a:t>
+            </a:r>
+            <a:r>
               <a:rPr lang="de-DE" dirty="0" err="1"/>
               <a:t>Executor</a:t>
             </a:r>
             <a:r>
               <a:rPr lang="de-DE" dirty="0"/>
-              <a:t> ist abhängig vom Use Case!</a:t>
-            </a:r>
-          </a:p>
-          <a:p>
-            <a:pPr lvl="1">
-              <a:buFont typeface="Arial" panose="020B0604020202020204" pitchFamily="34" charset="0"/>
-              <a:buChar char="•"/>
-            </a:pPr>
-            <a:r>
-              <a:rPr lang="de-DE" dirty="0"/>
-              <a:t>Es gibt nicht den „besten“ </a:t>
-            </a:r>
-            <a:r>
-              <a:rPr lang="de-DE" dirty="0" err="1"/>
-              <a:t>Executor</a:t>
-            </a:r>
-            <a:endParaRPr lang="de-DE" dirty="0"/>
+              <a:t>!</a:t>
+            </a:r>
           </a:p>
           <a:p>
             <a:pPr lvl="1">
@@ -39480,12 +39055,9 @@
           <a:p>
             <a:r>
               <a:rPr lang="de-DE" dirty="0" err="1"/>
-              <a:t>GitLab</a:t>
-            </a:r>
-            <a:r>
-              <a:rPr lang="de-DE" dirty="0"/>
-              <a:t> Runner</a:t>
-            </a:r>
+              <a:t>Executors</a:t>
+            </a:r>
+            <a:endParaRPr lang="de-DE" dirty="0"/>
           </a:p>
         </p:txBody>
       </p:sp>
@@ -39530,7 +39102,7 @@
             </a:pPr>
             <a:r>
               <a:rPr lang="de-DE" dirty="0"/>
-              <a:t>Runner-Installationsort = Ort der Jobausführung</a:t>
+              <a:t>Umgebung des Runners = Umgebung der Jobausführung</a:t>
             </a:r>
           </a:p>
           <a:p>
@@ -39554,7 +39126,7 @@
             </a:r>
             <a:r>
               <a:rPr lang="de-DE" dirty="0"/>
-              <a:t> müssen installiert sein</a:t>
+              <a:t> müssen auf OS installiert sein</a:t>
             </a:r>
           </a:p>
           <a:p>
@@ -39564,7 +39136,15 @@
             </a:pPr>
             <a:r>
               <a:rPr lang="de-DE" dirty="0"/>
-              <a:t>Aber: Docker Images werden ignoriert!</a:t>
+              <a:t>Docker Images in .</a:t>
+            </a:r>
+            <a:r>
+              <a:rPr lang="de-DE" dirty="0" err="1"/>
+              <a:t>gitlab-ci.yaml</a:t>
+            </a:r>
+            <a:r>
+              <a:rPr lang="de-DE" dirty="0"/>
+              <a:t> werden ignoriert!</a:t>
             </a:r>
           </a:p>
           <a:p>
@@ -39596,14 +39176,8 @@
               <a:rPr lang="de-DE" dirty="0">
                 <a:sym typeface="Wingdings" panose="05000000000000000000" pitchFamily="2" charset="2"/>
               </a:rPr>
-              <a:t> Jobs werden sehr schnell ausgeführt</a:t>
-            </a:r>
-          </a:p>
-          <a:p>
-            <a:pPr>
-              <a:buFont typeface="Arial" panose="020B0604020202020204" pitchFamily="34" charset="0"/>
-              <a:buChar char="•"/>
-            </a:pPr>
+              <a:t> Umgehende Ausführung der Jobs</a:t>
+            </a:r>
             <a:endParaRPr lang="de-DE" dirty="0"/>
           </a:p>
           <a:p>
@@ -39668,12 +39242,9 @@
           <a:p>
             <a:r>
               <a:rPr lang="de-DE" dirty="0" err="1"/>
-              <a:t>GitLab</a:t>
-            </a:r>
-            <a:r>
-              <a:rPr lang="de-DE" dirty="0"/>
-              <a:t> Runner</a:t>
-            </a:r>
+              <a:t>Executors</a:t>
+            </a:r>
+            <a:endParaRPr lang="de-DE" dirty="0"/>
           </a:p>
         </p:txBody>
       </p:sp>
@@ -39732,6 +39303,21 @@
             </a:r>
           </a:p>
           <a:p>
+            <a:pPr lvl="1">
+              <a:buFont typeface="Arial" panose="020B0604020202020204" pitchFamily="34" charset="0"/>
+              <a:buChar char="•"/>
+            </a:pPr>
+            <a:r>
+              <a:rPr lang="de-DE" dirty="0"/>
+              <a:t>Einheitliche </a:t>
+            </a:r>
+            <a:r>
+              <a:rPr lang="de-DE" dirty="0" err="1"/>
+              <a:t>Builds</a:t>
+            </a:r>
+            <a:endParaRPr lang="de-DE" dirty="0"/>
+          </a:p>
+          <a:p>
             <a:pPr>
               <a:buFont typeface="Arial" panose="020B0604020202020204" pitchFamily="34" charset="0"/>
               <a:buChar char="•"/>
@@ -39765,8 +39351,13 @@
             </a:pPr>
             <a:r>
               <a:rPr lang="de-DE" sz="1800" dirty="0"/>
-              <a:t>Versionen?</a:t>
-            </a:r>
+              <a:t>Versionen installierter Software und </a:t>
+            </a:r>
+            <a:r>
+              <a:rPr lang="de-DE" sz="1800" dirty="0" err="1"/>
+              <a:t>Dependencies</a:t>
+            </a:r>
+            <a:endParaRPr lang="de-DE" sz="1800" dirty="0"/>
           </a:p>
           <a:p>
             <a:pPr lvl="2">
@@ -39775,80 +39366,68 @@
             </a:pPr>
             <a:r>
               <a:rPr lang="de-DE" sz="1800" dirty="0"/>
-              <a:t>Andere Infrastruktur </a:t>
-            </a:r>
+              <a:t>Abweichungen in der Infrastruktur</a:t>
+            </a:r>
+            <a:endParaRPr lang="de-DE" sz="1800" dirty="0">
+              <a:sym typeface="Wingdings" panose="05000000000000000000" pitchFamily="2" charset="2"/>
+            </a:endParaRPr>
+          </a:p>
+          <a:p>
+            <a:pPr lvl="1">
+              <a:buFont typeface="Arial" panose="020B0604020202020204" pitchFamily="34" charset="0"/>
+              <a:buChar char="•"/>
+            </a:pPr>
+            <a:r>
+              <a:rPr lang="de-DE" dirty="0"/>
+              <a:t>Andere Jobs</a:t>
+            </a:r>
+          </a:p>
+          <a:p>
+            <a:pPr lvl="2">
+              <a:buFont typeface="Arial" panose="020B0604020202020204" pitchFamily="34" charset="0"/>
+              <a:buChar char="•"/>
+            </a:pPr>
+            <a:r>
+              <a:rPr lang="de-DE" sz="1800" dirty="0"/>
+              <a:t>Keine Isolation</a:t>
+            </a:r>
+          </a:p>
+          <a:p>
+            <a:pPr lvl="2">
+              <a:buFont typeface="Arial" panose="020B0604020202020204" pitchFamily="34" charset="0"/>
+              <a:buChar char="•"/>
+            </a:pPr>
             <a:r>
               <a:rPr lang="de-DE" sz="1800" dirty="0">
                 <a:sym typeface="Wingdings" panose="05000000000000000000" pitchFamily="2" charset="2"/>
               </a:rPr>
-              <a:t> Welche </a:t>
+              <a:t>„</a:t>
             </a:r>
             <a:r>
               <a:rPr lang="de-DE" sz="1800" dirty="0" err="1">
                 <a:sym typeface="Wingdings" panose="05000000000000000000" pitchFamily="2" charset="2"/>
               </a:rPr>
-              <a:t>Dependencies</a:t>
+              <a:t>Left-overs</a:t>
             </a:r>
             <a:r>
               <a:rPr lang="de-DE" sz="1800" dirty="0">
                 <a:sym typeface="Wingdings" panose="05000000000000000000" pitchFamily="2" charset="2"/>
               </a:rPr>
-              <a:t>?</a:t>
-            </a:r>
-          </a:p>
-          <a:p>
-            <a:pPr lvl="1">
-              <a:buFont typeface="Arial" panose="020B0604020202020204" pitchFamily="34" charset="0"/>
-              <a:buChar char="•"/>
-            </a:pPr>
-            <a:r>
-              <a:rPr lang="de-DE" dirty="0">
+              <a:t>“  keine saubere </a:t>
+            </a:r>
+            <a:r>
+              <a:rPr lang="de-DE" sz="1800" dirty="0" err="1">
                 <a:sym typeface="Wingdings" panose="05000000000000000000" pitchFamily="2" charset="2"/>
               </a:rPr>
-              <a:t>„</a:t>
-            </a:r>
-            <a:r>
-              <a:rPr lang="de-DE" dirty="0" err="1">
+              <a:t>Build</a:t>
+            </a:r>
+            <a:r>
+              <a:rPr lang="de-DE" sz="1800" dirty="0">
                 <a:sym typeface="Wingdings" panose="05000000000000000000" pitchFamily="2" charset="2"/>
               </a:rPr>
-              <a:t>Left-overs</a:t>
-            </a:r>
-            <a:r>
-              <a:rPr lang="de-DE" dirty="0">
-                <a:sym typeface="Wingdings" panose="05000000000000000000" pitchFamily="2" charset="2"/>
-              </a:rPr>
-              <a:t>“  keine saubere </a:t>
-            </a:r>
-            <a:r>
-              <a:rPr lang="de-DE" dirty="0" err="1">
-                <a:sym typeface="Wingdings" panose="05000000000000000000" pitchFamily="2" charset="2"/>
-              </a:rPr>
-              <a:t>Build</a:t>
-            </a:r>
-            <a:r>
-              <a:rPr lang="de-DE" dirty="0">
-                <a:sym typeface="Wingdings" panose="05000000000000000000" pitchFamily="2" charset="2"/>
-              </a:rPr>
               <a:t>-Umgebung</a:t>
             </a:r>
-          </a:p>
-          <a:p>
-            <a:pPr lvl="1">
-              <a:buFont typeface="Arial" panose="020B0604020202020204" pitchFamily="34" charset="0"/>
-              <a:buChar char="•"/>
-            </a:pPr>
-            <a:r>
-              <a:rPr lang="de-DE" dirty="0" err="1">
-                <a:sym typeface="Wingdings" panose="05000000000000000000" pitchFamily="2" charset="2"/>
-              </a:rPr>
-              <a:t>Dependency</a:t>
-            </a:r>
-            <a:r>
-              <a:rPr lang="de-DE" dirty="0">
-                <a:sym typeface="Wingdings" panose="05000000000000000000" pitchFamily="2" charset="2"/>
-              </a:rPr>
-              <a:t>-Management</a:t>
-            </a:r>
+            <a:endParaRPr lang="de-DE" sz="1800" dirty="0"/>
           </a:p>
           <a:p>
             <a:pPr lvl="2">
@@ -39857,27 +39436,7 @@
             </a:pPr>
             <a:r>
               <a:rPr lang="de-DE" sz="1800" dirty="0"/>
-              <a:t>Projekte vs. Versionen</a:t>
-            </a:r>
-          </a:p>
-          <a:p>
-            <a:pPr lvl="1">
-              <a:buFont typeface="Arial" panose="020B0604020202020204" pitchFamily="34" charset="0"/>
-              <a:buChar char="•"/>
-            </a:pPr>
-            <a:r>
-              <a:rPr lang="de-DE" dirty="0"/>
-              <a:t>Anderen Jobs vertrauen</a:t>
-            </a:r>
-          </a:p>
-          <a:p>
-            <a:pPr lvl="2">
-              <a:buFont typeface="Arial" panose="020B0604020202020204" pitchFamily="34" charset="0"/>
-              <a:buChar char="•"/>
-            </a:pPr>
-            <a:r>
-              <a:rPr lang="de-DE" sz="1800" dirty="0"/>
-              <a:t>Voller Zugriff auf Projekt + Secrets</a:t>
+              <a:t>Vertrauen (voller Zugriff auf Projekt &amp; Secrets)</a:t>
             </a:r>
           </a:p>
           <a:p>
@@ -39924,7 +39483,7 @@
           <p:cNvPr id="2" name="Titel 1">
             <a:extLst>
               <a:ext uri="{FF2B5EF4-FFF2-40B4-BE49-F238E27FC236}">
-                <a16:creationId xmlns:a16="http://schemas.microsoft.com/office/drawing/2014/main" id="{4634223D-99BD-68A7-4860-F45BC03DFEA7}"/>
+                <a16:creationId xmlns:a16="http://schemas.microsoft.com/office/drawing/2014/main" id="{162741A2-D52A-10C8-AD02-8D793E3869E9}"/>
               </a:ext>
             </a:extLst>
           </p:cNvPr>
@@ -39956,7 +39515,7 @@
           <p:cNvPr id="3" name="Inhaltsplatzhalter 2">
             <a:extLst>
               <a:ext uri="{FF2B5EF4-FFF2-40B4-BE49-F238E27FC236}">
-                <a16:creationId xmlns:a16="http://schemas.microsoft.com/office/drawing/2014/main" id="{D9F10513-FE0C-0C65-DB15-5D771567744B}"/>
+                <a16:creationId xmlns:a16="http://schemas.microsoft.com/office/drawing/2014/main" id="{FDCC01D8-9F8B-9854-0B90-FBAF454D60D5}"/>
               </a:ext>
             </a:extLst>
           </p:cNvPr>
@@ -39976,119 +39535,143 @@
               <a:buNone/>
             </a:pPr>
             <a:r>
+              <a:rPr lang="de-DE" b="1" dirty="0" err="1"/>
+              <a:t>GitLab</a:t>
+            </a:r>
+            <a:r>
               <a:rPr lang="de-DE" b="1" dirty="0"/>
-              <a:t>Self-</a:t>
+              <a:t> und </a:t>
             </a:r>
             <a:r>
               <a:rPr lang="de-DE" b="1" dirty="0" err="1"/>
-              <a:t>managed</a:t>
+              <a:t>GitLab</a:t>
             </a:r>
             <a:r>
               <a:rPr lang="de-DE" b="1" dirty="0"/>
+              <a:t> Runner Versionen</a:t>
+            </a:r>
+          </a:p>
+          <a:p>
+            <a:pPr>
+              <a:buFont typeface="Arial" panose="020B0604020202020204" pitchFamily="34" charset="0"/>
+              <a:buChar char="•"/>
+            </a:pPr>
+            <a:r>
+              <a:rPr lang="de-DE" dirty="0"/>
+              <a:t>MAJOR.MINOR </a:t>
+            </a:r>
+            <a:r>
+              <a:rPr lang="de-DE" dirty="0" err="1"/>
+              <a:t>sync</a:t>
+            </a:r>
+            <a:r>
+              <a:rPr lang="de-DE" dirty="0"/>
+              <a:t>: </a:t>
+            </a:r>
+          </a:p>
+          <a:p>
+            <a:pPr lvl="1">
+              <a:buFont typeface="Arial" panose="020B0604020202020204" pitchFamily="34" charset="0"/>
+              <a:buChar char="•"/>
+            </a:pPr>
+            <a:r>
+              <a:rPr lang="de-DE" dirty="0" err="1"/>
+              <a:t>GitLab</a:t>
+            </a:r>
+            <a:r>
+              <a:rPr lang="de-DE" dirty="0"/>
+              <a:t> </a:t>
+            </a:r>
+            <a:r>
+              <a:rPr lang="de-DE" dirty="0">
+                <a:sym typeface="Wingdings" panose="05000000000000000000" pitchFamily="2" charset="2"/>
+              </a:rPr>
+              <a:t>&lt;-&gt;</a:t>
+            </a:r>
+            <a:r>
+              <a:rPr lang="de-DE" dirty="0"/>
+              <a:t> </a:t>
+            </a:r>
+            <a:r>
+              <a:rPr lang="de-DE" dirty="0" err="1"/>
+              <a:t>GitLab</a:t>
+            </a:r>
+            <a:r>
+              <a:rPr lang="de-DE" dirty="0"/>
               <a:t> Runner</a:t>
             </a:r>
           </a:p>
+          <a:p>
+            <a:pPr>
+              <a:buFont typeface="Arial" panose="020B0604020202020204" pitchFamily="34" charset="0"/>
+              <a:buChar char="•"/>
+            </a:pPr>
+            <a:r>
+              <a:rPr lang="de-DE" dirty="0"/>
+              <a:t> Rückwärtskompatibilität</a:t>
+            </a:r>
+          </a:p>
+          <a:p>
+            <a:pPr lvl="1">
+              <a:buFont typeface="Arial" panose="020B0604020202020204" pitchFamily="34" charset="0"/>
+              <a:buChar char="•"/>
+            </a:pPr>
+            <a:r>
+              <a:rPr lang="de-DE" dirty="0"/>
+              <a:t>Bei MINOR gegeben</a:t>
+            </a:r>
+          </a:p>
+          <a:p>
+            <a:pPr lvl="1">
+              <a:buFont typeface="Arial" panose="020B0604020202020204" pitchFamily="34" charset="0"/>
+              <a:buChar char="•"/>
+            </a:pPr>
+            <a:r>
+              <a:rPr lang="de-DE" dirty="0"/>
+              <a:t>Aber: neue </a:t>
+            </a:r>
+            <a:r>
+              <a:rPr lang="de-DE" dirty="0" err="1"/>
+              <a:t>GitLab</a:t>
+            </a:r>
+            <a:r>
+              <a:rPr lang="de-DE" dirty="0"/>
+              <a:t>-Features beachten!</a:t>
+            </a:r>
+          </a:p>
+          <a:p>
+            <a:pPr>
+              <a:buFont typeface="Arial" panose="020B0604020202020204" pitchFamily="34" charset="0"/>
+              <a:buChar char="•"/>
+            </a:pPr>
+            <a:r>
+              <a:rPr lang="de-DE" dirty="0"/>
+              <a:t>Falls GitLab.com genutzt wird</a:t>
+            </a:r>
+          </a:p>
+          <a:p>
+            <a:pPr lvl="1">
+              <a:buFont typeface="Arial" panose="020B0604020202020204" pitchFamily="34" charset="0"/>
+              <a:buChar char="•"/>
+            </a:pPr>
+            <a:r>
+              <a:rPr lang="de-DE" dirty="0"/>
+              <a:t>Runner immer updaten</a:t>
+            </a:r>
+          </a:p>
+          <a:p>
+            <a:pPr lvl="1">
+              <a:buFont typeface="Arial" panose="020B0604020202020204" pitchFamily="34" charset="0"/>
+              <a:buChar char="•"/>
+            </a:pPr>
+            <a:endParaRPr lang="de-DE" dirty="0"/>
+          </a:p>
         </p:txBody>
       </p:sp>
-      <p:pic>
-        <p:nvPicPr>
-          <p:cNvPr id="4" name="Inhaltsplatzhalter 4">
-            <a:extLst>
-              <a:ext uri="{FF2B5EF4-FFF2-40B4-BE49-F238E27FC236}">
-                <a16:creationId xmlns:a16="http://schemas.microsoft.com/office/drawing/2014/main" id="{C41C5879-090D-5E3D-795C-ECCA3D72E403}"/>
-              </a:ext>
-            </a:extLst>
-          </p:cNvPr>
-          <p:cNvPicPr>
-            <a:picLocks noChangeAspect="1"/>
-          </p:cNvPicPr>
-          <p:nvPr/>
-        </p:nvPicPr>
-        <p:blipFill>
-          <a:blip r:embed="rId2">
-            <a:extLst>
-              <a:ext uri="{28A0092B-C50C-407E-A947-70E740481C1C}">
-                <a14:useLocalDpi xmlns:a14="http://schemas.microsoft.com/office/drawing/2010/main" val="0"/>
-              </a:ext>
-            </a:extLst>
-          </a:blip>
-          <a:stretch>
-            <a:fillRect/>
-          </a:stretch>
-        </p:blipFill>
-        <p:spPr bwMode="auto">
-          <a:xfrm>
-            <a:off x="2699792" y="1752600"/>
-            <a:ext cx="3352800" cy="3352800"/>
-          </a:xfrm>
-          <a:prstGeom prst="rect">
-            <a:avLst/>
-          </a:prstGeom>
-          <a:noFill/>
-          <a:ln>
-            <a:noFill/>
-          </a:ln>
-          <a:extLst>
-            <a:ext uri="{909E8E84-426E-40DD-AFC4-6F175D3DCCD1}">
-              <a14:hiddenFill xmlns:a14="http://schemas.microsoft.com/office/drawing/2010/main">
-                <a:solidFill>
-                  <a:srgbClr val="FFFFFF"/>
-                </a:solidFill>
-              </a14:hiddenFill>
-            </a:ext>
-            <a:ext uri="{91240B29-F687-4F45-9708-019B960494DF}">
-              <a14:hiddenLine xmlns:a14="http://schemas.microsoft.com/office/drawing/2010/main" w="9525">
-                <a:solidFill>
-                  <a:srgbClr val="000000"/>
-                </a:solidFill>
-                <a:miter lim="800000"/>
-                <a:headEnd/>
-                <a:tailEnd/>
-              </a14:hiddenLine>
-            </a:ext>
-          </a:extLst>
-        </p:spPr>
-      </p:pic>
-      <p:pic>
-        <p:nvPicPr>
-          <p:cNvPr id="5" name="Grafik 4">
-            <a:extLst>
-              <a:ext uri="{FF2B5EF4-FFF2-40B4-BE49-F238E27FC236}">
-                <a16:creationId xmlns:a16="http://schemas.microsoft.com/office/drawing/2014/main" id="{4BDBDA2D-4F0D-834D-AEA6-80A23C86932C}"/>
-              </a:ext>
-            </a:extLst>
-          </p:cNvPr>
-          <p:cNvPicPr>
-            <a:picLocks noChangeAspect="1"/>
-          </p:cNvPicPr>
-          <p:nvPr/>
-        </p:nvPicPr>
-        <p:blipFill>
-          <a:blip r:embed="rId3">
-            <a:extLst>
-              <a:ext uri="{28A0092B-C50C-407E-A947-70E740481C1C}">
-                <a14:useLocalDpi xmlns:a14="http://schemas.microsoft.com/office/drawing/2010/main" val="0"/>
-              </a:ext>
-            </a:extLst>
-          </a:blip>
-          <a:stretch>
-            <a:fillRect/>
-          </a:stretch>
-        </p:blipFill>
-        <p:spPr>
-          <a:xfrm rot="20636734">
-            <a:off x="4879982" y="4174115"/>
-            <a:ext cx="1729653" cy="1729653"/>
-          </a:xfrm>
-          <a:prstGeom prst="rect">
-            <a:avLst/>
-          </a:prstGeom>
-        </p:spPr>
-      </p:pic>
     </p:spTree>
     <p:extLst>
       <p:ext uri="{BB962C8B-B14F-4D97-AF65-F5344CB8AC3E}">
-        <p14:creationId xmlns:p14="http://schemas.microsoft.com/office/powerpoint/2010/main" val="3894032994"/>
+        <p14:creationId xmlns:p14="http://schemas.microsoft.com/office/powerpoint/2010/main" val="1101122920"/>
       </p:ext>
     </p:extLst>
   </p:cSld>
@@ -40138,12 +39721,9 @@
           <a:p>
             <a:r>
               <a:rPr lang="de-DE" dirty="0" err="1"/>
-              <a:t>GitLab</a:t>
-            </a:r>
-            <a:r>
-              <a:rPr lang="de-DE" dirty="0"/>
-              <a:t> Runner</a:t>
-            </a:r>
+              <a:t>Executors</a:t>
+            </a:r>
+            <a:endParaRPr lang="de-DE" dirty="0"/>
           </a:p>
         </p:txBody>
       </p:sp>
@@ -40213,7 +39793,7 @@
             </a:pPr>
             <a:r>
               <a:rPr lang="de-DE" dirty="0"/>
-              <a:t>Nur für Bash-Scripts!</a:t>
+              <a:t>Nur für Bash Scripts!</a:t>
             </a:r>
           </a:p>
           <a:p>
@@ -40223,7 +39803,7 @@
             </a:pPr>
             <a:r>
               <a:rPr lang="de-DE" dirty="0"/>
-              <a:t>Höhere Sicherheit, da SSH</a:t>
+              <a:t>Höhere Sicherheit</a:t>
             </a:r>
           </a:p>
           <a:p>
@@ -40235,7 +39815,19 @@
               <a:rPr lang="de-DE" dirty="0">
                 <a:sym typeface="Wingdings" panose="05000000000000000000" pitchFamily="2" charset="2"/>
               </a:rPr>
-              <a:t> Kein Zugriff auf das gesamte Dateisystem</a:t>
+              <a:t>Isolation durch User möglich</a:t>
+            </a:r>
+          </a:p>
+          <a:p>
+            <a:pPr lvl="1">
+              <a:buFont typeface="Arial" panose="020B0604020202020204" pitchFamily="34" charset="0"/>
+              <a:buChar char="•"/>
+            </a:pPr>
+            <a:r>
+              <a:rPr lang="de-DE" dirty="0">
+                <a:sym typeface="Wingdings" panose="05000000000000000000" pitchFamily="2" charset="2"/>
+              </a:rPr>
+              <a:t>Kein Zugriff auf das gesamte Dateisystem</a:t>
             </a:r>
           </a:p>
           <a:p>
@@ -40336,12 +39928,9 @@
           <a:p>
             <a:r>
               <a:rPr lang="de-DE" dirty="0" err="1"/>
-              <a:t>GitLab</a:t>
-            </a:r>
-            <a:r>
-              <a:rPr lang="de-DE" dirty="0"/>
-              <a:t> Runner</a:t>
-            </a:r>
+              <a:t>Executors</a:t>
+            </a:r>
+            <a:endParaRPr lang="de-DE" dirty="0"/>
           </a:p>
         </p:txBody>
       </p:sp>
@@ -40396,7 +39985,15 @@
             </a:pPr>
             <a:r>
               <a:rPr lang="de-DE" dirty="0"/>
-              <a:t>Nur per SSH erreichbar? Das ist der Weg.</a:t>
+              <a:t>Dedizierter </a:t>
+            </a:r>
+            <a:r>
+              <a:rPr lang="de-DE" dirty="0" err="1"/>
+              <a:t>Build</a:t>
+            </a:r>
+            <a:r>
+              <a:rPr lang="de-DE" dirty="0"/>
+              <a:t> Server</a:t>
             </a:r>
           </a:p>
           <a:p>
@@ -40406,21 +40003,21 @@
             </a:pPr>
             <a:r>
               <a:rPr lang="de-DE" dirty="0"/>
-              <a:t>Nur diese Maschine verwendbar</a:t>
-            </a:r>
+              <a:t>Erreichbarkeit nur mittels SSH (Firewall, etc.)</a:t>
+            </a:r>
+          </a:p>
+          <a:p>
+            <a:pPr lvl="1">
+              <a:buFont typeface="Arial" panose="020B0604020202020204" pitchFamily="34" charset="0"/>
+              <a:buChar char="•"/>
+            </a:pPr>
+            <a:endParaRPr lang="de-DE" dirty="0"/>
           </a:p>
           <a:p>
             <a:pPr>
               <a:buFont typeface="Arial" panose="020B0604020202020204" pitchFamily="34" charset="0"/>
               <a:buChar char="•"/>
             </a:pPr>
-            <a:endParaRPr lang="de-DE" dirty="0"/>
-          </a:p>
-          <a:p>
-            <a:pPr>
-              <a:buFont typeface="Arial" panose="020B0604020202020204" pitchFamily="34" charset="0"/>
-              <a:buChar char="•"/>
-            </a:pPr>
             <a:r>
               <a:rPr lang="de-DE" dirty="0"/>
               <a:t>Zu beachten</a:t>
@@ -40433,13 +40030,16 @@
             </a:pPr>
             <a:r>
               <a:rPr lang="de-DE" dirty="0"/>
-              <a:t>Siehe Shell </a:t>
+              <a:t>Analog Shell </a:t>
             </a:r>
             <a:r>
               <a:rPr lang="de-DE" dirty="0" err="1"/>
               <a:t>Executor</a:t>
             </a:r>
-            <a:endParaRPr lang="de-DE" dirty="0"/>
+            <a:r>
+              <a:rPr lang="de-DE" dirty="0"/>
+              <a:t> (weitgehend)</a:t>
+            </a:r>
           </a:p>
         </p:txBody>
       </p:sp>
@@ -40496,12 +40096,9 @@
           <a:p>
             <a:r>
               <a:rPr lang="de-DE" dirty="0" err="1"/>
-              <a:t>GitLab</a:t>
-            </a:r>
-            <a:r>
-              <a:rPr lang="de-DE" dirty="0"/>
-              <a:t> Runner</a:t>
-            </a:r>
+              <a:t>Executors</a:t>
+            </a:r>
+            <a:endParaRPr lang="de-DE" dirty="0"/>
           </a:p>
         </p:txBody>
       </p:sp>
@@ -40557,7 +40154,15 @@
             </a:pPr>
             <a:r>
               <a:rPr lang="de-DE" dirty="0"/>
-              <a:t>Bestehende VM</a:t>
+              <a:t>Vorbereitete </a:t>
+            </a:r>
+            <a:r>
+              <a:rPr lang="de-DE" dirty="0" err="1"/>
+              <a:t>Build</a:t>
+            </a:r>
+            <a:r>
+              <a:rPr lang="de-DE" dirty="0"/>
+              <a:t> VM</a:t>
             </a:r>
           </a:p>
           <a:p>
@@ -40600,7 +40205,7 @@
               <a:rPr lang="de-DE" dirty="0">
                 <a:sym typeface="Wingdings" panose="05000000000000000000" pitchFamily="2" charset="2"/>
               </a:rPr>
-              <a:t> virtuelle Umgebung</a:t>
+              <a:t> eigene virtuelle Umgebung</a:t>
             </a:r>
             <a:endParaRPr lang="de-DE" dirty="0"/>
           </a:p>
@@ -40690,12 +40295,9 @@
           <a:p>
             <a:r>
               <a:rPr lang="de-DE" dirty="0" err="1"/>
-              <a:t>GitLab</a:t>
-            </a:r>
-            <a:r>
-              <a:rPr lang="de-DE" dirty="0"/>
-              <a:t> Runner</a:t>
-            </a:r>
+              <a:t>Executors</a:t>
+            </a:r>
+            <a:endParaRPr lang="de-DE" dirty="0"/>
           </a:p>
         </p:txBody>
       </p:sp>
@@ -40761,17 +40363,21 @@
             </a:pPr>
             <a:r>
               <a:rPr lang="de-DE" dirty="0"/>
-              <a:t>Verschiedene Umgebungen</a:t>
-            </a:r>
-          </a:p>
-          <a:p>
-            <a:pPr lvl="2">
-              <a:buFont typeface="Arial" panose="020B0604020202020204" pitchFamily="34" charset="0"/>
-              <a:buChar char="•"/>
-            </a:pPr>
+              <a:t>Mehrere Umgebungen (z.B. für </a:t>
+            </a:r>
             <a:r>
               <a:rPr lang="de-DE" sz="1800" dirty="0"/>
-              <a:t>Testen </a:t>
+              <a:t>Tests)</a:t>
+            </a:r>
+          </a:p>
+          <a:p>
+            <a:pPr lvl="1">
+              <a:buFont typeface="Arial" panose="020B0604020202020204" pitchFamily="34" charset="0"/>
+              <a:buChar char="•"/>
+            </a:pPr>
+            <a:r>
+              <a:rPr lang="de-DE" dirty="0"/>
+              <a:t>Starke Isolation gewünscht</a:t>
             </a:r>
           </a:p>
           <a:p>
@@ -40848,7 +40454,7 @@
               <a:rPr lang="de-DE" dirty="0">
                 <a:sym typeface="Wingdings" panose="05000000000000000000" pitchFamily="2" charset="2"/>
               </a:rPr>
-              <a:t>Verbindung läuft über SSH! (Fehlerquellenmöglichkeit)</a:t>
+              <a:t>Verbindung läuft über SSH</a:t>
             </a:r>
           </a:p>
           <a:p>
@@ -40951,12 +40557,9 @@
           <a:p>
             <a:r>
               <a:rPr lang="de-DE" dirty="0" err="1"/>
-              <a:t>GitLab</a:t>
-            </a:r>
-            <a:r>
-              <a:rPr lang="de-DE" dirty="0"/>
-              <a:t> Runner</a:t>
-            </a:r>
+              <a:t>Executors</a:t>
+            </a:r>
+            <a:endParaRPr lang="de-DE" dirty="0"/>
           </a:p>
         </p:txBody>
       </p:sp>
@@ -41001,7 +40604,7 @@
             </a:pPr>
             <a:r>
               <a:rPr lang="de-DE" dirty="0"/>
-              <a:t>Definiert in der Pipeline</a:t>
+              <a:t>Images auf Ebene von Jobs individuell konfigurierbar</a:t>
             </a:r>
           </a:p>
           <a:p>
@@ -41115,12 +40718,9 @@
           <a:p>
             <a:r>
               <a:rPr lang="de-DE" dirty="0" err="1"/>
-              <a:t>GitLab</a:t>
-            </a:r>
-            <a:r>
-              <a:rPr lang="de-DE" dirty="0"/>
-              <a:t> Runner</a:t>
-            </a:r>
+              <a:t>Executors</a:t>
+            </a:r>
+            <a:endParaRPr lang="de-DE" dirty="0"/>
           </a:p>
         </p:txBody>
       </p:sp>
@@ -41175,7 +40775,7 @@
             </a:pPr>
             <a:r>
               <a:rPr lang="de-DE" dirty="0"/>
-              <a:t>Saubere Umgebung für jeden Job</a:t>
+              <a:t>Saubere, isolierte Umgebung für jeden Job</a:t>
             </a:r>
           </a:p>
           <a:p>
@@ -41223,6 +40823,38 @@
             <a:r>
               <a:rPr lang="de-DE" sz="2000" dirty="0"/>
               <a:t>Docker Image Download pro Job</a:t>
+            </a:r>
+          </a:p>
+          <a:p>
+            <a:pPr lvl="2">
+              <a:buFont typeface="Arial" panose="020B0604020202020204" pitchFamily="34" charset="0"/>
+              <a:buChar char="•"/>
+            </a:pPr>
+            <a:r>
+              <a:rPr lang="de-DE" sz="2000" dirty="0" err="1"/>
+              <a:t>Dependencies</a:t>
+            </a:r>
+            <a:r>
+              <a:rPr lang="de-DE" sz="2000" dirty="0"/>
+              <a:t> (z.B. Maven)</a:t>
+            </a:r>
+          </a:p>
+          <a:p>
+            <a:pPr lvl="1">
+              <a:buFont typeface="Arial" panose="020B0604020202020204" pitchFamily="34" charset="0"/>
+              <a:buChar char="•"/>
+            </a:pPr>
+            <a:r>
+              <a:rPr lang="de-DE" dirty="0"/>
+              <a:t>Austausch von </a:t>
+            </a:r>
+            <a:r>
+              <a:rPr lang="de-DE" dirty="0" err="1"/>
+              <a:t>Build</a:t>
+            </a:r>
+            <a:r>
+              <a:rPr lang="de-DE" dirty="0"/>
+              <a:t>-Artefakten zwischen Jobs (Containern) erschwert</a:t>
             </a:r>
           </a:p>
           <a:p>
@@ -41247,7 +40879,7 @@
 </file>
 
 <file path=ppt/slides/slide96.xml><?xml version="1.0" encoding="utf-8"?>
-<p:sld xmlns:a="http://schemas.openxmlformats.org/drawingml/2006/main" xmlns:r="http://schemas.openxmlformats.org/officeDocument/2006/relationships" xmlns:p="http://schemas.openxmlformats.org/presentationml/2006/main">
+<p:sld xmlns:a="http://schemas.openxmlformats.org/drawingml/2006/main" xmlns:r="http://schemas.openxmlformats.org/officeDocument/2006/relationships" xmlns:p="http://schemas.openxmlformats.org/presentationml/2006/main" show="0">
   <p:cSld>
     <p:spTree>
       <p:nvGrpSpPr>
@@ -41286,12 +40918,9 @@
           <a:p>
             <a:r>
               <a:rPr lang="de-DE" dirty="0" err="1"/>
-              <a:t>GitLab</a:t>
-            </a:r>
-            <a:r>
-              <a:rPr lang="de-DE" dirty="0"/>
-              <a:t> Runner</a:t>
-            </a:r>
+              <a:t>Executors</a:t>
+            </a:r>
+            <a:endParaRPr lang="de-DE" dirty="0"/>
           </a:p>
         </p:txBody>
       </p:sp>
@@ -41348,7 +40977,7 @@
             </a:r>
             <a:r>
               <a:rPr lang="de-DE" dirty="0" err="1"/>
-              <a:t>Executor</a:t>
+              <a:t>Executors</a:t>
             </a:r>
             <a:endParaRPr lang="de-DE" dirty="0"/>
           </a:p>
@@ -41389,7 +41018,7 @@
             </a:pPr>
             <a:r>
               <a:rPr lang="de-DE" dirty="0"/>
-              <a:t>Aber mit </a:t>
+              <a:t>… aber mit </a:t>
             </a:r>
             <a:r>
               <a:rPr lang="de-DE" dirty="0" err="1"/>
@@ -41397,17 +41026,11 @@
             </a:r>
             <a:r>
               <a:rPr lang="de-DE" dirty="0"/>
-              <a:t> Hosts</a:t>
-            </a:r>
-          </a:p>
-          <a:p>
-            <a:pPr lvl="2">
-              <a:buFont typeface="Arial" panose="020B0604020202020204" pitchFamily="34" charset="0"/>
-              <a:buChar char="•"/>
-            </a:pPr>
+              <a:t> Hosts (</a:t>
+            </a:r>
             <a:r>
               <a:rPr lang="de-DE" sz="1800" dirty="0"/>
-              <a:t>Bei Bedarf erstellt</a:t>
+              <a:t>bei Bedarf erstellt)</a:t>
             </a:r>
           </a:p>
           <a:p>
@@ -41484,6 +41107,24 @@
                 <a:sym typeface="Wingdings" panose="05000000000000000000" pitchFamily="2" charset="2"/>
               </a:rPr>
               <a:t></a:t>
+            </a:r>
+          </a:p>
+          <a:p>
+            <a:pPr lvl="1">
+              <a:buFont typeface="Arial" panose="020B0604020202020204" pitchFamily="34" charset="0"/>
+              <a:buChar char="•"/>
+            </a:pPr>
+            <a:r>
+              <a:rPr lang="de-DE" dirty="0">
+                <a:sym typeface="Wingdings" panose="05000000000000000000" pitchFamily="2" charset="2"/>
+              </a:rPr>
+              <a:t>Mittlerweile </a:t>
+            </a:r>
+            <a:r>
+              <a:rPr lang="de-DE" dirty="0" err="1">
+                <a:sym typeface="Wingdings" panose="05000000000000000000" pitchFamily="2" charset="2"/>
+              </a:rPr>
+              <a:t>deprecated</a:t>
             </a:r>
             <a:endParaRPr lang="de-DE" dirty="0"/>
           </a:p>
@@ -41549,12 +41190,9 @@
           <a:p>
             <a:r>
               <a:rPr lang="de-DE" dirty="0" err="1"/>
-              <a:t>GitLab</a:t>
-            </a:r>
-            <a:r>
-              <a:rPr lang="de-DE" dirty="0"/>
-              <a:t> Runner</a:t>
-            </a:r>
+              <a:t>Executors</a:t>
+            </a:r>
+            <a:endParaRPr lang="de-DE" dirty="0"/>
           </a:p>
         </p:txBody>
       </p:sp>
@@ -41611,7 +41249,7 @@
             </a:r>
             <a:r>
               <a:rPr lang="de-DE" dirty="0"/>
-              <a:t>-Cluster</a:t>
+              <a:t> Cluster</a:t>
             </a:r>
           </a:p>
           <a:p>
@@ -41648,16 +41286,15 @@
               <a:t>API </a:t>
             </a:r>
             <a:r>
-              <a:rPr lang="de-DE">
+              <a:rPr lang="de-DE" dirty="0">
                 <a:sym typeface="Wingdings" panose="05000000000000000000" pitchFamily="2" charset="2"/>
               </a:rPr>
               <a:t> </a:t>
             </a:r>
             <a:r>
-              <a:rPr lang="de-DE"/>
+              <a:rPr lang="de-DE" dirty="0"/>
               <a:t>neuer Pod</a:t>
             </a:r>
-            <a:endParaRPr lang="de-DE" dirty="0"/>
           </a:p>
           <a:p>
             <a:pPr lvl="1">
@@ -41670,11 +41307,11 @@
             </a:r>
             <a:r>
               <a:rPr lang="de-DE" dirty="0" err="1"/>
-              <a:t>Build-Contrainer</a:t>
-            </a:r>
-            <a:r>
-              <a:rPr lang="de-DE" dirty="0"/>
-              <a:t> und Services-Containers</a:t>
+              <a:t>Build</a:t>
+            </a:r>
+            <a:r>
+              <a:rPr lang="de-DE" dirty="0"/>
+              <a:t>-Container und Services-Containers</a:t>
             </a:r>
           </a:p>
           <a:p>
@@ -41810,12 +41447,9 @@
           <a:p>
             <a:r>
               <a:rPr lang="de-DE" dirty="0" err="1"/>
-              <a:t>GitLab</a:t>
-            </a:r>
-            <a:r>
-              <a:rPr lang="de-DE" dirty="0"/>
-              <a:t> Runner</a:t>
-            </a:r>
+              <a:t>Executors</a:t>
+            </a:r>
+            <a:endParaRPr lang="de-DE" dirty="0"/>
           </a:p>
         </p:txBody>
       </p:sp>
@@ -42055,12 +41689,9 @@
           <a:p>
             <a:r>
               <a:rPr lang="de-DE" dirty="0" err="1"/>
-              <a:t>GitLab</a:t>
-            </a:r>
-            <a:r>
-              <a:rPr lang="de-DE" dirty="0"/>
-              <a:t> Runner</a:t>
-            </a:r>
+              <a:t>Executors</a:t>
+            </a:r>
+            <a:endParaRPr lang="de-DE" dirty="0"/>
           </a:p>
         </p:txBody>
       </p:sp>
@@ -42090,7 +41721,7 @@
             </a:pPr>
             <a:r>
               <a:rPr lang="de-DE" b="1" dirty="0" err="1"/>
-              <a:t>Compability</a:t>
+              <a:t>Compatibility</a:t>
             </a:r>
             <a:r>
               <a:rPr lang="de-DE" b="1" dirty="0"/>
